--- a/DATN/DATN.pptx
+++ b/DATN/DATN.pptx
@@ -2,7 +2,7 @@
 <file path=ppt/presentation.xml><?xml version="1.0" encoding="utf-8"?>
 <p:presentation xmlns:a="http://schemas.openxmlformats.org/drawingml/2006/main" xmlns:r="http://schemas.openxmlformats.org/officeDocument/2006/relationships" xmlns:p="http://schemas.openxmlformats.org/presentationml/2006/main" saveSubsetFonts="1">
   <p:sldMasterIdLst>
-    <p:sldMasterId id="2147484102" r:id="rId1"/>
+    <p:sldMasterId id="2147484119" r:id="rId1"/>
   </p:sldMasterIdLst>
   <p:sldIdLst>
     <p:sldId id="256" r:id="rId2"/>
@@ -20,6 +20,7 @@
     <p:sldId id="267" r:id="rId14"/>
     <p:sldId id="268" r:id="rId15"/>
     <p:sldId id="269" r:id="rId16"/>
+    <p:sldId id="271" r:id="rId17"/>
   </p:sldIdLst>
   <p:sldSz cx="12192000" cy="6858000"/>
   <p:notesSz cx="6858000" cy="9144000"/>
@@ -118,11 +119,16 @@
       </a:defRPr>
     </a:lvl9pPr>
   </p:defaultTextStyle>
+  <p:extLst>
+    <p:ext uri="{EFAFB233-063F-42B5-8137-9DF3F51BA10A}">
+      <p15:sldGuideLst xmlns:p15="http://schemas.microsoft.com/office/powerpoint/2012/main"/>
+    </p:ext>
+  </p:extLst>
 </p:presentation>
 </file>
 
 <file path=ppt/slideLayouts/slideLayout1.xml><?xml version="1.0" encoding="utf-8"?>
-<p:sldLayout xmlns:a="http://schemas.openxmlformats.org/drawingml/2006/main" xmlns:r="http://schemas.openxmlformats.org/officeDocument/2006/relationships" xmlns:p="http://schemas.openxmlformats.org/presentationml/2006/main" showMasterSp="0" type="title" preserve="1">
+<p:sldLayout xmlns:a="http://schemas.openxmlformats.org/drawingml/2006/main" xmlns:r="http://schemas.openxmlformats.org/officeDocument/2006/relationships" xmlns:p="http://schemas.openxmlformats.org/presentationml/2006/main" type="title" preserve="1">
   <p:cSld name="Title Slide">
     <p:spTree>
       <p:nvGrpSpPr>
@@ -138,536 +144,6 @@
           <a:chExt cx="0" cy="0"/>
         </a:xfrm>
       </p:grpSpPr>
-      <p:grpSp>
-        <p:nvGrpSpPr>
-          <p:cNvPr id="7" name="Group 6"/>
-          <p:cNvGrpSpPr/>
-          <p:nvPr/>
-        </p:nvGrpSpPr>
-        <p:grpSpPr>
-          <a:xfrm>
-            <a:off x="0" y="-8467"/>
-            <a:ext cx="12192000" cy="6866467"/>
-            <a:chOff x="0" y="-8467"/>
-            <a:chExt cx="12192000" cy="6866467"/>
-          </a:xfrm>
-        </p:grpSpPr>
-        <p:cxnSp>
-          <p:nvCxnSpPr>
-            <p:cNvPr id="32" name="Straight Connector 31"/>
-            <p:cNvCxnSpPr/>
-            <p:nvPr/>
-          </p:nvCxnSpPr>
-          <p:spPr>
-            <a:xfrm>
-              <a:off x="9371012" y="0"/>
-              <a:ext cx="1219200" cy="6858000"/>
-            </a:xfrm>
-            <a:prstGeom prst="line">
-              <a:avLst/>
-            </a:prstGeom>
-            <a:ln w="9525">
-              <a:solidFill>
-                <a:schemeClr val="bg1">
-                  <a:lumMod val="75000"/>
-                </a:schemeClr>
-              </a:solidFill>
-            </a:ln>
-          </p:spPr>
-          <p:style>
-            <a:lnRef idx="2">
-              <a:schemeClr val="accent1"/>
-            </a:lnRef>
-            <a:fillRef idx="0">
-              <a:schemeClr val="accent1"/>
-            </a:fillRef>
-            <a:effectRef idx="1">
-              <a:schemeClr val="accent1"/>
-            </a:effectRef>
-            <a:fontRef idx="minor">
-              <a:schemeClr val="tx1"/>
-            </a:fontRef>
-          </p:style>
-        </p:cxnSp>
-        <p:cxnSp>
-          <p:nvCxnSpPr>
-            <p:cNvPr id="21" name="Straight Connector 20"/>
-            <p:cNvCxnSpPr/>
-            <p:nvPr/>
-          </p:nvCxnSpPr>
-          <p:spPr>
-            <a:xfrm flipH="1">
-              <a:off x="7425267" y="3681413"/>
-              <a:ext cx="4763558" cy="3176587"/>
-            </a:xfrm>
-            <a:prstGeom prst="line">
-              <a:avLst/>
-            </a:prstGeom>
-            <a:ln w="9525">
-              <a:solidFill>
-                <a:schemeClr val="bg1">
-                  <a:lumMod val="85000"/>
-                </a:schemeClr>
-              </a:solidFill>
-            </a:ln>
-          </p:spPr>
-          <p:style>
-            <a:lnRef idx="2">
-              <a:schemeClr val="accent1"/>
-            </a:lnRef>
-            <a:fillRef idx="0">
-              <a:schemeClr val="accent1"/>
-            </a:fillRef>
-            <a:effectRef idx="1">
-              <a:schemeClr val="accent1"/>
-            </a:effectRef>
-            <a:fontRef idx="minor">
-              <a:schemeClr val="tx1"/>
-            </a:fontRef>
-          </p:style>
-        </p:cxnSp>
-        <p:sp>
-          <p:nvSpPr>
-            <p:cNvPr id="24" name="Rectangle 23"/>
-            <p:cNvSpPr/>
-            <p:nvPr/>
-          </p:nvSpPr>
-          <p:spPr>
-            <a:xfrm>
-              <a:off x="9181476" y="-8467"/>
-              <a:ext cx="3007349" cy="6866467"/>
-            </a:xfrm>
-            <a:custGeom>
-              <a:avLst/>
-              <a:gdLst/>
-              <a:ahLst/>
-              <a:cxnLst/>
-              <a:rect l="l" t="t" r="r" b="b"/>
-              <a:pathLst>
-                <a:path w="3007349" h="6866467">
-                  <a:moveTo>
-                    <a:pt x="2045532" y="0"/>
-                  </a:moveTo>
-                  <a:lnTo>
-                    <a:pt x="3007349" y="0"/>
-                  </a:lnTo>
-                  <a:lnTo>
-                    <a:pt x="3007349" y="6866467"/>
-                  </a:lnTo>
-                  <a:lnTo>
-                    <a:pt x="0" y="6866467"/>
-                  </a:lnTo>
-                  <a:lnTo>
-                    <a:pt x="2045532" y="0"/>
-                  </a:lnTo>
-                  <a:close/>
-                </a:path>
-              </a:pathLst>
-            </a:custGeom>
-            <a:solidFill>
-              <a:schemeClr val="accent1">
-                <a:alpha val="30000"/>
-              </a:schemeClr>
-            </a:solidFill>
-            <a:ln>
-              <a:noFill/>
-            </a:ln>
-            <a:effectLst/>
-          </p:spPr>
-          <p:style>
-            <a:lnRef idx="1">
-              <a:schemeClr val="accent1"/>
-            </a:lnRef>
-            <a:fillRef idx="3">
-              <a:schemeClr val="accent1"/>
-            </a:fillRef>
-            <a:effectRef idx="2">
-              <a:schemeClr val="accent1"/>
-            </a:effectRef>
-            <a:fontRef idx="minor">
-              <a:schemeClr val="lt1"/>
-            </a:fontRef>
-          </p:style>
-        </p:sp>
-        <p:sp>
-          <p:nvSpPr>
-            <p:cNvPr id="26" name="Rectangle 25"/>
-            <p:cNvSpPr/>
-            <p:nvPr/>
-          </p:nvSpPr>
-          <p:spPr>
-            <a:xfrm>
-              <a:off x="9603442" y="-8467"/>
-              <a:ext cx="2588558" cy="6866467"/>
-            </a:xfrm>
-            <a:custGeom>
-              <a:avLst/>
-              <a:gdLst/>
-              <a:ahLst/>
-              <a:cxnLst/>
-              <a:rect l="l" t="t" r="r" b="b"/>
-              <a:pathLst>
-                <a:path w="2573311" h="6866467">
-                  <a:moveTo>
-                    <a:pt x="0" y="0"/>
-                  </a:moveTo>
-                  <a:lnTo>
-                    <a:pt x="2573311" y="0"/>
-                  </a:lnTo>
-                  <a:lnTo>
-                    <a:pt x="2573311" y="6866467"/>
-                  </a:lnTo>
-                  <a:lnTo>
-                    <a:pt x="1202336" y="6866467"/>
-                  </a:lnTo>
-                  <a:lnTo>
-                    <a:pt x="0" y="0"/>
-                  </a:lnTo>
-                  <a:close/>
-                </a:path>
-              </a:pathLst>
-            </a:custGeom>
-            <a:solidFill>
-              <a:schemeClr val="accent1">
-                <a:alpha val="20000"/>
-              </a:schemeClr>
-            </a:solidFill>
-            <a:ln>
-              <a:noFill/>
-            </a:ln>
-            <a:effectLst/>
-          </p:spPr>
-          <p:style>
-            <a:lnRef idx="1">
-              <a:schemeClr val="accent1"/>
-            </a:lnRef>
-            <a:fillRef idx="3">
-              <a:schemeClr val="accent1"/>
-            </a:fillRef>
-            <a:effectRef idx="2">
-              <a:schemeClr val="accent1"/>
-            </a:effectRef>
-            <a:fontRef idx="minor">
-              <a:schemeClr val="lt1"/>
-            </a:fontRef>
-          </p:style>
-        </p:sp>
-        <p:sp>
-          <p:nvSpPr>
-            <p:cNvPr id="27" name="Isosceles Triangle 26"/>
-            <p:cNvSpPr/>
-            <p:nvPr/>
-          </p:nvSpPr>
-          <p:spPr>
-            <a:xfrm>
-              <a:off x="8932333" y="3048000"/>
-              <a:ext cx="3259667" cy="3810000"/>
-            </a:xfrm>
-            <a:prstGeom prst="triangle">
-              <a:avLst>
-                <a:gd name="adj" fmla="val 100000"/>
-              </a:avLst>
-            </a:prstGeom>
-            <a:solidFill>
-              <a:schemeClr val="accent2">
-                <a:alpha val="72000"/>
-              </a:schemeClr>
-            </a:solidFill>
-            <a:ln>
-              <a:noFill/>
-            </a:ln>
-            <a:effectLst/>
-          </p:spPr>
-          <p:style>
-            <a:lnRef idx="1">
-              <a:schemeClr val="accent1"/>
-            </a:lnRef>
-            <a:fillRef idx="3">
-              <a:schemeClr val="accent1"/>
-            </a:fillRef>
-            <a:effectRef idx="2">
-              <a:schemeClr val="accent1"/>
-            </a:effectRef>
-            <a:fontRef idx="minor">
-              <a:schemeClr val="lt1"/>
-            </a:fontRef>
-          </p:style>
-        </p:sp>
-        <p:sp>
-          <p:nvSpPr>
-            <p:cNvPr id="28" name="Rectangle 27"/>
-            <p:cNvSpPr/>
-            <p:nvPr/>
-          </p:nvSpPr>
-          <p:spPr>
-            <a:xfrm>
-              <a:off x="9334500" y="-8467"/>
-              <a:ext cx="2854326" cy="6866467"/>
-            </a:xfrm>
-            <a:custGeom>
-              <a:avLst/>
-              <a:gdLst/>
-              <a:ahLst/>
-              <a:cxnLst/>
-              <a:rect l="l" t="t" r="r" b="b"/>
-              <a:pathLst>
-                <a:path w="2858013" h="6866467">
-                  <a:moveTo>
-                    <a:pt x="0" y="0"/>
-                  </a:moveTo>
-                  <a:lnTo>
-                    <a:pt x="2858013" y="0"/>
-                  </a:lnTo>
-                  <a:lnTo>
-                    <a:pt x="2858013" y="6866467"/>
-                  </a:lnTo>
-                  <a:lnTo>
-                    <a:pt x="2473942" y="6866467"/>
-                  </a:lnTo>
-                  <a:lnTo>
-                    <a:pt x="0" y="0"/>
-                  </a:lnTo>
-                  <a:close/>
-                </a:path>
-              </a:pathLst>
-            </a:custGeom>
-            <a:solidFill>
-              <a:schemeClr val="accent2">
-                <a:lumMod val="75000"/>
-                <a:alpha val="70000"/>
-              </a:schemeClr>
-            </a:solidFill>
-            <a:ln>
-              <a:noFill/>
-            </a:ln>
-            <a:effectLst/>
-          </p:spPr>
-          <p:style>
-            <a:lnRef idx="1">
-              <a:schemeClr val="accent1"/>
-            </a:lnRef>
-            <a:fillRef idx="3">
-              <a:schemeClr val="accent1"/>
-            </a:fillRef>
-            <a:effectRef idx="2">
-              <a:schemeClr val="accent1"/>
-            </a:effectRef>
-            <a:fontRef idx="minor">
-              <a:schemeClr val="lt1"/>
-            </a:fontRef>
-          </p:style>
-        </p:sp>
-        <p:sp>
-          <p:nvSpPr>
-            <p:cNvPr id="29" name="Rectangle 28"/>
-            <p:cNvSpPr/>
-            <p:nvPr/>
-          </p:nvSpPr>
-          <p:spPr>
-            <a:xfrm>
-              <a:off x="10898730" y="-8467"/>
-              <a:ext cx="1290094" cy="6866467"/>
-            </a:xfrm>
-            <a:custGeom>
-              <a:avLst/>
-              <a:gdLst/>
-              <a:ahLst/>
-              <a:cxnLst/>
-              <a:rect l="l" t="t" r="r" b="b"/>
-              <a:pathLst>
-                <a:path w="1290094" h="6858000">
-                  <a:moveTo>
-                    <a:pt x="1019735" y="0"/>
-                  </a:moveTo>
-                  <a:lnTo>
-                    <a:pt x="1290094" y="0"/>
-                  </a:lnTo>
-                  <a:lnTo>
-                    <a:pt x="1290094" y="6858000"/>
-                  </a:lnTo>
-                  <a:lnTo>
-                    <a:pt x="0" y="6858000"/>
-                  </a:lnTo>
-                  <a:lnTo>
-                    <a:pt x="1019735" y="0"/>
-                  </a:lnTo>
-                  <a:close/>
-                </a:path>
-              </a:pathLst>
-            </a:custGeom>
-            <a:solidFill>
-              <a:schemeClr val="accent1">
-                <a:lumMod val="60000"/>
-                <a:lumOff val="40000"/>
-                <a:alpha val="70000"/>
-              </a:schemeClr>
-            </a:solidFill>
-            <a:ln>
-              <a:noFill/>
-            </a:ln>
-            <a:effectLst/>
-          </p:spPr>
-          <p:style>
-            <a:lnRef idx="1">
-              <a:schemeClr val="accent1"/>
-            </a:lnRef>
-            <a:fillRef idx="3">
-              <a:schemeClr val="accent1"/>
-            </a:fillRef>
-            <a:effectRef idx="2">
-              <a:schemeClr val="accent1"/>
-            </a:effectRef>
-            <a:fontRef idx="minor">
-              <a:schemeClr val="lt1"/>
-            </a:fontRef>
-          </p:style>
-        </p:sp>
-        <p:sp>
-          <p:nvSpPr>
-            <p:cNvPr id="30" name="Rectangle 29"/>
-            <p:cNvSpPr/>
-            <p:nvPr/>
-          </p:nvSpPr>
-          <p:spPr>
-            <a:xfrm>
-              <a:off x="10938999" y="-8467"/>
-              <a:ext cx="1249825" cy="6866467"/>
-            </a:xfrm>
-            <a:custGeom>
-              <a:avLst/>
-              <a:gdLst/>
-              <a:ahLst/>
-              <a:cxnLst/>
-              <a:rect l="l" t="t" r="r" b="b"/>
-              <a:pathLst>
-                <a:path w="1249825" h="6858000">
-                  <a:moveTo>
-                    <a:pt x="0" y="0"/>
-                  </a:moveTo>
-                  <a:lnTo>
-                    <a:pt x="1249825" y="0"/>
-                  </a:lnTo>
-                  <a:lnTo>
-                    <a:pt x="1249825" y="6858000"/>
-                  </a:lnTo>
-                  <a:lnTo>
-                    <a:pt x="1109382" y="6858000"/>
-                  </a:lnTo>
-                  <a:lnTo>
-                    <a:pt x="0" y="0"/>
-                  </a:lnTo>
-                  <a:close/>
-                </a:path>
-              </a:pathLst>
-            </a:custGeom>
-            <a:solidFill>
-              <a:schemeClr val="accent1">
-                <a:alpha val="65000"/>
-              </a:schemeClr>
-            </a:solidFill>
-            <a:ln>
-              <a:noFill/>
-            </a:ln>
-            <a:effectLst/>
-          </p:spPr>
-          <p:style>
-            <a:lnRef idx="1">
-              <a:schemeClr val="accent1"/>
-            </a:lnRef>
-            <a:fillRef idx="3">
-              <a:schemeClr val="accent1"/>
-            </a:fillRef>
-            <a:effectRef idx="2">
-              <a:schemeClr val="accent1"/>
-            </a:effectRef>
-            <a:fontRef idx="minor">
-              <a:schemeClr val="lt1"/>
-            </a:fontRef>
-          </p:style>
-        </p:sp>
-        <p:sp>
-          <p:nvSpPr>
-            <p:cNvPr id="31" name="Isosceles Triangle 30"/>
-            <p:cNvSpPr/>
-            <p:nvPr/>
-          </p:nvSpPr>
-          <p:spPr>
-            <a:xfrm>
-              <a:off x="10371666" y="3589867"/>
-              <a:ext cx="1817159" cy="3268133"/>
-            </a:xfrm>
-            <a:prstGeom prst="triangle">
-              <a:avLst>
-                <a:gd name="adj" fmla="val 100000"/>
-              </a:avLst>
-            </a:prstGeom>
-            <a:solidFill>
-              <a:schemeClr val="accent1">
-                <a:alpha val="80000"/>
-              </a:schemeClr>
-            </a:solidFill>
-            <a:ln>
-              <a:noFill/>
-            </a:ln>
-            <a:effectLst/>
-          </p:spPr>
-          <p:style>
-            <a:lnRef idx="1">
-              <a:schemeClr val="accent1"/>
-            </a:lnRef>
-            <a:fillRef idx="3">
-              <a:schemeClr val="accent1"/>
-            </a:fillRef>
-            <a:effectRef idx="2">
-              <a:schemeClr val="accent1"/>
-            </a:effectRef>
-            <a:fontRef idx="minor">
-              <a:schemeClr val="lt1"/>
-            </a:fontRef>
-          </p:style>
-        </p:sp>
-        <p:sp>
-          <p:nvSpPr>
-            <p:cNvPr id="19" name="Isosceles Triangle 18"/>
-            <p:cNvSpPr/>
-            <p:nvPr/>
-          </p:nvSpPr>
-          <p:spPr>
-            <a:xfrm rot="10800000">
-              <a:off x="0" y="0"/>
-              <a:ext cx="842596" cy="5666154"/>
-            </a:xfrm>
-            <a:prstGeom prst="triangle">
-              <a:avLst>
-                <a:gd name="adj" fmla="val 100000"/>
-              </a:avLst>
-            </a:prstGeom>
-            <a:solidFill>
-              <a:schemeClr val="accent1">
-                <a:alpha val="85000"/>
-              </a:schemeClr>
-            </a:solidFill>
-            <a:ln>
-              <a:noFill/>
-            </a:ln>
-            <a:effectLst/>
-          </p:spPr>
-          <p:style>
-            <a:lnRef idx="1">
-              <a:schemeClr val="accent1"/>
-            </a:lnRef>
-            <a:fillRef idx="3">
-              <a:schemeClr val="accent1"/>
-            </a:fillRef>
-            <a:effectRef idx="2">
-              <a:schemeClr val="accent1"/>
-            </a:effectRef>
-            <a:fontRef idx="minor">
-              <a:schemeClr val="lt1"/>
-            </a:fontRef>
-          </p:style>
-        </p:sp>
-      </p:grpSp>
       <p:sp>
         <p:nvSpPr>
           <p:cNvPr id="2" name="Title 1"/>
@@ -680,21 +156,15 @@
         </p:nvSpPr>
         <p:spPr>
           <a:xfrm>
-            <a:off x="1507067" y="2404534"/>
-            <a:ext cx="7766936" cy="1646302"/>
+            <a:off x="1524000" y="1122363"/>
+            <a:ext cx="9144000" cy="2387600"/>
           </a:xfrm>
         </p:spPr>
         <p:txBody>
-          <a:bodyPr anchor="b">
-            <a:noAutofit/>
-          </a:bodyPr>
+          <a:bodyPr anchor="b"/>
           <a:lstStyle>
-            <a:lvl1pPr algn="r">
-              <a:defRPr sz="5400">
-                <a:solidFill>
-                  <a:schemeClr val="accent1"/>
-                </a:solidFill>
-              </a:defRPr>
+            <a:lvl1pPr algn="ctr">
+              <a:defRPr sz="6000"/>
             </a:lvl1pPr>
           </a:lstStyle>
           <a:p>
@@ -702,7 +172,7 @@
               <a:rPr lang="en-US" smtClean="0"/>
               <a:t>Click to edit Master title style</a:t>
             </a:r>
-            <a:endParaRPr lang="en-US" dirty="0"/>
+            <a:endParaRPr lang="vi-VN"/>
           </a:p>
         </p:txBody>
       </p:sp>
@@ -718,103 +188,48 @@
         </p:nvSpPr>
         <p:spPr>
           <a:xfrm>
-            <a:off x="1507067" y="4050833"/>
-            <a:ext cx="7766936" cy="1096899"/>
+            <a:off x="1524000" y="3602038"/>
+            <a:ext cx="9144000" cy="1655762"/>
           </a:xfrm>
         </p:spPr>
         <p:txBody>
-          <a:bodyPr anchor="t"/>
+          <a:bodyPr/>
           <a:lstStyle>
-            <a:lvl1pPr marL="0" indent="0" algn="r">
+            <a:lvl1pPr marL="0" indent="0" algn="ctr">
               <a:buNone/>
-              <a:defRPr>
-                <a:solidFill>
-                  <a:schemeClr val="tx1">
-                    <a:lumMod val="50000"/>
-                    <a:lumOff val="50000"/>
-                  </a:schemeClr>
-                </a:solidFill>
-              </a:defRPr>
+              <a:defRPr sz="2400"/>
             </a:lvl1pPr>
             <a:lvl2pPr marL="457200" indent="0" algn="ctr">
               <a:buNone/>
-              <a:defRPr>
-                <a:solidFill>
-                  <a:schemeClr val="tx1">
-                    <a:tint val="75000"/>
-                  </a:schemeClr>
-                </a:solidFill>
-              </a:defRPr>
+              <a:defRPr sz="2000"/>
             </a:lvl2pPr>
             <a:lvl3pPr marL="914400" indent="0" algn="ctr">
               <a:buNone/>
-              <a:defRPr>
-                <a:solidFill>
-                  <a:schemeClr val="tx1">
-                    <a:tint val="75000"/>
-                  </a:schemeClr>
-                </a:solidFill>
-              </a:defRPr>
+              <a:defRPr sz="1800"/>
             </a:lvl3pPr>
             <a:lvl4pPr marL="1371600" indent="0" algn="ctr">
               <a:buNone/>
-              <a:defRPr>
-                <a:solidFill>
-                  <a:schemeClr val="tx1">
-                    <a:tint val="75000"/>
-                  </a:schemeClr>
-                </a:solidFill>
-              </a:defRPr>
+              <a:defRPr sz="1600"/>
             </a:lvl4pPr>
             <a:lvl5pPr marL="1828800" indent="0" algn="ctr">
               <a:buNone/>
-              <a:defRPr>
-                <a:solidFill>
-                  <a:schemeClr val="tx1">
-                    <a:tint val="75000"/>
-                  </a:schemeClr>
-                </a:solidFill>
-              </a:defRPr>
+              <a:defRPr sz="1600"/>
             </a:lvl5pPr>
             <a:lvl6pPr marL="2286000" indent="0" algn="ctr">
               <a:buNone/>
-              <a:defRPr>
-                <a:solidFill>
-                  <a:schemeClr val="tx1">
-                    <a:tint val="75000"/>
-                  </a:schemeClr>
-                </a:solidFill>
-              </a:defRPr>
+              <a:defRPr sz="1600"/>
             </a:lvl6pPr>
             <a:lvl7pPr marL="2743200" indent="0" algn="ctr">
               <a:buNone/>
-              <a:defRPr>
-                <a:solidFill>
-                  <a:schemeClr val="tx1">
-                    <a:tint val="75000"/>
-                  </a:schemeClr>
-                </a:solidFill>
-              </a:defRPr>
+              <a:defRPr sz="1600"/>
             </a:lvl7pPr>
             <a:lvl8pPr marL="3200400" indent="0" algn="ctr">
               <a:buNone/>
-              <a:defRPr>
-                <a:solidFill>
-                  <a:schemeClr val="tx1">
-                    <a:tint val="75000"/>
-                  </a:schemeClr>
-                </a:solidFill>
-              </a:defRPr>
+              <a:defRPr sz="1600"/>
             </a:lvl8pPr>
             <a:lvl9pPr marL="3657600" indent="0" algn="ctr">
               <a:buNone/>
-              <a:defRPr>
-                <a:solidFill>
-                  <a:schemeClr val="tx1">
-                    <a:tint val="75000"/>
-                  </a:schemeClr>
-                </a:solidFill>
-              </a:defRPr>
+              <a:defRPr sz="1600"/>
             </a:lvl9pPr>
           </a:lstStyle>
           <a:p>
@@ -822,7 +237,7 @@
               <a:rPr lang="en-US" smtClean="0"/>
               <a:t>Click to edit Master subtitle style</a:t>
             </a:r>
-            <a:endParaRPr lang="en-US" dirty="0"/>
+            <a:endParaRPr lang="vi-VN"/>
           </a:p>
         </p:txBody>
       </p:sp>
@@ -843,7 +258,7 @@
           <a:p>
             <a:fld id="{533BEAFB-ED82-499B-BBE6-3FF163A750E9}" type="datetimeFigureOut">
               <a:rPr lang="vi-VN" smtClean="0"/>
-              <a:t>05/06/2016</a:t>
+              <a:t>06/06/2016</a:t>
             </a:fld>
             <a:endParaRPr lang="vi-VN"/>
           </a:p>
@@ -894,7 +309,7 @@
     </p:spTree>
     <p:extLst>
       <p:ext uri="{BB962C8B-B14F-4D97-AF65-F5344CB8AC3E}">
-        <p14:creationId xmlns:p14="http://schemas.microsoft.com/office/powerpoint/2010/main" val="3543850619"/>
+        <p14:creationId xmlns:p14="http://schemas.microsoft.com/office/powerpoint/2010/main" val="3948311119"/>
       </p:ext>
     </p:extLst>
   </p:cSld>
@@ -905,8 +320,8 @@
 </file>
 
 <file path=ppt/slideLayouts/slideLayout10.xml><?xml version="1.0" encoding="utf-8"?>
-<p:sldLayout xmlns:a="http://schemas.openxmlformats.org/drawingml/2006/main" xmlns:r="http://schemas.openxmlformats.org/officeDocument/2006/relationships" xmlns:p="http://schemas.openxmlformats.org/presentationml/2006/main" preserve="1">
-  <p:cSld name="Title and Caption">
+<p:sldLayout xmlns:a="http://schemas.openxmlformats.org/drawingml/2006/main" xmlns:r="http://schemas.openxmlformats.org/officeDocument/2006/relationships" xmlns:p="http://schemas.openxmlformats.org/presentationml/2006/main" type="vertTx" preserve="1">
+  <p:cSld name="Title and Vertical Text">
     <p:spTree>
       <p:nvGrpSpPr>
         <p:cNvPr id="1" name=""/>
@@ -931,149 +346,68 @@
             <p:ph type="title"/>
           </p:nvPr>
         </p:nvSpPr>
-        <p:spPr>
-          <a:xfrm>
-            <a:off x="677335" y="609600"/>
-            <a:ext cx="8596668" cy="3403600"/>
-          </a:xfrm>
-        </p:spPr>
+        <p:spPr/>
         <p:txBody>
-          <a:bodyPr anchor="ctr">
-            <a:normAutofit/>
-          </a:bodyPr>
-          <a:lstStyle>
-            <a:lvl1pPr algn="l">
-              <a:defRPr sz="4400" b="0" cap="none"/>
-            </a:lvl1pPr>
-          </a:lstStyle>
+          <a:bodyPr/>
+          <a:lstStyle/>
           <a:p>
             <a:r>
               <a:rPr lang="en-US" smtClean="0"/>
               <a:t>Click to edit Master title style</a:t>
             </a:r>
-            <a:endParaRPr lang="en-US" dirty="0"/>
+            <a:endParaRPr lang="vi-VN"/>
           </a:p>
         </p:txBody>
       </p:sp>
       <p:sp>
         <p:nvSpPr>
-          <p:cNvPr id="3" name="Text Placeholder 2"/>
+          <p:cNvPr id="3" name="Vertical Text Placeholder 2"/>
           <p:cNvSpPr>
             <a:spLocks noGrp="1"/>
           </p:cNvSpPr>
           <p:nvPr>
-            <p:ph type="body" idx="1"/>
+            <p:ph type="body" orient="vert" idx="1"/>
           </p:nvPr>
         </p:nvSpPr>
-        <p:spPr>
-          <a:xfrm>
-            <a:off x="677335" y="4470400"/>
-            <a:ext cx="8596668" cy="1570962"/>
-          </a:xfrm>
-        </p:spPr>
+        <p:spPr/>
         <p:txBody>
-          <a:bodyPr anchor="ctr">
-            <a:normAutofit/>
-          </a:bodyPr>
-          <a:lstStyle>
-            <a:lvl1pPr marL="0" indent="0" algn="l">
-              <a:buNone/>
-              <a:defRPr sz="1800">
-                <a:solidFill>
-                  <a:schemeClr val="tx1">
-                    <a:lumMod val="75000"/>
-                    <a:lumOff val="25000"/>
-                  </a:schemeClr>
-                </a:solidFill>
-              </a:defRPr>
-            </a:lvl1pPr>
-            <a:lvl2pPr marL="457200" indent="0">
-              <a:buNone/>
-              <a:defRPr sz="1800">
-                <a:solidFill>
-                  <a:schemeClr val="tx1">
-                    <a:tint val="75000"/>
-                  </a:schemeClr>
-                </a:solidFill>
-              </a:defRPr>
-            </a:lvl2pPr>
-            <a:lvl3pPr marL="914400" indent="0">
-              <a:buNone/>
-              <a:defRPr sz="1600">
-                <a:solidFill>
-                  <a:schemeClr val="tx1">
-                    <a:tint val="75000"/>
-                  </a:schemeClr>
-                </a:solidFill>
-              </a:defRPr>
-            </a:lvl3pPr>
-            <a:lvl4pPr marL="1371600" indent="0">
-              <a:buNone/>
-              <a:defRPr sz="1400">
-                <a:solidFill>
-                  <a:schemeClr val="tx1">
-                    <a:tint val="75000"/>
-                  </a:schemeClr>
-                </a:solidFill>
-              </a:defRPr>
-            </a:lvl4pPr>
-            <a:lvl5pPr marL="1828800" indent="0">
-              <a:buNone/>
-              <a:defRPr sz="1400">
-                <a:solidFill>
-                  <a:schemeClr val="tx1">
-                    <a:tint val="75000"/>
-                  </a:schemeClr>
-                </a:solidFill>
-              </a:defRPr>
-            </a:lvl5pPr>
-            <a:lvl6pPr marL="2286000" indent="0">
-              <a:buNone/>
-              <a:defRPr sz="1400">
-                <a:solidFill>
-                  <a:schemeClr val="tx1">
-                    <a:tint val="75000"/>
-                  </a:schemeClr>
-                </a:solidFill>
-              </a:defRPr>
-            </a:lvl6pPr>
-            <a:lvl7pPr marL="2743200" indent="0">
-              <a:buNone/>
-              <a:defRPr sz="1400">
-                <a:solidFill>
-                  <a:schemeClr val="tx1">
-                    <a:tint val="75000"/>
-                  </a:schemeClr>
-                </a:solidFill>
-              </a:defRPr>
-            </a:lvl7pPr>
-            <a:lvl8pPr marL="3200400" indent="0">
-              <a:buNone/>
-              <a:defRPr sz="1400">
-                <a:solidFill>
-                  <a:schemeClr val="tx1">
-                    <a:tint val="75000"/>
-                  </a:schemeClr>
-                </a:solidFill>
-              </a:defRPr>
-            </a:lvl8pPr>
-            <a:lvl9pPr marL="3657600" indent="0">
-              <a:buNone/>
-              <a:defRPr sz="1400">
-                <a:solidFill>
-                  <a:schemeClr val="tx1">
-                    <a:tint val="75000"/>
-                  </a:schemeClr>
-                </a:solidFill>
-              </a:defRPr>
-            </a:lvl9pPr>
-          </a:lstStyle>
+          <a:bodyPr vert="eaVert"/>
+          <a:lstStyle/>
           <a:p>
             <a:pPr lvl="0"/>
             <a:r>
               <a:rPr lang="en-US" smtClean="0"/>
               <a:t>Click to edit Master text styles</a:t>
             </a:r>
+          </a:p>
+          <a:p>
+            <a:pPr lvl="1"/>
+            <a:r>
+              <a:rPr lang="en-US" smtClean="0"/>
+              <a:t>Second level</a:t>
+            </a:r>
+          </a:p>
+          <a:p>
+            <a:pPr lvl="2"/>
+            <a:r>
+              <a:rPr lang="en-US" smtClean="0"/>
+              <a:t>Third level</a:t>
+            </a:r>
+          </a:p>
+          <a:p>
+            <a:pPr lvl="3"/>
+            <a:r>
+              <a:rPr lang="en-US" smtClean="0"/>
+              <a:t>Fourth level</a:t>
+            </a:r>
+          </a:p>
+          <a:p>
+            <a:pPr lvl="4"/>
+            <a:r>
+              <a:rPr lang="en-US" smtClean="0"/>
+              <a:t>Fifth level</a:t>
+            </a:r>
+            <a:endParaRPr lang="vi-VN"/>
           </a:p>
         </p:txBody>
       </p:sp>
@@ -1094,7 +428,7 @@
           <a:p>
             <a:fld id="{533BEAFB-ED82-499B-BBE6-3FF163A750E9}" type="datetimeFigureOut">
               <a:rPr lang="vi-VN" smtClean="0"/>
-              <a:t>05/06/2016</a:t>
+              <a:t>06/06/2016</a:t>
             </a:fld>
             <a:endParaRPr lang="vi-VN"/>
           </a:p>
@@ -1145,7 +479,7 @@
     </p:spTree>
     <p:extLst>
       <p:ext uri="{BB962C8B-B14F-4D97-AF65-F5344CB8AC3E}">
-        <p14:creationId xmlns:p14="http://schemas.microsoft.com/office/powerpoint/2010/main" val="330436579"/>
+        <p14:creationId xmlns:p14="http://schemas.microsoft.com/office/powerpoint/2010/main" val="2034791657"/>
       </p:ext>
     </p:extLst>
   </p:cSld>
@@ -1156,8 +490,8 @@
 </file>
 
 <file path=ppt/slideLayouts/slideLayout11.xml><?xml version="1.0" encoding="utf-8"?>
-<p:sldLayout xmlns:a="http://schemas.openxmlformats.org/drawingml/2006/main" xmlns:r="http://schemas.openxmlformats.org/officeDocument/2006/relationships" xmlns:p="http://schemas.openxmlformats.org/presentationml/2006/main" preserve="1">
-  <p:cSld name="Quote with Caption">
+<p:sldLayout xmlns:a="http://schemas.openxmlformats.org/drawingml/2006/main" xmlns:r="http://schemas.openxmlformats.org/officeDocument/2006/relationships" xmlns:p="http://schemas.openxmlformats.org/presentationml/2006/main" type="vertTitleAndTx" preserve="1">
+  <p:cSld name="Vertical Title and Text">
     <p:spTree>
       <p:nvGrpSpPr>
         <p:cNvPr id="1" name=""/>
@@ -1174,92 +508,51 @@
       </p:grpSpPr>
       <p:sp>
         <p:nvSpPr>
-          <p:cNvPr id="2" name="Title 1"/>
+          <p:cNvPr id="2" name="Vertical Title 1"/>
           <p:cNvSpPr>
             <a:spLocks noGrp="1"/>
           </p:cNvSpPr>
           <p:nvPr>
-            <p:ph type="title"/>
+            <p:ph type="title" orient="vert"/>
           </p:nvPr>
         </p:nvSpPr>
         <p:spPr>
           <a:xfrm>
-            <a:off x="931334" y="609600"/>
-            <a:ext cx="8094134" cy="3022600"/>
+            <a:off x="8724900" y="365125"/>
+            <a:ext cx="2628900" cy="5811838"/>
           </a:xfrm>
         </p:spPr>
         <p:txBody>
-          <a:bodyPr anchor="ctr">
-            <a:normAutofit/>
-          </a:bodyPr>
-          <a:lstStyle>
-            <a:lvl1pPr algn="l">
-              <a:defRPr sz="4400" b="0" cap="none"/>
-            </a:lvl1pPr>
-          </a:lstStyle>
+          <a:bodyPr vert="eaVert"/>
+          <a:lstStyle/>
           <a:p>
             <a:r>
               <a:rPr lang="en-US" smtClean="0"/>
               <a:t>Click to edit Master title style</a:t>
             </a:r>
-            <a:endParaRPr lang="en-US" dirty="0"/>
+            <a:endParaRPr lang="vi-VN"/>
           </a:p>
         </p:txBody>
       </p:sp>
       <p:sp>
         <p:nvSpPr>
-          <p:cNvPr id="23" name="Text Placeholder 9"/>
+          <p:cNvPr id="3" name="Vertical Text Placeholder 2"/>
           <p:cNvSpPr>
             <a:spLocks noGrp="1"/>
           </p:cNvSpPr>
           <p:nvPr>
-            <p:ph type="body" sz="quarter" idx="13"/>
+            <p:ph type="body" orient="vert" idx="1"/>
           </p:nvPr>
         </p:nvSpPr>
         <p:spPr>
           <a:xfrm>
-            <a:off x="1366139" y="3632200"/>
-            <a:ext cx="7224524" cy="381000"/>
+            <a:off x="838200" y="365125"/>
+            <a:ext cx="7734300" cy="5811838"/>
           </a:xfrm>
         </p:spPr>
         <p:txBody>
-          <a:bodyPr anchor="ctr">
-            <a:noAutofit/>
-          </a:bodyPr>
-          <a:lstStyle>
-            <a:lvl1pPr marL="0" indent="0">
-              <a:buFontTx/>
-              <a:buNone/>
-              <a:defRPr sz="1600">
-                <a:solidFill>
-                  <a:schemeClr val="tx1">
-                    <a:lumMod val="50000"/>
-                    <a:lumOff val="50000"/>
-                  </a:schemeClr>
-                </a:solidFill>
-              </a:defRPr>
-            </a:lvl1pPr>
-            <a:lvl2pPr marL="457200" indent="0">
-              <a:buFontTx/>
-              <a:buNone/>
-              <a:defRPr/>
-            </a:lvl2pPr>
-            <a:lvl3pPr marL="914400" indent="0">
-              <a:buFontTx/>
-              <a:buNone/>
-              <a:defRPr/>
-            </a:lvl3pPr>
-            <a:lvl4pPr marL="1371600" indent="0">
-              <a:buFontTx/>
-              <a:buNone/>
-              <a:defRPr/>
-            </a:lvl4pPr>
-            <a:lvl5pPr marL="1828800" indent="0">
-              <a:buFontTx/>
-              <a:buNone/>
-              <a:defRPr/>
-            </a:lvl5pPr>
-          </a:lstStyle>
+          <a:bodyPr vert="eaVert"/>
+          <a:lstStyle/>
           <a:p>
             <a:pPr lvl="0"/>
             <a:r>
@@ -1267,127 +560,34 @@
               <a:t>Click to edit Master text styles</a:t>
             </a:r>
           </a:p>
-        </p:txBody>
-      </p:sp>
-      <p:sp>
-        <p:nvSpPr>
-          <p:cNvPr id="3" name="Text Placeholder 2"/>
-          <p:cNvSpPr>
-            <a:spLocks noGrp="1"/>
-          </p:cNvSpPr>
-          <p:nvPr>
-            <p:ph type="body" idx="1"/>
-          </p:nvPr>
-        </p:nvSpPr>
-        <p:spPr>
-          <a:xfrm>
-            <a:off x="677335" y="4470400"/>
-            <a:ext cx="8596668" cy="1570962"/>
-          </a:xfrm>
-        </p:spPr>
-        <p:txBody>
-          <a:bodyPr anchor="ctr">
-            <a:normAutofit/>
-          </a:bodyPr>
-          <a:lstStyle>
-            <a:lvl1pPr marL="0" indent="0" algn="l">
-              <a:buNone/>
-              <a:defRPr sz="1800">
-                <a:solidFill>
-                  <a:schemeClr val="tx1">
-                    <a:lumMod val="75000"/>
-                    <a:lumOff val="25000"/>
-                  </a:schemeClr>
-                </a:solidFill>
-              </a:defRPr>
-            </a:lvl1pPr>
-            <a:lvl2pPr marL="457200" indent="0">
-              <a:buNone/>
-              <a:defRPr sz="1800">
-                <a:solidFill>
-                  <a:schemeClr val="tx1">
-                    <a:tint val="75000"/>
-                  </a:schemeClr>
-                </a:solidFill>
-              </a:defRPr>
-            </a:lvl2pPr>
-            <a:lvl3pPr marL="914400" indent="0">
-              <a:buNone/>
-              <a:defRPr sz="1600">
-                <a:solidFill>
-                  <a:schemeClr val="tx1">
-                    <a:tint val="75000"/>
-                  </a:schemeClr>
-                </a:solidFill>
-              </a:defRPr>
-            </a:lvl3pPr>
-            <a:lvl4pPr marL="1371600" indent="0">
-              <a:buNone/>
-              <a:defRPr sz="1400">
-                <a:solidFill>
-                  <a:schemeClr val="tx1">
-                    <a:tint val="75000"/>
-                  </a:schemeClr>
-                </a:solidFill>
-              </a:defRPr>
-            </a:lvl4pPr>
-            <a:lvl5pPr marL="1828800" indent="0">
-              <a:buNone/>
-              <a:defRPr sz="1400">
-                <a:solidFill>
-                  <a:schemeClr val="tx1">
-                    <a:tint val="75000"/>
-                  </a:schemeClr>
-                </a:solidFill>
-              </a:defRPr>
-            </a:lvl5pPr>
-            <a:lvl6pPr marL="2286000" indent="0">
-              <a:buNone/>
-              <a:defRPr sz="1400">
-                <a:solidFill>
-                  <a:schemeClr val="tx1">
-                    <a:tint val="75000"/>
-                  </a:schemeClr>
-                </a:solidFill>
-              </a:defRPr>
-            </a:lvl6pPr>
-            <a:lvl7pPr marL="2743200" indent="0">
-              <a:buNone/>
-              <a:defRPr sz="1400">
-                <a:solidFill>
-                  <a:schemeClr val="tx1">
-                    <a:tint val="75000"/>
-                  </a:schemeClr>
-                </a:solidFill>
-              </a:defRPr>
-            </a:lvl7pPr>
-            <a:lvl8pPr marL="3200400" indent="0">
-              <a:buNone/>
-              <a:defRPr sz="1400">
-                <a:solidFill>
-                  <a:schemeClr val="tx1">
-                    <a:tint val="75000"/>
-                  </a:schemeClr>
-                </a:solidFill>
-              </a:defRPr>
-            </a:lvl8pPr>
-            <a:lvl9pPr marL="3657600" indent="0">
-              <a:buNone/>
-              <a:defRPr sz="1400">
-                <a:solidFill>
-                  <a:schemeClr val="tx1">
-                    <a:tint val="75000"/>
-                  </a:schemeClr>
-                </a:solidFill>
-              </a:defRPr>
-            </a:lvl9pPr>
-          </a:lstStyle>
-          <a:p>
-            <a:pPr lvl="0"/>
+          <a:p>
+            <a:pPr lvl="1"/>
             <a:r>
               <a:rPr lang="en-US" smtClean="0"/>
-              <a:t>Click to edit Master text styles</a:t>
-            </a:r>
+              <a:t>Second level</a:t>
+            </a:r>
+          </a:p>
+          <a:p>
+            <a:pPr lvl="2"/>
+            <a:r>
+              <a:rPr lang="en-US" smtClean="0"/>
+              <a:t>Third level</a:t>
+            </a:r>
+          </a:p>
+          <a:p>
+            <a:pPr lvl="3"/>
+            <a:r>
+              <a:rPr lang="en-US" smtClean="0"/>
+              <a:t>Fourth level</a:t>
+            </a:r>
+          </a:p>
+          <a:p>
+            <a:pPr lvl="4"/>
+            <a:r>
+              <a:rPr lang="en-US" smtClean="0"/>
+              <a:t>Fifth level</a:t>
+            </a:r>
+            <a:endParaRPr lang="vi-VN"/>
           </a:p>
         </p:txBody>
       </p:sp>
@@ -1408,7 +608,7 @@
           <a:p>
             <a:fld id="{533BEAFB-ED82-499B-BBE6-3FF163A750E9}" type="datetimeFigureOut">
               <a:rPr lang="vi-VN" smtClean="0"/>
-              <a:t>05/06/2016</a:t>
+              <a:t>06/06/2016</a:t>
             </a:fld>
             <a:endParaRPr lang="vi-VN"/>
           </a:p>
@@ -1456,100 +656,10 @@
           </a:p>
         </p:txBody>
       </p:sp>
-      <p:sp>
-        <p:nvSpPr>
-          <p:cNvPr id="20" name="TextBox 19"/>
-          <p:cNvSpPr txBox="1"/>
-          <p:nvPr/>
-        </p:nvSpPr>
-        <p:spPr>
-          <a:xfrm>
-            <a:off x="541870" y="790378"/>
-            <a:ext cx="609600" cy="584776"/>
-          </a:xfrm>
-          <a:prstGeom prst="rect">
-            <a:avLst/>
-          </a:prstGeom>
-        </p:spPr>
-        <p:txBody>
-          <a:bodyPr vert="horz" lIns="91440" tIns="45720" rIns="91440" bIns="45720" rtlCol="0" anchor="ctr">
-            <a:noAutofit/>
-          </a:bodyPr>
-          <a:lstStyle/>
-          <a:p>
-            <a:pPr lvl="0"/>
-            <a:r>
-              <a:rPr lang="en-US" sz="8000" baseline="0" dirty="0">
-                <a:ln w="3175" cmpd="sng">
-                  <a:noFill/>
-                </a:ln>
-                <a:solidFill>
-                  <a:schemeClr val="accent1">
-                    <a:lumMod val="60000"/>
-                    <a:lumOff val="40000"/>
-                  </a:schemeClr>
-                </a:solidFill>
-                <a:effectLst/>
-                <a:latin typeface="Arial"/>
-              </a:rPr>
-              <a:t>“</a:t>
-            </a:r>
-          </a:p>
-        </p:txBody>
-      </p:sp>
-      <p:sp>
-        <p:nvSpPr>
-          <p:cNvPr id="22" name="TextBox 21"/>
-          <p:cNvSpPr txBox="1"/>
-          <p:nvPr/>
-        </p:nvSpPr>
-        <p:spPr>
-          <a:xfrm>
-            <a:off x="8893011" y="2886556"/>
-            <a:ext cx="609600" cy="584776"/>
-          </a:xfrm>
-          <a:prstGeom prst="rect">
-            <a:avLst/>
-          </a:prstGeom>
-        </p:spPr>
-        <p:txBody>
-          <a:bodyPr vert="horz" lIns="91440" tIns="45720" rIns="91440" bIns="45720" rtlCol="0" anchor="ctr">
-            <a:noAutofit/>
-          </a:bodyPr>
-          <a:lstStyle/>
-          <a:p>
-            <a:pPr lvl="0"/>
-            <a:r>
-              <a:rPr lang="en-US" sz="8000" baseline="0" dirty="0">
-                <a:ln w="3175" cmpd="sng">
-                  <a:noFill/>
-                </a:ln>
-                <a:solidFill>
-                  <a:schemeClr val="accent1">
-                    <a:lumMod val="60000"/>
-                    <a:lumOff val="40000"/>
-                  </a:schemeClr>
-                </a:solidFill>
-                <a:latin typeface="Arial"/>
-              </a:rPr>
-              <a:t>”</a:t>
-            </a:r>
-            <a:endParaRPr lang="en-US" dirty="0">
-              <a:solidFill>
-                <a:schemeClr val="accent1">
-                  <a:lumMod val="60000"/>
-                  <a:lumOff val="40000"/>
-                </a:schemeClr>
-              </a:solidFill>
-              <a:latin typeface="Arial"/>
-            </a:endParaRPr>
-          </a:p>
-        </p:txBody>
-      </p:sp>
     </p:spTree>
     <p:extLst>
       <p:ext uri="{BB962C8B-B14F-4D97-AF65-F5344CB8AC3E}">
-        <p14:creationId xmlns:p14="http://schemas.microsoft.com/office/powerpoint/2010/main" val="2400361173"/>
+        <p14:creationId xmlns:p14="http://schemas.microsoft.com/office/powerpoint/2010/main" val="1662491535"/>
       </p:ext>
     </p:extLst>
   </p:cSld>
@@ -1560,654 +670,7 @@
 </file>
 
 <file path=ppt/slideLayouts/slideLayout12.xml><?xml version="1.0" encoding="utf-8"?>
-<p:sldLayout xmlns:a="http://schemas.openxmlformats.org/drawingml/2006/main" xmlns:r="http://schemas.openxmlformats.org/officeDocument/2006/relationships" xmlns:p="http://schemas.openxmlformats.org/presentationml/2006/main" preserve="1">
-  <p:cSld name="Name Card">
-    <p:spTree>
-      <p:nvGrpSpPr>
-        <p:cNvPr id="1" name=""/>
-        <p:cNvGrpSpPr/>
-        <p:nvPr/>
-      </p:nvGrpSpPr>
-      <p:grpSpPr>
-        <a:xfrm>
-          <a:off x="0" y="0"/>
-          <a:ext cx="0" cy="0"/>
-          <a:chOff x="0" y="0"/>
-          <a:chExt cx="0" cy="0"/>
-        </a:xfrm>
-      </p:grpSpPr>
-      <p:sp>
-        <p:nvSpPr>
-          <p:cNvPr id="2" name="Title 1"/>
-          <p:cNvSpPr>
-            <a:spLocks noGrp="1"/>
-          </p:cNvSpPr>
-          <p:nvPr>
-            <p:ph type="title"/>
-          </p:nvPr>
-        </p:nvSpPr>
-        <p:spPr>
-          <a:xfrm>
-            <a:off x="677335" y="1931988"/>
-            <a:ext cx="8596668" cy="2595460"/>
-          </a:xfrm>
-        </p:spPr>
-        <p:txBody>
-          <a:bodyPr anchor="b">
-            <a:normAutofit/>
-          </a:bodyPr>
-          <a:lstStyle>
-            <a:lvl1pPr algn="l">
-              <a:defRPr sz="4400" b="0" cap="none"/>
-            </a:lvl1pPr>
-          </a:lstStyle>
-          <a:p>
-            <a:r>
-              <a:rPr lang="en-US" smtClean="0"/>
-              <a:t>Click to edit Master title style</a:t>
-            </a:r>
-            <a:endParaRPr lang="en-US" dirty="0"/>
-          </a:p>
-        </p:txBody>
-      </p:sp>
-      <p:sp>
-        <p:nvSpPr>
-          <p:cNvPr id="3" name="Text Placeholder 2"/>
-          <p:cNvSpPr>
-            <a:spLocks noGrp="1"/>
-          </p:cNvSpPr>
-          <p:nvPr>
-            <p:ph type="body" idx="1"/>
-          </p:nvPr>
-        </p:nvSpPr>
-        <p:spPr>
-          <a:xfrm>
-            <a:off x="677335" y="4527448"/>
-            <a:ext cx="8596668" cy="1513914"/>
-          </a:xfrm>
-        </p:spPr>
-        <p:txBody>
-          <a:bodyPr anchor="t">
-            <a:normAutofit/>
-          </a:bodyPr>
-          <a:lstStyle>
-            <a:lvl1pPr marL="0" indent="0" algn="l">
-              <a:buNone/>
-              <a:defRPr sz="1800">
-                <a:solidFill>
-                  <a:schemeClr val="tx1">
-                    <a:lumMod val="75000"/>
-                    <a:lumOff val="25000"/>
-                  </a:schemeClr>
-                </a:solidFill>
-              </a:defRPr>
-            </a:lvl1pPr>
-            <a:lvl2pPr marL="457200" indent="0">
-              <a:buNone/>
-              <a:defRPr sz="1800">
-                <a:solidFill>
-                  <a:schemeClr val="tx1">
-                    <a:tint val="75000"/>
-                  </a:schemeClr>
-                </a:solidFill>
-              </a:defRPr>
-            </a:lvl2pPr>
-            <a:lvl3pPr marL="914400" indent="0">
-              <a:buNone/>
-              <a:defRPr sz="1600">
-                <a:solidFill>
-                  <a:schemeClr val="tx1">
-                    <a:tint val="75000"/>
-                  </a:schemeClr>
-                </a:solidFill>
-              </a:defRPr>
-            </a:lvl3pPr>
-            <a:lvl4pPr marL="1371600" indent="0">
-              <a:buNone/>
-              <a:defRPr sz="1400">
-                <a:solidFill>
-                  <a:schemeClr val="tx1">
-                    <a:tint val="75000"/>
-                  </a:schemeClr>
-                </a:solidFill>
-              </a:defRPr>
-            </a:lvl4pPr>
-            <a:lvl5pPr marL="1828800" indent="0">
-              <a:buNone/>
-              <a:defRPr sz="1400">
-                <a:solidFill>
-                  <a:schemeClr val="tx1">
-                    <a:tint val="75000"/>
-                  </a:schemeClr>
-                </a:solidFill>
-              </a:defRPr>
-            </a:lvl5pPr>
-            <a:lvl6pPr marL="2286000" indent="0">
-              <a:buNone/>
-              <a:defRPr sz="1400">
-                <a:solidFill>
-                  <a:schemeClr val="tx1">
-                    <a:tint val="75000"/>
-                  </a:schemeClr>
-                </a:solidFill>
-              </a:defRPr>
-            </a:lvl6pPr>
-            <a:lvl7pPr marL="2743200" indent="0">
-              <a:buNone/>
-              <a:defRPr sz="1400">
-                <a:solidFill>
-                  <a:schemeClr val="tx1">
-                    <a:tint val="75000"/>
-                  </a:schemeClr>
-                </a:solidFill>
-              </a:defRPr>
-            </a:lvl7pPr>
-            <a:lvl8pPr marL="3200400" indent="0">
-              <a:buNone/>
-              <a:defRPr sz="1400">
-                <a:solidFill>
-                  <a:schemeClr val="tx1">
-                    <a:tint val="75000"/>
-                  </a:schemeClr>
-                </a:solidFill>
-              </a:defRPr>
-            </a:lvl8pPr>
-            <a:lvl9pPr marL="3657600" indent="0">
-              <a:buNone/>
-              <a:defRPr sz="1400">
-                <a:solidFill>
-                  <a:schemeClr val="tx1">
-                    <a:tint val="75000"/>
-                  </a:schemeClr>
-                </a:solidFill>
-              </a:defRPr>
-            </a:lvl9pPr>
-          </a:lstStyle>
-          <a:p>
-            <a:pPr lvl="0"/>
-            <a:r>
-              <a:rPr lang="en-US" smtClean="0"/>
-              <a:t>Click to edit Master text styles</a:t>
-            </a:r>
-          </a:p>
-        </p:txBody>
-      </p:sp>
-      <p:sp>
-        <p:nvSpPr>
-          <p:cNvPr id="4" name="Date Placeholder 3"/>
-          <p:cNvSpPr>
-            <a:spLocks noGrp="1"/>
-          </p:cNvSpPr>
-          <p:nvPr>
-            <p:ph type="dt" sz="half" idx="10"/>
-          </p:nvPr>
-        </p:nvSpPr>
-        <p:spPr/>
-        <p:txBody>
-          <a:bodyPr/>
-          <a:lstStyle/>
-          <a:p>
-            <a:fld id="{533BEAFB-ED82-499B-BBE6-3FF163A750E9}" type="datetimeFigureOut">
-              <a:rPr lang="vi-VN" smtClean="0"/>
-              <a:t>05/06/2016</a:t>
-            </a:fld>
-            <a:endParaRPr lang="vi-VN"/>
-          </a:p>
-        </p:txBody>
-      </p:sp>
-      <p:sp>
-        <p:nvSpPr>
-          <p:cNvPr id="5" name="Footer Placeholder 4"/>
-          <p:cNvSpPr>
-            <a:spLocks noGrp="1"/>
-          </p:cNvSpPr>
-          <p:nvPr>
-            <p:ph type="ftr" sz="quarter" idx="11"/>
-          </p:nvPr>
-        </p:nvSpPr>
-        <p:spPr/>
-        <p:txBody>
-          <a:bodyPr/>
-          <a:lstStyle/>
-          <a:p>
-            <a:endParaRPr lang="vi-VN"/>
-          </a:p>
-        </p:txBody>
-      </p:sp>
-      <p:sp>
-        <p:nvSpPr>
-          <p:cNvPr id="6" name="Slide Number Placeholder 5"/>
-          <p:cNvSpPr>
-            <a:spLocks noGrp="1"/>
-          </p:cNvSpPr>
-          <p:nvPr>
-            <p:ph type="sldNum" sz="quarter" idx="12"/>
-          </p:nvPr>
-        </p:nvSpPr>
-        <p:spPr/>
-        <p:txBody>
-          <a:bodyPr/>
-          <a:lstStyle/>
-          <a:p>
-            <a:fld id="{1CBE4EAE-F13A-4DAD-981E-98CFDDABC62B}" type="slidenum">
-              <a:rPr lang="vi-VN" smtClean="0"/>
-              <a:t>‹#›</a:t>
-            </a:fld>
-            <a:endParaRPr lang="vi-VN"/>
-          </a:p>
-        </p:txBody>
-      </p:sp>
-    </p:spTree>
-    <p:extLst>
-      <p:ext uri="{BB962C8B-B14F-4D97-AF65-F5344CB8AC3E}">
-        <p14:creationId xmlns:p14="http://schemas.microsoft.com/office/powerpoint/2010/main" val="958761944"/>
-      </p:ext>
-    </p:extLst>
-  </p:cSld>
-  <p:clrMapOvr>
-    <a:masterClrMapping/>
-  </p:clrMapOvr>
-</p:sldLayout>
-</file>
-
-<file path=ppt/slideLayouts/slideLayout13.xml><?xml version="1.0" encoding="utf-8"?>
-<p:sldLayout xmlns:a="http://schemas.openxmlformats.org/drawingml/2006/main" xmlns:r="http://schemas.openxmlformats.org/officeDocument/2006/relationships" xmlns:p="http://schemas.openxmlformats.org/presentationml/2006/main" preserve="1">
-  <p:cSld name="Quote Name Card">
-    <p:spTree>
-      <p:nvGrpSpPr>
-        <p:cNvPr id="1" name=""/>
-        <p:cNvGrpSpPr/>
-        <p:nvPr/>
-      </p:nvGrpSpPr>
-      <p:grpSpPr>
-        <a:xfrm>
-          <a:off x="0" y="0"/>
-          <a:ext cx="0" cy="0"/>
-          <a:chOff x="0" y="0"/>
-          <a:chExt cx="0" cy="0"/>
-        </a:xfrm>
-      </p:grpSpPr>
-      <p:sp>
-        <p:nvSpPr>
-          <p:cNvPr id="2" name="Title 1"/>
-          <p:cNvSpPr>
-            <a:spLocks noGrp="1"/>
-          </p:cNvSpPr>
-          <p:nvPr>
-            <p:ph type="title"/>
-          </p:nvPr>
-        </p:nvSpPr>
-        <p:spPr>
-          <a:xfrm>
-            <a:off x="931334" y="609600"/>
-            <a:ext cx="8094134" cy="3022600"/>
-          </a:xfrm>
-        </p:spPr>
-        <p:txBody>
-          <a:bodyPr anchor="ctr">
-            <a:normAutofit/>
-          </a:bodyPr>
-          <a:lstStyle>
-            <a:lvl1pPr algn="l">
-              <a:defRPr sz="4400" b="0" cap="none"/>
-            </a:lvl1pPr>
-          </a:lstStyle>
-          <a:p>
-            <a:r>
-              <a:rPr lang="en-US" smtClean="0"/>
-              <a:t>Click to edit Master title style</a:t>
-            </a:r>
-            <a:endParaRPr lang="en-US" dirty="0"/>
-          </a:p>
-        </p:txBody>
-      </p:sp>
-      <p:sp>
-        <p:nvSpPr>
-          <p:cNvPr id="23" name="Text Placeholder 9"/>
-          <p:cNvSpPr>
-            <a:spLocks noGrp="1"/>
-          </p:cNvSpPr>
-          <p:nvPr>
-            <p:ph type="body" sz="quarter" idx="13"/>
-          </p:nvPr>
-        </p:nvSpPr>
-        <p:spPr>
-          <a:xfrm>
-            <a:off x="677332" y="4013200"/>
-            <a:ext cx="8596669" cy="514248"/>
-          </a:xfrm>
-        </p:spPr>
-        <p:txBody>
-          <a:bodyPr anchor="b">
-            <a:noAutofit/>
-          </a:bodyPr>
-          <a:lstStyle>
-            <a:lvl1pPr marL="0" indent="0">
-              <a:buFontTx/>
-              <a:buNone/>
-              <a:defRPr sz="2400">
-                <a:solidFill>
-                  <a:schemeClr val="tx1">
-                    <a:lumMod val="75000"/>
-                    <a:lumOff val="25000"/>
-                  </a:schemeClr>
-                </a:solidFill>
-              </a:defRPr>
-            </a:lvl1pPr>
-            <a:lvl2pPr marL="457200" indent="0">
-              <a:buFontTx/>
-              <a:buNone/>
-              <a:defRPr/>
-            </a:lvl2pPr>
-            <a:lvl3pPr marL="914400" indent="0">
-              <a:buFontTx/>
-              <a:buNone/>
-              <a:defRPr/>
-            </a:lvl3pPr>
-            <a:lvl4pPr marL="1371600" indent="0">
-              <a:buFontTx/>
-              <a:buNone/>
-              <a:defRPr/>
-            </a:lvl4pPr>
-            <a:lvl5pPr marL="1828800" indent="0">
-              <a:buFontTx/>
-              <a:buNone/>
-              <a:defRPr/>
-            </a:lvl5pPr>
-          </a:lstStyle>
-          <a:p>
-            <a:pPr lvl="0"/>
-            <a:r>
-              <a:rPr lang="en-US" smtClean="0"/>
-              <a:t>Click to edit Master text styles</a:t>
-            </a:r>
-          </a:p>
-        </p:txBody>
-      </p:sp>
-      <p:sp>
-        <p:nvSpPr>
-          <p:cNvPr id="3" name="Text Placeholder 2"/>
-          <p:cNvSpPr>
-            <a:spLocks noGrp="1"/>
-          </p:cNvSpPr>
-          <p:nvPr>
-            <p:ph type="body" idx="1"/>
-          </p:nvPr>
-        </p:nvSpPr>
-        <p:spPr>
-          <a:xfrm>
-            <a:off x="677335" y="4527448"/>
-            <a:ext cx="8596668" cy="1513914"/>
-          </a:xfrm>
-        </p:spPr>
-        <p:txBody>
-          <a:bodyPr anchor="t">
-            <a:normAutofit/>
-          </a:bodyPr>
-          <a:lstStyle>
-            <a:lvl1pPr marL="0" indent="0" algn="l">
-              <a:buNone/>
-              <a:defRPr sz="1800">
-                <a:solidFill>
-                  <a:schemeClr val="tx1">
-                    <a:lumMod val="50000"/>
-                    <a:lumOff val="50000"/>
-                  </a:schemeClr>
-                </a:solidFill>
-              </a:defRPr>
-            </a:lvl1pPr>
-            <a:lvl2pPr marL="457200" indent="0">
-              <a:buNone/>
-              <a:defRPr sz="1800">
-                <a:solidFill>
-                  <a:schemeClr val="tx1">
-                    <a:tint val="75000"/>
-                  </a:schemeClr>
-                </a:solidFill>
-              </a:defRPr>
-            </a:lvl2pPr>
-            <a:lvl3pPr marL="914400" indent="0">
-              <a:buNone/>
-              <a:defRPr sz="1600">
-                <a:solidFill>
-                  <a:schemeClr val="tx1">
-                    <a:tint val="75000"/>
-                  </a:schemeClr>
-                </a:solidFill>
-              </a:defRPr>
-            </a:lvl3pPr>
-            <a:lvl4pPr marL="1371600" indent="0">
-              <a:buNone/>
-              <a:defRPr sz="1400">
-                <a:solidFill>
-                  <a:schemeClr val="tx1">
-                    <a:tint val="75000"/>
-                  </a:schemeClr>
-                </a:solidFill>
-              </a:defRPr>
-            </a:lvl4pPr>
-            <a:lvl5pPr marL="1828800" indent="0">
-              <a:buNone/>
-              <a:defRPr sz="1400">
-                <a:solidFill>
-                  <a:schemeClr val="tx1">
-                    <a:tint val="75000"/>
-                  </a:schemeClr>
-                </a:solidFill>
-              </a:defRPr>
-            </a:lvl5pPr>
-            <a:lvl6pPr marL="2286000" indent="0">
-              <a:buNone/>
-              <a:defRPr sz="1400">
-                <a:solidFill>
-                  <a:schemeClr val="tx1">
-                    <a:tint val="75000"/>
-                  </a:schemeClr>
-                </a:solidFill>
-              </a:defRPr>
-            </a:lvl6pPr>
-            <a:lvl7pPr marL="2743200" indent="0">
-              <a:buNone/>
-              <a:defRPr sz="1400">
-                <a:solidFill>
-                  <a:schemeClr val="tx1">
-                    <a:tint val="75000"/>
-                  </a:schemeClr>
-                </a:solidFill>
-              </a:defRPr>
-            </a:lvl7pPr>
-            <a:lvl8pPr marL="3200400" indent="0">
-              <a:buNone/>
-              <a:defRPr sz="1400">
-                <a:solidFill>
-                  <a:schemeClr val="tx1">
-                    <a:tint val="75000"/>
-                  </a:schemeClr>
-                </a:solidFill>
-              </a:defRPr>
-            </a:lvl8pPr>
-            <a:lvl9pPr marL="3657600" indent="0">
-              <a:buNone/>
-              <a:defRPr sz="1400">
-                <a:solidFill>
-                  <a:schemeClr val="tx1">
-                    <a:tint val="75000"/>
-                  </a:schemeClr>
-                </a:solidFill>
-              </a:defRPr>
-            </a:lvl9pPr>
-          </a:lstStyle>
-          <a:p>
-            <a:pPr lvl="0"/>
-            <a:r>
-              <a:rPr lang="en-US" smtClean="0"/>
-              <a:t>Click to edit Master text styles</a:t>
-            </a:r>
-          </a:p>
-        </p:txBody>
-      </p:sp>
-      <p:sp>
-        <p:nvSpPr>
-          <p:cNvPr id="4" name="Date Placeholder 3"/>
-          <p:cNvSpPr>
-            <a:spLocks noGrp="1"/>
-          </p:cNvSpPr>
-          <p:nvPr>
-            <p:ph type="dt" sz="half" idx="10"/>
-          </p:nvPr>
-        </p:nvSpPr>
-        <p:spPr/>
-        <p:txBody>
-          <a:bodyPr/>
-          <a:lstStyle/>
-          <a:p>
-            <a:fld id="{533BEAFB-ED82-499B-BBE6-3FF163A750E9}" type="datetimeFigureOut">
-              <a:rPr lang="vi-VN" smtClean="0"/>
-              <a:t>05/06/2016</a:t>
-            </a:fld>
-            <a:endParaRPr lang="vi-VN"/>
-          </a:p>
-        </p:txBody>
-      </p:sp>
-      <p:sp>
-        <p:nvSpPr>
-          <p:cNvPr id="5" name="Footer Placeholder 4"/>
-          <p:cNvSpPr>
-            <a:spLocks noGrp="1"/>
-          </p:cNvSpPr>
-          <p:nvPr>
-            <p:ph type="ftr" sz="quarter" idx="11"/>
-          </p:nvPr>
-        </p:nvSpPr>
-        <p:spPr/>
-        <p:txBody>
-          <a:bodyPr/>
-          <a:lstStyle/>
-          <a:p>
-            <a:endParaRPr lang="vi-VN"/>
-          </a:p>
-        </p:txBody>
-      </p:sp>
-      <p:sp>
-        <p:nvSpPr>
-          <p:cNvPr id="6" name="Slide Number Placeholder 5"/>
-          <p:cNvSpPr>
-            <a:spLocks noGrp="1"/>
-          </p:cNvSpPr>
-          <p:nvPr>
-            <p:ph type="sldNum" sz="quarter" idx="12"/>
-          </p:nvPr>
-        </p:nvSpPr>
-        <p:spPr/>
-        <p:txBody>
-          <a:bodyPr/>
-          <a:lstStyle/>
-          <a:p>
-            <a:fld id="{1CBE4EAE-F13A-4DAD-981E-98CFDDABC62B}" type="slidenum">
-              <a:rPr lang="vi-VN" smtClean="0"/>
-              <a:t>‹#›</a:t>
-            </a:fld>
-            <a:endParaRPr lang="vi-VN"/>
-          </a:p>
-        </p:txBody>
-      </p:sp>
-      <p:sp>
-        <p:nvSpPr>
-          <p:cNvPr id="24" name="TextBox 23"/>
-          <p:cNvSpPr txBox="1"/>
-          <p:nvPr/>
-        </p:nvSpPr>
-        <p:spPr>
-          <a:xfrm>
-            <a:off x="541870" y="790378"/>
-            <a:ext cx="609600" cy="584776"/>
-          </a:xfrm>
-          <a:prstGeom prst="rect">
-            <a:avLst/>
-          </a:prstGeom>
-        </p:spPr>
-        <p:txBody>
-          <a:bodyPr vert="horz" lIns="91440" tIns="45720" rIns="91440" bIns="45720" rtlCol="0" anchor="ctr">
-            <a:noAutofit/>
-          </a:bodyPr>
-          <a:lstStyle/>
-          <a:p>
-            <a:pPr lvl="0"/>
-            <a:r>
-              <a:rPr lang="en-US" sz="8000" baseline="0" dirty="0">
-                <a:ln w="3175" cmpd="sng">
-                  <a:noFill/>
-                </a:ln>
-                <a:solidFill>
-                  <a:schemeClr val="accent1">
-                    <a:lumMod val="60000"/>
-                    <a:lumOff val="40000"/>
-                  </a:schemeClr>
-                </a:solidFill>
-                <a:effectLst/>
-                <a:latin typeface="Arial"/>
-              </a:rPr>
-              <a:t>“</a:t>
-            </a:r>
-          </a:p>
-        </p:txBody>
-      </p:sp>
-      <p:sp>
-        <p:nvSpPr>
-          <p:cNvPr id="25" name="TextBox 24"/>
-          <p:cNvSpPr txBox="1"/>
-          <p:nvPr/>
-        </p:nvSpPr>
-        <p:spPr>
-          <a:xfrm>
-            <a:off x="8893011" y="2886556"/>
-            <a:ext cx="609600" cy="584776"/>
-          </a:xfrm>
-          <a:prstGeom prst="rect">
-            <a:avLst/>
-          </a:prstGeom>
-        </p:spPr>
-        <p:txBody>
-          <a:bodyPr vert="horz" lIns="91440" tIns="45720" rIns="91440" bIns="45720" rtlCol="0" anchor="ctr">
-            <a:noAutofit/>
-          </a:bodyPr>
-          <a:lstStyle/>
-          <a:p>
-            <a:pPr lvl="0"/>
-            <a:r>
-              <a:rPr lang="en-US" sz="8000" baseline="0" dirty="0">
-                <a:ln w="3175" cmpd="sng">
-                  <a:noFill/>
-                </a:ln>
-                <a:solidFill>
-                  <a:schemeClr val="accent1">
-                    <a:lumMod val="60000"/>
-                    <a:lumOff val="40000"/>
-                  </a:schemeClr>
-                </a:solidFill>
-                <a:effectLst/>
-                <a:latin typeface="Arial"/>
-              </a:rPr>
-              <a:t>”</a:t>
-            </a:r>
-          </a:p>
-        </p:txBody>
-      </p:sp>
-    </p:spTree>
-    <p:extLst>
-      <p:ext uri="{BB962C8B-B14F-4D97-AF65-F5344CB8AC3E}">
-        <p14:creationId xmlns:p14="http://schemas.microsoft.com/office/powerpoint/2010/main" val="2780141721"/>
-      </p:ext>
-    </p:extLst>
-  </p:cSld>
-  <p:clrMapOvr>
-    <a:masterClrMapping/>
-  </p:clrMapOvr>
-</p:sldLayout>
-</file>
-
-<file path=ppt/slideLayouts/slideLayout14.xml><?xml version="1.0" encoding="utf-8"?>
-<p:sldLayout xmlns:a="http://schemas.openxmlformats.org/drawingml/2006/main" xmlns:r="http://schemas.openxmlformats.org/officeDocument/2006/relationships" xmlns:p="http://schemas.openxmlformats.org/presentationml/2006/main" preserve="1">
+<p:sldLayout xmlns:a="http://schemas.openxmlformats.org/drawingml/2006/main" xmlns:r="http://schemas.openxmlformats.org/officeDocument/2006/relationships" xmlns:p="http://schemas.openxmlformats.org/presentationml/2006/main">
   <p:cSld name="True or False">
     <p:spTree>
       <p:nvGrpSpPr>
@@ -2456,7 +919,7 @@
           <a:p>
             <a:fld id="{533BEAFB-ED82-499B-BBE6-3FF163A750E9}" type="datetimeFigureOut">
               <a:rPr lang="vi-VN" smtClean="0"/>
-              <a:t>05/06/2016</a:t>
+              <a:t>07/06/2016</a:t>
             </a:fld>
             <a:endParaRPr lang="vi-VN"/>
           </a:p>
@@ -2507,357 +970,7 @@
     </p:spTree>
     <p:extLst>
       <p:ext uri="{BB962C8B-B14F-4D97-AF65-F5344CB8AC3E}">
-        <p14:creationId xmlns:p14="http://schemas.microsoft.com/office/powerpoint/2010/main" val="1999962483"/>
-      </p:ext>
-    </p:extLst>
-  </p:cSld>
-  <p:clrMapOvr>
-    <a:masterClrMapping/>
-  </p:clrMapOvr>
-</p:sldLayout>
-</file>
-
-<file path=ppt/slideLayouts/slideLayout15.xml><?xml version="1.0" encoding="utf-8"?>
-<p:sldLayout xmlns:a="http://schemas.openxmlformats.org/drawingml/2006/main" xmlns:r="http://schemas.openxmlformats.org/officeDocument/2006/relationships" xmlns:p="http://schemas.openxmlformats.org/presentationml/2006/main" type="vertTx" preserve="1">
-  <p:cSld name="Title and Vertical Text">
-    <p:spTree>
-      <p:nvGrpSpPr>
-        <p:cNvPr id="1" name=""/>
-        <p:cNvGrpSpPr/>
-        <p:nvPr/>
-      </p:nvGrpSpPr>
-      <p:grpSpPr>
-        <a:xfrm>
-          <a:off x="0" y="0"/>
-          <a:ext cx="0" cy="0"/>
-          <a:chOff x="0" y="0"/>
-          <a:chExt cx="0" cy="0"/>
-        </a:xfrm>
-      </p:grpSpPr>
-      <p:sp>
-        <p:nvSpPr>
-          <p:cNvPr id="2" name="Title 1"/>
-          <p:cNvSpPr>
-            <a:spLocks noGrp="1"/>
-          </p:cNvSpPr>
-          <p:nvPr>
-            <p:ph type="title"/>
-          </p:nvPr>
-        </p:nvSpPr>
-        <p:spPr/>
-        <p:txBody>
-          <a:bodyPr/>
-          <a:lstStyle/>
-          <a:p>
-            <a:r>
-              <a:rPr lang="en-US" smtClean="0"/>
-              <a:t>Click to edit Master title style</a:t>
-            </a:r>
-            <a:endParaRPr lang="en-US" dirty="0"/>
-          </a:p>
-        </p:txBody>
-      </p:sp>
-      <p:sp>
-        <p:nvSpPr>
-          <p:cNvPr id="3" name="Vertical Text Placeholder 2"/>
-          <p:cNvSpPr>
-            <a:spLocks noGrp="1"/>
-          </p:cNvSpPr>
-          <p:nvPr>
-            <p:ph type="body" orient="vert" idx="1"/>
-          </p:nvPr>
-        </p:nvSpPr>
-        <p:spPr/>
-        <p:txBody>
-          <a:bodyPr vert="eaVert"/>
-          <a:lstStyle/>
-          <a:p>
-            <a:pPr lvl="0"/>
-            <a:r>
-              <a:rPr lang="en-US" smtClean="0"/>
-              <a:t>Click to edit Master text styles</a:t>
-            </a:r>
-          </a:p>
-          <a:p>
-            <a:pPr lvl="1"/>
-            <a:r>
-              <a:rPr lang="en-US" smtClean="0"/>
-              <a:t>Second level</a:t>
-            </a:r>
-          </a:p>
-          <a:p>
-            <a:pPr lvl="2"/>
-            <a:r>
-              <a:rPr lang="en-US" smtClean="0"/>
-              <a:t>Third level</a:t>
-            </a:r>
-          </a:p>
-          <a:p>
-            <a:pPr lvl="3"/>
-            <a:r>
-              <a:rPr lang="en-US" smtClean="0"/>
-              <a:t>Fourth level</a:t>
-            </a:r>
-          </a:p>
-          <a:p>
-            <a:pPr lvl="4"/>
-            <a:r>
-              <a:rPr lang="en-US" smtClean="0"/>
-              <a:t>Fifth level</a:t>
-            </a:r>
-            <a:endParaRPr lang="en-US" dirty="0"/>
-          </a:p>
-        </p:txBody>
-      </p:sp>
-      <p:sp>
-        <p:nvSpPr>
-          <p:cNvPr id="4" name="Date Placeholder 3"/>
-          <p:cNvSpPr>
-            <a:spLocks noGrp="1"/>
-          </p:cNvSpPr>
-          <p:nvPr>
-            <p:ph type="dt" sz="half" idx="10"/>
-          </p:nvPr>
-        </p:nvSpPr>
-        <p:spPr/>
-        <p:txBody>
-          <a:bodyPr/>
-          <a:lstStyle/>
-          <a:p>
-            <a:fld id="{533BEAFB-ED82-499B-BBE6-3FF163A750E9}" type="datetimeFigureOut">
-              <a:rPr lang="vi-VN" smtClean="0"/>
-              <a:t>05/06/2016</a:t>
-            </a:fld>
-            <a:endParaRPr lang="vi-VN"/>
-          </a:p>
-        </p:txBody>
-      </p:sp>
-      <p:sp>
-        <p:nvSpPr>
-          <p:cNvPr id="5" name="Footer Placeholder 4"/>
-          <p:cNvSpPr>
-            <a:spLocks noGrp="1"/>
-          </p:cNvSpPr>
-          <p:nvPr>
-            <p:ph type="ftr" sz="quarter" idx="11"/>
-          </p:nvPr>
-        </p:nvSpPr>
-        <p:spPr/>
-        <p:txBody>
-          <a:bodyPr/>
-          <a:lstStyle/>
-          <a:p>
-            <a:endParaRPr lang="vi-VN"/>
-          </a:p>
-        </p:txBody>
-      </p:sp>
-      <p:sp>
-        <p:nvSpPr>
-          <p:cNvPr id="6" name="Slide Number Placeholder 5"/>
-          <p:cNvSpPr>
-            <a:spLocks noGrp="1"/>
-          </p:cNvSpPr>
-          <p:nvPr>
-            <p:ph type="sldNum" sz="quarter" idx="12"/>
-          </p:nvPr>
-        </p:nvSpPr>
-        <p:spPr/>
-        <p:txBody>
-          <a:bodyPr/>
-          <a:lstStyle/>
-          <a:p>
-            <a:fld id="{1CBE4EAE-F13A-4DAD-981E-98CFDDABC62B}" type="slidenum">
-              <a:rPr lang="vi-VN" smtClean="0"/>
-              <a:t>‹#›</a:t>
-            </a:fld>
-            <a:endParaRPr lang="vi-VN"/>
-          </a:p>
-        </p:txBody>
-      </p:sp>
-    </p:spTree>
-    <p:extLst>
-      <p:ext uri="{BB962C8B-B14F-4D97-AF65-F5344CB8AC3E}">
-        <p14:creationId xmlns:p14="http://schemas.microsoft.com/office/powerpoint/2010/main" val="576089966"/>
-      </p:ext>
-    </p:extLst>
-  </p:cSld>
-  <p:clrMapOvr>
-    <a:masterClrMapping/>
-  </p:clrMapOvr>
-</p:sldLayout>
-</file>
-
-<file path=ppt/slideLayouts/slideLayout16.xml><?xml version="1.0" encoding="utf-8"?>
-<p:sldLayout xmlns:a="http://schemas.openxmlformats.org/drawingml/2006/main" xmlns:r="http://schemas.openxmlformats.org/officeDocument/2006/relationships" xmlns:p="http://schemas.openxmlformats.org/presentationml/2006/main" type="vertTitleAndTx" preserve="1">
-  <p:cSld name="Vertical Title and Text">
-    <p:spTree>
-      <p:nvGrpSpPr>
-        <p:cNvPr id="1" name=""/>
-        <p:cNvGrpSpPr/>
-        <p:nvPr/>
-      </p:nvGrpSpPr>
-      <p:grpSpPr>
-        <a:xfrm>
-          <a:off x="0" y="0"/>
-          <a:ext cx="0" cy="0"/>
-          <a:chOff x="0" y="0"/>
-          <a:chExt cx="0" cy="0"/>
-        </a:xfrm>
-      </p:grpSpPr>
-      <p:sp>
-        <p:nvSpPr>
-          <p:cNvPr id="2" name="Vertical Title 1"/>
-          <p:cNvSpPr>
-            <a:spLocks noGrp="1"/>
-          </p:cNvSpPr>
-          <p:nvPr>
-            <p:ph type="title" orient="vert"/>
-          </p:nvPr>
-        </p:nvSpPr>
-        <p:spPr>
-          <a:xfrm>
-            <a:off x="7967673" y="609599"/>
-            <a:ext cx="1304743" cy="5251451"/>
-          </a:xfrm>
-        </p:spPr>
-        <p:txBody>
-          <a:bodyPr vert="eaVert" anchor="ctr"/>
-          <a:lstStyle/>
-          <a:p>
-            <a:r>
-              <a:rPr lang="en-US" smtClean="0"/>
-              <a:t>Click to edit Master title style</a:t>
-            </a:r>
-            <a:endParaRPr lang="en-US" dirty="0"/>
-          </a:p>
-        </p:txBody>
-      </p:sp>
-      <p:sp>
-        <p:nvSpPr>
-          <p:cNvPr id="3" name="Vertical Text Placeholder 2"/>
-          <p:cNvSpPr>
-            <a:spLocks noGrp="1"/>
-          </p:cNvSpPr>
-          <p:nvPr>
-            <p:ph type="body" orient="vert" idx="1"/>
-          </p:nvPr>
-        </p:nvSpPr>
-        <p:spPr>
-          <a:xfrm>
-            <a:off x="677335" y="609600"/>
-            <a:ext cx="7060150" cy="5251450"/>
-          </a:xfrm>
-        </p:spPr>
-        <p:txBody>
-          <a:bodyPr vert="eaVert"/>
-          <a:lstStyle/>
-          <a:p>
-            <a:pPr lvl="0"/>
-            <a:r>
-              <a:rPr lang="en-US" smtClean="0"/>
-              <a:t>Click to edit Master text styles</a:t>
-            </a:r>
-          </a:p>
-          <a:p>
-            <a:pPr lvl="1"/>
-            <a:r>
-              <a:rPr lang="en-US" smtClean="0"/>
-              <a:t>Second level</a:t>
-            </a:r>
-          </a:p>
-          <a:p>
-            <a:pPr lvl="2"/>
-            <a:r>
-              <a:rPr lang="en-US" smtClean="0"/>
-              <a:t>Third level</a:t>
-            </a:r>
-          </a:p>
-          <a:p>
-            <a:pPr lvl="3"/>
-            <a:r>
-              <a:rPr lang="en-US" smtClean="0"/>
-              <a:t>Fourth level</a:t>
-            </a:r>
-          </a:p>
-          <a:p>
-            <a:pPr lvl="4"/>
-            <a:r>
-              <a:rPr lang="en-US" smtClean="0"/>
-              <a:t>Fifth level</a:t>
-            </a:r>
-            <a:endParaRPr lang="en-US" dirty="0"/>
-          </a:p>
-        </p:txBody>
-      </p:sp>
-      <p:sp>
-        <p:nvSpPr>
-          <p:cNvPr id="4" name="Date Placeholder 3"/>
-          <p:cNvSpPr>
-            <a:spLocks noGrp="1"/>
-          </p:cNvSpPr>
-          <p:nvPr>
-            <p:ph type="dt" sz="half" idx="10"/>
-          </p:nvPr>
-        </p:nvSpPr>
-        <p:spPr/>
-        <p:txBody>
-          <a:bodyPr/>
-          <a:lstStyle/>
-          <a:p>
-            <a:fld id="{533BEAFB-ED82-499B-BBE6-3FF163A750E9}" type="datetimeFigureOut">
-              <a:rPr lang="vi-VN" smtClean="0"/>
-              <a:t>05/06/2016</a:t>
-            </a:fld>
-            <a:endParaRPr lang="vi-VN"/>
-          </a:p>
-        </p:txBody>
-      </p:sp>
-      <p:sp>
-        <p:nvSpPr>
-          <p:cNvPr id="5" name="Footer Placeholder 4"/>
-          <p:cNvSpPr>
-            <a:spLocks noGrp="1"/>
-          </p:cNvSpPr>
-          <p:nvPr>
-            <p:ph type="ftr" sz="quarter" idx="11"/>
-          </p:nvPr>
-        </p:nvSpPr>
-        <p:spPr/>
-        <p:txBody>
-          <a:bodyPr/>
-          <a:lstStyle/>
-          <a:p>
-            <a:endParaRPr lang="vi-VN"/>
-          </a:p>
-        </p:txBody>
-      </p:sp>
-      <p:sp>
-        <p:nvSpPr>
-          <p:cNvPr id="6" name="Slide Number Placeholder 5"/>
-          <p:cNvSpPr>
-            <a:spLocks noGrp="1"/>
-          </p:cNvSpPr>
-          <p:nvPr>
-            <p:ph type="sldNum" sz="quarter" idx="12"/>
-          </p:nvPr>
-        </p:nvSpPr>
-        <p:spPr/>
-        <p:txBody>
-          <a:bodyPr/>
-          <a:lstStyle/>
-          <a:p>
-            <a:fld id="{1CBE4EAE-F13A-4DAD-981E-98CFDDABC62B}" type="slidenum">
-              <a:rPr lang="vi-VN" smtClean="0"/>
-              <a:t>‹#›</a:t>
-            </a:fld>
-            <a:endParaRPr lang="vi-VN"/>
-          </a:p>
-        </p:txBody>
-      </p:sp>
-    </p:spTree>
-    <p:extLst>
-      <p:ext uri="{BB962C8B-B14F-4D97-AF65-F5344CB8AC3E}">
-        <p14:creationId xmlns:p14="http://schemas.microsoft.com/office/powerpoint/2010/main" val="1433901265"/>
+        <p14:creationId xmlns:p14="http://schemas.microsoft.com/office/powerpoint/2010/main" val="3921380719"/>
       </p:ext>
     </p:extLst>
   </p:cSld>
@@ -2896,20 +1009,14 @@
         </p:nvSpPr>
         <p:spPr/>
         <p:txBody>
-          <a:bodyPr>
-            <a:normAutofit/>
-          </a:bodyPr>
-          <a:lstStyle>
-            <a:lvl1pPr>
-              <a:defRPr sz="3600"/>
-            </a:lvl1pPr>
-          </a:lstStyle>
+          <a:bodyPr/>
+          <a:lstStyle/>
           <a:p>
             <a:r>
               <a:rPr lang="en-US" smtClean="0"/>
               <a:t>Click to edit Master title style</a:t>
             </a:r>
-            <a:endParaRPr lang="en-US" dirty="0"/>
+            <a:endParaRPr lang="vi-VN"/>
           </a:p>
         </p:txBody>
       </p:sp>
@@ -2961,7 +1068,7 @@
               <a:rPr lang="en-US" smtClean="0"/>
               <a:t>Fifth level</a:t>
             </a:r>
-            <a:endParaRPr lang="en-US" dirty="0"/>
+            <a:endParaRPr lang="vi-VN"/>
           </a:p>
         </p:txBody>
       </p:sp>
@@ -2982,7 +1089,7 @@
           <a:p>
             <a:fld id="{533BEAFB-ED82-499B-BBE6-3FF163A750E9}" type="datetimeFigureOut">
               <a:rPr lang="vi-VN" smtClean="0"/>
-              <a:t>05/06/2016</a:t>
+              <a:t>06/06/2016</a:t>
             </a:fld>
             <a:endParaRPr lang="vi-VN"/>
           </a:p>
@@ -3033,7 +1140,7 @@
     </p:spTree>
     <p:extLst>
       <p:ext uri="{BB962C8B-B14F-4D97-AF65-F5344CB8AC3E}">
-        <p14:creationId xmlns:p14="http://schemas.microsoft.com/office/powerpoint/2010/main" val="1983642899"/>
+        <p14:creationId xmlns:p14="http://schemas.microsoft.com/office/powerpoint/2010/main" val="2319438238"/>
       </p:ext>
     </p:extLst>
   </p:cSld>
@@ -3072,15 +1179,15 @@
         </p:nvSpPr>
         <p:spPr>
           <a:xfrm>
-            <a:off x="677335" y="2700867"/>
-            <a:ext cx="8596668" cy="1826581"/>
+            <a:off x="831850" y="1709738"/>
+            <a:ext cx="10515600" cy="2852737"/>
           </a:xfrm>
         </p:spPr>
         <p:txBody>
           <a:bodyPr anchor="b"/>
           <a:lstStyle>
-            <a:lvl1pPr algn="l">
-              <a:defRPr sz="4000" b="0" cap="none"/>
+            <a:lvl1pPr>
+              <a:defRPr sz="6000"/>
             </a:lvl1pPr>
           </a:lstStyle>
           <a:p>
@@ -3088,7 +1195,7 @@
               <a:rPr lang="en-US" smtClean="0"/>
               <a:t>Click to edit Master title style</a:t>
             </a:r>
-            <a:endParaRPr lang="en-US" dirty="0"/>
+            <a:endParaRPr lang="vi-VN"/>
           </a:p>
         </p:txBody>
       </p:sp>
@@ -3104,27 +1211,26 @@
         </p:nvSpPr>
         <p:spPr>
           <a:xfrm>
-            <a:off x="677335" y="4527448"/>
-            <a:ext cx="8596668" cy="860400"/>
+            <a:off x="831850" y="4589463"/>
+            <a:ext cx="10515600" cy="1500187"/>
           </a:xfrm>
         </p:spPr>
         <p:txBody>
-          <a:bodyPr anchor="t"/>
+          <a:bodyPr/>
           <a:lstStyle>
-            <a:lvl1pPr marL="0" indent="0" algn="l">
+            <a:lvl1pPr marL="0" indent="0">
               <a:buNone/>
-              <a:defRPr sz="2000">
+              <a:defRPr sz="2400">
                 <a:solidFill>
                   <a:schemeClr val="tx1">
-                    <a:lumMod val="50000"/>
-                    <a:lumOff val="50000"/>
+                    <a:tint val="75000"/>
                   </a:schemeClr>
                 </a:solidFill>
               </a:defRPr>
             </a:lvl1pPr>
             <a:lvl2pPr marL="457200" indent="0">
               <a:buNone/>
-              <a:defRPr sz="1800">
+              <a:defRPr sz="2000">
                 <a:solidFill>
                   <a:schemeClr val="tx1">
                     <a:tint val="75000"/>
@@ -3134,7 +1240,7 @@
             </a:lvl2pPr>
             <a:lvl3pPr marL="914400" indent="0">
               <a:buNone/>
-              <a:defRPr sz="1600">
+              <a:defRPr sz="1800">
                 <a:solidFill>
                   <a:schemeClr val="tx1">
                     <a:tint val="75000"/>
@@ -3144,7 +1250,7 @@
             </a:lvl3pPr>
             <a:lvl4pPr marL="1371600" indent="0">
               <a:buNone/>
-              <a:defRPr sz="1400">
+              <a:defRPr sz="1600">
                 <a:solidFill>
                   <a:schemeClr val="tx1">
                     <a:tint val="75000"/>
@@ -3154,7 +1260,7 @@
             </a:lvl4pPr>
             <a:lvl5pPr marL="1828800" indent="0">
               <a:buNone/>
-              <a:defRPr sz="1400">
+              <a:defRPr sz="1600">
                 <a:solidFill>
                   <a:schemeClr val="tx1">
                     <a:tint val="75000"/>
@@ -3164,7 +1270,7 @@
             </a:lvl5pPr>
             <a:lvl6pPr marL="2286000" indent="0">
               <a:buNone/>
-              <a:defRPr sz="1400">
+              <a:defRPr sz="1600">
                 <a:solidFill>
                   <a:schemeClr val="tx1">
                     <a:tint val="75000"/>
@@ -3174,7 +1280,7 @@
             </a:lvl6pPr>
             <a:lvl7pPr marL="2743200" indent="0">
               <a:buNone/>
-              <a:defRPr sz="1400">
+              <a:defRPr sz="1600">
                 <a:solidFill>
                   <a:schemeClr val="tx1">
                     <a:tint val="75000"/>
@@ -3184,7 +1290,7 @@
             </a:lvl7pPr>
             <a:lvl8pPr marL="3200400" indent="0">
               <a:buNone/>
-              <a:defRPr sz="1400">
+              <a:defRPr sz="1600">
                 <a:solidFill>
                   <a:schemeClr val="tx1">
                     <a:tint val="75000"/>
@@ -3194,7 +1300,7 @@
             </a:lvl8pPr>
             <a:lvl9pPr marL="3657600" indent="0">
               <a:buNone/>
-              <a:defRPr sz="1400">
+              <a:defRPr sz="1600">
                 <a:solidFill>
                   <a:schemeClr val="tx1">
                     <a:tint val="75000"/>
@@ -3229,7 +1335,7 @@
           <a:p>
             <a:fld id="{533BEAFB-ED82-499B-BBE6-3FF163A750E9}" type="datetimeFigureOut">
               <a:rPr lang="vi-VN" smtClean="0"/>
-              <a:t>05/06/2016</a:t>
+              <a:t>06/06/2016</a:t>
             </a:fld>
             <a:endParaRPr lang="vi-VN"/>
           </a:p>
@@ -3280,7 +1386,7 @@
     </p:spTree>
     <p:extLst>
       <p:ext uri="{BB962C8B-B14F-4D97-AF65-F5344CB8AC3E}">
-        <p14:creationId xmlns:p14="http://schemas.microsoft.com/office/powerpoint/2010/main" val="2575332623"/>
+        <p14:creationId xmlns:p14="http://schemas.microsoft.com/office/powerpoint/2010/main" val="21813724"/>
       </p:ext>
     </p:extLst>
   </p:cSld>
@@ -3326,7 +1432,7 @@
               <a:rPr lang="en-US" smtClean="0"/>
               <a:t>Click to edit Master title style</a:t>
             </a:r>
-            <a:endParaRPr lang="en-US" dirty="0"/>
+            <a:endParaRPr lang="vi-VN"/>
           </a:p>
         </p:txBody>
       </p:sp>
@@ -3342,8 +1448,8 @@
         </p:nvSpPr>
         <p:spPr>
           <a:xfrm>
-            <a:off x="677334" y="2160589"/>
-            <a:ext cx="4184035" cy="3880772"/>
+            <a:off x="838200" y="1825625"/>
+            <a:ext cx="5181600" cy="4351338"/>
           </a:xfrm>
         </p:spPr>
         <p:txBody>
@@ -3383,7 +1489,7 @@
               <a:rPr lang="en-US" smtClean="0"/>
               <a:t>Fifth level</a:t>
             </a:r>
-            <a:endParaRPr lang="en-US" dirty="0"/>
+            <a:endParaRPr lang="vi-VN"/>
           </a:p>
         </p:txBody>
       </p:sp>
@@ -3399,8 +1505,8 @@
         </p:nvSpPr>
         <p:spPr>
           <a:xfrm>
-            <a:off x="5089970" y="2160589"/>
-            <a:ext cx="4184034" cy="3880773"/>
+            <a:off x="6172200" y="1825625"/>
+            <a:ext cx="5181600" cy="4351338"/>
           </a:xfrm>
         </p:spPr>
         <p:txBody>
@@ -3440,7 +1546,7 @@
               <a:rPr lang="en-US" smtClean="0"/>
               <a:t>Fifth level</a:t>
             </a:r>
-            <a:endParaRPr lang="en-US" dirty="0"/>
+            <a:endParaRPr lang="vi-VN"/>
           </a:p>
         </p:txBody>
       </p:sp>
@@ -3461,7 +1567,7 @@
           <a:p>
             <a:fld id="{533BEAFB-ED82-499B-BBE6-3FF163A750E9}" type="datetimeFigureOut">
               <a:rPr lang="vi-VN" smtClean="0"/>
-              <a:t>05/06/2016</a:t>
+              <a:t>06/06/2016</a:t>
             </a:fld>
             <a:endParaRPr lang="vi-VN"/>
           </a:p>
@@ -3512,7 +1618,7 @@
     </p:spTree>
     <p:extLst>
       <p:ext uri="{BB962C8B-B14F-4D97-AF65-F5344CB8AC3E}">
-        <p14:creationId xmlns:p14="http://schemas.microsoft.com/office/powerpoint/2010/main" val="748894295"/>
+        <p14:creationId xmlns:p14="http://schemas.microsoft.com/office/powerpoint/2010/main" val="111675662"/>
       </p:ext>
     </p:extLst>
   </p:cSld>
@@ -3549,20 +1655,21 @@
             <p:ph type="title"/>
           </p:nvPr>
         </p:nvSpPr>
-        <p:spPr/>
+        <p:spPr>
+          <a:xfrm>
+            <a:off x="839788" y="365125"/>
+            <a:ext cx="10515600" cy="1325563"/>
+          </a:xfrm>
+        </p:spPr>
         <p:txBody>
           <a:bodyPr/>
-          <a:lstStyle>
-            <a:lvl1pPr>
-              <a:defRPr/>
-            </a:lvl1pPr>
-          </a:lstStyle>
+          <a:lstStyle/>
           <a:p>
             <a:r>
               <a:rPr lang="en-US" smtClean="0"/>
               <a:t>Click to edit Master title style</a:t>
             </a:r>
-            <a:endParaRPr lang="en-US" dirty="0"/>
+            <a:endParaRPr lang="vi-VN"/>
           </a:p>
         </p:txBody>
       </p:sp>
@@ -3578,18 +1685,16 @@
         </p:nvSpPr>
         <p:spPr>
           <a:xfrm>
-            <a:off x="675745" y="2160983"/>
-            <a:ext cx="4185623" cy="576262"/>
+            <a:off x="839788" y="1681163"/>
+            <a:ext cx="5157787" cy="823912"/>
           </a:xfrm>
         </p:spPr>
         <p:txBody>
-          <a:bodyPr anchor="b">
-            <a:noAutofit/>
-          </a:bodyPr>
+          <a:bodyPr anchor="b"/>
           <a:lstStyle>
             <a:lvl1pPr marL="0" indent="0">
               <a:buNone/>
-              <a:defRPr sz="2400" b="0"/>
+              <a:defRPr sz="2400" b="1"/>
             </a:lvl1pPr>
             <a:lvl2pPr marL="457200" indent="0">
               <a:buNone/>
@@ -3645,14 +1750,12 @@
         </p:nvSpPr>
         <p:spPr>
           <a:xfrm>
-            <a:off x="675745" y="2737245"/>
-            <a:ext cx="4185623" cy="3304117"/>
+            <a:off x="839788" y="2505075"/>
+            <a:ext cx="5157787" cy="3684588"/>
           </a:xfrm>
         </p:spPr>
         <p:txBody>
-          <a:bodyPr>
-            <a:normAutofit/>
-          </a:bodyPr>
+          <a:bodyPr/>
           <a:lstStyle/>
           <a:p>
             <a:pPr lvl="0"/>
@@ -3688,7 +1791,7 @@
               <a:rPr lang="en-US" smtClean="0"/>
               <a:t>Fifth level</a:t>
             </a:r>
-            <a:endParaRPr lang="en-US" dirty="0"/>
+            <a:endParaRPr lang="vi-VN"/>
           </a:p>
         </p:txBody>
       </p:sp>
@@ -3704,18 +1807,16 @@
         </p:nvSpPr>
         <p:spPr>
           <a:xfrm>
-            <a:off x="5088383" y="2160983"/>
-            <a:ext cx="4185618" cy="576262"/>
+            <a:off x="6172200" y="1681163"/>
+            <a:ext cx="5183188" cy="823912"/>
           </a:xfrm>
         </p:spPr>
         <p:txBody>
-          <a:bodyPr anchor="b">
-            <a:noAutofit/>
-          </a:bodyPr>
+          <a:bodyPr anchor="b"/>
           <a:lstStyle>
             <a:lvl1pPr marL="0" indent="0">
               <a:buNone/>
-              <a:defRPr sz="2400" b="0"/>
+              <a:defRPr sz="2400" b="1"/>
             </a:lvl1pPr>
             <a:lvl2pPr marL="457200" indent="0">
               <a:buNone/>
@@ -3771,14 +1872,12 @@
         </p:nvSpPr>
         <p:spPr>
           <a:xfrm>
-            <a:off x="5088384" y="2737245"/>
-            <a:ext cx="4185617" cy="3304117"/>
+            <a:off x="6172200" y="2505075"/>
+            <a:ext cx="5183188" cy="3684588"/>
           </a:xfrm>
         </p:spPr>
         <p:txBody>
-          <a:bodyPr>
-            <a:normAutofit/>
-          </a:bodyPr>
+          <a:bodyPr/>
           <a:lstStyle/>
           <a:p>
             <a:pPr lvl="0"/>
@@ -3814,7 +1913,7 @@
               <a:rPr lang="en-US" smtClean="0"/>
               <a:t>Fifth level</a:t>
             </a:r>
-            <a:endParaRPr lang="en-US" dirty="0"/>
+            <a:endParaRPr lang="vi-VN"/>
           </a:p>
         </p:txBody>
       </p:sp>
@@ -3835,7 +1934,7 @@
           <a:p>
             <a:fld id="{533BEAFB-ED82-499B-BBE6-3FF163A750E9}" type="datetimeFigureOut">
               <a:rPr lang="vi-VN" smtClean="0"/>
-              <a:t>05/06/2016</a:t>
+              <a:t>06/06/2016</a:t>
             </a:fld>
             <a:endParaRPr lang="vi-VN"/>
           </a:p>
@@ -3886,7 +1985,7 @@
     </p:spTree>
     <p:extLst>
       <p:ext uri="{BB962C8B-B14F-4D97-AF65-F5344CB8AC3E}">
-        <p14:creationId xmlns:p14="http://schemas.microsoft.com/office/powerpoint/2010/main" val="1185000336"/>
+        <p14:creationId xmlns:p14="http://schemas.microsoft.com/office/powerpoint/2010/main" val="559818663"/>
       </p:ext>
     </p:extLst>
   </p:cSld>
@@ -3923,12 +2022,7 @@
             <p:ph type="title"/>
           </p:nvPr>
         </p:nvSpPr>
-        <p:spPr>
-          <a:xfrm>
-            <a:off x="677334" y="609600"/>
-            <a:ext cx="8596668" cy="1320800"/>
-          </a:xfrm>
-        </p:spPr>
+        <p:spPr/>
         <p:txBody>
           <a:bodyPr/>
           <a:lstStyle/>
@@ -3937,7 +2031,7 @@
               <a:rPr lang="en-US" smtClean="0"/>
               <a:t>Click to edit Master title style</a:t>
             </a:r>
-            <a:endParaRPr lang="en-US" dirty="0"/>
+            <a:endParaRPr lang="vi-VN"/>
           </a:p>
         </p:txBody>
       </p:sp>
@@ -3958,7 +2052,7 @@
           <a:p>
             <a:fld id="{533BEAFB-ED82-499B-BBE6-3FF163A750E9}" type="datetimeFigureOut">
               <a:rPr lang="vi-VN" smtClean="0"/>
-              <a:t>05/06/2016</a:t>
+              <a:t>06/06/2016</a:t>
             </a:fld>
             <a:endParaRPr lang="vi-VN"/>
           </a:p>
@@ -4009,7 +2103,7 @@
     </p:spTree>
     <p:extLst>
       <p:ext uri="{BB962C8B-B14F-4D97-AF65-F5344CB8AC3E}">
-        <p14:creationId xmlns:p14="http://schemas.microsoft.com/office/powerpoint/2010/main" val="2832730198"/>
+        <p14:creationId xmlns:p14="http://schemas.microsoft.com/office/powerpoint/2010/main" val="2988379264"/>
       </p:ext>
     </p:extLst>
   </p:cSld>
@@ -4053,7 +2147,7 @@
           <a:p>
             <a:fld id="{533BEAFB-ED82-499B-BBE6-3FF163A750E9}" type="datetimeFigureOut">
               <a:rPr lang="vi-VN" smtClean="0"/>
-              <a:t>05/06/2016</a:t>
+              <a:t>06/06/2016</a:t>
             </a:fld>
             <a:endParaRPr lang="vi-VN"/>
           </a:p>
@@ -4104,7 +2198,7 @@
     </p:spTree>
     <p:extLst>
       <p:ext uri="{BB962C8B-B14F-4D97-AF65-F5344CB8AC3E}">
-        <p14:creationId xmlns:p14="http://schemas.microsoft.com/office/powerpoint/2010/main" val="2370941284"/>
+        <p14:creationId xmlns:p14="http://schemas.microsoft.com/office/powerpoint/2010/main" val="2364901904"/>
       </p:ext>
     </p:extLst>
   </p:cSld>
@@ -4143,17 +2237,15 @@
         </p:nvSpPr>
         <p:spPr>
           <a:xfrm>
-            <a:off x="677334" y="1498604"/>
-            <a:ext cx="3854528" cy="1278466"/>
+            <a:off x="839788" y="457200"/>
+            <a:ext cx="3932237" cy="1600200"/>
           </a:xfrm>
         </p:spPr>
         <p:txBody>
-          <a:bodyPr anchor="b">
-            <a:normAutofit/>
-          </a:bodyPr>
+          <a:bodyPr anchor="b"/>
           <a:lstStyle>
             <a:lvl1pPr>
-              <a:defRPr sz="2000"/>
+              <a:defRPr sz="3200"/>
             </a:lvl1pPr>
           </a:lstStyle>
           <a:p>
@@ -4161,7 +2253,7 @@
               <a:rPr lang="en-US" smtClean="0"/>
               <a:t>Click to edit Master title style</a:t>
             </a:r>
-            <a:endParaRPr lang="en-US" dirty="0"/>
+            <a:endParaRPr lang="vi-VN"/>
           </a:p>
         </p:txBody>
       </p:sp>
@@ -4177,15 +2269,41 @@
         </p:nvSpPr>
         <p:spPr>
           <a:xfrm>
-            <a:off x="4760461" y="514924"/>
-            <a:ext cx="4513541" cy="5526437"/>
+            <a:off x="5183188" y="987425"/>
+            <a:ext cx="6172200" cy="4873625"/>
           </a:xfrm>
         </p:spPr>
         <p:txBody>
-          <a:bodyPr>
-            <a:normAutofit/>
-          </a:bodyPr>
-          <a:lstStyle/>
+          <a:bodyPr/>
+          <a:lstStyle>
+            <a:lvl1pPr>
+              <a:defRPr sz="3200"/>
+            </a:lvl1pPr>
+            <a:lvl2pPr>
+              <a:defRPr sz="2800"/>
+            </a:lvl2pPr>
+            <a:lvl3pPr>
+              <a:defRPr sz="2400"/>
+            </a:lvl3pPr>
+            <a:lvl4pPr>
+              <a:defRPr sz="2000"/>
+            </a:lvl4pPr>
+            <a:lvl5pPr>
+              <a:defRPr sz="2000"/>
+            </a:lvl5pPr>
+            <a:lvl6pPr>
+              <a:defRPr sz="2000"/>
+            </a:lvl6pPr>
+            <a:lvl7pPr>
+              <a:defRPr sz="2000"/>
+            </a:lvl7pPr>
+            <a:lvl8pPr>
+              <a:defRPr sz="2000"/>
+            </a:lvl8pPr>
+            <a:lvl9pPr>
+              <a:defRPr sz="2000"/>
+            </a:lvl9pPr>
+          </a:lstStyle>
           <a:p>
             <a:pPr lvl="0"/>
             <a:r>
@@ -4220,7 +2338,7 @@
               <a:rPr lang="en-US" smtClean="0"/>
               <a:t>Fifth level</a:t>
             </a:r>
-            <a:endParaRPr lang="en-US" dirty="0"/>
+            <a:endParaRPr lang="vi-VN"/>
           </a:p>
         </p:txBody>
       </p:sp>
@@ -4236,48 +2354,46 @@
         </p:nvSpPr>
         <p:spPr>
           <a:xfrm>
-            <a:off x="677334" y="2777069"/>
-            <a:ext cx="3854528" cy="2584449"/>
+            <a:off x="839788" y="2057400"/>
+            <a:ext cx="3932237" cy="3811588"/>
           </a:xfrm>
         </p:spPr>
         <p:txBody>
-          <a:bodyPr>
-            <a:normAutofit/>
-          </a:bodyPr>
+          <a:bodyPr/>
           <a:lstStyle>
             <a:lvl1pPr marL="0" indent="0">
               <a:buNone/>
-              <a:defRPr sz="1400"/>
+              <a:defRPr sz="1600"/>
             </a:lvl1pPr>
-            <a:lvl2pPr marL="457063" indent="0">
+            <a:lvl2pPr marL="457200" indent="0">
               <a:buNone/>
               <a:defRPr sz="1400"/>
             </a:lvl2pPr>
-            <a:lvl3pPr marL="914126" indent="0">
+            <a:lvl3pPr marL="914400" indent="0">
               <a:buNone/>
               <a:defRPr sz="1200"/>
             </a:lvl3pPr>
-            <a:lvl4pPr marL="1371189" indent="0">
+            <a:lvl4pPr marL="1371600" indent="0">
               <a:buNone/>
               <a:defRPr sz="1000"/>
             </a:lvl4pPr>
-            <a:lvl5pPr marL="1828251" indent="0">
+            <a:lvl5pPr marL="1828800" indent="0">
               <a:buNone/>
               <a:defRPr sz="1000"/>
             </a:lvl5pPr>
-            <a:lvl6pPr marL="2285314" indent="0">
+            <a:lvl6pPr marL="2286000" indent="0">
               <a:buNone/>
               <a:defRPr sz="1000"/>
             </a:lvl6pPr>
-            <a:lvl7pPr marL="2742377" indent="0">
+            <a:lvl7pPr marL="2743200" indent="0">
               <a:buNone/>
               <a:defRPr sz="1000"/>
             </a:lvl7pPr>
-            <a:lvl8pPr marL="3199440" indent="0">
+            <a:lvl8pPr marL="3200400" indent="0">
               <a:buNone/>
               <a:defRPr sz="1000"/>
             </a:lvl8pPr>
-            <a:lvl9pPr marL="3656503" indent="0">
+            <a:lvl9pPr marL="3657600" indent="0">
               <a:buNone/>
               <a:defRPr sz="1000"/>
             </a:lvl9pPr>
@@ -4308,7 +2424,7 @@
           <a:p>
             <a:fld id="{533BEAFB-ED82-499B-BBE6-3FF163A750E9}" type="datetimeFigureOut">
               <a:rPr lang="vi-VN" smtClean="0"/>
-              <a:t>05/06/2016</a:t>
+              <a:t>06/06/2016</a:t>
             </a:fld>
             <a:endParaRPr lang="vi-VN"/>
           </a:p>
@@ -4359,7 +2475,7 @@
     </p:spTree>
     <p:extLst>
       <p:ext uri="{BB962C8B-B14F-4D97-AF65-F5344CB8AC3E}">
-        <p14:creationId xmlns:p14="http://schemas.microsoft.com/office/powerpoint/2010/main" val="1361749849"/>
+        <p14:creationId xmlns:p14="http://schemas.microsoft.com/office/powerpoint/2010/main" val="4076694596"/>
       </p:ext>
     </p:extLst>
   </p:cSld>
@@ -4398,17 +2514,15 @@
         </p:nvSpPr>
         <p:spPr>
           <a:xfrm>
-            <a:off x="677334" y="4800600"/>
-            <a:ext cx="8596667" cy="566738"/>
+            <a:off x="839788" y="457200"/>
+            <a:ext cx="3932237" cy="1600200"/>
           </a:xfrm>
         </p:spPr>
         <p:txBody>
-          <a:bodyPr anchor="b">
-            <a:normAutofit/>
-          </a:bodyPr>
+          <a:bodyPr anchor="b"/>
           <a:lstStyle>
-            <a:lvl1pPr algn="l">
-              <a:defRPr sz="2400" b="0"/>
+            <a:lvl1pPr>
+              <a:defRPr sz="3200"/>
             </a:lvl1pPr>
           </a:lstStyle>
           <a:p>
@@ -4416,7 +2530,7 @@
               <a:rPr lang="en-US" smtClean="0"/>
               <a:t>Click to edit Master title style</a:t>
             </a:r>
-            <a:endParaRPr lang="en-US" dirty="0"/>
+            <a:endParaRPr lang="vi-VN"/>
           </a:p>
         </p:txBody>
       </p:sp>
@@ -4424,7 +2538,7 @@
         <p:nvSpPr>
           <p:cNvPr id="3" name="Picture Placeholder 2"/>
           <p:cNvSpPr>
-            <a:spLocks noGrp="1" noChangeAspect="1"/>
+            <a:spLocks noGrp="1"/>
           </p:cNvSpPr>
           <p:nvPr>
             <p:ph type="pic" idx="1"/>
@@ -4432,58 +2546,52 @@
         </p:nvSpPr>
         <p:spPr>
           <a:xfrm>
-            <a:off x="677334" y="609600"/>
-            <a:ext cx="8596668" cy="3845718"/>
+            <a:off x="5183188" y="987425"/>
+            <a:ext cx="6172200" cy="4873625"/>
           </a:xfrm>
         </p:spPr>
         <p:txBody>
-          <a:bodyPr anchor="t">
-            <a:normAutofit/>
-          </a:bodyPr>
+          <a:bodyPr/>
           <a:lstStyle>
-            <a:lvl1pPr marL="0" indent="0" algn="ctr">
+            <a:lvl1pPr marL="0" indent="0">
               <a:buNone/>
-              <a:defRPr sz="1600"/>
+              <a:defRPr sz="3200"/>
             </a:lvl1pPr>
             <a:lvl2pPr marL="457200" indent="0">
               <a:buNone/>
-              <a:defRPr sz="1600"/>
+              <a:defRPr sz="2800"/>
             </a:lvl2pPr>
             <a:lvl3pPr marL="914400" indent="0">
               <a:buNone/>
-              <a:defRPr sz="1600"/>
+              <a:defRPr sz="2400"/>
             </a:lvl3pPr>
             <a:lvl4pPr marL="1371600" indent="0">
               <a:buNone/>
-              <a:defRPr sz="1600"/>
+              <a:defRPr sz="2000"/>
             </a:lvl4pPr>
             <a:lvl5pPr marL="1828800" indent="0">
               <a:buNone/>
-              <a:defRPr sz="1600"/>
+              <a:defRPr sz="2000"/>
             </a:lvl5pPr>
             <a:lvl6pPr marL="2286000" indent="0">
               <a:buNone/>
-              <a:defRPr sz="1600"/>
+              <a:defRPr sz="2000"/>
             </a:lvl6pPr>
             <a:lvl7pPr marL="2743200" indent="0">
               <a:buNone/>
-              <a:defRPr sz="1600"/>
+              <a:defRPr sz="2000"/>
             </a:lvl7pPr>
             <a:lvl8pPr marL="3200400" indent="0">
               <a:buNone/>
-              <a:defRPr sz="1600"/>
+              <a:defRPr sz="2000"/>
             </a:lvl8pPr>
             <a:lvl9pPr marL="3657600" indent="0">
               <a:buNone/>
-              <a:defRPr sz="1600"/>
+              <a:defRPr sz="2000"/>
             </a:lvl9pPr>
           </a:lstStyle>
           <a:p>
-            <a:r>
-              <a:rPr lang="en-US" smtClean="0"/>
-              <a:t>Click icon to add picture</a:t>
-            </a:r>
-            <a:endParaRPr lang="en-US" dirty="0"/>
+            <a:endParaRPr lang="vi-VN"/>
           </a:p>
         </p:txBody>
       </p:sp>
@@ -4499,50 +2607,48 @@
         </p:nvSpPr>
         <p:spPr>
           <a:xfrm>
-            <a:off x="677334" y="5367338"/>
-            <a:ext cx="8596667" cy="674024"/>
+            <a:off x="839788" y="2057400"/>
+            <a:ext cx="3932237" cy="3811588"/>
           </a:xfrm>
         </p:spPr>
         <p:txBody>
-          <a:bodyPr>
-            <a:normAutofit/>
-          </a:bodyPr>
+          <a:bodyPr/>
           <a:lstStyle>
             <a:lvl1pPr marL="0" indent="0">
               <a:buNone/>
-              <a:defRPr sz="1200"/>
+              <a:defRPr sz="1600"/>
             </a:lvl1pPr>
             <a:lvl2pPr marL="457200" indent="0">
               <a:buNone/>
-              <a:defRPr sz="1200"/>
+              <a:defRPr sz="1400"/>
             </a:lvl2pPr>
             <a:lvl3pPr marL="914400" indent="0">
               <a:buNone/>
-              <a:defRPr sz="1000"/>
+              <a:defRPr sz="1200"/>
             </a:lvl3pPr>
             <a:lvl4pPr marL="1371600" indent="0">
               <a:buNone/>
-              <a:defRPr sz="900"/>
+              <a:defRPr sz="1000"/>
             </a:lvl4pPr>
             <a:lvl5pPr marL="1828800" indent="0">
               <a:buNone/>
-              <a:defRPr sz="900"/>
+              <a:defRPr sz="1000"/>
             </a:lvl5pPr>
             <a:lvl6pPr marL="2286000" indent="0">
               <a:buNone/>
-              <a:defRPr sz="900"/>
+              <a:defRPr sz="1000"/>
             </a:lvl6pPr>
             <a:lvl7pPr marL="2743200" indent="0">
               <a:buNone/>
-              <a:defRPr sz="900"/>
+              <a:defRPr sz="1000"/>
             </a:lvl7pPr>
             <a:lvl8pPr marL="3200400" indent="0">
               <a:buNone/>
-              <a:defRPr sz="900"/>
+              <a:defRPr sz="1000"/>
             </a:lvl8pPr>
             <a:lvl9pPr marL="3657600" indent="0">
               <a:buNone/>
-              <a:defRPr sz="900"/>
+              <a:defRPr sz="1000"/>
             </a:lvl9pPr>
           </a:lstStyle>
           <a:p>
@@ -4571,7 +2677,7 @@
           <a:p>
             <a:fld id="{533BEAFB-ED82-499B-BBE6-3FF163A750E9}" type="datetimeFigureOut">
               <a:rPr lang="vi-VN" smtClean="0"/>
-              <a:t>05/06/2016</a:t>
+              <a:t>06/06/2016</a:t>
             </a:fld>
             <a:endParaRPr lang="vi-VN"/>
           </a:p>
@@ -4622,7 +2728,7 @@
     </p:spTree>
     <p:extLst>
       <p:ext uri="{BB962C8B-B14F-4D97-AF65-F5344CB8AC3E}">
-        <p14:creationId xmlns:p14="http://schemas.microsoft.com/office/powerpoint/2010/main" val="3220378917"/>
+        <p14:creationId xmlns:p14="http://schemas.microsoft.com/office/powerpoint/2010/main" val="1594636665"/>
       </p:ext>
     </p:extLst>
   </p:cSld>
@@ -4654,536 +2760,6 @@
           <a:chExt cx="0" cy="0"/>
         </a:xfrm>
       </p:grpSpPr>
-      <p:grpSp>
-        <p:nvGrpSpPr>
-          <p:cNvPr id="7" name="Group 6"/>
-          <p:cNvGrpSpPr/>
-          <p:nvPr/>
-        </p:nvGrpSpPr>
-        <p:grpSpPr>
-          <a:xfrm>
-            <a:off x="0" y="-8467"/>
-            <a:ext cx="12192000" cy="6866467"/>
-            <a:chOff x="0" y="-8467"/>
-            <a:chExt cx="12192000" cy="6866467"/>
-          </a:xfrm>
-        </p:grpSpPr>
-        <p:cxnSp>
-          <p:nvCxnSpPr>
-            <p:cNvPr id="20" name="Straight Connector 19"/>
-            <p:cNvCxnSpPr/>
-            <p:nvPr/>
-          </p:nvCxnSpPr>
-          <p:spPr>
-            <a:xfrm>
-              <a:off x="9371012" y="0"/>
-              <a:ext cx="1219200" cy="6858000"/>
-            </a:xfrm>
-            <a:prstGeom prst="line">
-              <a:avLst/>
-            </a:prstGeom>
-            <a:ln w="9525">
-              <a:solidFill>
-                <a:schemeClr val="bg1">
-                  <a:lumMod val="75000"/>
-                </a:schemeClr>
-              </a:solidFill>
-            </a:ln>
-          </p:spPr>
-          <p:style>
-            <a:lnRef idx="2">
-              <a:schemeClr val="accent1"/>
-            </a:lnRef>
-            <a:fillRef idx="0">
-              <a:schemeClr val="accent1"/>
-            </a:fillRef>
-            <a:effectRef idx="1">
-              <a:schemeClr val="accent1"/>
-            </a:effectRef>
-            <a:fontRef idx="minor">
-              <a:schemeClr val="tx1"/>
-            </a:fontRef>
-          </p:style>
-        </p:cxnSp>
-        <p:cxnSp>
-          <p:nvCxnSpPr>
-            <p:cNvPr id="21" name="Straight Connector 20"/>
-            <p:cNvCxnSpPr/>
-            <p:nvPr/>
-          </p:nvCxnSpPr>
-          <p:spPr>
-            <a:xfrm flipH="1">
-              <a:off x="7425267" y="3681413"/>
-              <a:ext cx="4763558" cy="3176587"/>
-            </a:xfrm>
-            <a:prstGeom prst="line">
-              <a:avLst/>
-            </a:prstGeom>
-            <a:ln w="9525">
-              <a:solidFill>
-                <a:schemeClr val="bg1">
-                  <a:lumMod val="85000"/>
-                </a:schemeClr>
-              </a:solidFill>
-            </a:ln>
-          </p:spPr>
-          <p:style>
-            <a:lnRef idx="2">
-              <a:schemeClr val="accent1"/>
-            </a:lnRef>
-            <a:fillRef idx="0">
-              <a:schemeClr val="accent1"/>
-            </a:fillRef>
-            <a:effectRef idx="1">
-              <a:schemeClr val="accent1"/>
-            </a:effectRef>
-            <a:fontRef idx="minor">
-              <a:schemeClr val="tx1"/>
-            </a:fontRef>
-          </p:style>
-        </p:cxnSp>
-        <p:sp>
-          <p:nvSpPr>
-            <p:cNvPr id="22" name="Rectangle 23"/>
-            <p:cNvSpPr/>
-            <p:nvPr/>
-          </p:nvSpPr>
-          <p:spPr>
-            <a:xfrm>
-              <a:off x="9181476" y="-8467"/>
-              <a:ext cx="3007349" cy="6866467"/>
-            </a:xfrm>
-            <a:custGeom>
-              <a:avLst/>
-              <a:gdLst/>
-              <a:ahLst/>
-              <a:cxnLst/>
-              <a:rect l="l" t="t" r="r" b="b"/>
-              <a:pathLst>
-                <a:path w="3007349" h="6866467">
-                  <a:moveTo>
-                    <a:pt x="2045532" y="0"/>
-                  </a:moveTo>
-                  <a:lnTo>
-                    <a:pt x="3007349" y="0"/>
-                  </a:lnTo>
-                  <a:lnTo>
-                    <a:pt x="3007349" y="6866467"/>
-                  </a:lnTo>
-                  <a:lnTo>
-                    <a:pt x="0" y="6866467"/>
-                  </a:lnTo>
-                  <a:lnTo>
-                    <a:pt x="2045532" y="0"/>
-                  </a:lnTo>
-                  <a:close/>
-                </a:path>
-              </a:pathLst>
-            </a:custGeom>
-            <a:solidFill>
-              <a:schemeClr val="accent1">
-                <a:alpha val="30000"/>
-              </a:schemeClr>
-            </a:solidFill>
-            <a:ln>
-              <a:noFill/>
-            </a:ln>
-            <a:effectLst/>
-          </p:spPr>
-          <p:style>
-            <a:lnRef idx="1">
-              <a:schemeClr val="accent1"/>
-            </a:lnRef>
-            <a:fillRef idx="3">
-              <a:schemeClr val="accent1"/>
-            </a:fillRef>
-            <a:effectRef idx="2">
-              <a:schemeClr val="accent1"/>
-            </a:effectRef>
-            <a:fontRef idx="minor">
-              <a:schemeClr val="lt1"/>
-            </a:fontRef>
-          </p:style>
-        </p:sp>
-        <p:sp>
-          <p:nvSpPr>
-            <p:cNvPr id="23" name="Rectangle 25"/>
-            <p:cNvSpPr/>
-            <p:nvPr/>
-          </p:nvSpPr>
-          <p:spPr>
-            <a:xfrm>
-              <a:off x="9603442" y="-8467"/>
-              <a:ext cx="2588558" cy="6866467"/>
-            </a:xfrm>
-            <a:custGeom>
-              <a:avLst/>
-              <a:gdLst/>
-              <a:ahLst/>
-              <a:cxnLst/>
-              <a:rect l="l" t="t" r="r" b="b"/>
-              <a:pathLst>
-                <a:path w="2573311" h="6866467">
-                  <a:moveTo>
-                    <a:pt x="0" y="0"/>
-                  </a:moveTo>
-                  <a:lnTo>
-                    <a:pt x="2573311" y="0"/>
-                  </a:lnTo>
-                  <a:lnTo>
-                    <a:pt x="2573311" y="6866467"/>
-                  </a:lnTo>
-                  <a:lnTo>
-                    <a:pt x="1202336" y="6866467"/>
-                  </a:lnTo>
-                  <a:lnTo>
-                    <a:pt x="0" y="0"/>
-                  </a:lnTo>
-                  <a:close/>
-                </a:path>
-              </a:pathLst>
-            </a:custGeom>
-            <a:solidFill>
-              <a:schemeClr val="accent1">
-                <a:alpha val="20000"/>
-              </a:schemeClr>
-            </a:solidFill>
-            <a:ln>
-              <a:noFill/>
-            </a:ln>
-            <a:effectLst/>
-          </p:spPr>
-          <p:style>
-            <a:lnRef idx="1">
-              <a:schemeClr val="accent1"/>
-            </a:lnRef>
-            <a:fillRef idx="3">
-              <a:schemeClr val="accent1"/>
-            </a:fillRef>
-            <a:effectRef idx="2">
-              <a:schemeClr val="accent1"/>
-            </a:effectRef>
-            <a:fontRef idx="minor">
-              <a:schemeClr val="lt1"/>
-            </a:fontRef>
-          </p:style>
-        </p:sp>
-        <p:sp>
-          <p:nvSpPr>
-            <p:cNvPr id="24" name="Isosceles Triangle 23"/>
-            <p:cNvSpPr/>
-            <p:nvPr/>
-          </p:nvSpPr>
-          <p:spPr>
-            <a:xfrm>
-              <a:off x="8932333" y="3048000"/>
-              <a:ext cx="3259667" cy="3810000"/>
-            </a:xfrm>
-            <a:prstGeom prst="triangle">
-              <a:avLst>
-                <a:gd name="adj" fmla="val 100000"/>
-              </a:avLst>
-            </a:prstGeom>
-            <a:solidFill>
-              <a:schemeClr val="accent2">
-                <a:alpha val="72000"/>
-              </a:schemeClr>
-            </a:solidFill>
-            <a:ln>
-              <a:noFill/>
-            </a:ln>
-            <a:effectLst/>
-          </p:spPr>
-          <p:style>
-            <a:lnRef idx="1">
-              <a:schemeClr val="accent1"/>
-            </a:lnRef>
-            <a:fillRef idx="3">
-              <a:schemeClr val="accent1"/>
-            </a:fillRef>
-            <a:effectRef idx="2">
-              <a:schemeClr val="accent1"/>
-            </a:effectRef>
-            <a:fontRef idx="minor">
-              <a:schemeClr val="lt1"/>
-            </a:fontRef>
-          </p:style>
-        </p:sp>
-        <p:sp>
-          <p:nvSpPr>
-            <p:cNvPr id="25" name="Rectangle 27"/>
-            <p:cNvSpPr/>
-            <p:nvPr/>
-          </p:nvSpPr>
-          <p:spPr>
-            <a:xfrm>
-              <a:off x="9334500" y="-8467"/>
-              <a:ext cx="2854326" cy="6866467"/>
-            </a:xfrm>
-            <a:custGeom>
-              <a:avLst/>
-              <a:gdLst/>
-              <a:ahLst/>
-              <a:cxnLst/>
-              <a:rect l="l" t="t" r="r" b="b"/>
-              <a:pathLst>
-                <a:path w="2858013" h="6866467">
-                  <a:moveTo>
-                    <a:pt x="0" y="0"/>
-                  </a:moveTo>
-                  <a:lnTo>
-                    <a:pt x="2858013" y="0"/>
-                  </a:lnTo>
-                  <a:lnTo>
-                    <a:pt x="2858013" y="6866467"/>
-                  </a:lnTo>
-                  <a:lnTo>
-                    <a:pt x="2473942" y="6866467"/>
-                  </a:lnTo>
-                  <a:lnTo>
-                    <a:pt x="0" y="0"/>
-                  </a:lnTo>
-                  <a:close/>
-                </a:path>
-              </a:pathLst>
-            </a:custGeom>
-            <a:solidFill>
-              <a:schemeClr val="accent2">
-                <a:lumMod val="75000"/>
-                <a:alpha val="70000"/>
-              </a:schemeClr>
-            </a:solidFill>
-            <a:ln>
-              <a:noFill/>
-            </a:ln>
-            <a:effectLst/>
-          </p:spPr>
-          <p:style>
-            <a:lnRef idx="1">
-              <a:schemeClr val="accent1"/>
-            </a:lnRef>
-            <a:fillRef idx="3">
-              <a:schemeClr val="accent1"/>
-            </a:fillRef>
-            <a:effectRef idx="2">
-              <a:schemeClr val="accent1"/>
-            </a:effectRef>
-            <a:fontRef idx="minor">
-              <a:schemeClr val="lt1"/>
-            </a:fontRef>
-          </p:style>
-        </p:sp>
-        <p:sp>
-          <p:nvSpPr>
-            <p:cNvPr id="26" name="Rectangle 28"/>
-            <p:cNvSpPr/>
-            <p:nvPr/>
-          </p:nvSpPr>
-          <p:spPr>
-            <a:xfrm>
-              <a:off x="10898730" y="-8467"/>
-              <a:ext cx="1290094" cy="6866467"/>
-            </a:xfrm>
-            <a:custGeom>
-              <a:avLst/>
-              <a:gdLst/>
-              <a:ahLst/>
-              <a:cxnLst/>
-              <a:rect l="l" t="t" r="r" b="b"/>
-              <a:pathLst>
-                <a:path w="1290094" h="6858000">
-                  <a:moveTo>
-                    <a:pt x="1019735" y="0"/>
-                  </a:moveTo>
-                  <a:lnTo>
-                    <a:pt x="1290094" y="0"/>
-                  </a:lnTo>
-                  <a:lnTo>
-                    <a:pt x="1290094" y="6858000"/>
-                  </a:lnTo>
-                  <a:lnTo>
-                    <a:pt x="0" y="6858000"/>
-                  </a:lnTo>
-                  <a:lnTo>
-                    <a:pt x="1019735" y="0"/>
-                  </a:lnTo>
-                  <a:close/>
-                </a:path>
-              </a:pathLst>
-            </a:custGeom>
-            <a:solidFill>
-              <a:schemeClr val="accent1">
-                <a:lumMod val="60000"/>
-                <a:lumOff val="40000"/>
-                <a:alpha val="70000"/>
-              </a:schemeClr>
-            </a:solidFill>
-            <a:ln>
-              <a:noFill/>
-            </a:ln>
-            <a:effectLst/>
-          </p:spPr>
-          <p:style>
-            <a:lnRef idx="1">
-              <a:schemeClr val="accent1"/>
-            </a:lnRef>
-            <a:fillRef idx="3">
-              <a:schemeClr val="accent1"/>
-            </a:fillRef>
-            <a:effectRef idx="2">
-              <a:schemeClr val="accent1"/>
-            </a:effectRef>
-            <a:fontRef idx="minor">
-              <a:schemeClr val="lt1"/>
-            </a:fontRef>
-          </p:style>
-        </p:sp>
-        <p:sp>
-          <p:nvSpPr>
-            <p:cNvPr id="27" name="Rectangle 29"/>
-            <p:cNvSpPr/>
-            <p:nvPr/>
-          </p:nvSpPr>
-          <p:spPr>
-            <a:xfrm>
-              <a:off x="10938999" y="-8467"/>
-              <a:ext cx="1249825" cy="6866467"/>
-            </a:xfrm>
-            <a:custGeom>
-              <a:avLst/>
-              <a:gdLst/>
-              <a:ahLst/>
-              <a:cxnLst/>
-              <a:rect l="l" t="t" r="r" b="b"/>
-              <a:pathLst>
-                <a:path w="1249825" h="6858000">
-                  <a:moveTo>
-                    <a:pt x="0" y="0"/>
-                  </a:moveTo>
-                  <a:lnTo>
-                    <a:pt x="1249825" y="0"/>
-                  </a:lnTo>
-                  <a:lnTo>
-                    <a:pt x="1249825" y="6858000"/>
-                  </a:lnTo>
-                  <a:lnTo>
-                    <a:pt x="1109382" y="6858000"/>
-                  </a:lnTo>
-                  <a:lnTo>
-                    <a:pt x="0" y="0"/>
-                  </a:lnTo>
-                  <a:close/>
-                </a:path>
-              </a:pathLst>
-            </a:custGeom>
-            <a:solidFill>
-              <a:schemeClr val="accent1">
-                <a:alpha val="65000"/>
-              </a:schemeClr>
-            </a:solidFill>
-            <a:ln>
-              <a:noFill/>
-            </a:ln>
-            <a:effectLst/>
-          </p:spPr>
-          <p:style>
-            <a:lnRef idx="1">
-              <a:schemeClr val="accent1"/>
-            </a:lnRef>
-            <a:fillRef idx="3">
-              <a:schemeClr val="accent1"/>
-            </a:fillRef>
-            <a:effectRef idx="2">
-              <a:schemeClr val="accent1"/>
-            </a:effectRef>
-            <a:fontRef idx="minor">
-              <a:schemeClr val="lt1"/>
-            </a:fontRef>
-          </p:style>
-        </p:sp>
-        <p:sp>
-          <p:nvSpPr>
-            <p:cNvPr id="28" name="Isosceles Triangle 27"/>
-            <p:cNvSpPr/>
-            <p:nvPr/>
-          </p:nvSpPr>
-          <p:spPr>
-            <a:xfrm>
-              <a:off x="10371666" y="3589867"/>
-              <a:ext cx="1817159" cy="3268133"/>
-            </a:xfrm>
-            <a:prstGeom prst="triangle">
-              <a:avLst>
-                <a:gd name="adj" fmla="val 100000"/>
-              </a:avLst>
-            </a:prstGeom>
-            <a:solidFill>
-              <a:schemeClr val="accent1">
-                <a:alpha val="80000"/>
-              </a:schemeClr>
-            </a:solidFill>
-            <a:ln>
-              <a:noFill/>
-            </a:ln>
-            <a:effectLst/>
-          </p:spPr>
-          <p:style>
-            <a:lnRef idx="1">
-              <a:schemeClr val="accent1"/>
-            </a:lnRef>
-            <a:fillRef idx="3">
-              <a:schemeClr val="accent1"/>
-            </a:fillRef>
-            <a:effectRef idx="2">
-              <a:schemeClr val="accent1"/>
-            </a:effectRef>
-            <a:fontRef idx="minor">
-              <a:schemeClr val="lt1"/>
-            </a:fontRef>
-          </p:style>
-        </p:sp>
-        <p:sp>
-          <p:nvSpPr>
-            <p:cNvPr id="29" name="Isosceles Triangle 28"/>
-            <p:cNvSpPr/>
-            <p:nvPr/>
-          </p:nvSpPr>
-          <p:spPr>
-            <a:xfrm>
-              <a:off x="0" y="4013200"/>
-              <a:ext cx="448733" cy="2844800"/>
-            </a:xfrm>
-            <a:prstGeom prst="triangle">
-              <a:avLst>
-                <a:gd name="adj" fmla="val 0"/>
-              </a:avLst>
-            </a:prstGeom>
-            <a:solidFill>
-              <a:schemeClr val="accent1">
-                <a:alpha val="85000"/>
-              </a:schemeClr>
-            </a:solidFill>
-            <a:ln>
-              <a:noFill/>
-            </a:ln>
-            <a:effectLst/>
-          </p:spPr>
-          <p:style>
-            <a:lnRef idx="1">
-              <a:schemeClr val="accent1"/>
-            </a:lnRef>
-            <a:fillRef idx="3">
-              <a:schemeClr val="accent1"/>
-            </a:fillRef>
-            <a:effectRef idx="2">
-              <a:schemeClr val="accent1"/>
-            </a:effectRef>
-            <a:fontRef idx="minor">
-              <a:schemeClr val="lt1"/>
-            </a:fontRef>
-          </p:style>
-        </p:sp>
-      </p:grpSp>
       <p:sp>
         <p:nvSpPr>
           <p:cNvPr id="2" name="Title Placeholder 1"/>
@@ -5196,15 +2772,15 @@
         </p:nvSpPr>
         <p:spPr>
           <a:xfrm>
-            <a:off x="677334" y="609600"/>
-            <a:ext cx="8596668" cy="1320800"/>
+            <a:off x="838200" y="365125"/>
+            <a:ext cx="10515600" cy="1325563"/>
           </a:xfrm>
           <a:prstGeom prst="rect">
             <a:avLst/>
           </a:prstGeom>
         </p:spPr>
         <p:txBody>
-          <a:bodyPr vert="horz" lIns="91440" tIns="45720" rIns="91440" bIns="45720" rtlCol="0" anchor="t">
+          <a:bodyPr vert="horz" lIns="91440" tIns="45720" rIns="91440" bIns="45720" rtlCol="0" anchor="ctr">
             <a:normAutofit/>
           </a:bodyPr>
           <a:lstStyle/>
@@ -5213,7 +2789,7 @@
               <a:rPr lang="en-US" smtClean="0"/>
               <a:t>Click to edit Master title style</a:t>
             </a:r>
-            <a:endParaRPr lang="en-US" dirty="0"/>
+            <a:endParaRPr lang="vi-VN"/>
           </a:p>
         </p:txBody>
       </p:sp>
@@ -5229,8 +2805,8 @@
         </p:nvSpPr>
         <p:spPr>
           <a:xfrm>
-            <a:off x="677334" y="2160589"/>
-            <a:ext cx="8596668" cy="3880773"/>
+            <a:off x="838200" y="1825625"/>
+            <a:ext cx="10515600" cy="4351338"/>
           </a:xfrm>
           <a:prstGeom prst="rect">
             <a:avLst/>
@@ -5275,7 +2851,7 @@
               <a:rPr lang="en-US" smtClean="0"/>
               <a:t>Fifth level</a:t>
             </a:r>
-            <a:endParaRPr lang="en-US" dirty="0"/>
+            <a:endParaRPr lang="vi-VN"/>
           </a:p>
         </p:txBody>
       </p:sp>
@@ -5291,8 +2867,8 @@
         </p:nvSpPr>
         <p:spPr>
           <a:xfrm>
-            <a:off x="7205133" y="6041362"/>
-            <a:ext cx="911939" cy="365125"/>
+            <a:off x="838200" y="6356350"/>
+            <a:ext cx="2743200" cy="365125"/>
           </a:xfrm>
           <a:prstGeom prst="rect">
             <a:avLst/>
@@ -5301,8 +2877,8 @@
         <p:txBody>
           <a:bodyPr vert="horz" lIns="91440" tIns="45720" rIns="91440" bIns="45720" rtlCol="0" anchor="ctr"/>
           <a:lstStyle>
-            <a:lvl1pPr algn="r">
-              <a:defRPr sz="900">
+            <a:lvl1pPr algn="l">
+              <a:defRPr sz="1200">
                 <a:solidFill>
                   <a:schemeClr val="tx1">
                     <a:tint val="75000"/>
@@ -5314,7 +2890,7 @@
           <a:p>
             <a:fld id="{533BEAFB-ED82-499B-BBE6-3FF163A750E9}" type="datetimeFigureOut">
               <a:rPr lang="vi-VN" smtClean="0"/>
-              <a:t>05/06/2016</a:t>
+              <a:t>06/06/2016</a:t>
             </a:fld>
             <a:endParaRPr lang="vi-VN"/>
           </a:p>
@@ -5332,8 +2908,8 @@
         </p:nvSpPr>
         <p:spPr>
           <a:xfrm>
-            <a:off x="677334" y="6041362"/>
-            <a:ext cx="6297612" cy="365125"/>
+            <a:off x="4038600" y="6356350"/>
+            <a:ext cx="4114800" cy="365125"/>
           </a:xfrm>
           <a:prstGeom prst="rect">
             <a:avLst/>
@@ -5342,8 +2918,8 @@
         <p:txBody>
           <a:bodyPr vert="horz" lIns="91440" tIns="45720" rIns="91440" bIns="45720" rtlCol="0" anchor="ctr"/>
           <a:lstStyle>
-            <a:lvl1pPr algn="l">
-              <a:defRPr sz="900">
+            <a:lvl1pPr algn="ctr">
+              <a:defRPr sz="1200">
                 <a:solidFill>
                   <a:schemeClr val="tx1">
                     <a:tint val="75000"/>
@@ -5369,8 +2945,8 @@
         </p:nvSpPr>
         <p:spPr>
           <a:xfrm>
-            <a:off x="8590663" y="6041362"/>
-            <a:ext cx="683339" cy="365125"/>
+            <a:off x="8610600" y="6356350"/>
+            <a:ext cx="2743200" cy="365125"/>
           </a:xfrm>
           <a:prstGeom prst="rect">
             <a:avLst/>
@@ -5380,9 +2956,11 @@
           <a:bodyPr vert="horz" lIns="91440" tIns="45720" rIns="91440" bIns="45720" rtlCol="0" anchor="ctr"/>
           <a:lstStyle>
             <a:lvl1pPr algn="r">
-              <a:defRPr sz="900">
-                <a:solidFill>
-                  <a:schemeClr val="accent1"/>
+              <a:defRPr sz="1200">
+                <a:solidFill>
+                  <a:schemeClr val="tx1">
+                    <a:tint val="75000"/>
+                  </a:schemeClr>
                 </a:solidFill>
               </a:defRPr>
             </a:lvl1pPr>
@@ -5399,322 +2977,202 @@
     </p:spTree>
     <p:extLst>
       <p:ext uri="{BB962C8B-B14F-4D97-AF65-F5344CB8AC3E}">
-        <p14:creationId xmlns:p14="http://schemas.microsoft.com/office/powerpoint/2010/main" val="312671045"/>
+        <p14:creationId xmlns:p14="http://schemas.microsoft.com/office/powerpoint/2010/main" val="4258354483"/>
       </p:ext>
     </p:extLst>
   </p:cSld>
   <p:clrMap bg1="lt1" tx1="dk1" bg2="lt2" tx2="dk2" accent1="accent1" accent2="accent2" accent3="accent3" accent4="accent4" accent5="accent5" accent6="accent6" hlink="hlink" folHlink="folHlink"/>
   <p:sldLayoutIdLst>
-    <p:sldLayoutId id="2147484103" r:id="rId1"/>
-    <p:sldLayoutId id="2147484104" r:id="rId2"/>
-    <p:sldLayoutId id="2147484105" r:id="rId3"/>
-    <p:sldLayoutId id="2147484106" r:id="rId4"/>
-    <p:sldLayoutId id="2147484107" r:id="rId5"/>
-    <p:sldLayoutId id="2147484108" r:id="rId6"/>
-    <p:sldLayoutId id="2147484109" r:id="rId7"/>
-    <p:sldLayoutId id="2147484110" r:id="rId8"/>
-    <p:sldLayoutId id="2147484111" r:id="rId9"/>
-    <p:sldLayoutId id="2147484112" r:id="rId10"/>
-    <p:sldLayoutId id="2147484113" r:id="rId11"/>
-    <p:sldLayoutId id="2147484114" r:id="rId12"/>
-    <p:sldLayoutId id="2147484115" r:id="rId13"/>
-    <p:sldLayoutId id="2147484116" r:id="rId14"/>
-    <p:sldLayoutId id="2147484117" r:id="rId15"/>
-    <p:sldLayoutId id="2147484118" r:id="rId16"/>
+    <p:sldLayoutId id="2147484120" r:id="rId1"/>
+    <p:sldLayoutId id="2147484121" r:id="rId2"/>
+    <p:sldLayoutId id="2147484122" r:id="rId3"/>
+    <p:sldLayoutId id="2147484123" r:id="rId4"/>
+    <p:sldLayoutId id="2147484124" r:id="rId5"/>
+    <p:sldLayoutId id="2147484125" r:id="rId6"/>
+    <p:sldLayoutId id="2147484126" r:id="rId7"/>
+    <p:sldLayoutId id="2147484127" r:id="rId8"/>
+    <p:sldLayoutId id="2147484128" r:id="rId9"/>
+    <p:sldLayoutId id="2147484129" r:id="rId10"/>
+    <p:sldLayoutId id="2147484130" r:id="rId11"/>
+    <p:sldLayoutId id="2147484131" r:id="rId12"/>
   </p:sldLayoutIdLst>
   <p:txStyles>
     <p:titleStyle>
-      <a:lvl1pPr algn="l" defTabSz="457200" rtl="0" eaLnBrk="1" latinLnBrk="0" hangingPunct="1">
+      <a:lvl1pPr algn="l" defTabSz="914400" rtl="0" eaLnBrk="1" latinLnBrk="0" hangingPunct="1">
+        <a:lnSpc>
+          <a:spcPct val="90000"/>
+        </a:lnSpc>
         <a:spcBef>
           <a:spcPct val="0"/>
         </a:spcBef>
         <a:buNone/>
-        <a:defRPr sz="3600" kern="1200">
+        <a:defRPr sz="4400" kern="1200">
           <a:solidFill>
-            <a:schemeClr val="accent1"/>
+            <a:schemeClr val="tx1"/>
           </a:solidFill>
           <a:latin typeface="+mj-lt"/>
           <a:ea typeface="+mj-ea"/>
           <a:cs typeface="+mj-cs"/>
         </a:defRPr>
       </a:lvl1pPr>
-      <a:lvl2pPr eaLnBrk="1" hangingPunct="1">
-        <a:defRPr>
-          <a:solidFill>
-            <a:schemeClr val="tx2"/>
-          </a:solidFill>
-        </a:defRPr>
-      </a:lvl2pPr>
-      <a:lvl3pPr eaLnBrk="1" hangingPunct="1">
-        <a:defRPr>
-          <a:solidFill>
-            <a:schemeClr val="tx2"/>
-          </a:solidFill>
-        </a:defRPr>
-      </a:lvl3pPr>
-      <a:lvl4pPr eaLnBrk="1" hangingPunct="1">
-        <a:defRPr>
-          <a:solidFill>
-            <a:schemeClr val="tx2"/>
-          </a:solidFill>
-        </a:defRPr>
-      </a:lvl4pPr>
-      <a:lvl5pPr eaLnBrk="1" hangingPunct="1">
-        <a:defRPr>
-          <a:solidFill>
-            <a:schemeClr val="tx2"/>
-          </a:solidFill>
-        </a:defRPr>
-      </a:lvl5pPr>
-      <a:lvl6pPr eaLnBrk="1" hangingPunct="1">
-        <a:defRPr>
-          <a:solidFill>
-            <a:schemeClr val="tx2"/>
-          </a:solidFill>
-        </a:defRPr>
-      </a:lvl6pPr>
-      <a:lvl7pPr eaLnBrk="1" hangingPunct="1">
-        <a:defRPr>
-          <a:solidFill>
-            <a:schemeClr val="tx2"/>
-          </a:solidFill>
-        </a:defRPr>
-      </a:lvl7pPr>
-      <a:lvl8pPr eaLnBrk="1" hangingPunct="1">
-        <a:defRPr>
-          <a:solidFill>
-            <a:schemeClr val="tx2"/>
-          </a:solidFill>
-        </a:defRPr>
-      </a:lvl8pPr>
-      <a:lvl9pPr eaLnBrk="1" hangingPunct="1">
-        <a:defRPr>
-          <a:solidFill>
-            <a:schemeClr val="tx2"/>
-          </a:solidFill>
-        </a:defRPr>
-      </a:lvl9pPr>
     </p:titleStyle>
     <p:bodyStyle>
-      <a:lvl1pPr marL="342900" indent="-342900" algn="l" defTabSz="457200" rtl="0" eaLnBrk="1" latinLnBrk="0" hangingPunct="1">
+      <a:lvl1pPr marL="228600" indent="-228600" algn="l" defTabSz="914400" rtl="0" eaLnBrk="1" latinLnBrk="0" hangingPunct="1">
+        <a:lnSpc>
+          <a:spcPct val="90000"/>
+        </a:lnSpc>
         <a:spcBef>
           <a:spcPts val="1000"/>
         </a:spcBef>
-        <a:spcAft>
-          <a:spcPts val="0"/>
-        </a:spcAft>
-        <a:buClr>
-          <a:schemeClr val="accent1"/>
-        </a:buClr>
-        <a:buSzPct val="80000"/>
-        <a:buFont typeface="Wingdings 3" charset="2"/>
-        <a:buChar char=""/>
-        <a:defRPr sz="1800" kern="1200">
+        <a:buFont typeface="Arial" panose="020B0604020202020204" pitchFamily="34" charset="0"/>
+        <a:buChar char="•"/>
+        <a:defRPr sz="2800" kern="1200">
           <a:solidFill>
-            <a:schemeClr val="tx1">
-              <a:lumMod val="75000"/>
-              <a:lumOff val="25000"/>
-            </a:schemeClr>
+            <a:schemeClr val="tx1"/>
           </a:solidFill>
           <a:latin typeface="+mn-lt"/>
           <a:ea typeface="+mn-ea"/>
           <a:cs typeface="+mn-cs"/>
         </a:defRPr>
       </a:lvl1pPr>
-      <a:lvl2pPr marL="742950" indent="-285750" algn="l" defTabSz="457200" rtl="0" eaLnBrk="1" latinLnBrk="0" hangingPunct="1">
+      <a:lvl2pPr marL="685800" indent="-228600" algn="l" defTabSz="914400" rtl="0" eaLnBrk="1" latinLnBrk="0" hangingPunct="1">
+        <a:lnSpc>
+          <a:spcPct val="90000"/>
+        </a:lnSpc>
         <a:spcBef>
-          <a:spcPts val="1000"/>
+          <a:spcPts val="500"/>
         </a:spcBef>
-        <a:spcAft>
-          <a:spcPts val="0"/>
-        </a:spcAft>
-        <a:buClr>
-          <a:schemeClr val="accent1"/>
-        </a:buClr>
-        <a:buSzPct val="80000"/>
-        <a:buFont typeface="Wingdings 3" charset="2"/>
-        <a:buChar char=""/>
-        <a:defRPr sz="1600" kern="1200">
+        <a:buFont typeface="Arial" panose="020B0604020202020204" pitchFamily="34" charset="0"/>
+        <a:buChar char="•"/>
+        <a:defRPr sz="2400" kern="1200">
           <a:solidFill>
-            <a:schemeClr val="tx1">
-              <a:lumMod val="75000"/>
-              <a:lumOff val="25000"/>
-            </a:schemeClr>
+            <a:schemeClr val="tx1"/>
           </a:solidFill>
           <a:latin typeface="+mn-lt"/>
           <a:ea typeface="+mn-ea"/>
           <a:cs typeface="+mn-cs"/>
         </a:defRPr>
       </a:lvl2pPr>
-      <a:lvl3pPr marL="1143000" indent="-228600" algn="l" defTabSz="457200" rtl="0" eaLnBrk="1" latinLnBrk="0" hangingPunct="1">
+      <a:lvl3pPr marL="1143000" indent="-228600" algn="l" defTabSz="914400" rtl="0" eaLnBrk="1" latinLnBrk="0" hangingPunct="1">
+        <a:lnSpc>
+          <a:spcPct val="90000"/>
+        </a:lnSpc>
         <a:spcBef>
-          <a:spcPts val="1000"/>
+          <a:spcPts val="500"/>
         </a:spcBef>
-        <a:spcAft>
-          <a:spcPts val="0"/>
-        </a:spcAft>
-        <a:buClr>
-          <a:schemeClr val="accent1"/>
-        </a:buClr>
-        <a:buSzPct val="80000"/>
-        <a:buFont typeface="Wingdings 3" charset="2"/>
-        <a:buChar char=""/>
-        <a:defRPr sz="1400" kern="1200">
+        <a:buFont typeface="Arial" panose="020B0604020202020204" pitchFamily="34" charset="0"/>
+        <a:buChar char="•"/>
+        <a:defRPr sz="2000" kern="1200">
           <a:solidFill>
-            <a:schemeClr val="tx1">
-              <a:lumMod val="75000"/>
-              <a:lumOff val="25000"/>
-            </a:schemeClr>
+            <a:schemeClr val="tx1"/>
           </a:solidFill>
           <a:latin typeface="+mn-lt"/>
           <a:ea typeface="+mn-ea"/>
           <a:cs typeface="+mn-cs"/>
         </a:defRPr>
       </a:lvl3pPr>
-      <a:lvl4pPr marL="1600200" indent="-228600" algn="l" defTabSz="457200" rtl="0" eaLnBrk="1" latinLnBrk="0" hangingPunct="1">
+      <a:lvl4pPr marL="1600200" indent="-228600" algn="l" defTabSz="914400" rtl="0" eaLnBrk="1" latinLnBrk="0" hangingPunct="1">
+        <a:lnSpc>
+          <a:spcPct val="90000"/>
+        </a:lnSpc>
         <a:spcBef>
-          <a:spcPts val="1000"/>
+          <a:spcPts val="500"/>
         </a:spcBef>
-        <a:spcAft>
-          <a:spcPts val="0"/>
-        </a:spcAft>
-        <a:buClr>
-          <a:schemeClr val="accent1"/>
-        </a:buClr>
-        <a:buSzPct val="80000"/>
-        <a:buFont typeface="Wingdings 3" charset="2"/>
-        <a:buChar char=""/>
-        <a:defRPr sz="1200" kern="1200">
+        <a:buFont typeface="Arial" panose="020B0604020202020204" pitchFamily="34" charset="0"/>
+        <a:buChar char="•"/>
+        <a:defRPr sz="1800" kern="1200">
           <a:solidFill>
-            <a:schemeClr val="tx1">
-              <a:lumMod val="75000"/>
-              <a:lumOff val="25000"/>
-            </a:schemeClr>
+            <a:schemeClr val="tx1"/>
           </a:solidFill>
           <a:latin typeface="+mn-lt"/>
           <a:ea typeface="+mn-ea"/>
           <a:cs typeface="+mn-cs"/>
         </a:defRPr>
       </a:lvl4pPr>
-      <a:lvl5pPr marL="2057400" indent="-228600" algn="l" defTabSz="457200" rtl="0" eaLnBrk="1" latinLnBrk="0" hangingPunct="1">
+      <a:lvl5pPr marL="2057400" indent="-228600" algn="l" defTabSz="914400" rtl="0" eaLnBrk="1" latinLnBrk="0" hangingPunct="1">
+        <a:lnSpc>
+          <a:spcPct val="90000"/>
+        </a:lnSpc>
         <a:spcBef>
-          <a:spcPts val="1000"/>
+          <a:spcPts val="500"/>
         </a:spcBef>
-        <a:spcAft>
-          <a:spcPts val="0"/>
-        </a:spcAft>
-        <a:buClr>
-          <a:schemeClr val="accent1"/>
-        </a:buClr>
-        <a:buSzPct val="80000"/>
-        <a:buFont typeface="Wingdings 3" charset="2"/>
-        <a:buChar char=""/>
-        <a:defRPr sz="1200" kern="1200">
+        <a:buFont typeface="Arial" panose="020B0604020202020204" pitchFamily="34" charset="0"/>
+        <a:buChar char="•"/>
+        <a:defRPr sz="1800" kern="1200">
           <a:solidFill>
-            <a:schemeClr val="tx1">
-              <a:lumMod val="75000"/>
-              <a:lumOff val="25000"/>
-            </a:schemeClr>
+            <a:schemeClr val="tx1"/>
           </a:solidFill>
           <a:latin typeface="+mn-lt"/>
           <a:ea typeface="+mn-ea"/>
           <a:cs typeface="+mn-cs"/>
         </a:defRPr>
       </a:lvl5pPr>
-      <a:lvl6pPr marL="2514600" indent="-228600" algn="l" defTabSz="457200" rtl="0" eaLnBrk="1" latinLnBrk="0" hangingPunct="1">
+      <a:lvl6pPr marL="2514600" indent="-228600" algn="l" defTabSz="914400" rtl="0" eaLnBrk="1" latinLnBrk="0" hangingPunct="1">
+        <a:lnSpc>
+          <a:spcPct val="90000"/>
+        </a:lnSpc>
         <a:spcBef>
-          <a:spcPts val="1000"/>
+          <a:spcPts val="500"/>
         </a:spcBef>
-        <a:spcAft>
-          <a:spcPts val="0"/>
-        </a:spcAft>
-        <a:buClr>
-          <a:schemeClr val="accent1"/>
-        </a:buClr>
-        <a:buSzPct val="80000"/>
-        <a:buFont typeface="Wingdings 3" charset="2"/>
-        <a:buChar char=""/>
-        <a:defRPr sz="1200" kern="1200">
+        <a:buFont typeface="Arial" panose="020B0604020202020204" pitchFamily="34" charset="0"/>
+        <a:buChar char="•"/>
+        <a:defRPr sz="1800" kern="1200">
           <a:solidFill>
-            <a:schemeClr val="tx1">
-              <a:lumMod val="75000"/>
-              <a:lumOff val="25000"/>
-            </a:schemeClr>
+            <a:schemeClr val="tx1"/>
           </a:solidFill>
           <a:latin typeface="+mn-lt"/>
           <a:ea typeface="+mn-ea"/>
           <a:cs typeface="+mn-cs"/>
         </a:defRPr>
       </a:lvl6pPr>
-      <a:lvl7pPr marL="2971800" indent="-228600" algn="l" defTabSz="457200" rtl="0" eaLnBrk="1" latinLnBrk="0" hangingPunct="1">
+      <a:lvl7pPr marL="2971800" indent="-228600" algn="l" defTabSz="914400" rtl="0" eaLnBrk="1" latinLnBrk="0" hangingPunct="1">
+        <a:lnSpc>
+          <a:spcPct val="90000"/>
+        </a:lnSpc>
         <a:spcBef>
-          <a:spcPts val="1000"/>
+          <a:spcPts val="500"/>
         </a:spcBef>
-        <a:spcAft>
-          <a:spcPts val="0"/>
-        </a:spcAft>
-        <a:buClr>
-          <a:schemeClr val="accent1"/>
-        </a:buClr>
-        <a:buSzPct val="80000"/>
-        <a:buFont typeface="Wingdings 3" charset="2"/>
-        <a:buChar char=""/>
-        <a:defRPr sz="1200" kern="1200">
+        <a:buFont typeface="Arial" panose="020B0604020202020204" pitchFamily="34" charset="0"/>
+        <a:buChar char="•"/>
+        <a:defRPr sz="1800" kern="1200">
           <a:solidFill>
-            <a:schemeClr val="tx1">
-              <a:lumMod val="75000"/>
-              <a:lumOff val="25000"/>
-            </a:schemeClr>
+            <a:schemeClr val="tx1"/>
           </a:solidFill>
           <a:latin typeface="+mn-lt"/>
           <a:ea typeface="+mn-ea"/>
           <a:cs typeface="+mn-cs"/>
         </a:defRPr>
       </a:lvl7pPr>
-      <a:lvl8pPr marL="3429000" indent="-228600" algn="l" defTabSz="457200" rtl="0" eaLnBrk="1" latinLnBrk="0" hangingPunct="1">
+      <a:lvl8pPr marL="3429000" indent="-228600" algn="l" defTabSz="914400" rtl="0" eaLnBrk="1" latinLnBrk="0" hangingPunct="1">
+        <a:lnSpc>
+          <a:spcPct val="90000"/>
+        </a:lnSpc>
         <a:spcBef>
-          <a:spcPts val="1000"/>
+          <a:spcPts val="500"/>
         </a:spcBef>
-        <a:spcAft>
-          <a:spcPts val="0"/>
-        </a:spcAft>
-        <a:buClr>
-          <a:schemeClr val="accent1"/>
-        </a:buClr>
-        <a:buSzPct val="80000"/>
-        <a:buFont typeface="Wingdings 3" charset="2"/>
-        <a:buChar char=""/>
-        <a:defRPr sz="1200" kern="1200">
+        <a:buFont typeface="Arial" panose="020B0604020202020204" pitchFamily="34" charset="0"/>
+        <a:buChar char="•"/>
+        <a:defRPr sz="1800" kern="1200">
           <a:solidFill>
-            <a:schemeClr val="tx1">
-              <a:lumMod val="75000"/>
-              <a:lumOff val="25000"/>
-            </a:schemeClr>
+            <a:schemeClr val="tx1"/>
           </a:solidFill>
           <a:latin typeface="+mn-lt"/>
           <a:ea typeface="+mn-ea"/>
           <a:cs typeface="+mn-cs"/>
         </a:defRPr>
       </a:lvl8pPr>
-      <a:lvl9pPr marL="3886200" indent="-228600" algn="l" defTabSz="457200" rtl="0" eaLnBrk="1" latinLnBrk="0" hangingPunct="1">
+      <a:lvl9pPr marL="3886200" indent="-228600" algn="l" defTabSz="914400" rtl="0" eaLnBrk="1" latinLnBrk="0" hangingPunct="1">
+        <a:lnSpc>
+          <a:spcPct val="90000"/>
+        </a:lnSpc>
         <a:spcBef>
-          <a:spcPts val="1000"/>
+          <a:spcPts val="500"/>
         </a:spcBef>
-        <a:spcAft>
-          <a:spcPts val="0"/>
-        </a:spcAft>
-        <a:buClr>
-          <a:schemeClr val="accent1"/>
-        </a:buClr>
-        <a:buSzPct val="80000"/>
-        <a:buFont typeface="Wingdings 3" charset="2"/>
-        <a:buChar char=""/>
-        <a:defRPr sz="1200" kern="1200">
+        <a:buFont typeface="Arial" panose="020B0604020202020204" pitchFamily="34" charset="0"/>
+        <a:buChar char="•"/>
+        <a:defRPr sz="1800" kern="1200">
           <a:solidFill>
-            <a:schemeClr val="tx1">
-              <a:lumMod val="75000"/>
-              <a:lumOff val="25000"/>
-            </a:schemeClr>
+            <a:schemeClr val="tx1"/>
           </a:solidFill>
           <a:latin typeface="+mn-lt"/>
           <a:ea typeface="+mn-ea"/>
@@ -5724,9 +3182,9 @@
     </p:bodyStyle>
     <p:otherStyle>
       <a:defPPr>
-        <a:defRPr lang="en-US"/>
+        <a:defRPr lang="vi-VN"/>
       </a:defPPr>
-      <a:lvl1pPr marL="0" algn="l" defTabSz="457200" rtl="0" eaLnBrk="1" latinLnBrk="0" hangingPunct="1">
+      <a:lvl1pPr marL="0" algn="l" defTabSz="914400" rtl="0" eaLnBrk="1" latinLnBrk="0" hangingPunct="1">
         <a:defRPr sz="1800" kern="1200">
           <a:solidFill>
             <a:schemeClr val="tx1"/>
@@ -5736,7 +3194,7 @@
           <a:cs typeface="+mn-cs"/>
         </a:defRPr>
       </a:lvl1pPr>
-      <a:lvl2pPr marL="457200" algn="l" defTabSz="457200" rtl="0" eaLnBrk="1" latinLnBrk="0" hangingPunct="1">
+      <a:lvl2pPr marL="457200" algn="l" defTabSz="914400" rtl="0" eaLnBrk="1" latinLnBrk="0" hangingPunct="1">
         <a:defRPr sz="1800" kern="1200">
           <a:solidFill>
             <a:schemeClr val="tx1"/>
@@ -5746,7 +3204,7 @@
           <a:cs typeface="+mn-cs"/>
         </a:defRPr>
       </a:lvl2pPr>
-      <a:lvl3pPr marL="914400" algn="l" defTabSz="457200" rtl="0" eaLnBrk="1" latinLnBrk="0" hangingPunct="1">
+      <a:lvl3pPr marL="914400" algn="l" defTabSz="914400" rtl="0" eaLnBrk="1" latinLnBrk="0" hangingPunct="1">
         <a:defRPr sz="1800" kern="1200">
           <a:solidFill>
             <a:schemeClr val="tx1"/>
@@ -5756,7 +3214,7 @@
           <a:cs typeface="+mn-cs"/>
         </a:defRPr>
       </a:lvl3pPr>
-      <a:lvl4pPr marL="1371600" algn="l" defTabSz="457200" rtl="0" eaLnBrk="1" latinLnBrk="0" hangingPunct="1">
+      <a:lvl4pPr marL="1371600" algn="l" defTabSz="914400" rtl="0" eaLnBrk="1" latinLnBrk="0" hangingPunct="1">
         <a:defRPr sz="1800" kern="1200">
           <a:solidFill>
             <a:schemeClr val="tx1"/>
@@ -5766,7 +3224,7 @@
           <a:cs typeface="+mn-cs"/>
         </a:defRPr>
       </a:lvl4pPr>
-      <a:lvl5pPr marL="1828800" algn="l" defTabSz="457200" rtl="0" eaLnBrk="1" latinLnBrk="0" hangingPunct="1">
+      <a:lvl5pPr marL="1828800" algn="l" defTabSz="914400" rtl="0" eaLnBrk="1" latinLnBrk="0" hangingPunct="1">
         <a:defRPr sz="1800" kern="1200">
           <a:solidFill>
             <a:schemeClr val="tx1"/>
@@ -5776,7 +3234,7 @@
           <a:cs typeface="+mn-cs"/>
         </a:defRPr>
       </a:lvl5pPr>
-      <a:lvl6pPr marL="2286000" algn="l" defTabSz="457200" rtl="0" eaLnBrk="1" latinLnBrk="0" hangingPunct="1">
+      <a:lvl6pPr marL="2286000" algn="l" defTabSz="914400" rtl="0" eaLnBrk="1" latinLnBrk="0" hangingPunct="1">
         <a:defRPr sz="1800" kern="1200">
           <a:solidFill>
             <a:schemeClr val="tx1"/>
@@ -5786,7 +3244,7 @@
           <a:cs typeface="+mn-cs"/>
         </a:defRPr>
       </a:lvl6pPr>
-      <a:lvl7pPr marL="2743200" algn="l" defTabSz="457200" rtl="0" eaLnBrk="1" latinLnBrk="0" hangingPunct="1">
+      <a:lvl7pPr marL="2743200" algn="l" defTabSz="914400" rtl="0" eaLnBrk="1" latinLnBrk="0" hangingPunct="1">
         <a:defRPr sz="1800" kern="1200">
           <a:solidFill>
             <a:schemeClr val="tx1"/>
@@ -5796,7 +3254,7 @@
           <a:cs typeface="+mn-cs"/>
         </a:defRPr>
       </a:lvl7pPr>
-      <a:lvl8pPr marL="3200400" algn="l" defTabSz="457200" rtl="0" eaLnBrk="1" latinLnBrk="0" hangingPunct="1">
+      <a:lvl8pPr marL="3200400" algn="l" defTabSz="914400" rtl="0" eaLnBrk="1" latinLnBrk="0" hangingPunct="1">
         <a:defRPr sz="1800" kern="1200">
           <a:solidFill>
             <a:schemeClr val="tx1"/>
@@ -5806,7 +3264,7 @@
           <a:cs typeface="+mn-cs"/>
         </a:defRPr>
       </a:lvl8pPr>
-      <a:lvl9pPr marL="3657600" algn="l" defTabSz="457200" rtl="0" eaLnBrk="1" latinLnBrk="0" hangingPunct="1">
+      <a:lvl9pPr marL="3657600" algn="l" defTabSz="914400" rtl="0" eaLnBrk="1" latinLnBrk="0" hangingPunct="1">
         <a:defRPr sz="1800" kern="1200">
           <a:solidFill>
             <a:schemeClr val="tx1"/>
@@ -6337,7 +3795,7 @@
         <p:spPr>
           <a:xfrm>
             <a:off x="685799" y="245660"/>
-            <a:ext cx="8588203" cy="1624083"/>
+            <a:ext cx="8588203" cy="846161"/>
           </a:xfrm>
         </p:spPr>
         <p:txBody>
@@ -6346,6 +3804,7 @@
           </a:bodyPr>
           <a:lstStyle/>
           <a:p>
+            <a:pPr algn="ctr"/>
             <a:r>
               <a:rPr lang="en-US" sz="3400" b="1" dirty="0" err="1" smtClean="0">
                 <a:solidFill>
@@ -6490,6 +3949,36 @@
           </a:p>
         </p:txBody>
       </p:sp>
+      <p:pic>
+        <p:nvPicPr>
+          <p:cNvPr id="3" name="Picture 2"/>
+          <p:cNvPicPr>
+            <a:picLocks noChangeAspect="1"/>
+          </p:cNvPicPr>
+          <p:nvPr/>
+        </p:nvPicPr>
+        <p:blipFill>
+          <a:blip r:embed="rId2">
+            <a:extLst>
+              <a:ext uri="{28A0092B-C50C-407E-A947-70E740481C1C}">
+                <a14:useLocalDpi xmlns:a14="http://schemas.microsoft.com/office/drawing/2010/main" val="0"/>
+              </a:ext>
+            </a:extLst>
+          </a:blip>
+          <a:stretch>
+            <a:fillRect/>
+          </a:stretch>
+        </p:blipFill>
+        <p:spPr>
+          <a:xfrm>
+            <a:off x="3036123" y="1405719"/>
+            <a:ext cx="4286250" cy="5172501"/>
+          </a:xfrm>
+          <a:prstGeom prst="rect">
+            <a:avLst/>
+          </a:prstGeom>
+        </p:spPr>
+      </p:pic>
     </p:spTree>
     <p:extLst>
       <p:ext uri="{BB962C8B-B14F-4D97-AF65-F5344CB8AC3E}">
@@ -6539,8 +4028,8 @@
         </p:nvSpPr>
         <p:spPr>
           <a:xfrm>
-            <a:off x="685799" y="245660"/>
-            <a:ext cx="8588203" cy="1624083"/>
+            <a:off x="685799" y="245661"/>
+            <a:ext cx="8588203" cy="1241946"/>
           </a:xfrm>
         </p:spPr>
         <p:txBody>
@@ -6717,6 +4206,36 @@
           </a:p>
         </p:txBody>
       </p:sp>
+      <p:pic>
+        <p:nvPicPr>
+          <p:cNvPr id="3" name="Picture 2"/>
+          <p:cNvPicPr>
+            <a:picLocks noChangeAspect="1"/>
+          </p:cNvPicPr>
+          <p:nvPr/>
+        </p:nvPicPr>
+        <p:blipFill>
+          <a:blip r:embed="rId2">
+            <a:extLst>
+              <a:ext uri="{28A0092B-C50C-407E-A947-70E740481C1C}">
+                <a14:useLocalDpi xmlns:a14="http://schemas.microsoft.com/office/drawing/2010/main" val="0"/>
+              </a:ext>
+            </a:extLst>
+          </a:blip>
+          <a:stretch>
+            <a:fillRect/>
+          </a:stretch>
+        </p:blipFill>
+        <p:spPr>
+          <a:xfrm>
+            <a:off x="3598033" y="1583142"/>
+            <a:ext cx="4286250" cy="5097438"/>
+          </a:xfrm>
+          <a:prstGeom prst="rect">
+            <a:avLst/>
+          </a:prstGeom>
+        </p:spPr>
+      </p:pic>
     </p:spTree>
     <p:extLst>
       <p:ext uri="{BB962C8B-B14F-4D97-AF65-F5344CB8AC3E}">
@@ -6766,8 +4285,8 @@
         </p:nvSpPr>
         <p:spPr>
           <a:xfrm>
-            <a:off x="685799" y="245660"/>
-            <a:ext cx="8588203" cy="1624083"/>
+            <a:off x="685799" y="245661"/>
+            <a:ext cx="8588203" cy="1023582"/>
           </a:xfrm>
         </p:spPr>
         <p:txBody>
@@ -6896,6 +4415,66 @@
           </a:p>
         </p:txBody>
       </p:sp>
+      <p:pic>
+        <p:nvPicPr>
+          <p:cNvPr id="3" name="Picture 2"/>
+          <p:cNvPicPr>
+            <a:picLocks noChangeAspect="1"/>
+          </p:cNvPicPr>
+          <p:nvPr/>
+        </p:nvPicPr>
+        <p:blipFill>
+          <a:blip r:embed="rId2">
+            <a:extLst>
+              <a:ext uri="{28A0092B-C50C-407E-A947-70E740481C1C}">
+                <a14:useLocalDpi xmlns:a14="http://schemas.microsoft.com/office/drawing/2010/main" val="0"/>
+              </a:ext>
+            </a:extLst>
+          </a:blip>
+          <a:stretch>
+            <a:fillRect/>
+          </a:stretch>
+        </p:blipFill>
+        <p:spPr>
+          <a:xfrm>
+            <a:off x="685799" y="1501253"/>
+            <a:ext cx="4286250" cy="5097439"/>
+          </a:xfrm>
+          <a:prstGeom prst="rect">
+            <a:avLst/>
+          </a:prstGeom>
+        </p:spPr>
+      </p:pic>
+      <p:pic>
+        <p:nvPicPr>
+          <p:cNvPr id="5" name="Picture 4"/>
+          <p:cNvPicPr>
+            <a:picLocks noChangeAspect="1"/>
+          </p:cNvPicPr>
+          <p:nvPr/>
+        </p:nvPicPr>
+        <p:blipFill>
+          <a:blip r:embed="rId3">
+            <a:extLst>
+              <a:ext uri="{28A0092B-C50C-407E-A947-70E740481C1C}">
+                <a14:useLocalDpi xmlns:a14="http://schemas.microsoft.com/office/drawing/2010/main" val="0"/>
+              </a:ext>
+            </a:extLst>
+          </a:blip>
+          <a:stretch>
+            <a:fillRect/>
+          </a:stretch>
+        </p:blipFill>
+        <p:spPr>
+          <a:xfrm>
+            <a:off x="5126583" y="1501253"/>
+            <a:ext cx="4286250" cy="5097439"/>
+          </a:xfrm>
+          <a:prstGeom prst="rect">
+            <a:avLst/>
+          </a:prstGeom>
+        </p:spPr>
+      </p:pic>
     </p:spTree>
     <p:extLst>
       <p:ext uri="{BB962C8B-B14F-4D97-AF65-F5344CB8AC3E}">
@@ -6946,7 +4525,7 @@
         <p:spPr>
           <a:xfrm>
             <a:off x="685799" y="245660"/>
-            <a:ext cx="8588203" cy="1624083"/>
+            <a:ext cx="8588203" cy="586853"/>
           </a:xfrm>
         </p:spPr>
         <p:txBody>
@@ -6955,6 +4534,7 @@
           </a:bodyPr>
           <a:lstStyle/>
           <a:p>
+            <a:pPr algn="ctr"/>
             <a:r>
               <a:rPr lang="en-US" sz="3400" b="1" dirty="0" err="1" smtClean="0">
                 <a:solidFill>
@@ -7051,6 +4631,66 @@
           </a:p>
         </p:txBody>
       </p:sp>
+      <p:pic>
+        <p:nvPicPr>
+          <p:cNvPr id="3" name="Picture 2"/>
+          <p:cNvPicPr>
+            <a:picLocks noChangeAspect="1"/>
+          </p:cNvPicPr>
+          <p:nvPr/>
+        </p:nvPicPr>
+        <p:blipFill>
+          <a:blip r:embed="rId2">
+            <a:extLst>
+              <a:ext uri="{28A0092B-C50C-407E-A947-70E740481C1C}">
+                <a14:useLocalDpi xmlns:a14="http://schemas.microsoft.com/office/drawing/2010/main" val="0"/>
+              </a:ext>
+            </a:extLst>
+          </a:blip>
+          <a:stretch>
+            <a:fillRect/>
+          </a:stretch>
+        </p:blipFill>
+        <p:spPr>
+          <a:xfrm>
+            <a:off x="936720" y="1064523"/>
+            <a:ext cx="4286250" cy="5308981"/>
+          </a:xfrm>
+          <a:prstGeom prst="rect">
+            <a:avLst/>
+          </a:prstGeom>
+        </p:spPr>
+      </p:pic>
+      <p:pic>
+        <p:nvPicPr>
+          <p:cNvPr id="4" name="Picture 3"/>
+          <p:cNvPicPr>
+            <a:picLocks noChangeAspect="1"/>
+          </p:cNvPicPr>
+          <p:nvPr/>
+        </p:nvPicPr>
+        <p:blipFill>
+          <a:blip r:embed="rId3">
+            <a:extLst>
+              <a:ext uri="{28A0092B-C50C-407E-A947-70E740481C1C}">
+                <a14:useLocalDpi xmlns:a14="http://schemas.microsoft.com/office/drawing/2010/main" val="0"/>
+              </a:ext>
+            </a:extLst>
+          </a:blip>
+          <a:stretch>
+            <a:fillRect/>
+          </a:stretch>
+        </p:blipFill>
+        <p:spPr>
+          <a:xfrm>
+            <a:off x="6382175" y="1064524"/>
+            <a:ext cx="4426851" cy="5308980"/>
+          </a:xfrm>
+          <a:prstGeom prst="rect">
+            <a:avLst/>
+          </a:prstGeom>
+        </p:spPr>
+      </p:pic>
     </p:spTree>
     <p:extLst>
       <p:ext uri="{BB962C8B-B14F-4D97-AF65-F5344CB8AC3E}">
@@ -7101,7 +4741,7 @@
         <p:spPr>
           <a:xfrm>
             <a:off x="685799" y="245660"/>
-            <a:ext cx="8588203" cy="1624083"/>
+            <a:ext cx="8588203" cy="723331"/>
           </a:xfrm>
         </p:spPr>
         <p:txBody>
@@ -7110,6 +4750,7 @@
           </a:bodyPr>
           <a:lstStyle/>
           <a:p>
+            <a:pPr algn="ctr"/>
             <a:r>
               <a:rPr lang="en-US" sz="3400" b="1" dirty="0" err="1" smtClean="0">
                 <a:solidFill>
@@ -7278,6 +4919,66 @@
           </a:p>
         </p:txBody>
       </p:sp>
+      <p:pic>
+        <p:nvPicPr>
+          <p:cNvPr id="3" name="Picture 2"/>
+          <p:cNvPicPr>
+            <a:picLocks noChangeAspect="1"/>
+          </p:cNvPicPr>
+          <p:nvPr/>
+        </p:nvPicPr>
+        <p:blipFill>
+          <a:blip r:embed="rId2">
+            <a:extLst>
+              <a:ext uri="{28A0092B-C50C-407E-A947-70E740481C1C}">
+                <a14:useLocalDpi xmlns:a14="http://schemas.microsoft.com/office/drawing/2010/main" val="0"/>
+              </a:ext>
+            </a:extLst>
+          </a:blip>
+          <a:stretch>
+            <a:fillRect/>
+          </a:stretch>
+        </p:blipFill>
+        <p:spPr>
+          <a:xfrm>
+            <a:off x="1400744" y="1119117"/>
+            <a:ext cx="4286250" cy="5370394"/>
+          </a:xfrm>
+          <a:prstGeom prst="rect">
+            <a:avLst/>
+          </a:prstGeom>
+        </p:spPr>
+      </p:pic>
+      <p:pic>
+        <p:nvPicPr>
+          <p:cNvPr id="4" name="Picture 3"/>
+          <p:cNvPicPr>
+            <a:picLocks noChangeAspect="1"/>
+          </p:cNvPicPr>
+          <p:nvPr/>
+        </p:nvPicPr>
+        <p:blipFill>
+          <a:blip r:embed="rId3">
+            <a:extLst>
+              <a:ext uri="{28A0092B-C50C-407E-A947-70E740481C1C}">
+                <a14:useLocalDpi xmlns:a14="http://schemas.microsoft.com/office/drawing/2010/main" val="0"/>
+              </a:ext>
+            </a:extLst>
+          </a:blip>
+          <a:stretch>
+            <a:fillRect/>
+          </a:stretch>
+        </p:blipFill>
+        <p:spPr>
+          <a:xfrm>
+            <a:off x="6545949" y="1119117"/>
+            <a:ext cx="4286250" cy="5370394"/>
+          </a:xfrm>
+          <a:prstGeom prst="rect">
+            <a:avLst/>
+          </a:prstGeom>
+        </p:spPr>
+      </p:pic>
     </p:spTree>
     <p:extLst>
       <p:ext uri="{BB962C8B-B14F-4D97-AF65-F5344CB8AC3E}">
@@ -7327,8 +5028,8 @@
         </p:nvSpPr>
         <p:spPr>
           <a:xfrm>
-            <a:off x="685799" y="245660"/>
-            <a:ext cx="8588203" cy="1624083"/>
+            <a:off x="685799" y="245661"/>
+            <a:ext cx="8588203" cy="764273"/>
           </a:xfrm>
         </p:spPr>
         <p:txBody>
@@ -7337,6 +5038,7 @@
           </a:bodyPr>
           <a:lstStyle/>
           <a:p>
+            <a:pPr algn="ctr"/>
             <a:r>
               <a:rPr lang="en-US" sz="3400" b="1" dirty="0" err="1" smtClean="0">
                 <a:solidFill>
@@ -7553,10 +5255,376 @@
           </a:p>
         </p:txBody>
       </p:sp>
+      <p:pic>
+        <p:nvPicPr>
+          <p:cNvPr id="3" name="Picture 2"/>
+          <p:cNvPicPr/>
+          <p:nvPr/>
+        </p:nvPicPr>
+        <p:blipFill>
+          <a:blip r:embed="rId2">
+            <a:extLst>
+              <a:ext uri="{28A0092B-C50C-407E-A947-70E740481C1C}">
+                <a14:useLocalDpi xmlns:a14="http://schemas.microsoft.com/office/drawing/2010/main" val="0"/>
+              </a:ext>
+            </a:extLst>
+          </a:blip>
+          <a:srcRect/>
+          <a:stretch>
+            <a:fillRect/>
+          </a:stretch>
+        </p:blipFill>
+        <p:spPr bwMode="auto">
+          <a:xfrm>
+            <a:off x="1097113" y="1460311"/>
+            <a:ext cx="8019592" cy="4913194"/>
+          </a:xfrm>
+          <a:prstGeom prst="rect">
+            <a:avLst/>
+          </a:prstGeom>
+          <a:noFill/>
+          <a:ln>
+            <a:noFill/>
+          </a:ln>
+        </p:spPr>
+      </p:pic>
     </p:spTree>
     <p:extLst>
       <p:ext uri="{BB962C8B-B14F-4D97-AF65-F5344CB8AC3E}">
         <p14:creationId xmlns:p14="http://schemas.microsoft.com/office/powerpoint/2010/main" val="2497887704"/>
+      </p:ext>
+    </p:extLst>
+  </p:cSld>
+  <p:clrMapOvr>
+    <a:masterClrMapping/>
+  </p:clrMapOvr>
+  <p:timing>
+    <p:tnLst>
+      <p:par>
+        <p:cTn id="1" dur="indefinite" restart="never" nodeType="tmRoot"/>
+      </p:par>
+    </p:tnLst>
+  </p:timing>
+</p:sld>
+</file>
+
+<file path=ppt/slides/slide16.xml><?xml version="1.0" encoding="utf-8"?>
+<p:sld xmlns:a="http://schemas.openxmlformats.org/drawingml/2006/main" xmlns:r="http://schemas.openxmlformats.org/officeDocument/2006/relationships" xmlns:p="http://schemas.openxmlformats.org/presentationml/2006/main">
+  <p:cSld>
+    <p:spTree>
+      <p:nvGrpSpPr>
+        <p:cNvPr id="1" name=""/>
+        <p:cNvGrpSpPr/>
+        <p:nvPr/>
+      </p:nvGrpSpPr>
+      <p:grpSpPr>
+        <a:xfrm>
+          <a:off x="0" y="0"/>
+          <a:ext cx="0" cy="0"/>
+          <a:chOff x="0" y="0"/>
+          <a:chExt cx="0" cy="0"/>
+        </a:xfrm>
+      </p:grpSpPr>
+      <p:sp>
+        <p:nvSpPr>
+          <p:cNvPr id="2" name="Title 1"/>
+          <p:cNvSpPr>
+            <a:spLocks noGrp="1"/>
+          </p:cNvSpPr>
+          <p:nvPr>
+            <p:ph type="title"/>
+          </p:nvPr>
+        </p:nvSpPr>
+        <p:spPr>
+          <a:xfrm>
+            <a:off x="685799" y="245661"/>
+            <a:ext cx="8588203" cy="764273"/>
+          </a:xfrm>
+        </p:spPr>
+        <p:txBody>
+          <a:bodyPr>
+            <a:normAutofit/>
+          </a:bodyPr>
+          <a:lstStyle/>
+          <a:p>
+            <a:pPr algn="ctr"/>
+            <a:r>
+              <a:rPr lang="en-US" sz="3400" b="1" dirty="0" err="1" smtClean="0">
+                <a:solidFill>
+                  <a:schemeClr val="accent2">
+                    <a:lumMod val="75000"/>
+                  </a:schemeClr>
+                </a:solidFill>
+                <a:latin typeface="Times New Roman" panose="02020603050405020304" pitchFamily="18" charset="0"/>
+                <a:cs typeface="Times New Roman" panose="02020603050405020304" pitchFamily="18" charset="0"/>
+              </a:rPr>
+              <a:t>Mô</a:t>
+            </a:r>
+            <a:r>
+              <a:rPr lang="en-US" sz="3400" b="1" dirty="0" smtClean="0">
+                <a:solidFill>
+                  <a:schemeClr val="accent2">
+                    <a:lumMod val="75000"/>
+                  </a:schemeClr>
+                </a:solidFill>
+                <a:latin typeface="Times New Roman" panose="02020603050405020304" pitchFamily="18" charset="0"/>
+                <a:cs typeface="Times New Roman" panose="02020603050405020304" pitchFamily="18" charset="0"/>
+              </a:rPr>
+              <a:t> </a:t>
+            </a:r>
+            <a:r>
+              <a:rPr lang="en-US" sz="3400" b="1" dirty="0" err="1" smtClean="0">
+                <a:solidFill>
+                  <a:schemeClr val="accent2">
+                    <a:lumMod val="75000"/>
+                  </a:schemeClr>
+                </a:solidFill>
+                <a:latin typeface="Times New Roman" panose="02020603050405020304" pitchFamily="18" charset="0"/>
+                <a:cs typeface="Times New Roman" panose="02020603050405020304" pitchFamily="18" charset="0"/>
+              </a:rPr>
+              <a:t>tả</a:t>
+            </a:r>
+            <a:r>
+              <a:rPr lang="en-US" sz="3400" b="1" dirty="0" smtClean="0">
+                <a:solidFill>
+                  <a:schemeClr val="accent2">
+                    <a:lumMod val="75000"/>
+                  </a:schemeClr>
+                </a:solidFill>
+                <a:latin typeface="Times New Roman" panose="02020603050405020304" pitchFamily="18" charset="0"/>
+                <a:cs typeface="Times New Roman" panose="02020603050405020304" pitchFamily="18" charset="0"/>
+              </a:rPr>
+              <a:t> </a:t>
+            </a:r>
+            <a:r>
+              <a:rPr lang="en-US" sz="3400" b="1" dirty="0" err="1" smtClean="0">
+                <a:solidFill>
+                  <a:schemeClr val="accent2">
+                    <a:lumMod val="75000"/>
+                  </a:schemeClr>
+                </a:solidFill>
+                <a:latin typeface="Times New Roman" panose="02020603050405020304" pitchFamily="18" charset="0"/>
+                <a:cs typeface="Times New Roman" panose="02020603050405020304" pitchFamily="18" charset="0"/>
+              </a:rPr>
+              <a:t>thuật</a:t>
+            </a:r>
+            <a:r>
+              <a:rPr lang="en-US" sz="3400" b="1" dirty="0" smtClean="0">
+                <a:solidFill>
+                  <a:schemeClr val="accent2">
+                    <a:lumMod val="75000"/>
+                  </a:schemeClr>
+                </a:solidFill>
+                <a:latin typeface="Times New Roman" panose="02020603050405020304" pitchFamily="18" charset="0"/>
+                <a:cs typeface="Times New Roman" panose="02020603050405020304" pitchFamily="18" charset="0"/>
+              </a:rPr>
+              <a:t> </a:t>
+            </a:r>
+            <a:r>
+              <a:rPr lang="en-US" sz="3400" b="1" dirty="0" err="1" smtClean="0">
+                <a:solidFill>
+                  <a:schemeClr val="accent2">
+                    <a:lumMod val="75000"/>
+                  </a:schemeClr>
+                </a:solidFill>
+                <a:latin typeface="Times New Roman" panose="02020603050405020304" pitchFamily="18" charset="0"/>
+                <a:cs typeface="Times New Roman" panose="02020603050405020304" pitchFamily="18" charset="0"/>
+              </a:rPr>
+              <a:t>toán</a:t>
+            </a:r>
+            <a:r>
+              <a:rPr lang="en-US" sz="3400" b="1" dirty="0" smtClean="0">
+                <a:solidFill>
+                  <a:schemeClr val="accent2">
+                    <a:lumMod val="75000"/>
+                  </a:schemeClr>
+                </a:solidFill>
+                <a:latin typeface="Times New Roman" panose="02020603050405020304" pitchFamily="18" charset="0"/>
+                <a:cs typeface="Times New Roman" panose="02020603050405020304" pitchFamily="18" charset="0"/>
+              </a:rPr>
+              <a:t> </a:t>
+            </a:r>
+            <a:r>
+              <a:rPr lang="en-US" sz="3400" b="1" dirty="0" err="1" smtClean="0">
+                <a:solidFill>
+                  <a:schemeClr val="accent2">
+                    <a:lumMod val="75000"/>
+                  </a:schemeClr>
+                </a:solidFill>
+                <a:latin typeface="Times New Roman" panose="02020603050405020304" pitchFamily="18" charset="0"/>
+                <a:cs typeface="Times New Roman" panose="02020603050405020304" pitchFamily="18" charset="0"/>
+              </a:rPr>
+              <a:t>cài</a:t>
+            </a:r>
+            <a:r>
+              <a:rPr lang="en-US" sz="3400" b="1" dirty="0" smtClean="0">
+                <a:solidFill>
+                  <a:schemeClr val="accent2">
+                    <a:lumMod val="75000"/>
+                  </a:schemeClr>
+                </a:solidFill>
+                <a:latin typeface="Times New Roman" panose="02020603050405020304" pitchFamily="18" charset="0"/>
+                <a:cs typeface="Times New Roman" panose="02020603050405020304" pitchFamily="18" charset="0"/>
+              </a:rPr>
+              <a:t> </a:t>
+            </a:r>
+            <a:r>
+              <a:rPr lang="en-US" sz="3400" b="1" dirty="0" err="1" smtClean="0">
+                <a:solidFill>
+                  <a:schemeClr val="accent2">
+                    <a:lumMod val="75000"/>
+                  </a:schemeClr>
+                </a:solidFill>
+                <a:latin typeface="Times New Roman" panose="02020603050405020304" pitchFamily="18" charset="0"/>
+                <a:cs typeface="Times New Roman" panose="02020603050405020304" pitchFamily="18" charset="0"/>
+              </a:rPr>
+              <a:t>đặt</a:t>
+            </a:r>
+            <a:r>
+              <a:rPr lang="en-US" sz="3400" b="1" dirty="0" smtClean="0">
+                <a:solidFill>
+                  <a:schemeClr val="accent2">
+                    <a:lumMod val="75000"/>
+                  </a:schemeClr>
+                </a:solidFill>
+                <a:latin typeface="Times New Roman" panose="02020603050405020304" pitchFamily="18" charset="0"/>
+                <a:cs typeface="Times New Roman" panose="02020603050405020304" pitchFamily="18" charset="0"/>
+              </a:rPr>
+              <a:t> </a:t>
+            </a:r>
+            <a:r>
+              <a:rPr lang="en-US" sz="3400" b="1" dirty="0" err="1" smtClean="0">
+                <a:solidFill>
+                  <a:schemeClr val="accent2">
+                    <a:lumMod val="75000"/>
+                  </a:schemeClr>
+                </a:solidFill>
+                <a:latin typeface="Times New Roman" panose="02020603050405020304" pitchFamily="18" charset="0"/>
+                <a:cs typeface="Times New Roman" panose="02020603050405020304" pitchFamily="18" charset="0"/>
+              </a:rPr>
+              <a:t>báo</a:t>
+            </a:r>
+            <a:r>
+              <a:rPr lang="en-US" sz="3400" b="1" dirty="0" smtClean="0">
+                <a:solidFill>
+                  <a:schemeClr val="accent2">
+                    <a:lumMod val="75000"/>
+                  </a:schemeClr>
+                </a:solidFill>
+                <a:latin typeface="Times New Roman" panose="02020603050405020304" pitchFamily="18" charset="0"/>
+                <a:cs typeface="Times New Roman" panose="02020603050405020304" pitchFamily="18" charset="0"/>
+              </a:rPr>
+              <a:t> </a:t>
+            </a:r>
+            <a:r>
+              <a:rPr lang="en-US" sz="3400" b="1" dirty="0" err="1" smtClean="0">
+                <a:solidFill>
+                  <a:schemeClr val="accent2">
+                    <a:lumMod val="75000"/>
+                  </a:schemeClr>
+                </a:solidFill>
+                <a:latin typeface="Times New Roman" panose="02020603050405020304" pitchFamily="18" charset="0"/>
+                <a:cs typeface="Times New Roman" panose="02020603050405020304" pitchFamily="18" charset="0"/>
+              </a:rPr>
+              <a:t>thức</a:t>
+            </a:r>
+            <a:r>
+              <a:rPr lang="en-US" sz="3400" b="1" dirty="0" smtClean="0">
+                <a:solidFill>
+                  <a:schemeClr val="accent2">
+                    <a:lumMod val="75000"/>
+                  </a:schemeClr>
+                </a:solidFill>
+                <a:latin typeface="Times New Roman" panose="02020603050405020304" pitchFamily="18" charset="0"/>
+                <a:cs typeface="Times New Roman" panose="02020603050405020304" pitchFamily="18" charset="0"/>
+              </a:rPr>
+              <a:t> </a:t>
+            </a:r>
+            <a:r>
+              <a:rPr lang="en-US" sz="3400" b="1" dirty="0" err="1" smtClean="0">
+                <a:solidFill>
+                  <a:schemeClr val="accent2">
+                    <a:lumMod val="75000"/>
+                  </a:schemeClr>
+                </a:solidFill>
+                <a:latin typeface="Times New Roman" panose="02020603050405020304" pitchFamily="18" charset="0"/>
+                <a:cs typeface="Times New Roman" panose="02020603050405020304" pitchFamily="18" charset="0"/>
+              </a:rPr>
+              <a:t>gần</a:t>
+            </a:r>
+            <a:r>
+              <a:rPr lang="en-US" sz="3400" b="1" dirty="0" smtClean="0">
+                <a:solidFill>
+                  <a:schemeClr val="accent2">
+                    <a:lumMod val="75000"/>
+                  </a:schemeClr>
+                </a:solidFill>
+                <a:latin typeface="Times New Roman" panose="02020603050405020304" pitchFamily="18" charset="0"/>
+                <a:cs typeface="Times New Roman" panose="02020603050405020304" pitchFamily="18" charset="0"/>
+              </a:rPr>
+              <a:t> </a:t>
+            </a:r>
+            <a:r>
+              <a:rPr lang="en-US" sz="3400" b="1" dirty="0" err="1" smtClean="0">
+                <a:solidFill>
+                  <a:schemeClr val="accent2">
+                    <a:lumMod val="75000"/>
+                  </a:schemeClr>
+                </a:solidFill>
+                <a:latin typeface="Times New Roman" panose="02020603050405020304" pitchFamily="18" charset="0"/>
+                <a:cs typeface="Times New Roman" panose="02020603050405020304" pitchFamily="18" charset="0"/>
+              </a:rPr>
+              <a:t>nhất</a:t>
+            </a:r>
+            <a:endParaRPr lang="vi-VN" sz="3400" b="1" dirty="0">
+              <a:solidFill>
+                <a:schemeClr val="accent2">
+                  <a:lumMod val="75000"/>
+                </a:schemeClr>
+              </a:solidFill>
+              <a:latin typeface="Times New Roman" panose="02020603050405020304" pitchFamily="18" charset="0"/>
+              <a:cs typeface="Times New Roman" panose="02020603050405020304" pitchFamily="18" charset="0"/>
+            </a:endParaRPr>
+          </a:p>
+        </p:txBody>
+      </p:sp>
+      <p:pic>
+        <p:nvPicPr>
+          <p:cNvPr id="4" name="Picture 3"/>
+          <p:cNvPicPr/>
+          <p:nvPr/>
+        </p:nvPicPr>
+        <p:blipFill>
+          <a:blip r:embed="rId2">
+            <a:extLst>
+              <a:ext uri="{28A0092B-C50C-407E-A947-70E740481C1C}">
+                <a14:useLocalDpi xmlns:a14="http://schemas.microsoft.com/office/drawing/2010/main" val="0"/>
+              </a:ext>
+            </a:extLst>
+          </a:blip>
+          <a:srcRect/>
+          <a:stretch>
+            <a:fillRect/>
+          </a:stretch>
+        </p:blipFill>
+        <p:spPr bwMode="auto">
+          <a:xfrm>
+            <a:off x="835924" y="1152524"/>
+            <a:ext cx="8610601" cy="5384753"/>
+          </a:xfrm>
+          <a:prstGeom prst="rect">
+            <a:avLst/>
+          </a:prstGeom>
+          <a:noFill/>
+          <a:ln>
+            <a:noFill/>
+          </a:ln>
+        </p:spPr>
+      </p:pic>
+    </p:spTree>
+    <p:extLst>
+      <p:ext uri="{BB962C8B-B14F-4D97-AF65-F5344CB8AC3E}">
+        <p14:creationId xmlns:p14="http://schemas.microsoft.com/office/powerpoint/2010/main" val="1141302056"/>
       </p:ext>
     </p:extLst>
   </p:cSld>
@@ -9602,8 +7670,8 @@
         </p:nvSpPr>
         <p:spPr>
           <a:xfrm>
-            <a:off x="685799" y="245660"/>
-            <a:ext cx="8588203" cy="1624083"/>
+            <a:off x="685799" y="245661"/>
+            <a:ext cx="8588203" cy="1146412"/>
           </a:xfrm>
         </p:spPr>
         <p:txBody>
@@ -10189,8 +8257,8 @@
         </p:nvSpPr>
         <p:spPr>
           <a:xfrm>
-            <a:off x="685799" y="245660"/>
-            <a:ext cx="8588203" cy="1624083"/>
+            <a:off x="685799" y="245661"/>
+            <a:ext cx="8588203" cy="641444"/>
           </a:xfrm>
         </p:spPr>
         <p:txBody>
@@ -10199,6 +8267,7 @@
           </a:bodyPr>
           <a:lstStyle/>
           <a:p>
+            <a:pPr algn="ctr"/>
             <a:r>
               <a:rPr lang="en-US" sz="3400" b="1" dirty="0" smtClean="0">
                 <a:solidFill>
@@ -10396,8 +8465,8 @@
         </p:nvSpPr>
         <p:spPr>
           <a:xfrm>
-            <a:off x="685799" y="245660"/>
-            <a:ext cx="8588203" cy="1624083"/>
+            <a:off x="685800" y="136479"/>
+            <a:ext cx="8588203" cy="818864"/>
           </a:xfrm>
         </p:spPr>
         <p:txBody>
@@ -10406,6 +8475,7 @@
           </a:bodyPr>
           <a:lstStyle/>
           <a:p>
+            <a:pPr algn="ctr"/>
             <a:r>
               <a:rPr lang="en-US" sz="3400" b="1" dirty="0" err="1" smtClean="0">
                 <a:solidFill>
@@ -10871,8 +8941,8 @@
         </p:nvSpPr>
         <p:spPr>
           <a:xfrm>
-            <a:off x="685799" y="245660"/>
-            <a:ext cx="8588203" cy="1624083"/>
+            <a:off x="685799" y="245661"/>
+            <a:ext cx="8588203" cy="1105468"/>
           </a:xfrm>
         </p:spPr>
         <p:txBody>
@@ -10881,6 +8951,7 @@
           </a:bodyPr>
           <a:lstStyle/>
           <a:p>
+            <a:pPr algn="ctr"/>
             <a:r>
               <a:rPr lang="en-US" sz="3400" b="1" dirty="0" err="1" smtClean="0">
                 <a:solidFill>
@@ -10975,7 +9046,19 @@
                 <a:latin typeface="Times New Roman" panose="02020603050405020304" pitchFamily="18" charset="0"/>
                 <a:cs typeface="Times New Roman" panose="02020603050405020304" pitchFamily="18" charset="0"/>
               </a:rPr>
-              <a:t> home</a:t>
+              <a:t> </a:t>
+            </a:r>
+            <a:r>
+              <a:rPr lang="en-US" sz="3400" b="1" dirty="0" smtClean="0">
+                <a:solidFill>
+                  <a:schemeClr val="accent2">
+                    <a:lumMod val="75000"/>
+                  </a:schemeClr>
+                </a:solidFill>
+                <a:latin typeface="Times New Roman" panose="02020603050405020304" pitchFamily="18" charset="0"/>
+                <a:cs typeface="Times New Roman" panose="02020603050405020304" pitchFamily="18" charset="0"/>
+              </a:rPr>
+              <a:t>Main</a:t>
             </a:r>
             <a:endParaRPr lang="vi-VN" sz="3400" b="1" dirty="0">
               <a:solidFill>
@@ -10989,6 +9072,36 @@
           </a:p>
         </p:txBody>
       </p:sp>
+      <p:pic>
+        <p:nvPicPr>
+          <p:cNvPr id="3" name="Picture 2"/>
+          <p:cNvPicPr>
+            <a:picLocks noChangeAspect="1"/>
+          </p:cNvPicPr>
+          <p:nvPr/>
+        </p:nvPicPr>
+        <p:blipFill>
+          <a:blip r:embed="rId2">
+            <a:extLst>
+              <a:ext uri="{28A0092B-C50C-407E-A947-70E740481C1C}">
+                <a14:useLocalDpi xmlns:a14="http://schemas.microsoft.com/office/drawing/2010/main" val="0"/>
+              </a:ext>
+            </a:extLst>
+          </a:blip>
+          <a:stretch>
+            <a:fillRect/>
+          </a:stretch>
+        </p:blipFill>
+        <p:spPr>
+          <a:xfrm>
+            <a:off x="2836775" y="1514902"/>
+            <a:ext cx="4286250" cy="5199796"/>
+          </a:xfrm>
+          <a:prstGeom prst="rect">
+            <a:avLst/>
+          </a:prstGeom>
+        </p:spPr>
+      </p:pic>
     </p:spTree>
     <p:extLst>
       <p:ext uri="{BB962C8B-B14F-4D97-AF65-F5344CB8AC3E}">
@@ -11010,9 +9123,9 @@
 </file>
 
 <file path=ppt/theme/theme1.xml><?xml version="1.0" encoding="utf-8"?>
-<a:theme xmlns:a="http://schemas.openxmlformats.org/drawingml/2006/main" name="Facet">
+<a:theme xmlns:a="http://schemas.openxmlformats.org/drawingml/2006/main" name="Office Theme">
   <a:themeElements>
-    <a:clrScheme name="Facet">
+    <a:clrScheme name="Office">
       <a:dk1>
         <a:sysClr val="windowText" lastClr="000000"/>
       </a:dk1>
@@ -11020,52 +9133,52 @@
         <a:sysClr val="window" lastClr="FFFFFF"/>
       </a:lt1>
       <a:dk2>
-        <a:srgbClr val="2C3C43"/>
+        <a:srgbClr val="44546A"/>
       </a:dk2>
       <a:lt2>
-        <a:srgbClr val="EBEBEB"/>
+        <a:srgbClr val="E7E6E6"/>
       </a:lt2>
       <a:accent1>
-        <a:srgbClr val="90C226"/>
+        <a:srgbClr val="5B9BD5"/>
       </a:accent1>
       <a:accent2>
-        <a:srgbClr val="54A021"/>
+        <a:srgbClr val="ED7D31"/>
       </a:accent2>
       <a:accent3>
-        <a:srgbClr val="E6B91E"/>
+        <a:srgbClr val="A5A5A5"/>
       </a:accent3>
       <a:accent4>
-        <a:srgbClr val="E76618"/>
+        <a:srgbClr val="FFC000"/>
       </a:accent4>
       <a:accent5>
-        <a:srgbClr val="C42F1A"/>
+        <a:srgbClr val="4472C4"/>
       </a:accent5>
       <a:accent6>
-        <a:srgbClr val="918655"/>
+        <a:srgbClr val="70AD47"/>
       </a:accent6>
       <a:hlink>
-        <a:srgbClr val="99CA3C"/>
+        <a:srgbClr val="0563C1"/>
       </a:hlink>
       <a:folHlink>
-        <a:srgbClr val="B9D181"/>
+        <a:srgbClr val="954F72"/>
       </a:folHlink>
     </a:clrScheme>
-    <a:fontScheme name="Facet">
+    <a:fontScheme name="Office">
       <a:majorFont>
-        <a:latin typeface="Trebuchet MS" panose="020B0603020202020204"/>
+        <a:latin typeface="Calibri Light" panose="020F0302020204030204"/>
         <a:ea typeface=""/>
         <a:cs typeface=""/>
-        <a:font script="Jpan" typeface="メイリオ"/>
+        <a:font script="Jpan" typeface="ＭＳ Ｐゴシック"/>
         <a:font script="Hang" typeface="맑은 고딕"/>
-        <a:font script="Hans" typeface="方正姚体"/>
-        <a:font script="Hant" typeface="微軟正黑體"/>
-        <a:font script="Arab" typeface="Tahoma"/>
-        <a:font script="Hebr" typeface="Arial"/>
-        <a:font script="Thai" typeface="Cordia New"/>
+        <a:font script="Hans" typeface="宋体"/>
+        <a:font script="Hant" typeface="新細明體"/>
+        <a:font script="Arab" typeface="Times New Roman"/>
+        <a:font script="Hebr" typeface="Times New Roman"/>
+        <a:font script="Thai" typeface="Angsana New"/>
         <a:font script="Ethi" typeface="Nyala"/>
         <a:font script="Beng" typeface="Vrinda"/>
         <a:font script="Gujr" typeface="Shruti"/>
-        <a:font script="Khmr" typeface="DaunPenh"/>
+        <a:font script="Khmr" typeface="MoolBoran"/>
         <a:font script="Knda" typeface="Tunga"/>
         <a:font script="Guru" typeface="Raavi"/>
         <a:font script="Cans" typeface="Euphemia"/>
@@ -11082,21 +9195,21 @@
         <a:font script="Laoo" typeface="DokChampa"/>
         <a:font script="Sinh" typeface="Iskoola Pota"/>
         <a:font script="Mong" typeface="Mongolian Baiti"/>
-        <a:font script="Viet" typeface="Tahoma"/>
+        <a:font script="Viet" typeface="Times New Roman"/>
         <a:font script="Uigh" typeface="Microsoft Uighur"/>
         <a:font script="Geor" typeface="Sylfaen"/>
       </a:majorFont>
       <a:minorFont>
-        <a:latin typeface="Trebuchet MS" panose="020B0603020202020204"/>
+        <a:latin typeface="Calibri" panose="020F0502020204030204"/>
         <a:ea typeface=""/>
         <a:cs typeface=""/>
-        <a:font script="Jpan" typeface="メイリオ"/>
-        <a:font script="Hang" typeface="HY그래픽M"/>
-        <a:font script="Hans" typeface="华文新魏"/>
-        <a:font script="Hant" typeface="微軟正黑體"/>
-        <a:font script="Arab" typeface="Tahoma"/>
-        <a:font script="Hebr" typeface="Gisha"/>
-        <a:font script="Thai" typeface="IrisUPC"/>
+        <a:font script="Jpan" typeface="ＭＳ Ｐゴシック"/>
+        <a:font script="Hang" typeface="맑은 고딕"/>
+        <a:font script="Hans" typeface="宋体"/>
+        <a:font script="Hant" typeface="新細明體"/>
+        <a:font script="Arab" typeface="Arial"/>
+        <a:font script="Hebr" typeface="Arial"/>
+        <a:font script="Thai" typeface="Cordia New"/>
         <a:font script="Ethi" typeface="Nyala"/>
         <a:font script="Beng" typeface="Vrinda"/>
         <a:font script="Gujr" typeface="Shruti"/>
@@ -11122,7 +9235,7 @@
         <a:font script="Geor" typeface="Sylfaen"/>
       </a:minorFont>
     </a:fontScheme>
-    <a:fmtScheme name="Facet">
+    <a:fmtScheme name="Office">
       <a:fillStyleLst>
         <a:solidFill>
           <a:schemeClr val="phClr"/>
@@ -11131,13 +9244,23 @@
           <a:gsLst>
             <a:gs pos="0">
               <a:schemeClr val="phClr">
-                <a:tint val="65000"/>
                 <a:lumMod val="110000"/>
+                <a:satMod val="105000"/>
+                <a:tint val="67000"/>
               </a:schemeClr>
             </a:gs>
-            <a:gs pos="88000">
+            <a:gs pos="50000">
               <a:schemeClr val="phClr">
-                <a:tint val="90000"/>
+                <a:lumMod val="105000"/>
+                <a:satMod val="103000"/>
+                <a:tint val="73000"/>
+              </a:schemeClr>
+            </a:gs>
+            <a:gs pos="100000">
+              <a:schemeClr val="phClr">
+                <a:lumMod val="105000"/>
+                <a:satMod val="109000"/>
+                <a:tint val="81000"/>
               </a:schemeClr>
             </a:gs>
           </a:gsLst>
@@ -11147,14 +9270,23 @@
           <a:gsLst>
             <a:gs pos="0">
               <a:schemeClr val="phClr">
-                <a:tint val="96000"/>
-                <a:lumMod val="100000"/>
+                <a:satMod val="103000"/>
+                <a:lumMod val="102000"/>
+                <a:tint val="94000"/>
               </a:schemeClr>
             </a:gs>
-            <a:gs pos="78000">
+            <a:gs pos="50000">
               <a:schemeClr val="phClr">
-                <a:shade val="94000"/>
-                <a:lumMod val="94000"/>
+                <a:satMod val="110000"/>
+                <a:lumMod val="100000"/>
+                <a:shade val="100000"/>
+              </a:schemeClr>
+            </a:gs>
+            <a:gs pos="100000">
+              <a:schemeClr val="phClr">
+                <a:lumMod val="99000"/>
+                <a:satMod val="120000"/>
+                <a:shade val="78000"/>
               </a:schemeClr>
             </a:gs>
           </a:gsLst>
@@ -11162,23 +9294,26 @@
         </a:gradFill>
       </a:fillStyleLst>
       <a:lnStyleLst>
-        <a:ln w="12700" cap="rnd" cmpd="sng" algn="ctr">
+        <a:ln w="6350" cap="flat" cmpd="sng" algn="ctr">
           <a:solidFill>
             <a:schemeClr val="phClr"/>
           </a:solidFill>
           <a:prstDash val="solid"/>
+          <a:miter lim="800000"/>
         </a:ln>
-        <a:ln w="19050" cap="rnd" cmpd="sng" algn="ctr">
+        <a:ln w="12700" cap="flat" cmpd="sng" algn="ctr">
           <a:solidFill>
             <a:schemeClr val="phClr"/>
           </a:solidFill>
           <a:prstDash val="solid"/>
+          <a:miter lim="800000"/>
         </a:ln>
-        <a:ln w="25400" cap="rnd" cmpd="sng" algn="ctr">
+        <a:ln w="19050" cap="flat" cmpd="sng" algn="ctr">
           <a:solidFill>
             <a:schemeClr val="phClr"/>
           </a:solidFill>
           <a:prstDash val="solid"/>
+          <a:miter lim="800000"/>
         </a:ln>
       </a:lnStyleLst>
       <a:effectStyleLst>
@@ -11186,72 +9321,54 @@
           <a:effectLst/>
         </a:effectStyle>
         <a:effectStyle>
+          <a:effectLst/>
+        </a:effectStyle>
+        <a:effectStyle>
           <a:effectLst>
-            <a:outerShdw blurRad="38100" dist="25400" dir="5400000" rotWithShape="0">
+            <a:outerShdw blurRad="57150" dist="19050" dir="5400000" algn="ctr" rotWithShape="0">
               <a:srgbClr val="000000">
-                <a:alpha val="35000"/>
+                <a:alpha val="63000"/>
               </a:srgbClr>
             </a:outerShdw>
           </a:effectLst>
-        </a:effectStyle>
-        <a:effectStyle>
-          <a:effectLst>
-            <a:outerShdw blurRad="50800" dist="38100" dir="5400000" rotWithShape="0">
-              <a:srgbClr val="000000">
-                <a:alpha val="35000"/>
-              </a:srgbClr>
-            </a:outerShdw>
-          </a:effectLst>
-          <a:scene3d>
-            <a:camera prst="orthographicFront">
-              <a:rot lat="0" lon="0" rev="0"/>
-            </a:camera>
-            <a:lightRig rig="threePt" dir="tl"/>
-          </a:scene3d>
-          <a:sp3d prstMaterial="plastic">
-            <a:bevelT w="0" h="0"/>
-          </a:sp3d>
         </a:effectStyle>
       </a:effectStyleLst>
       <a:bgFillStyleLst>
         <a:solidFill>
           <a:schemeClr val="phClr"/>
         </a:solidFill>
+        <a:solidFill>
+          <a:schemeClr val="phClr">
+            <a:tint val="95000"/>
+            <a:satMod val="170000"/>
+          </a:schemeClr>
+        </a:solidFill>
         <a:gradFill rotWithShape="1">
           <a:gsLst>
             <a:gs pos="0">
               <a:schemeClr val="phClr">
-                <a:tint val="90000"/>
-                <a:lumMod val="104000"/>
+                <a:tint val="93000"/>
+                <a:satMod val="150000"/>
+                <a:shade val="98000"/>
+                <a:lumMod val="102000"/>
               </a:schemeClr>
             </a:gs>
-            <a:gs pos="94000">
+            <a:gs pos="50000">
               <a:schemeClr val="phClr">
-                <a:shade val="96000"/>
-                <a:lumMod val="82000"/>
+                <a:tint val="98000"/>
+                <a:satMod val="130000"/>
+                <a:shade val="90000"/>
+                <a:lumMod val="103000"/>
+              </a:schemeClr>
+            </a:gs>
+            <a:gs pos="100000">
+              <a:schemeClr val="phClr">
+                <a:shade val="63000"/>
+                <a:satMod val="120000"/>
               </a:schemeClr>
             </a:gs>
           </a:gsLst>
           <a:lin ang="5400000" scaled="0"/>
-        </a:gradFill>
-        <a:gradFill rotWithShape="1">
-          <a:gsLst>
-            <a:gs pos="0">
-              <a:schemeClr val="phClr">
-                <a:tint val="90000"/>
-                <a:lumMod val="110000"/>
-              </a:schemeClr>
-            </a:gs>
-            <a:gs pos="100000">
-              <a:schemeClr val="phClr">
-                <a:shade val="94000"/>
-                <a:lumMod val="96000"/>
-              </a:schemeClr>
-            </a:gs>
-          </a:gsLst>
-          <a:path path="circle">
-            <a:fillToRect l="50000" t="50000" r="100000" b="100000"/>
-          </a:path>
         </a:gradFill>
       </a:bgFillStyleLst>
     </a:fmtScheme>
@@ -11260,7 +9377,7 @@
   <a:extraClrSchemeLst/>
   <a:extLst>
     <a:ext uri="{05A4C25C-085E-4340-85A3-A5531E510DB2}">
-      <thm15:themeFamily xmlns:thm15="http://schemas.microsoft.com/office/thememl/2012/main" name="Facet" id="{C0C680CD-088A-49FC-A102-D699147F32B2}" vid="{CFBC31BA-B70F-4F30-BCAA-4F3011E16C4D}"/>
+      <thm15:themeFamily xmlns:thm15="http://schemas.microsoft.com/office/thememl/2012/main" name="Office Theme" id="{62F939B6-93AF-4DB8-9C6B-D6C7DFDC589F}" vid="{4A3C46E8-61CC-4603-A589-7422A47A8E4A}"/>
     </a:ext>
   </a:extLst>
 </a:theme>

--- a/DATN/DATN.pptx
+++ b/DATN/DATN.pptx
@@ -2,8 +2,11 @@
 <file path=ppt/presentation.xml><?xml version="1.0" encoding="utf-8"?>
 <p:presentation xmlns:a="http://schemas.openxmlformats.org/drawingml/2006/main" xmlns:r="http://schemas.openxmlformats.org/officeDocument/2006/relationships" xmlns:p="http://schemas.openxmlformats.org/presentationml/2006/main" saveSubsetFonts="1">
   <p:sldMasterIdLst>
-    <p:sldMasterId id="2147484119" r:id="rId1"/>
+    <p:sldMasterId id="2147484132" r:id="rId1"/>
   </p:sldMasterIdLst>
+  <p:notesMasterIdLst>
+    <p:notesMasterId r:id="rId18"/>
+  </p:notesMasterIdLst>
   <p:sldIdLst>
     <p:sldId id="256" r:id="rId2"/>
     <p:sldId id="257" r:id="rId3"/>
@@ -127,6 +130,440 @@
 </p:presentation>
 </file>
 
+<file path=ppt/notesMasters/notesMaster1.xml><?xml version="1.0" encoding="utf-8"?>
+<p:notesMaster xmlns:a="http://schemas.openxmlformats.org/drawingml/2006/main" xmlns:r="http://schemas.openxmlformats.org/officeDocument/2006/relationships" xmlns:p="http://schemas.openxmlformats.org/presentationml/2006/main">
+  <p:cSld>
+    <p:bg>
+      <p:bgRef idx="1001">
+        <a:schemeClr val="bg1"/>
+      </p:bgRef>
+    </p:bg>
+    <p:spTree>
+      <p:nvGrpSpPr>
+        <p:cNvPr id="1" name=""/>
+        <p:cNvGrpSpPr/>
+        <p:nvPr/>
+      </p:nvGrpSpPr>
+      <p:grpSpPr>
+        <a:xfrm>
+          <a:off x="0" y="0"/>
+          <a:ext cx="0" cy="0"/>
+          <a:chOff x="0" y="0"/>
+          <a:chExt cx="0" cy="0"/>
+        </a:xfrm>
+      </p:grpSpPr>
+      <p:sp>
+        <p:nvSpPr>
+          <p:cNvPr id="2" name="Header Placeholder 1"/>
+          <p:cNvSpPr>
+            <a:spLocks noGrp="1"/>
+          </p:cNvSpPr>
+          <p:nvPr>
+            <p:ph type="hdr" sz="quarter"/>
+          </p:nvPr>
+        </p:nvSpPr>
+        <p:spPr>
+          <a:xfrm>
+            <a:off x="0" y="0"/>
+            <a:ext cx="2971800" cy="458788"/>
+          </a:xfrm>
+          <a:prstGeom prst="rect">
+            <a:avLst/>
+          </a:prstGeom>
+        </p:spPr>
+        <p:txBody>
+          <a:bodyPr vert="horz" lIns="91440" tIns="45720" rIns="91440" bIns="45720" rtlCol="0"/>
+          <a:lstStyle>
+            <a:lvl1pPr algn="l">
+              <a:defRPr sz="1200"/>
+            </a:lvl1pPr>
+          </a:lstStyle>
+          <a:p>
+            <a:endParaRPr lang="vi-VN"/>
+          </a:p>
+        </p:txBody>
+      </p:sp>
+      <p:sp>
+        <p:nvSpPr>
+          <p:cNvPr id="3" name="Date Placeholder 2"/>
+          <p:cNvSpPr>
+            <a:spLocks noGrp="1"/>
+          </p:cNvSpPr>
+          <p:nvPr>
+            <p:ph type="dt" idx="1"/>
+          </p:nvPr>
+        </p:nvSpPr>
+        <p:spPr>
+          <a:xfrm>
+            <a:off x="3884613" y="0"/>
+            <a:ext cx="2971800" cy="458788"/>
+          </a:xfrm>
+          <a:prstGeom prst="rect">
+            <a:avLst/>
+          </a:prstGeom>
+        </p:spPr>
+        <p:txBody>
+          <a:bodyPr vert="horz" lIns="91440" tIns="45720" rIns="91440" bIns="45720" rtlCol="0"/>
+          <a:lstStyle>
+            <a:lvl1pPr algn="r">
+              <a:defRPr sz="1200"/>
+            </a:lvl1pPr>
+          </a:lstStyle>
+          <a:p>
+            <a:fld id="{3C8155F1-6C94-4D92-90F4-D4540756288A}" type="datetimeFigureOut">
+              <a:rPr lang="vi-VN" smtClean="0"/>
+              <a:t>08/06/2016</a:t>
+            </a:fld>
+            <a:endParaRPr lang="vi-VN"/>
+          </a:p>
+        </p:txBody>
+      </p:sp>
+      <p:sp>
+        <p:nvSpPr>
+          <p:cNvPr id="4" name="Slide Image Placeholder 3"/>
+          <p:cNvSpPr>
+            <a:spLocks noGrp="1" noRot="1" noChangeAspect="1"/>
+          </p:cNvSpPr>
+          <p:nvPr>
+            <p:ph type="sldImg" idx="2"/>
+          </p:nvPr>
+        </p:nvSpPr>
+        <p:spPr>
+          <a:xfrm>
+            <a:off x="685800" y="1143000"/>
+            <a:ext cx="5486400" cy="3086100"/>
+          </a:xfrm>
+          <a:prstGeom prst="rect">
+            <a:avLst/>
+          </a:prstGeom>
+          <a:noFill/>
+          <a:ln w="12700">
+            <a:solidFill>
+              <a:prstClr val="black"/>
+            </a:solidFill>
+          </a:ln>
+        </p:spPr>
+        <p:txBody>
+          <a:bodyPr vert="horz" lIns="91440" tIns="45720" rIns="91440" bIns="45720" rtlCol="0" anchor="ctr"/>
+          <a:lstStyle/>
+          <a:p>
+            <a:endParaRPr lang="vi-VN"/>
+          </a:p>
+        </p:txBody>
+      </p:sp>
+      <p:sp>
+        <p:nvSpPr>
+          <p:cNvPr id="5" name="Notes Placeholder 4"/>
+          <p:cNvSpPr>
+            <a:spLocks noGrp="1"/>
+          </p:cNvSpPr>
+          <p:nvPr>
+            <p:ph type="body" sz="quarter" idx="3"/>
+          </p:nvPr>
+        </p:nvSpPr>
+        <p:spPr>
+          <a:xfrm>
+            <a:off x="685800" y="4400550"/>
+            <a:ext cx="5486400" cy="3600450"/>
+          </a:xfrm>
+          <a:prstGeom prst="rect">
+            <a:avLst/>
+          </a:prstGeom>
+        </p:spPr>
+        <p:txBody>
+          <a:bodyPr vert="horz" lIns="91440" tIns="45720" rIns="91440" bIns="45720" rtlCol="0"/>
+          <a:lstStyle/>
+          <a:p>
+            <a:pPr lvl="0"/>
+            <a:r>
+              <a:rPr lang="en-US" smtClean="0"/>
+              <a:t>Click to edit Master text styles</a:t>
+            </a:r>
+          </a:p>
+          <a:p>
+            <a:pPr lvl="1"/>
+            <a:r>
+              <a:rPr lang="en-US" smtClean="0"/>
+              <a:t>Second level</a:t>
+            </a:r>
+          </a:p>
+          <a:p>
+            <a:pPr lvl="2"/>
+            <a:r>
+              <a:rPr lang="en-US" smtClean="0"/>
+              <a:t>Third level</a:t>
+            </a:r>
+          </a:p>
+          <a:p>
+            <a:pPr lvl="3"/>
+            <a:r>
+              <a:rPr lang="en-US" smtClean="0"/>
+              <a:t>Fourth level</a:t>
+            </a:r>
+          </a:p>
+          <a:p>
+            <a:pPr lvl="4"/>
+            <a:r>
+              <a:rPr lang="en-US" smtClean="0"/>
+              <a:t>Fifth level</a:t>
+            </a:r>
+            <a:endParaRPr lang="vi-VN"/>
+          </a:p>
+        </p:txBody>
+      </p:sp>
+      <p:sp>
+        <p:nvSpPr>
+          <p:cNvPr id="6" name="Footer Placeholder 5"/>
+          <p:cNvSpPr>
+            <a:spLocks noGrp="1"/>
+          </p:cNvSpPr>
+          <p:nvPr>
+            <p:ph type="ftr" sz="quarter" idx="4"/>
+          </p:nvPr>
+        </p:nvSpPr>
+        <p:spPr>
+          <a:xfrm>
+            <a:off x="0" y="8685213"/>
+            <a:ext cx="2971800" cy="458787"/>
+          </a:xfrm>
+          <a:prstGeom prst="rect">
+            <a:avLst/>
+          </a:prstGeom>
+        </p:spPr>
+        <p:txBody>
+          <a:bodyPr vert="horz" lIns="91440" tIns="45720" rIns="91440" bIns="45720" rtlCol="0" anchor="b"/>
+          <a:lstStyle>
+            <a:lvl1pPr algn="l">
+              <a:defRPr sz="1200"/>
+            </a:lvl1pPr>
+          </a:lstStyle>
+          <a:p>
+            <a:endParaRPr lang="vi-VN"/>
+          </a:p>
+        </p:txBody>
+      </p:sp>
+      <p:sp>
+        <p:nvSpPr>
+          <p:cNvPr id="7" name="Slide Number Placeholder 6"/>
+          <p:cNvSpPr>
+            <a:spLocks noGrp="1"/>
+          </p:cNvSpPr>
+          <p:nvPr>
+            <p:ph type="sldNum" sz="quarter" idx="5"/>
+          </p:nvPr>
+        </p:nvSpPr>
+        <p:spPr>
+          <a:xfrm>
+            <a:off x="3884613" y="8685213"/>
+            <a:ext cx="2971800" cy="458787"/>
+          </a:xfrm>
+          <a:prstGeom prst="rect">
+            <a:avLst/>
+          </a:prstGeom>
+        </p:spPr>
+        <p:txBody>
+          <a:bodyPr vert="horz" lIns="91440" tIns="45720" rIns="91440" bIns="45720" rtlCol="0" anchor="b"/>
+          <a:lstStyle>
+            <a:lvl1pPr algn="r">
+              <a:defRPr sz="1200"/>
+            </a:lvl1pPr>
+          </a:lstStyle>
+          <a:p>
+            <a:fld id="{55F12960-9ECB-4381-9487-C98EAEF8BE17}" type="slidenum">
+              <a:rPr lang="vi-VN" smtClean="0"/>
+              <a:t>‹#›</a:t>
+            </a:fld>
+            <a:endParaRPr lang="vi-VN"/>
+          </a:p>
+        </p:txBody>
+      </p:sp>
+    </p:spTree>
+    <p:extLst>
+      <p:ext uri="{BB962C8B-B14F-4D97-AF65-F5344CB8AC3E}">
+        <p14:creationId xmlns:p14="http://schemas.microsoft.com/office/powerpoint/2010/main" val="3228895585"/>
+      </p:ext>
+    </p:extLst>
+  </p:cSld>
+  <p:clrMap bg1="lt1" tx1="dk1" bg2="lt2" tx2="dk2" accent1="accent1" accent2="accent2" accent3="accent3" accent4="accent4" accent5="accent5" accent6="accent6" hlink="hlink" folHlink="folHlink"/>
+  <p:notesStyle>
+    <a:lvl1pPr marL="0" algn="l" defTabSz="914400" rtl="0" eaLnBrk="1" latinLnBrk="0" hangingPunct="1">
+      <a:defRPr sz="1200" kern="1200">
+        <a:solidFill>
+          <a:schemeClr val="tx1"/>
+        </a:solidFill>
+        <a:latin typeface="+mn-lt"/>
+        <a:ea typeface="+mn-ea"/>
+        <a:cs typeface="+mn-cs"/>
+      </a:defRPr>
+    </a:lvl1pPr>
+    <a:lvl2pPr marL="457200" algn="l" defTabSz="914400" rtl="0" eaLnBrk="1" latinLnBrk="0" hangingPunct="1">
+      <a:defRPr sz="1200" kern="1200">
+        <a:solidFill>
+          <a:schemeClr val="tx1"/>
+        </a:solidFill>
+        <a:latin typeface="+mn-lt"/>
+        <a:ea typeface="+mn-ea"/>
+        <a:cs typeface="+mn-cs"/>
+      </a:defRPr>
+    </a:lvl2pPr>
+    <a:lvl3pPr marL="914400" algn="l" defTabSz="914400" rtl="0" eaLnBrk="1" latinLnBrk="0" hangingPunct="1">
+      <a:defRPr sz="1200" kern="1200">
+        <a:solidFill>
+          <a:schemeClr val="tx1"/>
+        </a:solidFill>
+        <a:latin typeface="+mn-lt"/>
+        <a:ea typeface="+mn-ea"/>
+        <a:cs typeface="+mn-cs"/>
+      </a:defRPr>
+    </a:lvl3pPr>
+    <a:lvl4pPr marL="1371600" algn="l" defTabSz="914400" rtl="0" eaLnBrk="1" latinLnBrk="0" hangingPunct="1">
+      <a:defRPr sz="1200" kern="1200">
+        <a:solidFill>
+          <a:schemeClr val="tx1"/>
+        </a:solidFill>
+        <a:latin typeface="+mn-lt"/>
+        <a:ea typeface="+mn-ea"/>
+        <a:cs typeface="+mn-cs"/>
+      </a:defRPr>
+    </a:lvl4pPr>
+    <a:lvl5pPr marL="1828800" algn="l" defTabSz="914400" rtl="0" eaLnBrk="1" latinLnBrk="0" hangingPunct="1">
+      <a:defRPr sz="1200" kern="1200">
+        <a:solidFill>
+          <a:schemeClr val="tx1"/>
+        </a:solidFill>
+        <a:latin typeface="+mn-lt"/>
+        <a:ea typeface="+mn-ea"/>
+        <a:cs typeface="+mn-cs"/>
+      </a:defRPr>
+    </a:lvl5pPr>
+    <a:lvl6pPr marL="2286000" algn="l" defTabSz="914400" rtl="0" eaLnBrk="1" latinLnBrk="0" hangingPunct="1">
+      <a:defRPr sz="1200" kern="1200">
+        <a:solidFill>
+          <a:schemeClr val="tx1"/>
+        </a:solidFill>
+        <a:latin typeface="+mn-lt"/>
+        <a:ea typeface="+mn-ea"/>
+        <a:cs typeface="+mn-cs"/>
+      </a:defRPr>
+    </a:lvl6pPr>
+    <a:lvl7pPr marL="2743200" algn="l" defTabSz="914400" rtl="0" eaLnBrk="1" latinLnBrk="0" hangingPunct="1">
+      <a:defRPr sz="1200" kern="1200">
+        <a:solidFill>
+          <a:schemeClr val="tx1"/>
+        </a:solidFill>
+        <a:latin typeface="+mn-lt"/>
+        <a:ea typeface="+mn-ea"/>
+        <a:cs typeface="+mn-cs"/>
+      </a:defRPr>
+    </a:lvl7pPr>
+    <a:lvl8pPr marL="3200400" algn="l" defTabSz="914400" rtl="0" eaLnBrk="1" latinLnBrk="0" hangingPunct="1">
+      <a:defRPr sz="1200" kern="1200">
+        <a:solidFill>
+          <a:schemeClr val="tx1"/>
+        </a:solidFill>
+        <a:latin typeface="+mn-lt"/>
+        <a:ea typeface="+mn-ea"/>
+        <a:cs typeface="+mn-cs"/>
+      </a:defRPr>
+    </a:lvl8pPr>
+    <a:lvl9pPr marL="3657600" algn="l" defTabSz="914400" rtl="0" eaLnBrk="1" latinLnBrk="0" hangingPunct="1">
+      <a:defRPr sz="1200" kern="1200">
+        <a:solidFill>
+          <a:schemeClr val="tx1"/>
+        </a:solidFill>
+        <a:latin typeface="+mn-lt"/>
+        <a:ea typeface="+mn-ea"/>
+        <a:cs typeface="+mn-cs"/>
+      </a:defRPr>
+    </a:lvl9pPr>
+  </p:notesStyle>
+</p:notesMaster>
+</file>
+
+<file path=ppt/notesSlides/notesSlide1.xml><?xml version="1.0" encoding="utf-8"?>
+<p:notes xmlns:a="http://schemas.openxmlformats.org/drawingml/2006/main" xmlns:r="http://schemas.openxmlformats.org/officeDocument/2006/relationships" xmlns:p="http://schemas.openxmlformats.org/presentationml/2006/main">
+  <p:cSld>
+    <p:spTree>
+      <p:nvGrpSpPr>
+        <p:cNvPr id="1" name=""/>
+        <p:cNvGrpSpPr/>
+        <p:nvPr/>
+      </p:nvGrpSpPr>
+      <p:grpSpPr>
+        <a:xfrm>
+          <a:off x="0" y="0"/>
+          <a:ext cx="0" cy="0"/>
+          <a:chOff x="0" y="0"/>
+          <a:chExt cx="0" cy="0"/>
+        </a:xfrm>
+      </p:grpSpPr>
+      <p:sp>
+        <p:nvSpPr>
+          <p:cNvPr id="2" name="Slide Image Placeholder 1"/>
+          <p:cNvSpPr>
+            <a:spLocks noGrp="1" noRot="1" noChangeAspect="1"/>
+          </p:cNvSpPr>
+          <p:nvPr>
+            <p:ph type="sldImg"/>
+          </p:nvPr>
+        </p:nvSpPr>
+        <p:spPr/>
+      </p:sp>
+      <p:sp>
+        <p:nvSpPr>
+          <p:cNvPr id="3" name="Notes Placeholder 2"/>
+          <p:cNvSpPr>
+            <a:spLocks noGrp="1"/>
+          </p:cNvSpPr>
+          <p:nvPr>
+            <p:ph type="body" idx="1"/>
+          </p:nvPr>
+        </p:nvSpPr>
+        <p:spPr/>
+        <p:txBody>
+          <a:bodyPr/>
+          <a:lstStyle/>
+          <a:p>
+            <a:endParaRPr lang="vi-VN"/>
+          </a:p>
+        </p:txBody>
+      </p:sp>
+      <p:sp>
+        <p:nvSpPr>
+          <p:cNvPr id="4" name="Slide Number Placeholder 3"/>
+          <p:cNvSpPr>
+            <a:spLocks noGrp="1"/>
+          </p:cNvSpPr>
+          <p:nvPr>
+            <p:ph type="sldNum" sz="quarter" idx="10"/>
+          </p:nvPr>
+        </p:nvSpPr>
+        <p:spPr/>
+        <p:txBody>
+          <a:bodyPr/>
+          <a:lstStyle/>
+          <a:p>
+            <a:fld id="{55F12960-9ECB-4381-9487-C98EAEF8BE17}" type="slidenum">
+              <a:rPr lang="vi-VN" smtClean="0"/>
+              <a:t>2</a:t>
+            </a:fld>
+            <a:endParaRPr lang="vi-VN"/>
+          </a:p>
+        </p:txBody>
+      </p:sp>
+    </p:spTree>
+    <p:extLst>
+      <p:ext uri="{BB962C8B-B14F-4D97-AF65-F5344CB8AC3E}">
+        <p14:creationId xmlns:p14="http://schemas.microsoft.com/office/powerpoint/2010/main" val="1452149592"/>
+      </p:ext>
+    </p:extLst>
+  </p:cSld>
+  <p:clrMapOvr>
+    <a:masterClrMapping/>
+  </p:clrMapOvr>
+</p:notes>
+</file>
+
 <file path=ppt/slideLayouts/slideLayout1.xml><?xml version="1.0" encoding="utf-8"?>
 <p:sldLayout xmlns:a="http://schemas.openxmlformats.org/drawingml/2006/main" xmlns:r="http://schemas.openxmlformats.org/officeDocument/2006/relationships" xmlns:p="http://schemas.openxmlformats.org/presentationml/2006/main" type="title" preserve="1">
   <p:cSld name="Title Slide">
@@ -258,7 +695,7 @@
           <a:p>
             <a:fld id="{533BEAFB-ED82-499B-BBE6-3FF163A750E9}" type="datetimeFigureOut">
               <a:rPr lang="vi-VN" smtClean="0"/>
-              <a:t>06/06/2016</a:t>
+              <a:t>08/06/2016</a:t>
             </a:fld>
             <a:endParaRPr lang="vi-VN"/>
           </a:p>
@@ -309,7 +746,7 @@
     </p:spTree>
     <p:extLst>
       <p:ext uri="{BB962C8B-B14F-4D97-AF65-F5344CB8AC3E}">
-        <p14:creationId xmlns:p14="http://schemas.microsoft.com/office/powerpoint/2010/main" val="3948311119"/>
+        <p14:creationId xmlns:p14="http://schemas.microsoft.com/office/powerpoint/2010/main" val="3731509026"/>
       </p:ext>
     </p:extLst>
   </p:cSld>
@@ -428,7 +865,7 @@
           <a:p>
             <a:fld id="{533BEAFB-ED82-499B-BBE6-3FF163A750E9}" type="datetimeFigureOut">
               <a:rPr lang="vi-VN" smtClean="0"/>
-              <a:t>06/06/2016</a:t>
+              <a:t>08/06/2016</a:t>
             </a:fld>
             <a:endParaRPr lang="vi-VN"/>
           </a:p>
@@ -479,7 +916,7 @@
     </p:spTree>
     <p:extLst>
       <p:ext uri="{BB962C8B-B14F-4D97-AF65-F5344CB8AC3E}">
-        <p14:creationId xmlns:p14="http://schemas.microsoft.com/office/powerpoint/2010/main" val="2034791657"/>
+        <p14:creationId xmlns:p14="http://schemas.microsoft.com/office/powerpoint/2010/main" val="1645380827"/>
       </p:ext>
     </p:extLst>
   </p:cSld>
@@ -608,7 +1045,7 @@
           <a:p>
             <a:fld id="{533BEAFB-ED82-499B-BBE6-3FF163A750E9}" type="datetimeFigureOut">
               <a:rPr lang="vi-VN" smtClean="0"/>
-              <a:t>06/06/2016</a:t>
+              <a:t>08/06/2016</a:t>
             </a:fld>
             <a:endParaRPr lang="vi-VN"/>
           </a:p>
@@ -659,7 +1096,7 @@
     </p:spTree>
     <p:extLst>
       <p:ext uri="{BB962C8B-B14F-4D97-AF65-F5344CB8AC3E}">
-        <p14:creationId xmlns:p14="http://schemas.microsoft.com/office/powerpoint/2010/main" val="1662491535"/>
+        <p14:creationId xmlns:p14="http://schemas.microsoft.com/office/powerpoint/2010/main" val="3496444527"/>
       </p:ext>
     </p:extLst>
   </p:cSld>
@@ -919,7 +1356,7 @@
           <a:p>
             <a:fld id="{533BEAFB-ED82-499B-BBE6-3FF163A750E9}" type="datetimeFigureOut">
               <a:rPr lang="vi-VN" smtClean="0"/>
-              <a:t>07/06/2016</a:t>
+              <a:t>08/06/2016</a:t>
             </a:fld>
             <a:endParaRPr lang="vi-VN"/>
           </a:p>
@@ -970,7 +1407,7 @@
     </p:spTree>
     <p:extLst>
       <p:ext uri="{BB962C8B-B14F-4D97-AF65-F5344CB8AC3E}">
-        <p14:creationId xmlns:p14="http://schemas.microsoft.com/office/powerpoint/2010/main" val="3921380719"/>
+        <p14:creationId xmlns:p14="http://schemas.microsoft.com/office/powerpoint/2010/main" val="1590641193"/>
       </p:ext>
     </p:extLst>
   </p:cSld>
@@ -1089,7 +1526,7 @@
           <a:p>
             <a:fld id="{533BEAFB-ED82-499B-BBE6-3FF163A750E9}" type="datetimeFigureOut">
               <a:rPr lang="vi-VN" smtClean="0"/>
-              <a:t>06/06/2016</a:t>
+              <a:t>08/06/2016</a:t>
             </a:fld>
             <a:endParaRPr lang="vi-VN"/>
           </a:p>
@@ -1140,7 +1577,7 @@
     </p:spTree>
     <p:extLst>
       <p:ext uri="{BB962C8B-B14F-4D97-AF65-F5344CB8AC3E}">
-        <p14:creationId xmlns:p14="http://schemas.microsoft.com/office/powerpoint/2010/main" val="2319438238"/>
+        <p14:creationId xmlns:p14="http://schemas.microsoft.com/office/powerpoint/2010/main" val="2893339413"/>
       </p:ext>
     </p:extLst>
   </p:cSld>
@@ -1335,7 +1772,7 @@
           <a:p>
             <a:fld id="{533BEAFB-ED82-499B-BBE6-3FF163A750E9}" type="datetimeFigureOut">
               <a:rPr lang="vi-VN" smtClean="0"/>
-              <a:t>06/06/2016</a:t>
+              <a:t>08/06/2016</a:t>
             </a:fld>
             <a:endParaRPr lang="vi-VN"/>
           </a:p>
@@ -1386,7 +1823,7 @@
     </p:spTree>
     <p:extLst>
       <p:ext uri="{BB962C8B-B14F-4D97-AF65-F5344CB8AC3E}">
-        <p14:creationId xmlns:p14="http://schemas.microsoft.com/office/powerpoint/2010/main" val="21813724"/>
+        <p14:creationId xmlns:p14="http://schemas.microsoft.com/office/powerpoint/2010/main" val="4051438204"/>
       </p:ext>
     </p:extLst>
   </p:cSld>
@@ -1567,7 +2004,7 @@
           <a:p>
             <a:fld id="{533BEAFB-ED82-499B-BBE6-3FF163A750E9}" type="datetimeFigureOut">
               <a:rPr lang="vi-VN" smtClean="0"/>
-              <a:t>06/06/2016</a:t>
+              <a:t>08/06/2016</a:t>
             </a:fld>
             <a:endParaRPr lang="vi-VN"/>
           </a:p>
@@ -1618,7 +2055,7 @@
     </p:spTree>
     <p:extLst>
       <p:ext uri="{BB962C8B-B14F-4D97-AF65-F5344CB8AC3E}">
-        <p14:creationId xmlns:p14="http://schemas.microsoft.com/office/powerpoint/2010/main" val="111675662"/>
+        <p14:creationId xmlns:p14="http://schemas.microsoft.com/office/powerpoint/2010/main" val="4214245079"/>
       </p:ext>
     </p:extLst>
   </p:cSld>
@@ -1934,7 +2371,7 @@
           <a:p>
             <a:fld id="{533BEAFB-ED82-499B-BBE6-3FF163A750E9}" type="datetimeFigureOut">
               <a:rPr lang="vi-VN" smtClean="0"/>
-              <a:t>06/06/2016</a:t>
+              <a:t>08/06/2016</a:t>
             </a:fld>
             <a:endParaRPr lang="vi-VN"/>
           </a:p>
@@ -1985,7 +2422,7 @@
     </p:spTree>
     <p:extLst>
       <p:ext uri="{BB962C8B-B14F-4D97-AF65-F5344CB8AC3E}">
-        <p14:creationId xmlns:p14="http://schemas.microsoft.com/office/powerpoint/2010/main" val="559818663"/>
+        <p14:creationId xmlns:p14="http://schemas.microsoft.com/office/powerpoint/2010/main" val="2747674855"/>
       </p:ext>
     </p:extLst>
   </p:cSld>
@@ -2052,7 +2489,7 @@
           <a:p>
             <a:fld id="{533BEAFB-ED82-499B-BBE6-3FF163A750E9}" type="datetimeFigureOut">
               <a:rPr lang="vi-VN" smtClean="0"/>
-              <a:t>06/06/2016</a:t>
+              <a:t>08/06/2016</a:t>
             </a:fld>
             <a:endParaRPr lang="vi-VN"/>
           </a:p>
@@ -2103,7 +2540,7 @@
     </p:spTree>
     <p:extLst>
       <p:ext uri="{BB962C8B-B14F-4D97-AF65-F5344CB8AC3E}">
-        <p14:creationId xmlns:p14="http://schemas.microsoft.com/office/powerpoint/2010/main" val="2988379264"/>
+        <p14:creationId xmlns:p14="http://schemas.microsoft.com/office/powerpoint/2010/main" val="2912138484"/>
       </p:ext>
     </p:extLst>
   </p:cSld>
@@ -2147,7 +2584,7 @@
           <a:p>
             <a:fld id="{533BEAFB-ED82-499B-BBE6-3FF163A750E9}" type="datetimeFigureOut">
               <a:rPr lang="vi-VN" smtClean="0"/>
-              <a:t>06/06/2016</a:t>
+              <a:t>08/06/2016</a:t>
             </a:fld>
             <a:endParaRPr lang="vi-VN"/>
           </a:p>
@@ -2198,7 +2635,7 @@
     </p:spTree>
     <p:extLst>
       <p:ext uri="{BB962C8B-B14F-4D97-AF65-F5344CB8AC3E}">
-        <p14:creationId xmlns:p14="http://schemas.microsoft.com/office/powerpoint/2010/main" val="2364901904"/>
+        <p14:creationId xmlns:p14="http://schemas.microsoft.com/office/powerpoint/2010/main" val="2408111133"/>
       </p:ext>
     </p:extLst>
   </p:cSld>
@@ -2424,7 +2861,7 @@
           <a:p>
             <a:fld id="{533BEAFB-ED82-499B-BBE6-3FF163A750E9}" type="datetimeFigureOut">
               <a:rPr lang="vi-VN" smtClean="0"/>
-              <a:t>06/06/2016</a:t>
+              <a:t>08/06/2016</a:t>
             </a:fld>
             <a:endParaRPr lang="vi-VN"/>
           </a:p>
@@ -2475,7 +2912,7 @@
     </p:spTree>
     <p:extLst>
       <p:ext uri="{BB962C8B-B14F-4D97-AF65-F5344CB8AC3E}">
-        <p14:creationId xmlns:p14="http://schemas.microsoft.com/office/powerpoint/2010/main" val="4076694596"/>
+        <p14:creationId xmlns:p14="http://schemas.microsoft.com/office/powerpoint/2010/main" val="1191407928"/>
       </p:ext>
     </p:extLst>
   </p:cSld>
@@ -2677,7 +3114,7 @@
           <a:p>
             <a:fld id="{533BEAFB-ED82-499B-BBE6-3FF163A750E9}" type="datetimeFigureOut">
               <a:rPr lang="vi-VN" smtClean="0"/>
-              <a:t>06/06/2016</a:t>
+              <a:t>08/06/2016</a:t>
             </a:fld>
             <a:endParaRPr lang="vi-VN"/>
           </a:p>
@@ -2728,7 +3165,7 @@
     </p:spTree>
     <p:extLst>
       <p:ext uri="{BB962C8B-B14F-4D97-AF65-F5344CB8AC3E}">
-        <p14:creationId xmlns:p14="http://schemas.microsoft.com/office/powerpoint/2010/main" val="1594636665"/>
+        <p14:creationId xmlns:p14="http://schemas.microsoft.com/office/powerpoint/2010/main" val="622052361"/>
       </p:ext>
     </p:extLst>
   </p:cSld>
@@ -2742,8 +3179,8 @@
 <p:sldMaster xmlns:a="http://schemas.openxmlformats.org/drawingml/2006/main" xmlns:r="http://schemas.openxmlformats.org/officeDocument/2006/relationships" xmlns:p="http://schemas.openxmlformats.org/presentationml/2006/main">
   <p:cSld>
     <p:bg>
-      <p:bgRef idx="1001">
-        <a:schemeClr val="bg1"/>
+      <p:bgRef idx="1003">
+        <a:schemeClr val="bg2"/>
       </p:bgRef>
     </p:bg>
     <p:spTree>
@@ -2890,7 +3327,7 @@
           <a:p>
             <a:fld id="{533BEAFB-ED82-499B-BBE6-3FF163A750E9}" type="datetimeFigureOut">
               <a:rPr lang="vi-VN" smtClean="0"/>
-              <a:t>06/06/2016</a:t>
+              <a:t>08/06/2016</a:t>
             </a:fld>
             <a:endParaRPr lang="vi-VN"/>
           </a:p>
@@ -2977,24 +3414,24 @@
     </p:spTree>
     <p:extLst>
       <p:ext uri="{BB962C8B-B14F-4D97-AF65-F5344CB8AC3E}">
-        <p14:creationId xmlns:p14="http://schemas.microsoft.com/office/powerpoint/2010/main" val="4258354483"/>
+        <p14:creationId xmlns:p14="http://schemas.microsoft.com/office/powerpoint/2010/main" val="1762041063"/>
       </p:ext>
     </p:extLst>
   </p:cSld>
   <p:clrMap bg1="lt1" tx1="dk1" bg2="lt2" tx2="dk2" accent1="accent1" accent2="accent2" accent3="accent3" accent4="accent4" accent5="accent5" accent6="accent6" hlink="hlink" folHlink="folHlink"/>
   <p:sldLayoutIdLst>
-    <p:sldLayoutId id="2147484120" r:id="rId1"/>
-    <p:sldLayoutId id="2147484121" r:id="rId2"/>
-    <p:sldLayoutId id="2147484122" r:id="rId3"/>
-    <p:sldLayoutId id="2147484123" r:id="rId4"/>
-    <p:sldLayoutId id="2147484124" r:id="rId5"/>
-    <p:sldLayoutId id="2147484125" r:id="rId6"/>
-    <p:sldLayoutId id="2147484126" r:id="rId7"/>
-    <p:sldLayoutId id="2147484127" r:id="rId8"/>
-    <p:sldLayoutId id="2147484128" r:id="rId9"/>
-    <p:sldLayoutId id="2147484129" r:id="rId10"/>
-    <p:sldLayoutId id="2147484130" r:id="rId11"/>
-    <p:sldLayoutId id="2147484131" r:id="rId12"/>
+    <p:sldLayoutId id="2147484133" r:id="rId1"/>
+    <p:sldLayoutId id="2147484134" r:id="rId2"/>
+    <p:sldLayoutId id="2147484135" r:id="rId3"/>
+    <p:sldLayoutId id="2147484136" r:id="rId4"/>
+    <p:sldLayoutId id="2147484137" r:id="rId5"/>
+    <p:sldLayoutId id="2147484138" r:id="rId6"/>
+    <p:sldLayoutId id="2147484139" r:id="rId7"/>
+    <p:sldLayoutId id="2147484140" r:id="rId8"/>
+    <p:sldLayoutId id="2147484141" r:id="rId9"/>
+    <p:sldLayoutId id="2147484142" r:id="rId10"/>
+    <p:sldLayoutId id="2147484143" r:id="rId11"/>
+    <p:sldLayoutId id="2147484144" r:id="rId12"/>
   </p:sldLayoutIdLst>
   <p:txStyles>
     <p:titleStyle>
@@ -3298,6 +3735,46 @@
       </p:grpSpPr>
       <p:sp>
         <p:nvSpPr>
+          <p:cNvPr id="6" name="Flowchart: Punched Tape 5"/>
+          <p:cNvSpPr/>
+          <p:nvPr/>
+        </p:nvSpPr>
+        <p:spPr>
+          <a:xfrm>
+            <a:off x="1923803" y="245660"/>
+            <a:ext cx="8942119" cy="2306471"/>
+          </a:xfrm>
+          <a:prstGeom prst="flowChartPunchedTape">
+            <a:avLst/>
+          </a:prstGeom>
+        </p:spPr>
+        <p:style>
+          <a:lnRef idx="2">
+            <a:schemeClr val="accent1">
+              <a:shade val="50000"/>
+            </a:schemeClr>
+          </a:lnRef>
+          <a:fillRef idx="1">
+            <a:schemeClr val="accent1"/>
+          </a:fillRef>
+          <a:effectRef idx="0">
+            <a:schemeClr val="accent1"/>
+          </a:effectRef>
+          <a:fontRef idx="minor">
+            <a:schemeClr val="lt1"/>
+          </a:fontRef>
+        </p:style>
+        <p:txBody>
+          <a:bodyPr rtlCol="0" anchor="ctr"/>
+          <a:lstStyle/>
+          <a:p>
+            <a:pPr algn="ctr"/>
+            <a:endParaRPr lang="vi-VN"/>
+          </a:p>
+        </p:txBody>
+      </p:sp>
+      <p:sp>
+        <p:nvSpPr>
           <p:cNvPr id="2" name="Title 1"/>
           <p:cNvSpPr>
             <a:spLocks noGrp="1"/>
@@ -3308,8 +3785,8 @@
         </p:nvSpPr>
         <p:spPr>
           <a:xfrm>
-            <a:off x="685799" y="245660"/>
-            <a:ext cx="8588203" cy="2306471"/>
+            <a:off x="685798" y="245660"/>
+            <a:ext cx="10952019" cy="2402537"/>
           </a:xfrm>
         </p:spPr>
         <p:txBody>
@@ -3413,13 +3890,13 @@
         </p:nvSpPr>
         <p:spPr>
           <a:xfrm>
-            <a:off x="677335" y="2866030"/>
-            <a:ext cx="8596668" cy="2702257"/>
+            <a:off x="3622417" y="2933205"/>
+            <a:ext cx="5640337" cy="2363190"/>
           </a:xfrm>
         </p:spPr>
         <p:txBody>
           <a:bodyPr>
-            <a:normAutofit/>
+            <a:normAutofit lnSpcReduction="10000"/>
           </a:bodyPr>
           <a:lstStyle/>
           <a:p>
@@ -3499,6 +3976,17 @@
               </a:rPr>
               <a:t>Việt</a:t>
             </a:r>
+            <a:endParaRPr lang="en-US" sz="2600" dirty="0" smtClean="0">
+              <a:solidFill>
+                <a:schemeClr val="accent2">
+                  <a:lumMod val="50000"/>
+                </a:schemeClr>
+              </a:solidFill>
+              <a:latin typeface="Times New Roman" panose="02020603050405020304" pitchFamily="18" charset="0"/>
+              <a:cs typeface="Times New Roman" panose="02020603050405020304" pitchFamily="18" charset="0"/>
+            </a:endParaRPr>
+          </a:p>
+          <a:p>
             <a:endParaRPr lang="en-US" sz="2600" dirty="0">
               <a:solidFill>
                 <a:schemeClr val="accent2">
@@ -3599,7 +4087,7 @@
               <a:t> </a:t>
             </a:r>
             <a:r>
-              <a:rPr lang="en-US" sz="2600" dirty="0" err="1">
+              <a:rPr lang="en-US" sz="2600" dirty="0" err="1" smtClean="0">
                 <a:solidFill>
                   <a:schemeClr val="accent2">
                     <a:lumMod val="50000"/>
@@ -3610,6 +4098,17 @@
               </a:rPr>
               <a:t>Tuấn</a:t>
             </a:r>
+            <a:endParaRPr lang="en-US" sz="2600" dirty="0" smtClean="0">
+              <a:solidFill>
+                <a:schemeClr val="accent2">
+                  <a:lumMod val="50000"/>
+                </a:schemeClr>
+              </a:solidFill>
+              <a:latin typeface="Times New Roman" panose="02020603050405020304" pitchFamily="18" charset="0"/>
+              <a:cs typeface="Times New Roman" panose="02020603050405020304" pitchFamily="18" charset="0"/>
+            </a:endParaRPr>
+          </a:p>
+          <a:p>
             <a:endParaRPr lang="en-US" sz="2600" dirty="0">
               <a:solidFill>
                 <a:schemeClr val="accent2">
@@ -3794,8 +4293,8 @@
         </p:nvSpPr>
         <p:spPr>
           <a:xfrm>
-            <a:off x="685799" y="245660"/>
-            <a:ext cx="8588203" cy="846161"/>
+            <a:off x="685799" y="245661"/>
+            <a:ext cx="8588203" cy="561861"/>
           </a:xfrm>
         </p:spPr>
         <p:txBody>
@@ -3971,12 +4470,22 @@
         </p:blipFill>
         <p:spPr>
           <a:xfrm>
-            <a:off x="3036123" y="1405719"/>
-            <a:ext cx="4286250" cy="5172501"/>
+            <a:off x="1922003" y="997527"/>
+            <a:ext cx="6115793" cy="5580694"/>
           </a:xfrm>
           <a:prstGeom prst="rect">
             <a:avLst/>
           </a:prstGeom>
+          <a:ln>
+            <a:noFill/>
+          </a:ln>
+          <a:effectLst>
+            <a:outerShdw blurRad="190500" algn="tl" rotWithShape="0">
+              <a:srgbClr val="000000">
+                <a:alpha val="70000"/>
+              </a:srgbClr>
+            </a:outerShdw>
+          </a:effectLst>
         </p:spPr>
       </p:pic>
     </p:spTree>
@@ -4029,7 +4538,7 @@
         <p:spPr>
           <a:xfrm>
             <a:off x="685799" y="245661"/>
-            <a:ext cx="8588203" cy="1241946"/>
+            <a:ext cx="8588203" cy="668739"/>
           </a:xfrm>
         </p:spPr>
         <p:txBody>
@@ -4038,6 +4547,7 @@
           </a:bodyPr>
           <a:lstStyle/>
           <a:p>
+            <a:pPr algn="ctr"/>
             <a:r>
               <a:rPr lang="en-US" sz="3400" b="1" dirty="0" err="1" smtClean="0">
                 <a:solidFill>
@@ -4228,12 +4738,22 @@
         </p:blipFill>
         <p:spPr>
           <a:xfrm>
-            <a:off x="3598033" y="1583142"/>
-            <a:ext cx="4286250" cy="5097438"/>
+            <a:off x="1898253" y="997527"/>
+            <a:ext cx="6163293" cy="5659303"/>
           </a:xfrm>
           <a:prstGeom prst="rect">
             <a:avLst/>
           </a:prstGeom>
+          <a:ln>
+            <a:noFill/>
+          </a:ln>
+          <a:effectLst>
+            <a:outerShdw blurRad="190500" algn="tl" rotWithShape="0">
+              <a:srgbClr val="000000">
+                <a:alpha val="70000"/>
+              </a:srgbClr>
+            </a:outerShdw>
+          </a:effectLst>
         </p:spPr>
       </p:pic>
     </p:spTree>
@@ -4286,15 +4806,16 @@
         <p:spPr>
           <a:xfrm>
             <a:off x="685799" y="245661"/>
-            <a:ext cx="8588203" cy="1023582"/>
+            <a:ext cx="8588203" cy="490609"/>
           </a:xfrm>
         </p:spPr>
         <p:txBody>
           <a:bodyPr>
-            <a:normAutofit/>
+            <a:normAutofit fontScale="90000"/>
           </a:bodyPr>
           <a:lstStyle/>
           <a:p>
+            <a:pPr algn="ctr"/>
             <a:r>
               <a:rPr lang="en-US" sz="3400" b="1" dirty="0" err="1" smtClean="0">
                 <a:solidFill>
@@ -4437,12 +4958,22 @@
         </p:blipFill>
         <p:spPr>
           <a:xfrm>
-            <a:off x="685799" y="1501253"/>
-            <a:ext cx="4286250" cy="5097439"/>
+            <a:off x="685799" y="1187533"/>
+            <a:ext cx="4286250" cy="5411160"/>
           </a:xfrm>
           <a:prstGeom prst="rect">
             <a:avLst/>
           </a:prstGeom>
+          <a:ln>
+            <a:noFill/>
+          </a:ln>
+          <a:effectLst>
+            <a:outerShdw blurRad="190500" algn="tl" rotWithShape="0">
+              <a:srgbClr val="000000">
+                <a:alpha val="70000"/>
+              </a:srgbClr>
+            </a:outerShdw>
+          </a:effectLst>
         </p:spPr>
       </p:pic>
       <p:pic>
@@ -4467,12 +4998,22 @@
         </p:blipFill>
         <p:spPr>
           <a:xfrm>
-            <a:off x="5126583" y="1501253"/>
-            <a:ext cx="4286250" cy="5097439"/>
+            <a:off x="5827227" y="1187534"/>
+            <a:ext cx="4286250" cy="5411159"/>
           </a:xfrm>
           <a:prstGeom prst="rect">
             <a:avLst/>
           </a:prstGeom>
+          <a:ln>
+            <a:noFill/>
+          </a:ln>
+          <a:effectLst>
+            <a:outerShdw blurRad="190500" algn="tl" rotWithShape="0">
+              <a:srgbClr val="000000">
+                <a:alpha val="70000"/>
+              </a:srgbClr>
+            </a:outerShdw>
+          </a:effectLst>
         </p:spPr>
       </p:pic>
     </p:spTree>
@@ -4653,12 +5194,22 @@
         </p:blipFill>
         <p:spPr>
           <a:xfrm>
-            <a:off x="936720" y="1064523"/>
-            <a:ext cx="4286250" cy="5308981"/>
+            <a:off x="685799" y="1064523"/>
+            <a:ext cx="4286250" cy="5502532"/>
           </a:xfrm>
           <a:prstGeom prst="rect">
             <a:avLst/>
           </a:prstGeom>
+          <a:ln>
+            <a:noFill/>
+          </a:ln>
+          <a:effectLst>
+            <a:outerShdw blurRad="190500" algn="tl" rotWithShape="0">
+              <a:srgbClr val="000000">
+                <a:alpha val="70000"/>
+              </a:srgbClr>
+            </a:outerShdw>
+          </a:effectLst>
         </p:spPr>
       </p:pic>
       <p:pic>
@@ -4683,12 +5234,22 @@
         </p:blipFill>
         <p:spPr>
           <a:xfrm>
-            <a:off x="6382175" y="1064524"/>
-            <a:ext cx="4426851" cy="5308980"/>
+            <a:off x="5717157" y="1064524"/>
+            <a:ext cx="4426851" cy="5502531"/>
           </a:xfrm>
           <a:prstGeom prst="rect">
             <a:avLst/>
           </a:prstGeom>
+          <a:ln>
+            <a:noFill/>
+          </a:ln>
+          <a:effectLst>
+            <a:outerShdw blurRad="190500" algn="tl" rotWithShape="0">
+              <a:srgbClr val="000000">
+                <a:alpha val="70000"/>
+              </a:srgbClr>
+            </a:outerShdw>
+          </a:effectLst>
         </p:spPr>
       </p:pic>
     </p:spTree>
@@ -4941,12 +5502,22 @@
         </p:blipFill>
         <p:spPr>
           <a:xfrm>
-            <a:off x="1400744" y="1119117"/>
+            <a:off x="685799" y="1119117"/>
             <a:ext cx="4286250" cy="5370394"/>
           </a:xfrm>
           <a:prstGeom prst="rect">
             <a:avLst/>
           </a:prstGeom>
+          <a:ln>
+            <a:noFill/>
+          </a:ln>
+          <a:effectLst>
+            <a:outerShdw blurRad="190500" algn="tl" rotWithShape="0">
+              <a:srgbClr val="000000">
+                <a:alpha val="70000"/>
+              </a:srgbClr>
+            </a:outerShdw>
+          </a:effectLst>
         </p:spPr>
       </p:pic>
       <p:pic>
@@ -4971,12 +5542,22 @@
         </p:blipFill>
         <p:spPr>
           <a:xfrm>
-            <a:off x="6545949" y="1119117"/>
+            <a:off x="5619674" y="1119117"/>
             <a:ext cx="4286250" cy="5370394"/>
           </a:xfrm>
           <a:prstGeom prst="rect">
             <a:avLst/>
           </a:prstGeom>
+          <a:ln>
+            <a:noFill/>
+          </a:ln>
+          <a:effectLst>
+            <a:outerShdw blurRad="190500" algn="tl" rotWithShape="0">
+              <a:srgbClr val="000000">
+                <a:alpha val="70000"/>
+              </a:srgbClr>
+            </a:outerShdw>
+          </a:effectLst>
         </p:spPr>
       </p:pic>
     </p:spTree>
@@ -5279,13 +5860,25 @@
             <a:off x="1097113" y="1460311"/>
             <a:ext cx="8019592" cy="4913194"/>
           </a:xfrm>
-          <a:prstGeom prst="rect">
-            <a:avLst/>
+          <a:prstGeom prst="round2DiagRect">
+            <a:avLst>
+              <a:gd name="adj1" fmla="val 16667"/>
+              <a:gd name="adj2" fmla="val 0"/>
+            </a:avLst>
           </a:prstGeom>
-          <a:noFill/>
-          <a:ln>
-            <a:noFill/>
+          <a:ln w="88900" cap="sq">
+            <a:solidFill>
+              <a:srgbClr val="FFFFFF"/>
+            </a:solidFill>
+            <a:miter lim="800000"/>
           </a:ln>
+          <a:effectLst>
+            <a:outerShdw blurRad="254000" algn="tl" rotWithShape="0">
+              <a:srgbClr val="000000">
+                <a:alpha val="43000"/>
+              </a:srgbClr>
+            </a:outerShdw>
+          </a:effectLst>
         </p:spPr>
       </p:pic>
     </p:spTree>
@@ -5612,13 +6205,25 @@
             <a:off x="835924" y="1152524"/>
             <a:ext cx="8610601" cy="5384753"/>
           </a:xfrm>
-          <a:prstGeom prst="rect">
-            <a:avLst/>
+          <a:prstGeom prst="round2DiagRect">
+            <a:avLst>
+              <a:gd name="adj1" fmla="val 16667"/>
+              <a:gd name="adj2" fmla="val 0"/>
+            </a:avLst>
           </a:prstGeom>
-          <a:noFill/>
-          <a:ln>
-            <a:noFill/>
+          <a:ln w="88900" cap="sq">
+            <a:solidFill>
+              <a:srgbClr val="FFFFFF"/>
+            </a:solidFill>
+            <a:miter lim="800000"/>
           </a:ln>
+          <a:effectLst>
+            <a:outerShdw blurRad="254000" algn="tl" rotWithShape="0">
+              <a:srgbClr val="000000">
+                <a:alpha val="43000"/>
+              </a:srgbClr>
+            </a:outerShdw>
+          </a:effectLst>
         </p:spPr>
       </p:pic>
     </p:spTree>
@@ -5658,9 +6263,636 @@
           <a:chExt cx="0" cy="0"/>
         </a:xfrm>
       </p:grpSpPr>
+      <p:grpSp>
+        <p:nvGrpSpPr>
+          <p:cNvPr id="12" name="Group 11"/>
+          <p:cNvGrpSpPr/>
+          <p:nvPr/>
+        </p:nvGrpSpPr>
+        <p:grpSpPr>
+          <a:xfrm>
+            <a:off x="1438558" y="1816924"/>
+            <a:ext cx="5342252" cy="3256903"/>
+            <a:chOff x="2067950" y="2503506"/>
+            <a:chExt cx="4361064" cy="3164088"/>
+          </a:xfrm>
+        </p:grpSpPr>
+        <p:sp>
+          <p:nvSpPr>
+            <p:cNvPr id="3" name="TextBox 2"/>
+            <p:cNvSpPr txBox="1"/>
+            <p:nvPr/>
+          </p:nvSpPr>
+          <p:spPr>
+            <a:xfrm>
+              <a:off x="2067951" y="2503506"/>
+              <a:ext cx="2869809" cy="661154"/>
+            </a:xfrm>
+            <a:prstGeom prst="snip2DiagRect">
+              <a:avLst/>
+            </a:prstGeom>
+            <a:ln>
+              <a:solidFill>
+                <a:schemeClr val="accent6"/>
+              </a:solidFill>
+            </a:ln>
+          </p:spPr>
+          <p:style>
+            <a:lnRef idx="1">
+              <a:schemeClr val="accent1"/>
+            </a:lnRef>
+            <a:fillRef idx="3">
+              <a:schemeClr val="accent1"/>
+            </a:fillRef>
+            <a:effectRef idx="2">
+              <a:schemeClr val="accent1"/>
+            </a:effectRef>
+            <a:fontRef idx="minor">
+              <a:schemeClr val="lt1"/>
+            </a:fontRef>
+          </p:style>
+          <p:txBody>
+            <a:bodyPr wrap="square" rtlCol="0">
+              <a:spAutoFit/>
+            </a:bodyPr>
+            <a:lstStyle/>
+            <a:p>
+              <a:r>
+                <a:rPr lang="en-US" sz="3000" b="1" dirty="0" err="1" smtClean="0">
+                  <a:ln w="0"/>
+                  <a:solidFill>
+                    <a:schemeClr val="accent2">
+                      <a:lumMod val="50000"/>
+                    </a:schemeClr>
+                  </a:solidFill>
+                  <a:effectLst>
+                    <a:outerShdw blurRad="38100" dist="25400" dir="5400000" algn="ctr" rotWithShape="0">
+                      <a:srgbClr val="6E747A">
+                        <a:alpha val="43000"/>
+                      </a:srgbClr>
+                    </a:outerShdw>
+                  </a:effectLst>
+                  <a:latin typeface="Times New Roman" panose="02020603050405020304" pitchFamily="18" charset="0"/>
+                  <a:cs typeface="Times New Roman" panose="02020603050405020304" pitchFamily="18" charset="0"/>
+                </a:rPr>
+                <a:t>Đặt</a:t>
+              </a:r>
+              <a:r>
+                <a:rPr lang="en-US" sz="3000" b="1" dirty="0" smtClean="0">
+                  <a:ln w="0"/>
+                  <a:solidFill>
+                    <a:schemeClr val="accent2">
+                      <a:lumMod val="50000"/>
+                    </a:schemeClr>
+                  </a:solidFill>
+                  <a:effectLst>
+                    <a:outerShdw blurRad="38100" dist="25400" dir="5400000" algn="ctr" rotWithShape="0">
+                      <a:srgbClr val="6E747A">
+                        <a:alpha val="43000"/>
+                      </a:srgbClr>
+                    </a:outerShdw>
+                  </a:effectLst>
+                  <a:latin typeface="Times New Roman" panose="02020603050405020304" pitchFamily="18" charset="0"/>
+                  <a:cs typeface="Times New Roman" panose="02020603050405020304" pitchFamily="18" charset="0"/>
+                </a:rPr>
+                <a:t> </a:t>
+              </a:r>
+              <a:r>
+                <a:rPr lang="en-US" sz="3000" b="1" dirty="0" err="1" smtClean="0">
+                  <a:ln w="0"/>
+                  <a:solidFill>
+                    <a:schemeClr val="accent2">
+                      <a:lumMod val="50000"/>
+                    </a:schemeClr>
+                  </a:solidFill>
+                  <a:effectLst>
+                    <a:outerShdw blurRad="38100" dist="25400" dir="5400000" algn="ctr" rotWithShape="0">
+                      <a:srgbClr val="6E747A">
+                        <a:alpha val="43000"/>
+                      </a:srgbClr>
+                    </a:outerShdw>
+                  </a:effectLst>
+                  <a:latin typeface="Times New Roman" panose="02020603050405020304" pitchFamily="18" charset="0"/>
+                  <a:cs typeface="Times New Roman" panose="02020603050405020304" pitchFamily="18" charset="0"/>
+                </a:rPr>
+                <a:t>vấn</a:t>
+              </a:r>
+              <a:r>
+                <a:rPr lang="en-US" sz="3000" b="1" dirty="0" smtClean="0">
+                  <a:ln w="0"/>
+                  <a:solidFill>
+                    <a:schemeClr val="accent2">
+                      <a:lumMod val="50000"/>
+                    </a:schemeClr>
+                  </a:solidFill>
+                  <a:effectLst>
+                    <a:outerShdw blurRad="38100" dist="25400" dir="5400000" algn="ctr" rotWithShape="0">
+                      <a:srgbClr val="6E747A">
+                        <a:alpha val="43000"/>
+                      </a:srgbClr>
+                    </a:outerShdw>
+                  </a:effectLst>
+                  <a:latin typeface="Times New Roman" panose="02020603050405020304" pitchFamily="18" charset="0"/>
+                  <a:cs typeface="Times New Roman" panose="02020603050405020304" pitchFamily="18" charset="0"/>
+                </a:rPr>
+                <a:t> </a:t>
+              </a:r>
+              <a:r>
+                <a:rPr lang="en-US" sz="3000" b="1" dirty="0" err="1" smtClean="0">
+                  <a:ln w="0"/>
+                  <a:solidFill>
+                    <a:schemeClr val="accent2">
+                      <a:lumMod val="50000"/>
+                    </a:schemeClr>
+                  </a:solidFill>
+                  <a:latin typeface="Times New Roman" panose="02020603050405020304" pitchFamily="18" charset="0"/>
+                  <a:cs typeface="Times New Roman" panose="02020603050405020304" pitchFamily="18" charset="0"/>
+                </a:rPr>
+                <a:t>đề</a:t>
+              </a:r>
+              <a:endParaRPr lang="vi-VN" sz="3000" b="1" dirty="0">
+                <a:ln w="0"/>
+                <a:solidFill>
+                  <a:schemeClr val="accent2">
+                    <a:lumMod val="50000"/>
+                  </a:schemeClr>
+                </a:solidFill>
+                <a:latin typeface="Times New Roman" panose="02020603050405020304" pitchFamily="18" charset="0"/>
+                <a:cs typeface="Times New Roman" panose="02020603050405020304" pitchFamily="18" charset="0"/>
+              </a:endParaRPr>
+            </a:p>
+          </p:txBody>
+        </p:sp>
+        <p:sp>
+          <p:nvSpPr>
+            <p:cNvPr id="10" name="TextBox 9"/>
+            <p:cNvSpPr txBox="1"/>
+            <p:nvPr/>
+          </p:nvSpPr>
+          <p:spPr>
+            <a:xfrm>
+              <a:off x="2067951" y="3754973"/>
+              <a:ext cx="3573194" cy="661154"/>
+            </a:xfrm>
+            <a:prstGeom prst="snip2DiagRect">
+              <a:avLst/>
+            </a:prstGeom>
+            <a:ln>
+              <a:solidFill>
+                <a:schemeClr val="accent6"/>
+              </a:solidFill>
+            </a:ln>
+          </p:spPr>
+          <p:style>
+            <a:lnRef idx="1">
+              <a:schemeClr val="accent1"/>
+            </a:lnRef>
+            <a:fillRef idx="3">
+              <a:schemeClr val="accent1"/>
+            </a:fillRef>
+            <a:effectRef idx="2">
+              <a:schemeClr val="accent1"/>
+            </a:effectRef>
+            <a:fontRef idx="minor">
+              <a:schemeClr val="lt1"/>
+            </a:fontRef>
+          </p:style>
+          <p:txBody>
+            <a:bodyPr wrap="square" rtlCol="0">
+              <a:spAutoFit/>
+            </a:bodyPr>
+            <a:lstStyle/>
+            <a:p>
+              <a:r>
+                <a:rPr lang="en-US" sz="3000" b="1" dirty="0" err="1" smtClean="0">
+                  <a:ln w="0"/>
+                  <a:solidFill>
+                    <a:schemeClr val="accent2">
+                      <a:lumMod val="50000"/>
+                    </a:schemeClr>
+                  </a:solidFill>
+                  <a:effectLst>
+                    <a:outerShdw blurRad="38100" dist="25400" dir="5400000" algn="ctr" rotWithShape="0">
+                      <a:srgbClr val="6E747A">
+                        <a:alpha val="43000"/>
+                      </a:srgbClr>
+                    </a:outerShdw>
+                  </a:effectLst>
+                  <a:latin typeface="Times New Roman" panose="02020603050405020304" pitchFamily="18" charset="0"/>
+                  <a:cs typeface="Times New Roman" panose="02020603050405020304" pitchFamily="18" charset="0"/>
+                </a:rPr>
+                <a:t>Triển</a:t>
+              </a:r>
+              <a:r>
+                <a:rPr lang="en-US" sz="3000" b="1" dirty="0" smtClean="0">
+                  <a:ln w="0"/>
+                  <a:solidFill>
+                    <a:schemeClr val="accent2">
+                      <a:lumMod val="50000"/>
+                    </a:schemeClr>
+                  </a:solidFill>
+                  <a:effectLst>
+                    <a:outerShdw blurRad="38100" dist="25400" dir="5400000" algn="ctr" rotWithShape="0">
+                      <a:srgbClr val="6E747A">
+                        <a:alpha val="43000"/>
+                      </a:srgbClr>
+                    </a:outerShdw>
+                  </a:effectLst>
+                  <a:latin typeface="Times New Roman" panose="02020603050405020304" pitchFamily="18" charset="0"/>
+                  <a:cs typeface="Times New Roman" panose="02020603050405020304" pitchFamily="18" charset="0"/>
+                </a:rPr>
+                <a:t> </a:t>
+              </a:r>
+              <a:r>
+                <a:rPr lang="en-US" sz="3000" b="1" dirty="0" err="1" smtClean="0">
+                  <a:ln w="0"/>
+                  <a:solidFill>
+                    <a:schemeClr val="accent2">
+                      <a:lumMod val="50000"/>
+                    </a:schemeClr>
+                  </a:solidFill>
+                  <a:effectLst>
+                    <a:outerShdw blurRad="38100" dist="25400" dir="5400000" algn="ctr" rotWithShape="0">
+                      <a:srgbClr val="6E747A">
+                        <a:alpha val="43000"/>
+                      </a:srgbClr>
+                    </a:outerShdw>
+                  </a:effectLst>
+                  <a:latin typeface="Times New Roman" panose="02020603050405020304" pitchFamily="18" charset="0"/>
+                  <a:cs typeface="Times New Roman" panose="02020603050405020304" pitchFamily="18" charset="0"/>
+                </a:rPr>
+                <a:t>khai</a:t>
+              </a:r>
+              <a:r>
+                <a:rPr lang="en-US" sz="3000" b="1" dirty="0" smtClean="0">
+                  <a:ln w="0"/>
+                  <a:solidFill>
+                    <a:schemeClr val="accent2">
+                      <a:lumMod val="50000"/>
+                    </a:schemeClr>
+                  </a:solidFill>
+                  <a:effectLst>
+                    <a:outerShdw blurRad="38100" dist="25400" dir="5400000" algn="ctr" rotWithShape="0">
+                      <a:srgbClr val="6E747A">
+                        <a:alpha val="43000"/>
+                      </a:srgbClr>
+                    </a:outerShdw>
+                  </a:effectLst>
+                  <a:latin typeface="Times New Roman" panose="02020603050405020304" pitchFamily="18" charset="0"/>
+                  <a:cs typeface="Times New Roman" panose="02020603050405020304" pitchFamily="18" charset="0"/>
+                </a:rPr>
+                <a:t> </a:t>
+              </a:r>
+              <a:r>
+                <a:rPr lang="en-US" sz="3000" b="1" dirty="0" err="1" smtClean="0">
+                  <a:ln w="0"/>
+                  <a:solidFill>
+                    <a:schemeClr val="accent2">
+                      <a:lumMod val="50000"/>
+                    </a:schemeClr>
+                  </a:solidFill>
+                  <a:effectLst>
+                    <a:outerShdw blurRad="38100" dist="25400" dir="5400000" algn="ctr" rotWithShape="0">
+                      <a:srgbClr val="6E747A">
+                        <a:alpha val="43000"/>
+                      </a:srgbClr>
+                    </a:outerShdw>
+                  </a:effectLst>
+                  <a:latin typeface="Times New Roman" panose="02020603050405020304" pitchFamily="18" charset="0"/>
+                  <a:cs typeface="Times New Roman" panose="02020603050405020304" pitchFamily="18" charset="0"/>
+                </a:rPr>
+                <a:t>đề</a:t>
+              </a:r>
+              <a:r>
+                <a:rPr lang="en-US" sz="3000" b="1" dirty="0" smtClean="0">
+                  <a:ln w="0"/>
+                  <a:solidFill>
+                    <a:schemeClr val="accent2">
+                      <a:lumMod val="50000"/>
+                    </a:schemeClr>
+                  </a:solidFill>
+                  <a:effectLst>
+                    <a:outerShdw blurRad="38100" dist="25400" dir="5400000" algn="ctr" rotWithShape="0">
+                      <a:srgbClr val="6E747A">
+                        <a:alpha val="43000"/>
+                      </a:srgbClr>
+                    </a:outerShdw>
+                  </a:effectLst>
+                  <a:latin typeface="Times New Roman" panose="02020603050405020304" pitchFamily="18" charset="0"/>
+                  <a:cs typeface="Times New Roman" panose="02020603050405020304" pitchFamily="18" charset="0"/>
+                </a:rPr>
+                <a:t> </a:t>
+              </a:r>
+              <a:r>
+                <a:rPr lang="en-US" sz="3000" b="1" dirty="0" err="1" smtClean="0">
+                  <a:ln w="0"/>
+                  <a:solidFill>
+                    <a:schemeClr val="accent2">
+                      <a:lumMod val="50000"/>
+                    </a:schemeClr>
+                  </a:solidFill>
+                  <a:effectLst>
+                    <a:outerShdw blurRad="38100" dist="25400" dir="5400000" algn="ctr" rotWithShape="0">
+                      <a:srgbClr val="6E747A">
+                        <a:alpha val="43000"/>
+                      </a:srgbClr>
+                    </a:outerShdw>
+                  </a:effectLst>
+                  <a:latin typeface="Times New Roman" panose="02020603050405020304" pitchFamily="18" charset="0"/>
+                  <a:cs typeface="Times New Roman" panose="02020603050405020304" pitchFamily="18" charset="0"/>
+                </a:rPr>
+                <a:t>tài</a:t>
+              </a:r>
+              <a:endParaRPr lang="vi-VN" sz="3000" b="1" dirty="0">
+                <a:ln w="0"/>
+                <a:solidFill>
+                  <a:schemeClr val="accent2">
+                    <a:lumMod val="50000"/>
+                  </a:schemeClr>
+                </a:solidFill>
+                <a:latin typeface="Times New Roman" panose="02020603050405020304" pitchFamily="18" charset="0"/>
+                <a:cs typeface="Times New Roman" panose="02020603050405020304" pitchFamily="18" charset="0"/>
+              </a:endParaRPr>
+            </a:p>
+          </p:txBody>
+        </p:sp>
+        <p:sp>
+          <p:nvSpPr>
+            <p:cNvPr id="11" name="TextBox 10"/>
+            <p:cNvSpPr txBox="1"/>
+            <p:nvPr/>
+          </p:nvSpPr>
+          <p:spPr>
+            <a:xfrm>
+              <a:off x="2067950" y="5006440"/>
+              <a:ext cx="4361064" cy="661154"/>
+            </a:xfrm>
+            <a:prstGeom prst="snip2DiagRect">
+              <a:avLst/>
+            </a:prstGeom>
+            <a:ln>
+              <a:solidFill>
+                <a:schemeClr val="accent6"/>
+              </a:solidFill>
+            </a:ln>
+          </p:spPr>
+          <p:style>
+            <a:lnRef idx="1">
+              <a:schemeClr val="accent1"/>
+            </a:lnRef>
+            <a:fillRef idx="3">
+              <a:schemeClr val="accent1"/>
+            </a:fillRef>
+            <a:effectRef idx="2">
+              <a:schemeClr val="accent1"/>
+            </a:effectRef>
+            <a:fontRef idx="minor">
+              <a:schemeClr val="lt1"/>
+            </a:fontRef>
+          </p:style>
+          <p:txBody>
+            <a:bodyPr wrap="square" rtlCol="0">
+              <a:spAutoFit/>
+            </a:bodyPr>
+            <a:lstStyle/>
+            <a:p>
+              <a:r>
+                <a:rPr lang="en-US" sz="3000" b="1" dirty="0" err="1" smtClean="0">
+                  <a:ln w="0"/>
+                  <a:solidFill>
+                    <a:schemeClr val="accent2">
+                      <a:lumMod val="50000"/>
+                    </a:schemeClr>
+                  </a:solidFill>
+                  <a:effectLst>
+                    <a:outerShdw blurRad="38100" dist="25400" dir="5400000" algn="ctr" rotWithShape="0">
+                      <a:srgbClr val="6E747A">
+                        <a:alpha val="43000"/>
+                      </a:srgbClr>
+                    </a:outerShdw>
+                  </a:effectLst>
+                  <a:latin typeface="Times New Roman" panose="02020603050405020304" pitchFamily="18" charset="0"/>
+                  <a:cs typeface="Times New Roman" panose="02020603050405020304" pitchFamily="18" charset="0"/>
+                </a:rPr>
+                <a:t>Kết</a:t>
+              </a:r>
+              <a:r>
+                <a:rPr lang="en-US" sz="3000" b="1" dirty="0" smtClean="0">
+                  <a:ln w="0"/>
+                  <a:solidFill>
+                    <a:schemeClr val="accent2">
+                      <a:lumMod val="50000"/>
+                    </a:schemeClr>
+                  </a:solidFill>
+                  <a:effectLst>
+                    <a:outerShdw blurRad="38100" dist="25400" dir="5400000" algn="ctr" rotWithShape="0">
+                      <a:srgbClr val="6E747A">
+                        <a:alpha val="43000"/>
+                      </a:srgbClr>
+                    </a:outerShdw>
+                  </a:effectLst>
+                  <a:latin typeface="Times New Roman" panose="02020603050405020304" pitchFamily="18" charset="0"/>
+                  <a:cs typeface="Times New Roman" panose="02020603050405020304" pitchFamily="18" charset="0"/>
+                </a:rPr>
+                <a:t> </a:t>
+              </a:r>
+              <a:r>
+                <a:rPr lang="en-US" sz="3000" b="1" dirty="0" err="1" smtClean="0">
+                  <a:ln w="0"/>
+                  <a:solidFill>
+                    <a:schemeClr val="accent2">
+                      <a:lumMod val="50000"/>
+                    </a:schemeClr>
+                  </a:solidFill>
+                  <a:effectLst>
+                    <a:outerShdw blurRad="38100" dist="25400" dir="5400000" algn="ctr" rotWithShape="0">
+                      <a:srgbClr val="6E747A">
+                        <a:alpha val="43000"/>
+                      </a:srgbClr>
+                    </a:outerShdw>
+                  </a:effectLst>
+                  <a:latin typeface="Times New Roman" panose="02020603050405020304" pitchFamily="18" charset="0"/>
+                  <a:cs typeface="Times New Roman" panose="02020603050405020304" pitchFamily="18" charset="0"/>
+                </a:rPr>
+                <a:t>luận</a:t>
+              </a:r>
+              <a:r>
+                <a:rPr lang="en-US" sz="3000" b="1" dirty="0" smtClean="0">
+                  <a:ln w="0"/>
+                  <a:solidFill>
+                    <a:schemeClr val="accent2">
+                      <a:lumMod val="50000"/>
+                    </a:schemeClr>
+                  </a:solidFill>
+                  <a:effectLst>
+                    <a:outerShdw blurRad="38100" dist="25400" dir="5400000" algn="ctr" rotWithShape="0">
+                      <a:srgbClr val="6E747A">
+                        <a:alpha val="43000"/>
+                      </a:srgbClr>
+                    </a:outerShdw>
+                  </a:effectLst>
+                  <a:latin typeface="Times New Roman" panose="02020603050405020304" pitchFamily="18" charset="0"/>
+                  <a:cs typeface="Times New Roman" panose="02020603050405020304" pitchFamily="18" charset="0"/>
+                </a:rPr>
+                <a:t>, </a:t>
+              </a:r>
+              <a:r>
+                <a:rPr lang="en-US" sz="3000" b="1" dirty="0" err="1" smtClean="0">
+                  <a:ln w="0"/>
+                  <a:solidFill>
+                    <a:schemeClr val="accent2">
+                      <a:lumMod val="50000"/>
+                    </a:schemeClr>
+                  </a:solidFill>
+                  <a:effectLst>
+                    <a:outerShdw blurRad="38100" dist="25400" dir="5400000" algn="ctr" rotWithShape="0">
+                      <a:srgbClr val="6E747A">
+                        <a:alpha val="43000"/>
+                      </a:srgbClr>
+                    </a:outerShdw>
+                  </a:effectLst>
+                  <a:latin typeface="Times New Roman" panose="02020603050405020304" pitchFamily="18" charset="0"/>
+                  <a:cs typeface="Times New Roman" panose="02020603050405020304" pitchFamily="18" charset="0"/>
+                </a:rPr>
+                <a:t>đánh</a:t>
+              </a:r>
+              <a:r>
+                <a:rPr lang="en-US" sz="3000" b="1" dirty="0" smtClean="0">
+                  <a:ln w="0"/>
+                  <a:solidFill>
+                    <a:schemeClr val="accent2">
+                      <a:lumMod val="50000"/>
+                    </a:schemeClr>
+                  </a:solidFill>
+                  <a:effectLst>
+                    <a:outerShdw blurRad="38100" dist="25400" dir="5400000" algn="ctr" rotWithShape="0">
+                      <a:srgbClr val="6E747A">
+                        <a:alpha val="43000"/>
+                      </a:srgbClr>
+                    </a:outerShdw>
+                  </a:effectLst>
+                  <a:latin typeface="Times New Roman" panose="02020603050405020304" pitchFamily="18" charset="0"/>
+                  <a:cs typeface="Times New Roman" panose="02020603050405020304" pitchFamily="18" charset="0"/>
+                </a:rPr>
+                <a:t> </a:t>
+              </a:r>
+              <a:r>
+                <a:rPr lang="en-US" sz="3000" b="1" dirty="0" err="1" smtClean="0">
+                  <a:ln w="0"/>
+                  <a:solidFill>
+                    <a:schemeClr val="accent2">
+                      <a:lumMod val="50000"/>
+                    </a:schemeClr>
+                  </a:solidFill>
+                  <a:effectLst>
+                    <a:outerShdw blurRad="38100" dist="25400" dir="5400000" algn="ctr" rotWithShape="0">
+                      <a:srgbClr val="6E747A">
+                        <a:alpha val="43000"/>
+                      </a:srgbClr>
+                    </a:outerShdw>
+                  </a:effectLst>
+                  <a:latin typeface="Times New Roman" panose="02020603050405020304" pitchFamily="18" charset="0"/>
+                  <a:cs typeface="Times New Roman" panose="02020603050405020304" pitchFamily="18" charset="0"/>
+                </a:rPr>
+                <a:t>giá</a:t>
+              </a:r>
+              <a:r>
+                <a:rPr lang="en-US" sz="3000" b="1" dirty="0" smtClean="0">
+                  <a:ln w="0"/>
+                  <a:solidFill>
+                    <a:schemeClr val="accent2">
+                      <a:lumMod val="50000"/>
+                    </a:schemeClr>
+                  </a:solidFill>
+                  <a:effectLst>
+                    <a:outerShdw blurRad="38100" dist="25400" dir="5400000" algn="ctr" rotWithShape="0">
+                      <a:srgbClr val="6E747A">
+                        <a:alpha val="43000"/>
+                      </a:srgbClr>
+                    </a:outerShdw>
+                  </a:effectLst>
+                  <a:latin typeface="Times New Roman" panose="02020603050405020304" pitchFamily="18" charset="0"/>
+                  <a:cs typeface="Times New Roman" panose="02020603050405020304" pitchFamily="18" charset="0"/>
+                </a:rPr>
+                <a:t> </a:t>
+              </a:r>
+              <a:r>
+                <a:rPr lang="en-US" sz="3000" b="1" dirty="0" err="1" smtClean="0">
+                  <a:ln w="0"/>
+                  <a:solidFill>
+                    <a:schemeClr val="accent2">
+                      <a:lumMod val="50000"/>
+                    </a:schemeClr>
+                  </a:solidFill>
+                  <a:effectLst>
+                    <a:outerShdw blurRad="38100" dist="25400" dir="5400000" algn="ctr" rotWithShape="0">
+                      <a:srgbClr val="6E747A">
+                        <a:alpha val="43000"/>
+                      </a:srgbClr>
+                    </a:outerShdw>
+                  </a:effectLst>
+                  <a:latin typeface="Times New Roman" panose="02020603050405020304" pitchFamily="18" charset="0"/>
+                  <a:cs typeface="Times New Roman" panose="02020603050405020304" pitchFamily="18" charset="0"/>
+                </a:rPr>
+                <a:t>kết</a:t>
+              </a:r>
+              <a:r>
+                <a:rPr lang="en-US" sz="3000" b="1" dirty="0" smtClean="0">
+                  <a:ln w="0"/>
+                  <a:solidFill>
+                    <a:schemeClr val="accent2">
+                      <a:lumMod val="50000"/>
+                    </a:schemeClr>
+                  </a:solidFill>
+                  <a:effectLst>
+                    <a:outerShdw blurRad="38100" dist="25400" dir="5400000" algn="ctr" rotWithShape="0">
+                      <a:srgbClr val="6E747A">
+                        <a:alpha val="43000"/>
+                      </a:srgbClr>
+                    </a:outerShdw>
+                  </a:effectLst>
+                  <a:latin typeface="Times New Roman" panose="02020603050405020304" pitchFamily="18" charset="0"/>
+                  <a:cs typeface="Times New Roman" panose="02020603050405020304" pitchFamily="18" charset="0"/>
+                </a:rPr>
+                <a:t> </a:t>
+              </a:r>
+              <a:r>
+                <a:rPr lang="en-US" sz="3000" b="1" dirty="0" err="1" smtClean="0">
+                  <a:ln w="0"/>
+                  <a:solidFill>
+                    <a:schemeClr val="accent2">
+                      <a:lumMod val="50000"/>
+                    </a:schemeClr>
+                  </a:solidFill>
+                  <a:effectLst>
+                    <a:outerShdw blurRad="38100" dist="25400" dir="5400000" algn="ctr" rotWithShape="0">
+                      <a:srgbClr val="6E747A">
+                        <a:alpha val="43000"/>
+                      </a:srgbClr>
+                    </a:outerShdw>
+                  </a:effectLst>
+                  <a:latin typeface="Times New Roman" panose="02020603050405020304" pitchFamily="18" charset="0"/>
+                  <a:cs typeface="Times New Roman" panose="02020603050405020304" pitchFamily="18" charset="0"/>
+                </a:rPr>
+                <a:t>quả</a:t>
+              </a:r>
+              <a:endParaRPr lang="vi-VN" sz="3000" b="1" dirty="0">
+                <a:ln w="0"/>
+                <a:solidFill>
+                  <a:schemeClr val="accent2">
+                    <a:lumMod val="50000"/>
+                  </a:schemeClr>
+                </a:solidFill>
+                <a:latin typeface="Times New Roman" panose="02020603050405020304" pitchFamily="18" charset="0"/>
+                <a:cs typeface="Times New Roman" panose="02020603050405020304" pitchFamily="18" charset="0"/>
+              </a:endParaRPr>
+            </a:p>
+          </p:txBody>
+        </p:sp>
+      </p:grpSp>
       <p:sp>
         <p:nvSpPr>
-          <p:cNvPr id="2" name="Title 1"/>
+          <p:cNvPr id="13" name="Title 12"/>
           <p:cNvSpPr>
             <a:spLocks noGrp="1"/>
           </p:cNvSpPr>
@@ -5670,69 +6902,19 @@
         </p:nvSpPr>
         <p:spPr>
           <a:xfrm>
-            <a:off x="685799" y="245660"/>
-            <a:ext cx="8588203" cy="1624083"/>
+            <a:off x="685799" y="609600"/>
+            <a:ext cx="8541327" cy="482930"/>
           </a:xfrm>
         </p:spPr>
         <p:txBody>
           <a:bodyPr>
-            <a:normAutofit/>
+            <a:normAutofit fontScale="90000"/>
           </a:bodyPr>
           <a:lstStyle/>
           <a:p>
             <a:pPr algn="ctr"/>
             <a:r>
-              <a:rPr lang="en-US" sz="3400" b="1" dirty="0" smtClean="0">
-                <a:solidFill>
-                  <a:schemeClr val="accent2">
-                    <a:lumMod val="75000"/>
-                  </a:schemeClr>
-                </a:solidFill>
-                <a:latin typeface="Times New Roman" panose="02020603050405020304" pitchFamily="18" charset="0"/>
-                <a:cs typeface="Times New Roman" panose="02020603050405020304" pitchFamily="18" charset="0"/>
-              </a:rPr>
-              <a:t>NỘI DUNG</a:t>
-            </a:r>
-            <a:endParaRPr lang="vi-VN" sz="3400" b="1" dirty="0">
-              <a:solidFill>
-                <a:schemeClr val="accent2">
-                  <a:lumMod val="75000"/>
-                </a:schemeClr>
-              </a:solidFill>
-              <a:latin typeface="Times New Roman" panose="02020603050405020304" pitchFamily="18" charset="0"/>
-              <a:cs typeface="Times New Roman" panose="02020603050405020304" pitchFamily="18" charset="0"/>
-            </a:endParaRPr>
-          </a:p>
-        </p:txBody>
-      </p:sp>
-      <p:sp>
-        <p:nvSpPr>
-          <p:cNvPr id="5" name="Text Placeholder 4"/>
-          <p:cNvSpPr>
-            <a:spLocks noGrp="1"/>
-          </p:cNvSpPr>
-          <p:nvPr>
-            <p:ph type="body" idx="1"/>
-          </p:nvPr>
-        </p:nvSpPr>
-        <p:spPr>
-          <a:xfrm>
-            <a:off x="677335" y="2156346"/>
-            <a:ext cx="8596668" cy="3411941"/>
-          </a:xfrm>
-        </p:spPr>
-        <p:txBody>
-          <a:bodyPr>
-            <a:normAutofit/>
-          </a:bodyPr>
-          <a:lstStyle/>
-          <a:p>
-            <a:pPr marL="285750" indent="-285750">
-              <a:buFont typeface="Wingdings" panose="05000000000000000000" pitchFamily="2" charset="2"/>
-              <a:buChar char="v"/>
-            </a:pPr>
-            <a:r>
-              <a:rPr lang="en-US" sz="2600" dirty="0" err="1" smtClean="0">
+              <a:rPr lang="en-US" b="1" dirty="0" err="1" smtClean="0">
                 <a:solidFill>
                   <a:schemeClr val="accent2">
                     <a:lumMod val="50000"/>
@@ -5741,10 +6923,10 @@
                 <a:latin typeface="Times New Roman" panose="02020603050405020304" pitchFamily="18" charset="0"/>
                 <a:cs typeface="Times New Roman" panose="02020603050405020304" pitchFamily="18" charset="0"/>
               </a:rPr>
-              <a:t>Đặt</a:t>
-            </a:r>
-            <a:r>
-              <a:rPr lang="en-US" sz="2600" dirty="0" smtClean="0">
+              <a:t>Nội</a:t>
+            </a:r>
+            <a:r>
+              <a:rPr lang="en-US" b="1" dirty="0" smtClean="0">
                 <a:solidFill>
                   <a:schemeClr val="accent2">
                     <a:lumMod val="50000"/>
@@ -5753,195 +6935,9 @@
                 <a:latin typeface="Times New Roman" panose="02020603050405020304" pitchFamily="18" charset="0"/>
                 <a:cs typeface="Times New Roman" panose="02020603050405020304" pitchFamily="18" charset="0"/>
               </a:rPr>
-              <a:t> </a:t>
-            </a:r>
-            <a:r>
-              <a:rPr lang="en-US" sz="2600" dirty="0" err="1" smtClean="0">
-                <a:solidFill>
-                  <a:schemeClr val="accent2">
-                    <a:lumMod val="50000"/>
-                  </a:schemeClr>
-                </a:solidFill>
-                <a:latin typeface="Times New Roman" panose="02020603050405020304" pitchFamily="18" charset="0"/>
-                <a:cs typeface="Times New Roman" panose="02020603050405020304" pitchFamily="18" charset="0"/>
-              </a:rPr>
-              <a:t>vấn</a:t>
-            </a:r>
-            <a:r>
-              <a:rPr lang="en-US" sz="2600" dirty="0" smtClean="0">
-                <a:solidFill>
-                  <a:schemeClr val="accent2">
-                    <a:lumMod val="50000"/>
-                  </a:schemeClr>
-                </a:solidFill>
-                <a:latin typeface="Times New Roman" panose="02020603050405020304" pitchFamily="18" charset="0"/>
-                <a:cs typeface="Times New Roman" panose="02020603050405020304" pitchFamily="18" charset="0"/>
-              </a:rPr>
-              <a:t> </a:t>
-            </a:r>
-            <a:r>
-              <a:rPr lang="en-US" sz="2600" dirty="0" err="1" smtClean="0">
-                <a:solidFill>
-                  <a:schemeClr val="accent2">
-                    <a:lumMod val="50000"/>
-                  </a:schemeClr>
-                </a:solidFill>
-                <a:latin typeface="Times New Roman" panose="02020603050405020304" pitchFamily="18" charset="0"/>
-                <a:cs typeface="Times New Roman" panose="02020603050405020304" pitchFamily="18" charset="0"/>
-              </a:rPr>
-              <a:t>đề</a:t>
-            </a:r>
-            <a:endParaRPr lang="en-US" sz="2600" dirty="0" smtClean="0">
-              <a:solidFill>
-                <a:schemeClr val="accent2">
-                  <a:lumMod val="50000"/>
-                </a:schemeClr>
-              </a:solidFill>
-              <a:latin typeface="Times New Roman" panose="02020603050405020304" pitchFamily="18" charset="0"/>
-              <a:cs typeface="Times New Roman" panose="02020603050405020304" pitchFamily="18" charset="0"/>
-            </a:endParaRPr>
-          </a:p>
-          <a:p>
-            <a:pPr marL="285750" indent="-285750">
-              <a:buFont typeface="Wingdings" panose="05000000000000000000" pitchFamily="2" charset="2"/>
-              <a:buChar char="v"/>
-            </a:pPr>
-            <a:r>
-              <a:rPr lang="en-US" sz="2600" dirty="0" err="1" smtClean="0">
-                <a:solidFill>
-                  <a:schemeClr val="accent2">
-                    <a:lumMod val="50000"/>
-                  </a:schemeClr>
-                </a:solidFill>
-                <a:latin typeface="Times New Roman" panose="02020603050405020304" pitchFamily="18" charset="0"/>
-                <a:cs typeface="Times New Roman" panose="02020603050405020304" pitchFamily="18" charset="0"/>
-              </a:rPr>
-              <a:t>Triển</a:t>
-            </a:r>
-            <a:r>
-              <a:rPr lang="en-US" sz="2600" dirty="0" smtClean="0">
-                <a:solidFill>
-                  <a:schemeClr val="accent2">
-                    <a:lumMod val="50000"/>
-                  </a:schemeClr>
-                </a:solidFill>
-                <a:latin typeface="Times New Roman" panose="02020603050405020304" pitchFamily="18" charset="0"/>
-                <a:cs typeface="Times New Roman" panose="02020603050405020304" pitchFamily="18" charset="0"/>
-              </a:rPr>
-              <a:t> </a:t>
-            </a:r>
-            <a:r>
-              <a:rPr lang="en-US" sz="2600" dirty="0" err="1" smtClean="0">
-                <a:solidFill>
-                  <a:schemeClr val="accent2">
-                    <a:lumMod val="50000"/>
-                  </a:schemeClr>
-                </a:solidFill>
-                <a:latin typeface="Times New Roman" panose="02020603050405020304" pitchFamily="18" charset="0"/>
-                <a:cs typeface="Times New Roman" panose="02020603050405020304" pitchFamily="18" charset="0"/>
-              </a:rPr>
-              <a:t>khai</a:t>
-            </a:r>
-            <a:r>
-              <a:rPr lang="en-US" sz="2600" dirty="0" smtClean="0">
-                <a:solidFill>
-                  <a:schemeClr val="accent2">
-                    <a:lumMod val="50000"/>
-                  </a:schemeClr>
-                </a:solidFill>
-                <a:latin typeface="Times New Roman" panose="02020603050405020304" pitchFamily="18" charset="0"/>
-                <a:cs typeface="Times New Roman" panose="02020603050405020304" pitchFamily="18" charset="0"/>
-              </a:rPr>
-              <a:t> </a:t>
-            </a:r>
-            <a:r>
-              <a:rPr lang="en-US" sz="2600" dirty="0" err="1" smtClean="0">
-                <a:solidFill>
-                  <a:schemeClr val="accent2">
-                    <a:lumMod val="50000"/>
-                  </a:schemeClr>
-                </a:solidFill>
-                <a:latin typeface="Times New Roman" panose="02020603050405020304" pitchFamily="18" charset="0"/>
-                <a:cs typeface="Times New Roman" panose="02020603050405020304" pitchFamily="18" charset="0"/>
-              </a:rPr>
-              <a:t>đề</a:t>
-            </a:r>
-            <a:r>
-              <a:rPr lang="en-US" sz="2600" dirty="0" smtClean="0">
-                <a:solidFill>
-                  <a:schemeClr val="accent2">
-                    <a:lumMod val="50000"/>
-                  </a:schemeClr>
-                </a:solidFill>
-                <a:latin typeface="Times New Roman" panose="02020603050405020304" pitchFamily="18" charset="0"/>
-                <a:cs typeface="Times New Roman" panose="02020603050405020304" pitchFamily="18" charset="0"/>
-              </a:rPr>
-              <a:t> </a:t>
-            </a:r>
-            <a:r>
-              <a:rPr lang="en-US" sz="2600" dirty="0" err="1" smtClean="0">
-                <a:solidFill>
-                  <a:schemeClr val="accent2">
-                    <a:lumMod val="50000"/>
-                  </a:schemeClr>
-                </a:solidFill>
-                <a:latin typeface="Times New Roman" panose="02020603050405020304" pitchFamily="18" charset="0"/>
-                <a:cs typeface="Times New Roman" panose="02020603050405020304" pitchFamily="18" charset="0"/>
-              </a:rPr>
-              <a:t>tài</a:t>
-            </a:r>
-            <a:endParaRPr lang="en-US" sz="2600" dirty="0" smtClean="0">
-              <a:solidFill>
-                <a:schemeClr val="accent2">
-                  <a:lumMod val="50000"/>
-                </a:schemeClr>
-              </a:solidFill>
-              <a:latin typeface="Times New Roman" panose="02020603050405020304" pitchFamily="18" charset="0"/>
-              <a:cs typeface="Times New Roman" panose="02020603050405020304" pitchFamily="18" charset="0"/>
-            </a:endParaRPr>
-          </a:p>
-          <a:p>
-            <a:pPr marL="285750" indent="-285750">
-              <a:buFont typeface="Wingdings" panose="05000000000000000000" pitchFamily="2" charset="2"/>
-              <a:buChar char="v"/>
-            </a:pPr>
-            <a:r>
-              <a:rPr lang="en-US" sz="2600" dirty="0" err="1" smtClean="0">
-                <a:solidFill>
-                  <a:schemeClr val="accent2">
-                    <a:lumMod val="50000"/>
-                  </a:schemeClr>
-                </a:solidFill>
-                <a:latin typeface="Times New Roman" panose="02020603050405020304" pitchFamily="18" charset="0"/>
-                <a:cs typeface="Times New Roman" panose="02020603050405020304" pitchFamily="18" charset="0"/>
-              </a:rPr>
-              <a:t>Kết</a:t>
-            </a:r>
-            <a:r>
-              <a:rPr lang="en-US" sz="2600" dirty="0" smtClean="0">
-                <a:solidFill>
-                  <a:schemeClr val="accent2">
-                    <a:lumMod val="50000"/>
-                  </a:schemeClr>
-                </a:solidFill>
-                <a:latin typeface="Times New Roman" panose="02020603050405020304" pitchFamily="18" charset="0"/>
-                <a:cs typeface="Times New Roman" panose="02020603050405020304" pitchFamily="18" charset="0"/>
-              </a:rPr>
-              <a:t> </a:t>
-            </a:r>
-            <a:r>
-              <a:rPr lang="en-US" sz="2600" dirty="0" err="1" smtClean="0">
-                <a:solidFill>
-                  <a:schemeClr val="accent2">
-                    <a:lumMod val="50000"/>
-                  </a:schemeClr>
-                </a:solidFill>
-                <a:latin typeface="Times New Roman" panose="02020603050405020304" pitchFamily="18" charset="0"/>
-                <a:cs typeface="Times New Roman" panose="02020603050405020304" pitchFamily="18" charset="0"/>
-              </a:rPr>
-              <a:t>luận</a:t>
-            </a:r>
-            <a:endParaRPr lang="vi-VN" sz="2600" dirty="0">
+              <a:t> dung</a:t>
+            </a:r>
+            <a:endParaRPr lang="vi-VN" b="1" dirty="0">
               <a:solidFill>
                 <a:schemeClr val="accent2">
                   <a:lumMod val="50000"/>
@@ -6002,8 +6998,8 @@
         </p:nvSpPr>
         <p:spPr>
           <a:xfrm>
-            <a:off x="685799" y="245660"/>
-            <a:ext cx="8588203" cy="1624083"/>
+            <a:off x="685799" y="245661"/>
+            <a:ext cx="8588203" cy="846870"/>
           </a:xfrm>
         </p:spPr>
         <p:txBody>
@@ -6017,7 +7013,7 @@
               <a:rPr lang="en-US" sz="3400" b="1" dirty="0" err="1" smtClean="0">
                 <a:solidFill>
                   <a:schemeClr val="accent2">
-                    <a:lumMod val="75000"/>
+                    <a:lumMod val="50000"/>
                   </a:schemeClr>
                 </a:solidFill>
                 <a:latin typeface="Times New Roman" panose="02020603050405020304" pitchFamily="18" charset="0"/>
@@ -6029,7 +7025,7 @@
               <a:rPr lang="en-US" sz="3400" b="1" dirty="0" smtClean="0">
                 <a:solidFill>
                   <a:schemeClr val="accent2">
-                    <a:lumMod val="75000"/>
+                    <a:lumMod val="50000"/>
                   </a:schemeClr>
                 </a:solidFill>
                 <a:latin typeface="Times New Roman" panose="02020603050405020304" pitchFamily="18" charset="0"/>
@@ -6041,7 +7037,7 @@
               <a:rPr lang="en-US" sz="3400" b="1" dirty="0" err="1" smtClean="0">
                 <a:solidFill>
                   <a:schemeClr val="accent2">
-                    <a:lumMod val="75000"/>
+                    <a:lumMod val="50000"/>
                   </a:schemeClr>
                 </a:solidFill>
                 <a:latin typeface="Times New Roman" panose="02020603050405020304" pitchFamily="18" charset="0"/>
@@ -6053,7 +7049,7 @@
               <a:rPr lang="en-US" sz="3400" b="1" dirty="0" smtClean="0">
                 <a:solidFill>
                   <a:schemeClr val="accent2">
-                    <a:lumMod val="75000"/>
+                    <a:lumMod val="50000"/>
                   </a:schemeClr>
                 </a:solidFill>
                 <a:latin typeface="Times New Roman" panose="02020603050405020304" pitchFamily="18" charset="0"/>
@@ -6065,7 +7061,7 @@
               <a:rPr lang="en-US" sz="3400" b="1" dirty="0" err="1" smtClean="0">
                 <a:solidFill>
                   <a:schemeClr val="accent2">
-                    <a:lumMod val="75000"/>
+                    <a:lumMod val="50000"/>
                   </a:schemeClr>
                 </a:solidFill>
                 <a:latin typeface="Times New Roman" panose="02020603050405020304" pitchFamily="18" charset="0"/>
@@ -6074,176 +7070,6 @@
               <a:t>đề</a:t>
             </a:r>
             <a:endParaRPr lang="vi-VN" sz="3400" b="1" dirty="0">
-              <a:solidFill>
-                <a:schemeClr val="accent2">
-                  <a:lumMod val="75000"/>
-                </a:schemeClr>
-              </a:solidFill>
-              <a:latin typeface="Times New Roman" panose="02020603050405020304" pitchFamily="18" charset="0"/>
-              <a:cs typeface="Times New Roman" panose="02020603050405020304" pitchFamily="18" charset="0"/>
-            </a:endParaRPr>
-          </a:p>
-        </p:txBody>
-      </p:sp>
-      <p:sp>
-        <p:nvSpPr>
-          <p:cNvPr id="5" name="Text Placeholder 4"/>
-          <p:cNvSpPr>
-            <a:spLocks noGrp="1"/>
-          </p:cNvSpPr>
-          <p:nvPr>
-            <p:ph type="body" idx="1"/>
-          </p:nvPr>
-        </p:nvSpPr>
-        <p:spPr>
-          <a:xfrm>
-            <a:off x="677335" y="2156346"/>
-            <a:ext cx="8596668" cy="3411941"/>
-          </a:xfrm>
-        </p:spPr>
-        <p:txBody>
-          <a:bodyPr>
-            <a:normAutofit/>
-          </a:bodyPr>
-          <a:lstStyle/>
-          <a:p>
-            <a:pPr marL="285750" indent="-285750">
-              <a:buFont typeface="Wingdings" panose="05000000000000000000" pitchFamily="2" charset="2"/>
-              <a:buChar char="v"/>
-            </a:pPr>
-            <a:r>
-              <a:rPr lang="en-US" sz="2600" dirty="0" err="1" smtClean="0">
-                <a:solidFill>
-                  <a:schemeClr val="accent2">
-                    <a:lumMod val="50000"/>
-                  </a:schemeClr>
-                </a:solidFill>
-                <a:latin typeface="Times New Roman" panose="02020603050405020304" pitchFamily="18" charset="0"/>
-                <a:cs typeface="Times New Roman" panose="02020603050405020304" pitchFamily="18" charset="0"/>
-              </a:rPr>
-              <a:t>Khảo</a:t>
-            </a:r>
-            <a:r>
-              <a:rPr lang="en-US" sz="2600" dirty="0" smtClean="0">
-                <a:solidFill>
-                  <a:schemeClr val="accent2">
-                    <a:lumMod val="50000"/>
-                  </a:schemeClr>
-                </a:solidFill>
-                <a:latin typeface="Times New Roman" panose="02020603050405020304" pitchFamily="18" charset="0"/>
-                <a:cs typeface="Times New Roman" panose="02020603050405020304" pitchFamily="18" charset="0"/>
-              </a:rPr>
-              <a:t> </a:t>
-            </a:r>
-            <a:r>
-              <a:rPr lang="en-US" sz="2600" dirty="0" err="1" smtClean="0">
-                <a:solidFill>
-                  <a:schemeClr val="accent2">
-                    <a:lumMod val="50000"/>
-                  </a:schemeClr>
-                </a:solidFill>
-                <a:latin typeface="Times New Roman" panose="02020603050405020304" pitchFamily="18" charset="0"/>
-                <a:cs typeface="Times New Roman" panose="02020603050405020304" pitchFamily="18" charset="0"/>
-              </a:rPr>
-              <a:t>sát</a:t>
-            </a:r>
-            <a:r>
-              <a:rPr lang="en-US" sz="2600" dirty="0" smtClean="0">
-                <a:solidFill>
-                  <a:schemeClr val="accent2">
-                    <a:lumMod val="50000"/>
-                  </a:schemeClr>
-                </a:solidFill>
-                <a:latin typeface="Times New Roman" panose="02020603050405020304" pitchFamily="18" charset="0"/>
-                <a:cs typeface="Times New Roman" panose="02020603050405020304" pitchFamily="18" charset="0"/>
-              </a:rPr>
-              <a:t> </a:t>
-            </a:r>
-            <a:r>
-              <a:rPr lang="en-US" sz="2600" dirty="0" err="1" smtClean="0">
-                <a:solidFill>
-                  <a:schemeClr val="accent2">
-                    <a:lumMod val="50000"/>
-                  </a:schemeClr>
-                </a:solidFill>
-                <a:latin typeface="Times New Roman" panose="02020603050405020304" pitchFamily="18" charset="0"/>
-                <a:cs typeface="Times New Roman" panose="02020603050405020304" pitchFamily="18" charset="0"/>
-              </a:rPr>
-              <a:t>nhu</a:t>
-            </a:r>
-            <a:r>
-              <a:rPr lang="en-US" sz="2600" dirty="0" smtClean="0">
-                <a:solidFill>
-                  <a:schemeClr val="accent2">
-                    <a:lumMod val="50000"/>
-                  </a:schemeClr>
-                </a:solidFill>
-                <a:latin typeface="Times New Roman" panose="02020603050405020304" pitchFamily="18" charset="0"/>
-                <a:cs typeface="Times New Roman" panose="02020603050405020304" pitchFamily="18" charset="0"/>
-              </a:rPr>
-              <a:t> </a:t>
-            </a:r>
-            <a:r>
-              <a:rPr lang="en-US" sz="2600" dirty="0" err="1" smtClean="0">
-                <a:solidFill>
-                  <a:schemeClr val="accent2">
-                    <a:lumMod val="50000"/>
-                  </a:schemeClr>
-                </a:solidFill>
-                <a:latin typeface="Times New Roman" panose="02020603050405020304" pitchFamily="18" charset="0"/>
-                <a:cs typeface="Times New Roman" panose="02020603050405020304" pitchFamily="18" charset="0"/>
-              </a:rPr>
-              <a:t>cầu</a:t>
-            </a:r>
-            <a:r>
-              <a:rPr lang="en-US" sz="2600" dirty="0" smtClean="0">
-                <a:solidFill>
-                  <a:schemeClr val="accent2">
-                    <a:lumMod val="50000"/>
-                  </a:schemeClr>
-                </a:solidFill>
-                <a:latin typeface="Times New Roman" panose="02020603050405020304" pitchFamily="18" charset="0"/>
-                <a:cs typeface="Times New Roman" panose="02020603050405020304" pitchFamily="18" charset="0"/>
-              </a:rPr>
-              <a:t> </a:t>
-            </a:r>
-            <a:r>
-              <a:rPr lang="en-US" sz="2600" dirty="0" err="1" smtClean="0">
-                <a:solidFill>
-                  <a:schemeClr val="accent2">
-                    <a:lumMod val="50000"/>
-                  </a:schemeClr>
-                </a:solidFill>
-                <a:latin typeface="Times New Roman" panose="02020603050405020304" pitchFamily="18" charset="0"/>
-                <a:cs typeface="Times New Roman" panose="02020603050405020304" pitchFamily="18" charset="0"/>
-              </a:rPr>
-              <a:t>thực</a:t>
-            </a:r>
-            <a:r>
-              <a:rPr lang="en-US" sz="2600" dirty="0" smtClean="0">
-                <a:solidFill>
-                  <a:schemeClr val="accent2">
-                    <a:lumMod val="50000"/>
-                  </a:schemeClr>
-                </a:solidFill>
-                <a:latin typeface="Times New Roman" panose="02020603050405020304" pitchFamily="18" charset="0"/>
-                <a:cs typeface="Times New Roman" panose="02020603050405020304" pitchFamily="18" charset="0"/>
-              </a:rPr>
-              <a:t> </a:t>
-            </a:r>
-            <a:r>
-              <a:rPr lang="en-US" sz="2600" dirty="0" err="1" smtClean="0">
-                <a:solidFill>
-                  <a:schemeClr val="accent2">
-                    <a:lumMod val="50000"/>
-                  </a:schemeClr>
-                </a:solidFill>
-                <a:latin typeface="Times New Roman" panose="02020603050405020304" pitchFamily="18" charset="0"/>
-                <a:cs typeface="Times New Roman" panose="02020603050405020304" pitchFamily="18" charset="0"/>
-              </a:rPr>
-              <a:t>tế</a:t>
-            </a:r>
-            <a:endParaRPr lang="en-US" sz="2600" dirty="0" smtClean="0">
               <a:solidFill>
                 <a:schemeClr val="accent2">
                   <a:lumMod val="50000"/>
@@ -6253,107 +7079,490 @@
               <a:cs typeface="Times New Roman" panose="02020603050405020304" pitchFamily="18" charset="0"/>
             </a:endParaRPr>
           </a:p>
-          <a:p>
-            <a:pPr marL="285750" indent="-285750">
-              <a:buFont typeface="Wingdings" panose="05000000000000000000" pitchFamily="2" charset="2"/>
-              <a:buChar char="v"/>
-            </a:pPr>
-            <a:r>
-              <a:rPr lang="en-US" sz="2600" dirty="0" err="1" smtClean="0">
-                <a:solidFill>
-                  <a:schemeClr val="accent2">
-                    <a:lumMod val="50000"/>
-                  </a:schemeClr>
-                </a:solidFill>
-                <a:latin typeface="Times New Roman" panose="02020603050405020304" pitchFamily="18" charset="0"/>
-                <a:cs typeface="Times New Roman" panose="02020603050405020304" pitchFamily="18" charset="0"/>
-              </a:rPr>
-              <a:t>Định</a:t>
-            </a:r>
-            <a:r>
-              <a:rPr lang="en-US" sz="2600" dirty="0" smtClean="0">
-                <a:solidFill>
-                  <a:schemeClr val="accent2">
-                    <a:lumMod val="50000"/>
-                  </a:schemeClr>
-                </a:solidFill>
-                <a:latin typeface="Times New Roman" panose="02020603050405020304" pitchFamily="18" charset="0"/>
-                <a:cs typeface="Times New Roman" panose="02020603050405020304" pitchFamily="18" charset="0"/>
-              </a:rPr>
-              <a:t> </a:t>
-            </a:r>
-            <a:r>
-              <a:rPr lang="en-US" sz="2600" dirty="0" err="1" smtClean="0">
-                <a:solidFill>
-                  <a:schemeClr val="accent2">
-                    <a:lumMod val="50000"/>
-                  </a:schemeClr>
-                </a:solidFill>
-                <a:latin typeface="Times New Roman" panose="02020603050405020304" pitchFamily="18" charset="0"/>
-                <a:cs typeface="Times New Roman" panose="02020603050405020304" pitchFamily="18" charset="0"/>
-              </a:rPr>
-              <a:t>hướng</a:t>
-            </a:r>
-            <a:r>
-              <a:rPr lang="en-US" sz="2600" dirty="0" smtClean="0">
-                <a:solidFill>
-                  <a:schemeClr val="accent2">
-                    <a:lumMod val="50000"/>
-                  </a:schemeClr>
-                </a:solidFill>
-                <a:latin typeface="Times New Roman" panose="02020603050405020304" pitchFamily="18" charset="0"/>
-                <a:cs typeface="Times New Roman" panose="02020603050405020304" pitchFamily="18" charset="0"/>
-              </a:rPr>
-              <a:t> </a:t>
-            </a:r>
-            <a:r>
-              <a:rPr lang="en-US" sz="2600" dirty="0" err="1" smtClean="0">
-                <a:solidFill>
-                  <a:schemeClr val="accent2">
-                    <a:lumMod val="50000"/>
-                  </a:schemeClr>
-                </a:solidFill>
-                <a:latin typeface="Times New Roman" panose="02020603050405020304" pitchFamily="18" charset="0"/>
-                <a:cs typeface="Times New Roman" panose="02020603050405020304" pitchFamily="18" charset="0"/>
-              </a:rPr>
-              <a:t>đề</a:t>
-            </a:r>
-            <a:r>
-              <a:rPr lang="en-US" sz="2600" dirty="0" smtClean="0">
-                <a:solidFill>
-                  <a:schemeClr val="accent2">
-                    <a:lumMod val="50000"/>
-                  </a:schemeClr>
-                </a:solidFill>
-                <a:latin typeface="Times New Roman" panose="02020603050405020304" pitchFamily="18" charset="0"/>
-                <a:cs typeface="Times New Roman" panose="02020603050405020304" pitchFamily="18" charset="0"/>
-              </a:rPr>
-              <a:t> </a:t>
-            </a:r>
-            <a:r>
-              <a:rPr lang="en-US" sz="2600" dirty="0" err="1" smtClean="0">
-                <a:solidFill>
-                  <a:schemeClr val="accent2">
-                    <a:lumMod val="50000"/>
-                  </a:schemeClr>
-                </a:solidFill>
-                <a:latin typeface="Times New Roman" panose="02020603050405020304" pitchFamily="18" charset="0"/>
-                <a:cs typeface="Times New Roman" panose="02020603050405020304" pitchFamily="18" charset="0"/>
-              </a:rPr>
-              <a:t>tài</a:t>
-            </a:r>
-            <a:endParaRPr lang="vi-VN" sz="2600" dirty="0">
-              <a:solidFill>
-                <a:schemeClr val="accent2">
-                  <a:lumMod val="50000"/>
-                </a:schemeClr>
-              </a:solidFill>
-              <a:latin typeface="Times New Roman" panose="02020603050405020304" pitchFamily="18" charset="0"/>
-              <a:cs typeface="Times New Roman" panose="02020603050405020304" pitchFamily="18" charset="0"/>
-            </a:endParaRPr>
-          </a:p>
         </p:txBody>
       </p:sp>
+      <p:grpSp>
+        <p:nvGrpSpPr>
+          <p:cNvPr id="4" name="Group 3"/>
+          <p:cNvGrpSpPr/>
+          <p:nvPr/>
+        </p:nvGrpSpPr>
+        <p:grpSpPr>
+          <a:xfrm>
+            <a:off x="1177302" y="2044509"/>
+            <a:ext cx="5092870" cy="2159538"/>
+            <a:chOff x="2067951" y="2503506"/>
+            <a:chExt cx="3274830" cy="1803669"/>
+          </a:xfrm>
+          <a:effectLst/>
+        </p:grpSpPr>
+        <p:sp>
+          <p:nvSpPr>
+            <p:cNvPr id="6" name="TextBox 5"/>
+            <p:cNvSpPr txBox="1"/>
+            <p:nvPr/>
+          </p:nvSpPr>
+          <p:spPr>
+            <a:xfrm>
+              <a:off x="2067951" y="2503506"/>
+              <a:ext cx="3274830" cy="552203"/>
+            </a:xfrm>
+            <a:prstGeom prst="snip2DiagRect">
+              <a:avLst/>
+            </a:prstGeom>
+            <a:ln>
+              <a:solidFill>
+                <a:schemeClr val="accent6"/>
+              </a:solidFill>
+            </a:ln>
+          </p:spPr>
+          <p:style>
+            <a:lnRef idx="3">
+              <a:schemeClr val="lt1"/>
+            </a:lnRef>
+            <a:fillRef idx="1">
+              <a:schemeClr val="accent1"/>
+            </a:fillRef>
+            <a:effectRef idx="1">
+              <a:schemeClr val="accent1"/>
+            </a:effectRef>
+            <a:fontRef idx="minor">
+              <a:schemeClr val="lt1"/>
+            </a:fontRef>
+          </p:style>
+          <p:txBody>
+            <a:bodyPr wrap="square" rtlCol="0">
+              <a:spAutoFit/>
+            </a:bodyPr>
+            <a:lstStyle/>
+            <a:p>
+              <a:r>
+                <a:rPr lang="en-US" sz="3000" b="1" dirty="0" err="1" smtClean="0">
+                  <a:ln w="0"/>
+                  <a:solidFill>
+                    <a:schemeClr val="accent2">
+                      <a:lumMod val="50000"/>
+                    </a:schemeClr>
+                  </a:solidFill>
+                  <a:effectLst>
+                    <a:outerShdw blurRad="38100" dist="25400" dir="5400000" algn="ctr" rotWithShape="0">
+                      <a:srgbClr val="6E747A">
+                        <a:alpha val="43000"/>
+                      </a:srgbClr>
+                    </a:outerShdw>
+                  </a:effectLst>
+                  <a:latin typeface="Times New Roman" panose="02020603050405020304" pitchFamily="18" charset="0"/>
+                  <a:cs typeface="Times New Roman" panose="02020603050405020304" pitchFamily="18" charset="0"/>
+                </a:rPr>
+                <a:t>Khảo</a:t>
+              </a:r>
+              <a:r>
+                <a:rPr lang="en-US" sz="3000" b="1" dirty="0" smtClean="0">
+                  <a:ln w="0"/>
+                  <a:solidFill>
+                    <a:schemeClr val="accent2">
+                      <a:lumMod val="50000"/>
+                    </a:schemeClr>
+                  </a:solidFill>
+                  <a:effectLst>
+                    <a:outerShdw blurRad="38100" dist="25400" dir="5400000" algn="ctr" rotWithShape="0">
+                      <a:srgbClr val="6E747A">
+                        <a:alpha val="43000"/>
+                      </a:srgbClr>
+                    </a:outerShdw>
+                  </a:effectLst>
+                  <a:latin typeface="Times New Roman" panose="02020603050405020304" pitchFamily="18" charset="0"/>
+                  <a:cs typeface="Times New Roman" panose="02020603050405020304" pitchFamily="18" charset="0"/>
+                </a:rPr>
+                <a:t> </a:t>
+              </a:r>
+              <a:r>
+                <a:rPr lang="en-US" sz="3000" b="1" dirty="0" err="1" smtClean="0">
+                  <a:ln w="0"/>
+                  <a:solidFill>
+                    <a:schemeClr val="accent2">
+                      <a:lumMod val="50000"/>
+                    </a:schemeClr>
+                  </a:solidFill>
+                  <a:effectLst>
+                    <a:outerShdw blurRad="38100" dist="25400" dir="5400000" algn="ctr" rotWithShape="0">
+                      <a:srgbClr val="6E747A">
+                        <a:alpha val="43000"/>
+                      </a:srgbClr>
+                    </a:outerShdw>
+                  </a:effectLst>
+                  <a:latin typeface="Times New Roman" panose="02020603050405020304" pitchFamily="18" charset="0"/>
+                  <a:cs typeface="Times New Roman" panose="02020603050405020304" pitchFamily="18" charset="0"/>
+                </a:rPr>
+                <a:t>sát</a:t>
+              </a:r>
+              <a:r>
+                <a:rPr lang="en-US" sz="3000" b="1" dirty="0" smtClean="0">
+                  <a:ln w="0"/>
+                  <a:solidFill>
+                    <a:schemeClr val="accent2">
+                      <a:lumMod val="50000"/>
+                    </a:schemeClr>
+                  </a:solidFill>
+                  <a:effectLst>
+                    <a:outerShdw blurRad="38100" dist="25400" dir="5400000" algn="ctr" rotWithShape="0">
+                      <a:srgbClr val="6E747A">
+                        <a:alpha val="43000"/>
+                      </a:srgbClr>
+                    </a:outerShdw>
+                  </a:effectLst>
+                  <a:latin typeface="Times New Roman" panose="02020603050405020304" pitchFamily="18" charset="0"/>
+                  <a:cs typeface="Times New Roman" panose="02020603050405020304" pitchFamily="18" charset="0"/>
+                </a:rPr>
+                <a:t> </a:t>
+              </a:r>
+              <a:r>
+                <a:rPr lang="en-US" sz="3000" b="1" dirty="0" err="1" smtClean="0">
+                  <a:ln w="0"/>
+                  <a:solidFill>
+                    <a:schemeClr val="accent2">
+                      <a:lumMod val="50000"/>
+                    </a:schemeClr>
+                  </a:solidFill>
+                  <a:effectLst>
+                    <a:outerShdw blurRad="38100" dist="25400" dir="5400000" algn="ctr" rotWithShape="0">
+                      <a:srgbClr val="6E747A">
+                        <a:alpha val="43000"/>
+                      </a:srgbClr>
+                    </a:outerShdw>
+                  </a:effectLst>
+                  <a:latin typeface="Times New Roman" panose="02020603050405020304" pitchFamily="18" charset="0"/>
+                  <a:cs typeface="Times New Roman" panose="02020603050405020304" pitchFamily="18" charset="0"/>
+                </a:rPr>
+                <a:t>nhu</a:t>
+              </a:r>
+              <a:r>
+                <a:rPr lang="en-US" sz="3000" b="1" dirty="0" smtClean="0">
+                  <a:ln w="0"/>
+                  <a:solidFill>
+                    <a:schemeClr val="accent2">
+                      <a:lumMod val="50000"/>
+                    </a:schemeClr>
+                  </a:solidFill>
+                  <a:effectLst>
+                    <a:outerShdw blurRad="38100" dist="25400" dir="5400000" algn="ctr" rotWithShape="0">
+                      <a:srgbClr val="6E747A">
+                        <a:alpha val="43000"/>
+                      </a:srgbClr>
+                    </a:outerShdw>
+                  </a:effectLst>
+                  <a:latin typeface="Times New Roman" panose="02020603050405020304" pitchFamily="18" charset="0"/>
+                  <a:cs typeface="Times New Roman" panose="02020603050405020304" pitchFamily="18" charset="0"/>
+                </a:rPr>
+                <a:t> </a:t>
+              </a:r>
+              <a:r>
+                <a:rPr lang="en-US" sz="3000" b="1" dirty="0" err="1" smtClean="0">
+                  <a:ln w="0"/>
+                  <a:solidFill>
+                    <a:schemeClr val="accent2">
+                      <a:lumMod val="50000"/>
+                    </a:schemeClr>
+                  </a:solidFill>
+                  <a:effectLst>
+                    <a:outerShdw blurRad="38100" dist="25400" dir="5400000" algn="ctr" rotWithShape="0">
+                      <a:srgbClr val="6E747A">
+                        <a:alpha val="43000"/>
+                      </a:srgbClr>
+                    </a:outerShdw>
+                  </a:effectLst>
+                  <a:latin typeface="Times New Roman" panose="02020603050405020304" pitchFamily="18" charset="0"/>
+                  <a:cs typeface="Times New Roman" panose="02020603050405020304" pitchFamily="18" charset="0"/>
+                </a:rPr>
+                <a:t>cầu</a:t>
+              </a:r>
+              <a:r>
+                <a:rPr lang="en-US" sz="3000" b="1" dirty="0" smtClean="0">
+                  <a:ln w="0"/>
+                  <a:solidFill>
+                    <a:schemeClr val="accent2">
+                      <a:lumMod val="50000"/>
+                    </a:schemeClr>
+                  </a:solidFill>
+                  <a:effectLst>
+                    <a:outerShdw blurRad="38100" dist="25400" dir="5400000" algn="ctr" rotWithShape="0">
+                      <a:srgbClr val="6E747A">
+                        <a:alpha val="43000"/>
+                      </a:srgbClr>
+                    </a:outerShdw>
+                  </a:effectLst>
+                  <a:latin typeface="Times New Roman" panose="02020603050405020304" pitchFamily="18" charset="0"/>
+                  <a:cs typeface="Times New Roman" panose="02020603050405020304" pitchFamily="18" charset="0"/>
+                </a:rPr>
+                <a:t> </a:t>
+              </a:r>
+              <a:r>
+                <a:rPr lang="en-US" sz="3000" b="1" dirty="0" err="1" smtClean="0">
+                  <a:ln w="0"/>
+                  <a:solidFill>
+                    <a:schemeClr val="accent2">
+                      <a:lumMod val="50000"/>
+                    </a:schemeClr>
+                  </a:solidFill>
+                  <a:effectLst>
+                    <a:outerShdw blurRad="38100" dist="25400" dir="5400000" algn="ctr" rotWithShape="0">
+                      <a:srgbClr val="6E747A">
+                        <a:alpha val="43000"/>
+                      </a:srgbClr>
+                    </a:outerShdw>
+                  </a:effectLst>
+                  <a:latin typeface="Times New Roman" panose="02020603050405020304" pitchFamily="18" charset="0"/>
+                  <a:cs typeface="Times New Roman" panose="02020603050405020304" pitchFamily="18" charset="0"/>
+                </a:rPr>
+                <a:t>thực</a:t>
+              </a:r>
+              <a:r>
+                <a:rPr lang="en-US" sz="3000" b="1" dirty="0" smtClean="0">
+                  <a:ln w="0"/>
+                  <a:solidFill>
+                    <a:schemeClr val="accent2">
+                      <a:lumMod val="50000"/>
+                    </a:schemeClr>
+                  </a:solidFill>
+                  <a:effectLst>
+                    <a:outerShdw blurRad="38100" dist="25400" dir="5400000" algn="ctr" rotWithShape="0">
+                      <a:srgbClr val="6E747A">
+                        <a:alpha val="43000"/>
+                      </a:srgbClr>
+                    </a:outerShdw>
+                  </a:effectLst>
+                  <a:latin typeface="Times New Roman" panose="02020603050405020304" pitchFamily="18" charset="0"/>
+                  <a:cs typeface="Times New Roman" panose="02020603050405020304" pitchFamily="18" charset="0"/>
+                </a:rPr>
+                <a:t> </a:t>
+              </a:r>
+              <a:r>
+                <a:rPr lang="en-US" sz="3000" b="1" dirty="0" err="1" smtClean="0">
+                  <a:ln w="0"/>
+                  <a:solidFill>
+                    <a:schemeClr val="accent2">
+                      <a:lumMod val="50000"/>
+                    </a:schemeClr>
+                  </a:solidFill>
+                  <a:effectLst>
+                    <a:outerShdw blurRad="38100" dist="25400" dir="5400000" algn="ctr" rotWithShape="0">
+                      <a:srgbClr val="6E747A">
+                        <a:alpha val="43000"/>
+                      </a:srgbClr>
+                    </a:outerShdw>
+                  </a:effectLst>
+                  <a:latin typeface="Times New Roman" panose="02020603050405020304" pitchFamily="18" charset="0"/>
+                  <a:cs typeface="Times New Roman" panose="02020603050405020304" pitchFamily="18" charset="0"/>
+                </a:rPr>
+                <a:t>tế</a:t>
+              </a:r>
+              <a:endParaRPr lang="vi-VN" sz="3000" b="1" dirty="0">
+                <a:ln w="0"/>
+                <a:solidFill>
+                  <a:schemeClr val="accent2">
+                    <a:lumMod val="50000"/>
+                  </a:schemeClr>
+                </a:solidFill>
+                <a:latin typeface="Times New Roman" panose="02020603050405020304" pitchFamily="18" charset="0"/>
+                <a:cs typeface="Times New Roman" panose="02020603050405020304" pitchFamily="18" charset="0"/>
+              </a:endParaRPr>
+            </a:p>
+          </p:txBody>
+        </p:sp>
+        <p:sp>
+          <p:nvSpPr>
+            <p:cNvPr id="7" name="TextBox 6"/>
+            <p:cNvSpPr txBox="1"/>
+            <p:nvPr/>
+          </p:nvSpPr>
+          <p:spPr>
+            <a:xfrm>
+              <a:off x="2067951" y="3754972"/>
+              <a:ext cx="2465403" cy="552203"/>
+            </a:xfrm>
+            <a:prstGeom prst="snip2DiagRect">
+              <a:avLst/>
+            </a:prstGeom>
+            <a:ln>
+              <a:solidFill>
+                <a:schemeClr val="accent6"/>
+              </a:solidFill>
+            </a:ln>
+          </p:spPr>
+          <p:style>
+            <a:lnRef idx="3">
+              <a:schemeClr val="lt1"/>
+            </a:lnRef>
+            <a:fillRef idx="1">
+              <a:schemeClr val="accent1"/>
+            </a:fillRef>
+            <a:effectRef idx="1">
+              <a:schemeClr val="accent1"/>
+            </a:effectRef>
+            <a:fontRef idx="minor">
+              <a:schemeClr val="lt1"/>
+            </a:fontRef>
+          </p:style>
+          <p:txBody>
+            <a:bodyPr wrap="square" rtlCol="0">
+              <a:spAutoFit/>
+            </a:bodyPr>
+            <a:lstStyle/>
+            <a:p>
+              <a:r>
+                <a:rPr lang="en-US" sz="3000" b="1" dirty="0" err="1" smtClean="0">
+                  <a:ln w="0"/>
+                  <a:solidFill>
+                    <a:schemeClr val="accent2">
+                      <a:lumMod val="50000"/>
+                    </a:schemeClr>
+                  </a:solidFill>
+                  <a:effectLst>
+                    <a:outerShdw blurRad="38100" dist="25400" dir="5400000" algn="ctr" rotWithShape="0">
+                      <a:srgbClr val="6E747A">
+                        <a:alpha val="43000"/>
+                      </a:srgbClr>
+                    </a:outerShdw>
+                  </a:effectLst>
+                  <a:latin typeface="Times New Roman" panose="02020603050405020304" pitchFamily="18" charset="0"/>
+                  <a:cs typeface="Times New Roman" panose="02020603050405020304" pitchFamily="18" charset="0"/>
+                </a:rPr>
+                <a:t>Định</a:t>
+              </a:r>
+              <a:r>
+                <a:rPr lang="en-US" sz="3000" b="1" dirty="0" smtClean="0">
+                  <a:ln w="0"/>
+                  <a:solidFill>
+                    <a:schemeClr val="accent2">
+                      <a:lumMod val="50000"/>
+                    </a:schemeClr>
+                  </a:solidFill>
+                  <a:effectLst>
+                    <a:outerShdw blurRad="38100" dist="25400" dir="5400000" algn="ctr" rotWithShape="0">
+                      <a:srgbClr val="6E747A">
+                        <a:alpha val="43000"/>
+                      </a:srgbClr>
+                    </a:outerShdw>
+                  </a:effectLst>
+                  <a:latin typeface="Times New Roman" panose="02020603050405020304" pitchFamily="18" charset="0"/>
+                  <a:cs typeface="Times New Roman" panose="02020603050405020304" pitchFamily="18" charset="0"/>
+                </a:rPr>
+                <a:t> </a:t>
+              </a:r>
+              <a:r>
+                <a:rPr lang="en-US" sz="3000" b="1" dirty="0" err="1" smtClean="0">
+                  <a:ln w="0"/>
+                  <a:solidFill>
+                    <a:schemeClr val="accent2">
+                      <a:lumMod val="50000"/>
+                    </a:schemeClr>
+                  </a:solidFill>
+                  <a:effectLst>
+                    <a:outerShdw blurRad="38100" dist="25400" dir="5400000" algn="ctr" rotWithShape="0">
+                      <a:srgbClr val="6E747A">
+                        <a:alpha val="43000"/>
+                      </a:srgbClr>
+                    </a:outerShdw>
+                  </a:effectLst>
+                  <a:latin typeface="Times New Roman" panose="02020603050405020304" pitchFamily="18" charset="0"/>
+                  <a:cs typeface="Times New Roman" panose="02020603050405020304" pitchFamily="18" charset="0"/>
+                </a:rPr>
+                <a:t>hướng</a:t>
+              </a:r>
+              <a:r>
+                <a:rPr lang="en-US" sz="3000" b="1" dirty="0" smtClean="0">
+                  <a:ln w="0"/>
+                  <a:solidFill>
+                    <a:schemeClr val="accent2">
+                      <a:lumMod val="50000"/>
+                    </a:schemeClr>
+                  </a:solidFill>
+                  <a:effectLst>
+                    <a:outerShdw blurRad="38100" dist="25400" dir="5400000" algn="ctr" rotWithShape="0">
+                      <a:srgbClr val="6E747A">
+                        <a:alpha val="43000"/>
+                      </a:srgbClr>
+                    </a:outerShdw>
+                  </a:effectLst>
+                  <a:latin typeface="Times New Roman" panose="02020603050405020304" pitchFamily="18" charset="0"/>
+                  <a:cs typeface="Times New Roman" panose="02020603050405020304" pitchFamily="18" charset="0"/>
+                </a:rPr>
+                <a:t> </a:t>
+              </a:r>
+              <a:r>
+                <a:rPr lang="en-US" sz="3000" b="1" dirty="0" err="1" smtClean="0">
+                  <a:ln w="0"/>
+                  <a:solidFill>
+                    <a:schemeClr val="accent2">
+                      <a:lumMod val="50000"/>
+                    </a:schemeClr>
+                  </a:solidFill>
+                  <a:effectLst>
+                    <a:outerShdw blurRad="38100" dist="25400" dir="5400000" algn="ctr" rotWithShape="0">
+                      <a:srgbClr val="6E747A">
+                        <a:alpha val="43000"/>
+                      </a:srgbClr>
+                    </a:outerShdw>
+                  </a:effectLst>
+                  <a:latin typeface="Times New Roman" panose="02020603050405020304" pitchFamily="18" charset="0"/>
+                  <a:cs typeface="Times New Roman" panose="02020603050405020304" pitchFamily="18" charset="0"/>
+                </a:rPr>
+                <a:t>đề</a:t>
+              </a:r>
+              <a:r>
+                <a:rPr lang="en-US" sz="3000" b="1" dirty="0" smtClean="0">
+                  <a:ln w="0"/>
+                  <a:solidFill>
+                    <a:schemeClr val="accent2">
+                      <a:lumMod val="50000"/>
+                    </a:schemeClr>
+                  </a:solidFill>
+                  <a:effectLst>
+                    <a:outerShdw blurRad="38100" dist="25400" dir="5400000" algn="ctr" rotWithShape="0">
+                      <a:srgbClr val="6E747A">
+                        <a:alpha val="43000"/>
+                      </a:srgbClr>
+                    </a:outerShdw>
+                  </a:effectLst>
+                  <a:latin typeface="Times New Roman" panose="02020603050405020304" pitchFamily="18" charset="0"/>
+                  <a:cs typeface="Times New Roman" panose="02020603050405020304" pitchFamily="18" charset="0"/>
+                </a:rPr>
+                <a:t> </a:t>
+              </a:r>
+              <a:r>
+                <a:rPr lang="en-US" sz="3000" b="1" dirty="0" err="1" smtClean="0">
+                  <a:ln w="0"/>
+                  <a:solidFill>
+                    <a:schemeClr val="accent2">
+                      <a:lumMod val="50000"/>
+                    </a:schemeClr>
+                  </a:solidFill>
+                  <a:effectLst>
+                    <a:outerShdw blurRad="38100" dist="25400" dir="5400000" algn="ctr" rotWithShape="0">
+                      <a:srgbClr val="6E747A">
+                        <a:alpha val="43000"/>
+                      </a:srgbClr>
+                    </a:outerShdw>
+                  </a:effectLst>
+                  <a:latin typeface="Times New Roman" panose="02020603050405020304" pitchFamily="18" charset="0"/>
+                  <a:cs typeface="Times New Roman" panose="02020603050405020304" pitchFamily="18" charset="0"/>
+                </a:rPr>
+                <a:t>tài</a:t>
+              </a:r>
+              <a:endParaRPr lang="vi-VN" sz="3000" b="1" dirty="0">
+                <a:ln w="0"/>
+                <a:solidFill>
+                  <a:schemeClr val="accent2">
+                    <a:lumMod val="50000"/>
+                  </a:schemeClr>
+                </a:solidFill>
+                <a:latin typeface="Times New Roman" panose="02020603050405020304" pitchFamily="18" charset="0"/>
+                <a:cs typeface="Times New Roman" panose="02020603050405020304" pitchFamily="18" charset="0"/>
+              </a:endParaRPr>
+            </a:p>
+          </p:txBody>
+        </p:sp>
+      </p:grpSp>
     </p:spTree>
     <p:extLst>
       <p:ext uri="{BB962C8B-B14F-4D97-AF65-F5344CB8AC3E}">
@@ -6404,7 +7613,7 @@
         <p:spPr>
           <a:xfrm>
             <a:off x="685799" y="245661"/>
-            <a:ext cx="8588203" cy="1433014"/>
+            <a:ext cx="8588203" cy="823118"/>
           </a:xfrm>
         </p:spPr>
         <p:txBody>
@@ -6413,11 +7622,12 @@
           </a:bodyPr>
           <a:lstStyle/>
           <a:p>
+            <a:pPr algn="ctr"/>
             <a:r>
               <a:rPr lang="en-US" sz="3400" b="1" dirty="0" err="1" smtClean="0">
                 <a:solidFill>
                   <a:schemeClr val="accent2">
-                    <a:lumMod val="75000"/>
+                    <a:lumMod val="50000"/>
                   </a:schemeClr>
                 </a:solidFill>
                 <a:latin typeface="Times New Roman" panose="02020603050405020304" pitchFamily="18" charset="0"/>
@@ -6429,7 +7639,7 @@
               <a:rPr lang="en-US" sz="3400" b="1" dirty="0" smtClean="0">
                 <a:solidFill>
                   <a:schemeClr val="accent2">
-                    <a:lumMod val="75000"/>
+                    <a:lumMod val="50000"/>
                   </a:schemeClr>
                 </a:solidFill>
                 <a:latin typeface="Times New Roman" panose="02020603050405020304" pitchFamily="18" charset="0"/>
@@ -6441,7 +7651,7 @@
               <a:rPr lang="en-US" sz="3400" b="1" dirty="0" err="1" smtClean="0">
                 <a:solidFill>
                   <a:schemeClr val="accent2">
-                    <a:lumMod val="75000"/>
+                    <a:lumMod val="50000"/>
                   </a:schemeClr>
                 </a:solidFill>
                 <a:latin typeface="Times New Roman" panose="02020603050405020304" pitchFamily="18" charset="0"/>
@@ -6453,7 +7663,7 @@
               <a:rPr lang="en-US" sz="3400" b="1" dirty="0" smtClean="0">
                 <a:solidFill>
                   <a:schemeClr val="accent2">
-                    <a:lumMod val="75000"/>
+                    <a:lumMod val="50000"/>
                   </a:schemeClr>
                 </a:solidFill>
                 <a:latin typeface="Times New Roman" panose="02020603050405020304" pitchFamily="18" charset="0"/>
@@ -6465,7 +7675,7 @@
               <a:rPr lang="en-US" sz="3400" b="1" dirty="0" err="1" smtClean="0">
                 <a:solidFill>
                   <a:schemeClr val="accent2">
-                    <a:lumMod val="75000"/>
+                    <a:lumMod val="50000"/>
                   </a:schemeClr>
                 </a:solidFill>
                 <a:latin typeface="Times New Roman" panose="02020603050405020304" pitchFamily="18" charset="0"/>
@@ -6477,7 +7687,7 @@
               <a:rPr lang="en-US" sz="3400" b="1" dirty="0" smtClean="0">
                 <a:solidFill>
                   <a:schemeClr val="accent2">
-                    <a:lumMod val="75000"/>
+                    <a:lumMod val="50000"/>
                   </a:schemeClr>
                 </a:solidFill>
                 <a:latin typeface="Times New Roman" panose="02020603050405020304" pitchFamily="18" charset="0"/>
@@ -6489,7 +7699,7 @@
               <a:rPr lang="en-US" sz="3400" b="1" dirty="0" err="1" smtClean="0">
                 <a:solidFill>
                   <a:schemeClr val="accent2">
-                    <a:lumMod val="75000"/>
+                    <a:lumMod val="50000"/>
                   </a:schemeClr>
                 </a:solidFill>
                 <a:latin typeface="Times New Roman" panose="02020603050405020304" pitchFamily="18" charset="0"/>
@@ -6501,7 +7711,7 @@
               <a:rPr lang="en-US" sz="3400" b="1" dirty="0" smtClean="0">
                 <a:solidFill>
                   <a:schemeClr val="accent2">
-                    <a:lumMod val="75000"/>
+                    <a:lumMod val="50000"/>
                   </a:schemeClr>
                 </a:solidFill>
                 <a:latin typeface="Times New Roman" panose="02020603050405020304" pitchFamily="18" charset="0"/>
@@ -6513,7 +7723,7 @@
               <a:rPr lang="en-US" sz="3400" b="1" dirty="0" err="1" smtClean="0">
                 <a:solidFill>
                   <a:schemeClr val="accent2">
-                    <a:lumMod val="75000"/>
+                    <a:lumMod val="50000"/>
                   </a:schemeClr>
                 </a:solidFill>
                 <a:latin typeface="Times New Roman" panose="02020603050405020304" pitchFamily="18" charset="0"/>
@@ -6525,7 +7735,7 @@
               <a:rPr lang="en-US" sz="3400" b="1" dirty="0" smtClean="0">
                 <a:solidFill>
                   <a:schemeClr val="accent2">
-                    <a:lumMod val="75000"/>
+                    <a:lumMod val="50000"/>
                   </a:schemeClr>
                 </a:solidFill>
                 <a:latin typeface="Times New Roman" panose="02020603050405020304" pitchFamily="18" charset="0"/>
@@ -6537,7 +7747,7 @@
               <a:rPr lang="en-US" sz="3400" b="1" dirty="0" err="1" smtClean="0">
                 <a:solidFill>
                   <a:schemeClr val="accent2">
-                    <a:lumMod val="75000"/>
+                    <a:lumMod val="50000"/>
                   </a:schemeClr>
                 </a:solidFill>
                 <a:latin typeface="Times New Roman" panose="02020603050405020304" pitchFamily="18" charset="0"/>
@@ -6548,7 +7758,7 @@
             <a:endParaRPr lang="vi-VN" sz="3400" b="1" dirty="0">
               <a:solidFill>
                 <a:schemeClr val="accent2">
-                  <a:lumMod val="75000"/>
+                  <a:lumMod val="50000"/>
                 </a:schemeClr>
               </a:solidFill>
               <a:latin typeface="Times New Roman" panose="02020603050405020304" pitchFamily="18" charset="0"/>
@@ -6569,7 +7779,7 @@
         </p:nvSpPr>
         <p:spPr>
           <a:xfrm>
-            <a:off x="685799" y="1746914"/>
+            <a:off x="910228" y="5961498"/>
             <a:ext cx="8596668" cy="573204"/>
           </a:xfrm>
         </p:spPr>
@@ -6913,6 +8123,13 @@
         </p:nvPicPr>
         <p:blipFill>
           <a:blip r:embed="rId2">
+            <a:duotone>
+              <a:schemeClr val="accent5">
+                <a:shade val="45000"/>
+                <a:satMod val="135000"/>
+              </a:schemeClr>
+              <a:prstClr val="white"/>
+            </a:duotone>
             <a:extLst>
               <a:ext uri="{28A0092B-C50C-407E-A947-70E740481C1C}">
                 <a14:useLocalDpi xmlns:a14="http://schemas.microsoft.com/office/drawing/2010/main" val="0"/>
@@ -6925,12 +8142,39 @@
         </p:blipFill>
         <p:spPr>
           <a:xfrm>
-            <a:off x="1174663" y="2388358"/>
-            <a:ext cx="7602011" cy="3671248"/>
+            <a:off x="685799" y="1308295"/>
+            <a:ext cx="9045526" cy="4413687"/>
           </a:xfrm>
-          <a:prstGeom prst="rect">
-            <a:avLst/>
+          <a:prstGeom prst="roundRect">
+            <a:avLst>
+              <a:gd name="adj" fmla="val 11111"/>
+            </a:avLst>
           </a:prstGeom>
+          <a:ln w="190500" cap="rnd">
+            <a:solidFill>
+              <a:srgbClr val="C8C6BD"/>
+            </a:solidFill>
+            <a:prstDash val="solid"/>
+          </a:ln>
+          <a:effectLst>
+            <a:outerShdw blurRad="101600" dist="50800" dir="7200000" algn="tl" rotWithShape="0">
+              <a:srgbClr val="000000">
+                <a:alpha val="45000"/>
+              </a:srgbClr>
+            </a:outerShdw>
+          </a:effectLst>
+          <a:scene3d>
+            <a:camera prst="perspectiveFront" fov="5400000"/>
+            <a:lightRig rig="threePt" dir="t">
+              <a:rot lat="0" lon="0" rev="19200000"/>
+            </a:lightRig>
+          </a:scene3d>
+          <a:sp3d extrusionH="25400">
+            <a:bevelT w="304800" h="152400" prst="hardEdge"/>
+            <a:extrusionClr>
+              <a:srgbClr val="FFFFFF"/>
+            </a:extrusionClr>
+          </a:sp3d>
         </p:spPr>
       </p:pic>
     </p:spTree>
@@ -6982,8 +8226,8 @@
         </p:nvSpPr>
         <p:spPr>
           <a:xfrm>
-            <a:off x="685799" y="245660"/>
-            <a:ext cx="8588203" cy="1624083"/>
+            <a:off x="685799" y="245661"/>
+            <a:ext cx="8588203" cy="656864"/>
           </a:xfrm>
         </p:spPr>
         <p:txBody>
@@ -6992,11 +8236,12 @@
           </a:bodyPr>
           <a:lstStyle/>
           <a:p>
+            <a:pPr algn="ctr"/>
             <a:r>
               <a:rPr lang="en-US" sz="3400" b="1" dirty="0" err="1" smtClean="0">
                 <a:solidFill>
                   <a:schemeClr val="accent2">
-                    <a:lumMod val="75000"/>
+                    <a:lumMod val="50000"/>
                   </a:schemeClr>
                 </a:solidFill>
                 <a:latin typeface="Times New Roman" panose="02020603050405020304" pitchFamily="18" charset="0"/>
@@ -7008,7 +8253,7 @@
               <a:rPr lang="en-US" sz="3400" b="1" dirty="0" smtClean="0">
                 <a:solidFill>
                   <a:schemeClr val="accent2">
-                    <a:lumMod val="75000"/>
+                    <a:lumMod val="50000"/>
                   </a:schemeClr>
                 </a:solidFill>
                 <a:latin typeface="Times New Roman" panose="02020603050405020304" pitchFamily="18" charset="0"/>
@@ -7020,7 +8265,7 @@
               <a:rPr lang="en-US" sz="3400" b="1" dirty="0" err="1" smtClean="0">
                 <a:solidFill>
                   <a:schemeClr val="accent2">
-                    <a:lumMod val="75000"/>
+                    <a:lumMod val="50000"/>
                   </a:schemeClr>
                 </a:solidFill>
                 <a:latin typeface="Times New Roman" panose="02020603050405020304" pitchFamily="18" charset="0"/>
@@ -7032,7 +8277,7 @@
               <a:rPr lang="en-US" sz="3400" b="1" dirty="0" smtClean="0">
                 <a:solidFill>
                   <a:schemeClr val="accent2">
-                    <a:lumMod val="75000"/>
+                    <a:lumMod val="50000"/>
                   </a:schemeClr>
                 </a:solidFill>
                 <a:latin typeface="Times New Roman" panose="02020603050405020304" pitchFamily="18" charset="0"/>
@@ -7044,7 +8289,7 @@
               <a:rPr lang="en-US" sz="3400" b="1" dirty="0" err="1" smtClean="0">
                 <a:solidFill>
                   <a:schemeClr val="accent2">
-                    <a:lumMod val="75000"/>
+                    <a:lumMod val="50000"/>
                   </a:schemeClr>
                 </a:solidFill>
                 <a:latin typeface="Times New Roman" panose="02020603050405020304" pitchFamily="18" charset="0"/>
@@ -7056,7 +8301,7 @@
               <a:rPr lang="en-US" sz="3400" b="1" dirty="0" smtClean="0">
                 <a:solidFill>
                   <a:schemeClr val="accent2">
-                    <a:lumMod val="75000"/>
+                    <a:lumMod val="50000"/>
                   </a:schemeClr>
                 </a:solidFill>
                 <a:latin typeface="Times New Roman" panose="02020603050405020304" pitchFamily="18" charset="0"/>
@@ -7068,7 +8313,7 @@
               <a:rPr lang="en-US" sz="3400" b="1" dirty="0" err="1" smtClean="0">
                 <a:solidFill>
                   <a:schemeClr val="accent2">
-                    <a:lumMod val="75000"/>
+                    <a:lumMod val="50000"/>
                   </a:schemeClr>
                 </a:solidFill>
                 <a:latin typeface="Times New Roman" panose="02020603050405020304" pitchFamily="18" charset="0"/>
@@ -7077,422 +8322,6 @@
               <a:t>tài</a:t>
             </a:r>
             <a:endParaRPr lang="vi-VN" sz="3400" b="1" dirty="0">
-              <a:solidFill>
-                <a:schemeClr val="accent2">
-                  <a:lumMod val="75000"/>
-                </a:schemeClr>
-              </a:solidFill>
-              <a:latin typeface="Times New Roman" panose="02020603050405020304" pitchFamily="18" charset="0"/>
-              <a:cs typeface="Times New Roman" panose="02020603050405020304" pitchFamily="18" charset="0"/>
-            </a:endParaRPr>
-          </a:p>
-        </p:txBody>
-      </p:sp>
-      <p:sp>
-        <p:nvSpPr>
-          <p:cNvPr id="5" name="Text Placeholder 4"/>
-          <p:cNvSpPr>
-            <a:spLocks noGrp="1"/>
-          </p:cNvSpPr>
-          <p:nvPr>
-            <p:ph type="body" idx="1"/>
-          </p:nvPr>
-        </p:nvSpPr>
-        <p:spPr>
-          <a:xfrm>
-            <a:off x="677335" y="2156346"/>
-            <a:ext cx="8596668" cy="3411941"/>
-          </a:xfrm>
-        </p:spPr>
-        <p:txBody>
-          <a:bodyPr>
-            <a:normAutofit/>
-          </a:bodyPr>
-          <a:lstStyle/>
-          <a:p>
-            <a:pPr marL="285750" indent="-285750">
-              <a:buFont typeface="Wingdings" panose="05000000000000000000" pitchFamily="2" charset="2"/>
-              <a:buChar char="v"/>
-            </a:pPr>
-            <a:r>
-              <a:rPr lang="en-US" sz="2600" dirty="0" err="1" smtClean="0">
-                <a:solidFill>
-                  <a:schemeClr val="accent2">
-                    <a:lumMod val="50000"/>
-                  </a:schemeClr>
-                </a:solidFill>
-                <a:latin typeface="Times New Roman" panose="02020603050405020304" pitchFamily="18" charset="0"/>
-                <a:cs typeface="Times New Roman" panose="02020603050405020304" pitchFamily="18" charset="0"/>
-              </a:rPr>
-              <a:t>Lựa</a:t>
-            </a:r>
-            <a:r>
-              <a:rPr lang="en-US" sz="2600" dirty="0" smtClean="0">
-                <a:solidFill>
-                  <a:schemeClr val="accent2">
-                    <a:lumMod val="50000"/>
-                  </a:schemeClr>
-                </a:solidFill>
-                <a:latin typeface="Times New Roman" panose="02020603050405020304" pitchFamily="18" charset="0"/>
-                <a:cs typeface="Times New Roman" panose="02020603050405020304" pitchFamily="18" charset="0"/>
-              </a:rPr>
-              <a:t> </a:t>
-            </a:r>
-            <a:r>
-              <a:rPr lang="en-US" sz="2600" dirty="0" err="1" smtClean="0">
-                <a:solidFill>
-                  <a:schemeClr val="accent2">
-                    <a:lumMod val="50000"/>
-                  </a:schemeClr>
-                </a:solidFill>
-                <a:latin typeface="Times New Roman" panose="02020603050405020304" pitchFamily="18" charset="0"/>
-                <a:cs typeface="Times New Roman" panose="02020603050405020304" pitchFamily="18" charset="0"/>
-              </a:rPr>
-              <a:t>chọn</a:t>
-            </a:r>
-            <a:r>
-              <a:rPr lang="en-US" sz="2600" dirty="0" smtClean="0">
-                <a:solidFill>
-                  <a:schemeClr val="accent2">
-                    <a:lumMod val="50000"/>
-                  </a:schemeClr>
-                </a:solidFill>
-                <a:latin typeface="Times New Roman" panose="02020603050405020304" pitchFamily="18" charset="0"/>
-                <a:cs typeface="Times New Roman" panose="02020603050405020304" pitchFamily="18" charset="0"/>
-              </a:rPr>
-              <a:t> </a:t>
-            </a:r>
-            <a:r>
-              <a:rPr lang="en-US" sz="2600" dirty="0" err="1">
-                <a:solidFill>
-                  <a:schemeClr val="accent2">
-                    <a:lumMod val="50000"/>
-                  </a:schemeClr>
-                </a:solidFill>
-                <a:latin typeface="Times New Roman" panose="02020603050405020304" pitchFamily="18" charset="0"/>
-                <a:cs typeface="Times New Roman" panose="02020603050405020304" pitchFamily="18" charset="0"/>
-              </a:rPr>
-              <a:t>n</a:t>
-            </a:r>
-            <a:r>
-              <a:rPr lang="en-US" sz="2600" dirty="0" err="1" smtClean="0">
-                <a:solidFill>
-                  <a:schemeClr val="accent2">
-                    <a:lumMod val="50000"/>
-                  </a:schemeClr>
-                </a:solidFill>
-                <a:latin typeface="Times New Roman" panose="02020603050405020304" pitchFamily="18" charset="0"/>
-                <a:cs typeface="Times New Roman" panose="02020603050405020304" pitchFamily="18" charset="0"/>
-              </a:rPr>
-              <a:t>ền</a:t>
-            </a:r>
-            <a:r>
-              <a:rPr lang="en-US" sz="2600" dirty="0" smtClean="0">
-                <a:solidFill>
-                  <a:schemeClr val="accent2">
-                    <a:lumMod val="50000"/>
-                  </a:schemeClr>
-                </a:solidFill>
-                <a:latin typeface="Times New Roman" panose="02020603050405020304" pitchFamily="18" charset="0"/>
-                <a:cs typeface="Times New Roman" panose="02020603050405020304" pitchFamily="18" charset="0"/>
-              </a:rPr>
-              <a:t> </a:t>
-            </a:r>
-            <a:r>
-              <a:rPr lang="en-US" sz="2600" dirty="0" err="1" smtClean="0">
-                <a:solidFill>
-                  <a:schemeClr val="accent2">
-                    <a:lumMod val="50000"/>
-                  </a:schemeClr>
-                </a:solidFill>
-                <a:latin typeface="Times New Roman" panose="02020603050405020304" pitchFamily="18" charset="0"/>
-                <a:cs typeface="Times New Roman" panose="02020603050405020304" pitchFamily="18" charset="0"/>
-              </a:rPr>
-              <a:t>tảng</a:t>
-            </a:r>
-            <a:r>
-              <a:rPr lang="en-US" sz="2600" dirty="0" smtClean="0">
-                <a:solidFill>
-                  <a:schemeClr val="accent2">
-                    <a:lumMod val="50000"/>
-                  </a:schemeClr>
-                </a:solidFill>
-                <a:latin typeface="Times New Roman" panose="02020603050405020304" pitchFamily="18" charset="0"/>
-                <a:cs typeface="Times New Roman" panose="02020603050405020304" pitchFamily="18" charset="0"/>
-              </a:rPr>
-              <a:t>: </a:t>
-            </a:r>
-            <a:r>
-              <a:rPr lang="en-US" sz="2600" dirty="0" err="1" smtClean="0">
-                <a:solidFill>
-                  <a:schemeClr val="accent2">
-                    <a:lumMod val="50000"/>
-                  </a:schemeClr>
-                </a:solidFill>
-                <a:latin typeface="Times New Roman" panose="02020603050405020304" pitchFamily="18" charset="0"/>
-                <a:cs typeface="Times New Roman" panose="02020603050405020304" pitchFamily="18" charset="0"/>
-              </a:rPr>
-              <a:t>Hệ</a:t>
-            </a:r>
-            <a:r>
-              <a:rPr lang="en-US" sz="2600" dirty="0" smtClean="0">
-                <a:solidFill>
-                  <a:schemeClr val="accent2">
-                    <a:lumMod val="50000"/>
-                  </a:schemeClr>
-                </a:solidFill>
-                <a:latin typeface="Times New Roman" panose="02020603050405020304" pitchFamily="18" charset="0"/>
-                <a:cs typeface="Times New Roman" panose="02020603050405020304" pitchFamily="18" charset="0"/>
-              </a:rPr>
-              <a:t> </a:t>
-            </a:r>
-            <a:r>
-              <a:rPr lang="en-US" sz="2600" dirty="0" err="1" smtClean="0">
-                <a:solidFill>
-                  <a:schemeClr val="accent2">
-                    <a:lumMod val="50000"/>
-                  </a:schemeClr>
-                </a:solidFill>
-                <a:latin typeface="Times New Roman" panose="02020603050405020304" pitchFamily="18" charset="0"/>
-                <a:cs typeface="Times New Roman" panose="02020603050405020304" pitchFamily="18" charset="0"/>
-              </a:rPr>
-              <a:t>điều</a:t>
-            </a:r>
-            <a:r>
-              <a:rPr lang="en-US" sz="2600" dirty="0" smtClean="0">
-                <a:solidFill>
-                  <a:schemeClr val="accent2">
-                    <a:lumMod val="50000"/>
-                  </a:schemeClr>
-                </a:solidFill>
-                <a:latin typeface="Times New Roman" panose="02020603050405020304" pitchFamily="18" charset="0"/>
-                <a:cs typeface="Times New Roman" panose="02020603050405020304" pitchFamily="18" charset="0"/>
-              </a:rPr>
-              <a:t> </a:t>
-            </a:r>
-            <a:r>
-              <a:rPr lang="en-US" sz="2600" dirty="0" err="1" smtClean="0">
-                <a:solidFill>
-                  <a:schemeClr val="accent2">
-                    <a:lumMod val="50000"/>
-                  </a:schemeClr>
-                </a:solidFill>
-                <a:latin typeface="Times New Roman" panose="02020603050405020304" pitchFamily="18" charset="0"/>
-                <a:cs typeface="Times New Roman" panose="02020603050405020304" pitchFamily="18" charset="0"/>
-              </a:rPr>
-              <a:t>hành</a:t>
-            </a:r>
-            <a:r>
-              <a:rPr lang="en-US" sz="2600" dirty="0" smtClean="0">
-                <a:solidFill>
-                  <a:schemeClr val="accent2">
-                    <a:lumMod val="50000"/>
-                  </a:schemeClr>
-                </a:solidFill>
-                <a:latin typeface="Times New Roman" panose="02020603050405020304" pitchFamily="18" charset="0"/>
-                <a:cs typeface="Times New Roman" panose="02020603050405020304" pitchFamily="18" charset="0"/>
-              </a:rPr>
-              <a:t> Android</a:t>
-            </a:r>
-          </a:p>
-          <a:p>
-            <a:pPr marL="285750" indent="-285750">
-              <a:buFont typeface="Wingdings" panose="05000000000000000000" pitchFamily="2" charset="2"/>
-              <a:buChar char="v"/>
-            </a:pPr>
-            <a:r>
-              <a:rPr lang="en-US" sz="2600" dirty="0" err="1" smtClean="0">
-                <a:solidFill>
-                  <a:schemeClr val="accent2">
-                    <a:lumMod val="50000"/>
-                  </a:schemeClr>
-                </a:solidFill>
-                <a:latin typeface="Times New Roman" panose="02020603050405020304" pitchFamily="18" charset="0"/>
-                <a:cs typeface="Times New Roman" panose="02020603050405020304" pitchFamily="18" charset="0"/>
-              </a:rPr>
-              <a:t>Lựa</a:t>
-            </a:r>
-            <a:r>
-              <a:rPr lang="en-US" sz="2600" dirty="0" smtClean="0">
-                <a:solidFill>
-                  <a:schemeClr val="accent2">
-                    <a:lumMod val="50000"/>
-                  </a:schemeClr>
-                </a:solidFill>
-                <a:latin typeface="Times New Roman" panose="02020603050405020304" pitchFamily="18" charset="0"/>
-                <a:cs typeface="Times New Roman" panose="02020603050405020304" pitchFamily="18" charset="0"/>
-              </a:rPr>
-              <a:t> </a:t>
-            </a:r>
-            <a:r>
-              <a:rPr lang="en-US" sz="2600" dirty="0" err="1" smtClean="0">
-                <a:solidFill>
-                  <a:schemeClr val="accent2">
-                    <a:lumMod val="50000"/>
-                  </a:schemeClr>
-                </a:solidFill>
-                <a:latin typeface="Times New Roman" panose="02020603050405020304" pitchFamily="18" charset="0"/>
-                <a:cs typeface="Times New Roman" panose="02020603050405020304" pitchFamily="18" charset="0"/>
-              </a:rPr>
-              <a:t>chọn</a:t>
-            </a:r>
-            <a:r>
-              <a:rPr lang="en-US" sz="2600" dirty="0" smtClean="0">
-                <a:solidFill>
-                  <a:schemeClr val="accent2">
-                    <a:lumMod val="50000"/>
-                  </a:schemeClr>
-                </a:solidFill>
-                <a:latin typeface="Times New Roman" panose="02020603050405020304" pitchFamily="18" charset="0"/>
-                <a:cs typeface="Times New Roman" panose="02020603050405020304" pitchFamily="18" charset="0"/>
-              </a:rPr>
-              <a:t> </a:t>
-            </a:r>
-            <a:r>
-              <a:rPr lang="en-US" sz="2600" dirty="0" err="1" smtClean="0">
-                <a:solidFill>
-                  <a:schemeClr val="accent2">
-                    <a:lumMod val="50000"/>
-                  </a:schemeClr>
-                </a:solidFill>
-                <a:latin typeface="Times New Roman" panose="02020603050405020304" pitchFamily="18" charset="0"/>
-                <a:cs typeface="Times New Roman" panose="02020603050405020304" pitchFamily="18" charset="0"/>
-              </a:rPr>
-              <a:t>ứng</a:t>
-            </a:r>
-            <a:r>
-              <a:rPr lang="en-US" sz="2600" dirty="0" smtClean="0">
-                <a:solidFill>
-                  <a:schemeClr val="accent2">
-                    <a:lumMod val="50000"/>
-                  </a:schemeClr>
-                </a:solidFill>
-                <a:latin typeface="Times New Roman" panose="02020603050405020304" pitchFamily="18" charset="0"/>
-                <a:cs typeface="Times New Roman" panose="02020603050405020304" pitchFamily="18" charset="0"/>
-              </a:rPr>
-              <a:t> </a:t>
-            </a:r>
-            <a:r>
-              <a:rPr lang="en-US" sz="2600" dirty="0" err="1" smtClean="0">
-                <a:solidFill>
-                  <a:schemeClr val="accent2">
-                    <a:lumMod val="50000"/>
-                  </a:schemeClr>
-                </a:solidFill>
-                <a:latin typeface="Times New Roman" panose="02020603050405020304" pitchFamily="18" charset="0"/>
-                <a:cs typeface="Times New Roman" panose="02020603050405020304" pitchFamily="18" charset="0"/>
-              </a:rPr>
-              <a:t>dụng</a:t>
-            </a:r>
-            <a:r>
-              <a:rPr lang="en-US" sz="2600" dirty="0" smtClean="0">
-                <a:solidFill>
-                  <a:schemeClr val="accent2">
-                    <a:lumMod val="50000"/>
-                  </a:schemeClr>
-                </a:solidFill>
-                <a:latin typeface="Times New Roman" panose="02020603050405020304" pitchFamily="18" charset="0"/>
-                <a:cs typeface="Times New Roman" panose="02020603050405020304" pitchFamily="18" charset="0"/>
-              </a:rPr>
-              <a:t>: </a:t>
-            </a:r>
-            <a:r>
-              <a:rPr lang="en-US" sz="2600" dirty="0" err="1">
-                <a:solidFill>
-                  <a:schemeClr val="accent2">
-                    <a:lumMod val="50000"/>
-                  </a:schemeClr>
-                </a:solidFill>
-                <a:latin typeface="Times New Roman" panose="02020603050405020304" pitchFamily="18" charset="0"/>
-                <a:cs typeface="Times New Roman" panose="02020603050405020304" pitchFamily="18" charset="0"/>
-              </a:rPr>
-              <a:t>Ứ</a:t>
-            </a:r>
-            <a:r>
-              <a:rPr lang="en-US" sz="2600" dirty="0" err="1" smtClean="0">
-                <a:solidFill>
-                  <a:schemeClr val="accent2">
-                    <a:lumMod val="50000"/>
-                  </a:schemeClr>
-                </a:solidFill>
-                <a:latin typeface="Times New Roman" panose="02020603050405020304" pitchFamily="18" charset="0"/>
-                <a:cs typeface="Times New Roman" panose="02020603050405020304" pitchFamily="18" charset="0"/>
-              </a:rPr>
-              <a:t>ng</a:t>
-            </a:r>
-            <a:r>
-              <a:rPr lang="en-US" sz="2600" dirty="0" smtClean="0">
-                <a:solidFill>
-                  <a:schemeClr val="accent2">
-                    <a:lumMod val="50000"/>
-                  </a:schemeClr>
-                </a:solidFill>
-                <a:latin typeface="Times New Roman" panose="02020603050405020304" pitchFamily="18" charset="0"/>
-                <a:cs typeface="Times New Roman" panose="02020603050405020304" pitchFamily="18" charset="0"/>
-              </a:rPr>
-              <a:t> </a:t>
-            </a:r>
-            <a:r>
-              <a:rPr lang="en-US" sz="2600" dirty="0" err="1" smtClean="0">
-                <a:solidFill>
-                  <a:schemeClr val="accent2">
-                    <a:lumMod val="50000"/>
-                  </a:schemeClr>
-                </a:solidFill>
-                <a:latin typeface="Times New Roman" panose="02020603050405020304" pitchFamily="18" charset="0"/>
-                <a:cs typeface="Times New Roman" panose="02020603050405020304" pitchFamily="18" charset="0"/>
-              </a:rPr>
-              <a:t>dụng</a:t>
-            </a:r>
-            <a:r>
-              <a:rPr lang="en-US" sz="2600" dirty="0" smtClean="0">
-                <a:solidFill>
-                  <a:schemeClr val="accent2">
-                    <a:lumMod val="50000"/>
-                  </a:schemeClr>
-                </a:solidFill>
-                <a:latin typeface="Times New Roman" panose="02020603050405020304" pitchFamily="18" charset="0"/>
-                <a:cs typeface="Times New Roman" panose="02020603050405020304" pitchFamily="18" charset="0"/>
-              </a:rPr>
-              <a:t> </a:t>
-            </a:r>
-            <a:r>
-              <a:rPr lang="en-US" sz="2600" dirty="0" err="1" smtClean="0">
-                <a:solidFill>
-                  <a:schemeClr val="accent2">
-                    <a:lumMod val="50000"/>
-                  </a:schemeClr>
-                </a:solidFill>
-                <a:latin typeface="Times New Roman" panose="02020603050405020304" pitchFamily="18" charset="0"/>
-                <a:cs typeface="Times New Roman" panose="02020603050405020304" pitchFamily="18" charset="0"/>
-              </a:rPr>
-              <a:t>báo</a:t>
-            </a:r>
-            <a:r>
-              <a:rPr lang="en-US" sz="2600" dirty="0" smtClean="0">
-                <a:solidFill>
-                  <a:schemeClr val="accent2">
-                    <a:lumMod val="50000"/>
-                  </a:schemeClr>
-                </a:solidFill>
-                <a:latin typeface="Times New Roman" panose="02020603050405020304" pitchFamily="18" charset="0"/>
-                <a:cs typeface="Times New Roman" panose="02020603050405020304" pitchFamily="18" charset="0"/>
-              </a:rPr>
-              <a:t> </a:t>
-            </a:r>
-            <a:r>
-              <a:rPr lang="en-US" sz="2600" dirty="0" err="1" smtClean="0">
-                <a:solidFill>
-                  <a:schemeClr val="accent2">
-                    <a:lumMod val="50000"/>
-                  </a:schemeClr>
-                </a:solidFill>
-                <a:latin typeface="Times New Roman" panose="02020603050405020304" pitchFamily="18" charset="0"/>
-                <a:cs typeface="Times New Roman" panose="02020603050405020304" pitchFamily="18" charset="0"/>
-              </a:rPr>
-              <a:t>thức</a:t>
-            </a:r>
-            <a:endParaRPr lang="en-US" sz="2600" dirty="0" smtClean="0">
               <a:solidFill>
                 <a:schemeClr val="accent2">
                   <a:lumMod val="50000"/>
@@ -7502,125 +8331,803 @@
               <a:cs typeface="Times New Roman" panose="02020603050405020304" pitchFamily="18" charset="0"/>
             </a:endParaRPr>
           </a:p>
-          <a:p>
-            <a:pPr marL="285750" indent="-285750">
-              <a:buFont typeface="Wingdings" panose="05000000000000000000" pitchFamily="2" charset="2"/>
-              <a:buChar char="v"/>
-            </a:pPr>
-            <a:r>
-              <a:rPr lang="en-US" sz="2600" dirty="0" err="1" smtClean="0">
-                <a:solidFill>
-                  <a:schemeClr val="accent2">
-                    <a:lumMod val="50000"/>
-                  </a:schemeClr>
-                </a:solidFill>
-                <a:latin typeface="Times New Roman" panose="02020603050405020304" pitchFamily="18" charset="0"/>
-                <a:cs typeface="Times New Roman" panose="02020603050405020304" pitchFamily="18" charset="0"/>
-              </a:rPr>
-              <a:t>Công</a:t>
-            </a:r>
-            <a:r>
-              <a:rPr lang="en-US" sz="2600" dirty="0" smtClean="0">
-                <a:solidFill>
-                  <a:schemeClr val="accent2">
-                    <a:lumMod val="50000"/>
-                  </a:schemeClr>
-                </a:solidFill>
-                <a:latin typeface="Times New Roman" panose="02020603050405020304" pitchFamily="18" charset="0"/>
-                <a:cs typeface="Times New Roman" panose="02020603050405020304" pitchFamily="18" charset="0"/>
-              </a:rPr>
-              <a:t> </a:t>
-            </a:r>
-            <a:r>
-              <a:rPr lang="en-US" sz="2600" dirty="0" err="1" smtClean="0">
-                <a:solidFill>
-                  <a:schemeClr val="accent2">
-                    <a:lumMod val="50000"/>
-                  </a:schemeClr>
-                </a:solidFill>
-                <a:latin typeface="Times New Roman" panose="02020603050405020304" pitchFamily="18" charset="0"/>
-                <a:cs typeface="Times New Roman" panose="02020603050405020304" pitchFamily="18" charset="0"/>
-              </a:rPr>
-              <a:t>cụ</a:t>
-            </a:r>
-            <a:r>
-              <a:rPr lang="en-US" sz="2600" dirty="0" smtClean="0">
-                <a:solidFill>
-                  <a:schemeClr val="accent2">
-                    <a:lumMod val="50000"/>
-                  </a:schemeClr>
-                </a:solidFill>
-                <a:latin typeface="Times New Roman" panose="02020603050405020304" pitchFamily="18" charset="0"/>
-                <a:cs typeface="Times New Roman" panose="02020603050405020304" pitchFamily="18" charset="0"/>
-              </a:rPr>
-              <a:t> </a:t>
-            </a:r>
-            <a:r>
-              <a:rPr lang="en-US" sz="2600" dirty="0" err="1" smtClean="0">
-                <a:solidFill>
-                  <a:schemeClr val="accent2">
-                    <a:lumMod val="50000"/>
-                  </a:schemeClr>
-                </a:solidFill>
-                <a:latin typeface="Times New Roman" panose="02020603050405020304" pitchFamily="18" charset="0"/>
-                <a:cs typeface="Times New Roman" panose="02020603050405020304" pitchFamily="18" charset="0"/>
-              </a:rPr>
-              <a:t>phát</a:t>
-            </a:r>
-            <a:r>
-              <a:rPr lang="en-US" sz="2600" dirty="0" smtClean="0">
-                <a:solidFill>
-                  <a:schemeClr val="accent2">
-                    <a:lumMod val="50000"/>
-                  </a:schemeClr>
-                </a:solidFill>
-                <a:latin typeface="Times New Roman" panose="02020603050405020304" pitchFamily="18" charset="0"/>
-                <a:cs typeface="Times New Roman" panose="02020603050405020304" pitchFamily="18" charset="0"/>
-              </a:rPr>
-              <a:t> </a:t>
-            </a:r>
-            <a:r>
-              <a:rPr lang="en-US" sz="2600" dirty="0" err="1" smtClean="0">
-                <a:solidFill>
-                  <a:schemeClr val="accent2">
-                    <a:lumMod val="50000"/>
-                  </a:schemeClr>
-                </a:solidFill>
-                <a:latin typeface="Times New Roman" panose="02020603050405020304" pitchFamily="18" charset="0"/>
-                <a:cs typeface="Times New Roman" panose="02020603050405020304" pitchFamily="18" charset="0"/>
-              </a:rPr>
-              <a:t>triển</a:t>
-            </a:r>
-            <a:r>
-              <a:rPr lang="en-US" sz="2600" dirty="0" smtClean="0">
-                <a:solidFill>
-                  <a:schemeClr val="accent2">
-                    <a:lumMod val="50000"/>
-                  </a:schemeClr>
-                </a:solidFill>
-                <a:latin typeface="Times New Roman" panose="02020603050405020304" pitchFamily="18" charset="0"/>
-                <a:cs typeface="Times New Roman" panose="02020603050405020304" pitchFamily="18" charset="0"/>
-              </a:rPr>
-              <a:t>: Android Studio</a:t>
-            </a:r>
-          </a:p>
-          <a:p>
-            <a:pPr marL="285750" indent="-285750">
-              <a:buFont typeface="Wingdings" panose="05000000000000000000" pitchFamily="2" charset="2"/>
-              <a:buChar char="v"/>
-            </a:pPr>
-            <a:endParaRPr lang="en-US" sz="2600" dirty="0" smtClean="0">
-              <a:solidFill>
-                <a:schemeClr val="accent2">
-                  <a:lumMod val="50000"/>
-                </a:schemeClr>
-              </a:solidFill>
-              <a:latin typeface="Times New Roman" panose="02020603050405020304" pitchFamily="18" charset="0"/>
-              <a:cs typeface="Times New Roman" panose="02020603050405020304" pitchFamily="18" charset="0"/>
-            </a:endParaRPr>
-          </a:p>
         </p:txBody>
       </p:sp>
+      <p:grpSp>
+        <p:nvGrpSpPr>
+          <p:cNvPr id="4" name="Group 3"/>
+          <p:cNvGrpSpPr/>
+          <p:nvPr/>
+        </p:nvGrpSpPr>
+        <p:grpSpPr>
+          <a:xfrm>
+            <a:off x="833647" y="1809791"/>
+            <a:ext cx="6754685" cy="3053166"/>
+            <a:chOff x="2067950" y="2646911"/>
+            <a:chExt cx="6026086" cy="2966157"/>
+          </a:xfrm>
+          <a:effectLst/>
+        </p:grpSpPr>
+        <p:sp>
+          <p:nvSpPr>
+            <p:cNvPr id="6" name="TextBox 5"/>
+            <p:cNvSpPr txBox="1"/>
+            <p:nvPr/>
+          </p:nvSpPr>
+          <p:spPr>
+            <a:xfrm>
+              <a:off x="2070932" y="2646911"/>
+              <a:ext cx="5428920" cy="606628"/>
+            </a:xfrm>
+            <a:prstGeom prst="snip2DiagRect">
+              <a:avLst/>
+            </a:prstGeom>
+            <a:ln>
+              <a:solidFill>
+                <a:schemeClr val="accent6"/>
+              </a:solidFill>
+            </a:ln>
+          </p:spPr>
+          <p:style>
+            <a:lnRef idx="3">
+              <a:schemeClr val="lt1"/>
+            </a:lnRef>
+            <a:fillRef idx="1">
+              <a:schemeClr val="accent1"/>
+            </a:fillRef>
+            <a:effectRef idx="1">
+              <a:schemeClr val="accent1"/>
+            </a:effectRef>
+            <a:fontRef idx="minor">
+              <a:schemeClr val="lt1"/>
+            </a:fontRef>
+          </p:style>
+          <p:txBody>
+            <a:bodyPr wrap="square" rtlCol="0">
+              <a:spAutoFit/>
+            </a:bodyPr>
+            <a:lstStyle/>
+            <a:p>
+              <a:r>
+                <a:rPr lang="en-US" sz="2800" b="1" dirty="0" err="1" smtClean="0">
+                  <a:ln w="0"/>
+                  <a:solidFill>
+                    <a:schemeClr val="accent2">
+                      <a:lumMod val="50000"/>
+                    </a:schemeClr>
+                  </a:solidFill>
+                  <a:effectLst>
+                    <a:outerShdw blurRad="38100" dist="25400" dir="5400000" algn="ctr" rotWithShape="0">
+                      <a:srgbClr val="6E747A">
+                        <a:alpha val="43000"/>
+                      </a:srgbClr>
+                    </a:outerShdw>
+                  </a:effectLst>
+                  <a:latin typeface="Times New Roman" panose="02020603050405020304" pitchFamily="18" charset="0"/>
+                  <a:cs typeface="Times New Roman" panose="02020603050405020304" pitchFamily="18" charset="0"/>
+                </a:rPr>
+                <a:t>Lựa</a:t>
+              </a:r>
+              <a:r>
+                <a:rPr lang="en-US" sz="2800" b="1" dirty="0" smtClean="0">
+                  <a:ln w="0"/>
+                  <a:solidFill>
+                    <a:schemeClr val="accent2">
+                      <a:lumMod val="50000"/>
+                    </a:schemeClr>
+                  </a:solidFill>
+                  <a:effectLst>
+                    <a:outerShdw blurRad="38100" dist="25400" dir="5400000" algn="ctr" rotWithShape="0">
+                      <a:srgbClr val="6E747A">
+                        <a:alpha val="43000"/>
+                      </a:srgbClr>
+                    </a:outerShdw>
+                  </a:effectLst>
+                  <a:latin typeface="Times New Roman" panose="02020603050405020304" pitchFamily="18" charset="0"/>
+                  <a:cs typeface="Times New Roman" panose="02020603050405020304" pitchFamily="18" charset="0"/>
+                </a:rPr>
+                <a:t> </a:t>
+              </a:r>
+              <a:r>
+                <a:rPr lang="en-US" sz="2800" b="1" dirty="0" err="1" smtClean="0">
+                  <a:ln w="0"/>
+                  <a:solidFill>
+                    <a:schemeClr val="accent2">
+                      <a:lumMod val="50000"/>
+                    </a:schemeClr>
+                  </a:solidFill>
+                  <a:effectLst>
+                    <a:outerShdw blurRad="38100" dist="25400" dir="5400000" algn="ctr" rotWithShape="0">
+                      <a:srgbClr val="6E747A">
+                        <a:alpha val="43000"/>
+                      </a:srgbClr>
+                    </a:outerShdw>
+                  </a:effectLst>
+                  <a:latin typeface="Times New Roman" panose="02020603050405020304" pitchFamily="18" charset="0"/>
+                  <a:cs typeface="Times New Roman" panose="02020603050405020304" pitchFamily="18" charset="0"/>
+                </a:rPr>
+                <a:t>chọn</a:t>
+              </a:r>
+              <a:r>
+                <a:rPr lang="en-US" sz="2800" b="1" dirty="0" smtClean="0">
+                  <a:ln w="0"/>
+                  <a:solidFill>
+                    <a:schemeClr val="accent2">
+                      <a:lumMod val="50000"/>
+                    </a:schemeClr>
+                  </a:solidFill>
+                  <a:effectLst>
+                    <a:outerShdw blurRad="38100" dist="25400" dir="5400000" algn="ctr" rotWithShape="0">
+                      <a:srgbClr val="6E747A">
+                        <a:alpha val="43000"/>
+                      </a:srgbClr>
+                    </a:outerShdw>
+                  </a:effectLst>
+                  <a:latin typeface="Times New Roman" panose="02020603050405020304" pitchFamily="18" charset="0"/>
+                  <a:cs typeface="Times New Roman" panose="02020603050405020304" pitchFamily="18" charset="0"/>
+                </a:rPr>
+                <a:t> </a:t>
+              </a:r>
+              <a:r>
+                <a:rPr lang="en-US" sz="2800" b="1" dirty="0" err="1" smtClean="0">
+                  <a:ln w="0"/>
+                  <a:solidFill>
+                    <a:schemeClr val="accent2">
+                      <a:lumMod val="50000"/>
+                    </a:schemeClr>
+                  </a:solidFill>
+                  <a:effectLst>
+                    <a:outerShdw blurRad="38100" dist="25400" dir="5400000" algn="ctr" rotWithShape="0">
+                      <a:srgbClr val="6E747A">
+                        <a:alpha val="43000"/>
+                      </a:srgbClr>
+                    </a:outerShdw>
+                  </a:effectLst>
+                  <a:latin typeface="Times New Roman" panose="02020603050405020304" pitchFamily="18" charset="0"/>
+                  <a:cs typeface="Times New Roman" panose="02020603050405020304" pitchFamily="18" charset="0"/>
+                </a:rPr>
+                <a:t>nền</a:t>
+              </a:r>
+              <a:r>
+                <a:rPr lang="en-US" sz="2800" b="1" dirty="0" smtClean="0">
+                  <a:ln w="0"/>
+                  <a:solidFill>
+                    <a:schemeClr val="accent2">
+                      <a:lumMod val="50000"/>
+                    </a:schemeClr>
+                  </a:solidFill>
+                  <a:effectLst>
+                    <a:outerShdw blurRad="38100" dist="25400" dir="5400000" algn="ctr" rotWithShape="0">
+                      <a:srgbClr val="6E747A">
+                        <a:alpha val="43000"/>
+                      </a:srgbClr>
+                    </a:outerShdw>
+                  </a:effectLst>
+                  <a:latin typeface="Times New Roman" panose="02020603050405020304" pitchFamily="18" charset="0"/>
+                  <a:cs typeface="Times New Roman" panose="02020603050405020304" pitchFamily="18" charset="0"/>
+                </a:rPr>
+                <a:t> </a:t>
+              </a:r>
+              <a:r>
+                <a:rPr lang="en-US" sz="2800" b="1" dirty="0" err="1" smtClean="0">
+                  <a:ln w="0"/>
+                  <a:solidFill>
+                    <a:schemeClr val="accent2">
+                      <a:lumMod val="50000"/>
+                    </a:schemeClr>
+                  </a:solidFill>
+                  <a:effectLst>
+                    <a:outerShdw blurRad="38100" dist="25400" dir="5400000" algn="ctr" rotWithShape="0">
+                      <a:srgbClr val="6E747A">
+                        <a:alpha val="43000"/>
+                      </a:srgbClr>
+                    </a:outerShdw>
+                  </a:effectLst>
+                  <a:latin typeface="Times New Roman" panose="02020603050405020304" pitchFamily="18" charset="0"/>
+                  <a:cs typeface="Times New Roman" panose="02020603050405020304" pitchFamily="18" charset="0"/>
+                </a:rPr>
+                <a:t>tảng</a:t>
+              </a:r>
+              <a:r>
+                <a:rPr lang="en-US" sz="2800" b="1" dirty="0" smtClean="0">
+                  <a:ln w="0"/>
+                  <a:solidFill>
+                    <a:schemeClr val="accent2">
+                      <a:lumMod val="50000"/>
+                    </a:schemeClr>
+                  </a:solidFill>
+                  <a:effectLst>
+                    <a:outerShdw blurRad="38100" dist="25400" dir="5400000" algn="ctr" rotWithShape="0">
+                      <a:srgbClr val="6E747A">
+                        <a:alpha val="43000"/>
+                      </a:srgbClr>
+                    </a:outerShdw>
+                  </a:effectLst>
+                  <a:latin typeface="Times New Roman" panose="02020603050405020304" pitchFamily="18" charset="0"/>
+                  <a:cs typeface="Times New Roman" panose="02020603050405020304" pitchFamily="18" charset="0"/>
+                </a:rPr>
+                <a:t>: HĐH Android</a:t>
+              </a:r>
+              <a:endParaRPr lang="vi-VN" sz="2800" b="1" dirty="0">
+                <a:ln w="0"/>
+                <a:solidFill>
+                  <a:schemeClr val="accent2">
+                    <a:lumMod val="50000"/>
+                  </a:schemeClr>
+                </a:solidFill>
+                <a:latin typeface="Times New Roman" panose="02020603050405020304" pitchFamily="18" charset="0"/>
+                <a:cs typeface="Times New Roman" panose="02020603050405020304" pitchFamily="18" charset="0"/>
+              </a:endParaRPr>
+            </a:p>
+          </p:txBody>
+        </p:sp>
+        <p:sp>
+          <p:nvSpPr>
+            <p:cNvPr id="7" name="TextBox 6"/>
+            <p:cNvSpPr txBox="1"/>
+            <p:nvPr/>
+          </p:nvSpPr>
+          <p:spPr>
+            <a:xfrm>
+              <a:off x="2067951" y="3754973"/>
+              <a:ext cx="6026085" cy="606628"/>
+            </a:xfrm>
+            <a:prstGeom prst="snip2DiagRect">
+              <a:avLst/>
+            </a:prstGeom>
+            <a:ln>
+              <a:solidFill>
+                <a:schemeClr val="accent6"/>
+              </a:solidFill>
+            </a:ln>
+          </p:spPr>
+          <p:style>
+            <a:lnRef idx="3">
+              <a:schemeClr val="lt1"/>
+            </a:lnRef>
+            <a:fillRef idx="1">
+              <a:schemeClr val="accent1"/>
+            </a:fillRef>
+            <a:effectRef idx="1">
+              <a:schemeClr val="accent1"/>
+            </a:effectRef>
+            <a:fontRef idx="minor">
+              <a:schemeClr val="lt1"/>
+            </a:fontRef>
+          </p:style>
+          <p:txBody>
+            <a:bodyPr wrap="square" rtlCol="0">
+              <a:spAutoFit/>
+            </a:bodyPr>
+            <a:lstStyle/>
+            <a:p>
+              <a:r>
+                <a:rPr lang="en-US" sz="2800" b="1" dirty="0" err="1" smtClean="0">
+                  <a:ln w="0"/>
+                  <a:solidFill>
+                    <a:schemeClr val="accent2">
+                      <a:lumMod val="50000"/>
+                    </a:schemeClr>
+                  </a:solidFill>
+                  <a:effectLst>
+                    <a:outerShdw blurRad="38100" dist="25400" dir="5400000" algn="ctr" rotWithShape="0">
+                      <a:srgbClr val="6E747A">
+                        <a:alpha val="43000"/>
+                      </a:srgbClr>
+                    </a:outerShdw>
+                  </a:effectLst>
+                  <a:latin typeface="Times New Roman" panose="02020603050405020304" pitchFamily="18" charset="0"/>
+                  <a:cs typeface="Times New Roman" panose="02020603050405020304" pitchFamily="18" charset="0"/>
+                </a:rPr>
+                <a:t>Lựa</a:t>
+              </a:r>
+              <a:r>
+                <a:rPr lang="en-US" sz="2800" b="1" dirty="0" smtClean="0">
+                  <a:ln w="0"/>
+                  <a:solidFill>
+                    <a:schemeClr val="accent2">
+                      <a:lumMod val="50000"/>
+                    </a:schemeClr>
+                  </a:solidFill>
+                  <a:effectLst>
+                    <a:outerShdw blurRad="38100" dist="25400" dir="5400000" algn="ctr" rotWithShape="0">
+                      <a:srgbClr val="6E747A">
+                        <a:alpha val="43000"/>
+                      </a:srgbClr>
+                    </a:outerShdw>
+                  </a:effectLst>
+                  <a:latin typeface="Times New Roman" panose="02020603050405020304" pitchFamily="18" charset="0"/>
+                  <a:cs typeface="Times New Roman" panose="02020603050405020304" pitchFamily="18" charset="0"/>
+                </a:rPr>
+                <a:t> </a:t>
+              </a:r>
+              <a:r>
+                <a:rPr lang="en-US" sz="2800" b="1" dirty="0" err="1" smtClean="0">
+                  <a:ln w="0"/>
+                  <a:solidFill>
+                    <a:schemeClr val="accent2">
+                      <a:lumMod val="50000"/>
+                    </a:schemeClr>
+                  </a:solidFill>
+                  <a:effectLst>
+                    <a:outerShdw blurRad="38100" dist="25400" dir="5400000" algn="ctr" rotWithShape="0">
+                      <a:srgbClr val="6E747A">
+                        <a:alpha val="43000"/>
+                      </a:srgbClr>
+                    </a:outerShdw>
+                  </a:effectLst>
+                  <a:latin typeface="Times New Roman" panose="02020603050405020304" pitchFamily="18" charset="0"/>
+                  <a:cs typeface="Times New Roman" panose="02020603050405020304" pitchFamily="18" charset="0"/>
+                </a:rPr>
+                <a:t>chọn</a:t>
+              </a:r>
+              <a:r>
+                <a:rPr lang="en-US" sz="2800" b="1" dirty="0" smtClean="0">
+                  <a:ln w="0"/>
+                  <a:solidFill>
+                    <a:schemeClr val="accent2">
+                      <a:lumMod val="50000"/>
+                    </a:schemeClr>
+                  </a:solidFill>
+                  <a:effectLst>
+                    <a:outerShdw blurRad="38100" dist="25400" dir="5400000" algn="ctr" rotWithShape="0">
+                      <a:srgbClr val="6E747A">
+                        <a:alpha val="43000"/>
+                      </a:srgbClr>
+                    </a:outerShdw>
+                  </a:effectLst>
+                  <a:latin typeface="Times New Roman" panose="02020603050405020304" pitchFamily="18" charset="0"/>
+                  <a:cs typeface="Times New Roman" panose="02020603050405020304" pitchFamily="18" charset="0"/>
+                </a:rPr>
+                <a:t> </a:t>
+              </a:r>
+              <a:r>
+                <a:rPr lang="en-US" sz="2800" b="1" dirty="0" err="1" smtClean="0">
+                  <a:ln w="0"/>
+                  <a:solidFill>
+                    <a:schemeClr val="accent2">
+                      <a:lumMod val="50000"/>
+                    </a:schemeClr>
+                  </a:solidFill>
+                  <a:effectLst>
+                    <a:outerShdw blurRad="38100" dist="25400" dir="5400000" algn="ctr" rotWithShape="0">
+                      <a:srgbClr val="6E747A">
+                        <a:alpha val="43000"/>
+                      </a:srgbClr>
+                    </a:outerShdw>
+                  </a:effectLst>
+                  <a:latin typeface="Times New Roman" panose="02020603050405020304" pitchFamily="18" charset="0"/>
+                  <a:cs typeface="Times New Roman" panose="02020603050405020304" pitchFamily="18" charset="0"/>
+                </a:rPr>
+                <a:t>ứng</a:t>
+              </a:r>
+              <a:r>
+                <a:rPr lang="en-US" sz="2800" b="1" dirty="0" smtClean="0">
+                  <a:ln w="0"/>
+                  <a:solidFill>
+                    <a:schemeClr val="accent2">
+                      <a:lumMod val="50000"/>
+                    </a:schemeClr>
+                  </a:solidFill>
+                  <a:effectLst>
+                    <a:outerShdw blurRad="38100" dist="25400" dir="5400000" algn="ctr" rotWithShape="0">
+                      <a:srgbClr val="6E747A">
+                        <a:alpha val="43000"/>
+                      </a:srgbClr>
+                    </a:outerShdw>
+                  </a:effectLst>
+                  <a:latin typeface="Times New Roman" panose="02020603050405020304" pitchFamily="18" charset="0"/>
+                  <a:cs typeface="Times New Roman" panose="02020603050405020304" pitchFamily="18" charset="0"/>
+                </a:rPr>
+                <a:t> </a:t>
+              </a:r>
+              <a:r>
+                <a:rPr lang="en-US" sz="2800" b="1" dirty="0" err="1" smtClean="0">
+                  <a:ln w="0"/>
+                  <a:solidFill>
+                    <a:schemeClr val="accent2">
+                      <a:lumMod val="50000"/>
+                    </a:schemeClr>
+                  </a:solidFill>
+                  <a:effectLst>
+                    <a:outerShdw blurRad="38100" dist="25400" dir="5400000" algn="ctr" rotWithShape="0">
+                      <a:srgbClr val="6E747A">
+                        <a:alpha val="43000"/>
+                      </a:srgbClr>
+                    </a:outerShdw>
+                  </a:effectLst>
+                  <a:latin typeface="Times New Roman" panose="02020603050405020304" pitchFamily="18" charset="0"/>
+                  <a:cs typeface="Times New Roman" panose="02020603050405020304" pitchFamily="18" charset="0"/>
+                </a:rPr>
+                <a:t>dụng</a:t>
+              </a:r>
+              <a:r>
+                <a:rPr lang="en-US" sz="2800" b="1" dirty="0" smtClean="0">
+                  <a:ln w="0"/>
+                  <a:solidFill>
+                    <a:schemeClr val="accent2">
+                      <a:lumMod val="50000"/>
+                    </a:schemeClr>
+                  </a:solidFill>
+                  <a:effectLst>
+                    <a:outerShdw blurRad="38100" dist="25400" dir="5400000" algn="ctr" rotWithShape="0">
+                      <a:srgbClr val="6E747A">
+                        <a:alpha val="43000"/>
+                      </a:srgbClr>
+                    </a:outerShdw>
+                  </a:effectLst>
+                  <a:latin typeface="Times New Roman" panose="02020603050405020304" pitchFamily="18" charset="0"/>
+                  <a:cs typeface="Times New Roman" panose="02020603050405020304" pitchFamily="18" charset="0"/>
+                </a:rPr>
+                <a:t>: </a:t>
+              </a:r>
+              <a:r>
+                <a:rPr lang="en-US" sz="2800" b="1" dirty="0" err="1" smtClean="0">
+                  <a:ln w="0"/>
+                  <a:solidFill>
+                    <a:schemeClr val="accent2">
+                      <a:lumMod val="50000"/>
+                    </a:schemeClr>
+                  </a:solidFill>
+                  <a:effectLst>
+                    <a:outerShdw blurRad="38100" dist="25400" dir="5400000" algn="ctr" rotWithShape="0">
+                      <a:srgbClr val="6E747A">
+                        <a:alpha val="43000"/>
+                      </a:srgbClr>
+                    </a:outerShdw>
+                  </a:effectLst>
+                  <a:latin typeface="Times New Roman" panose="02020603050405020304" pitchFamily="18" charset="0"/>
+                  <a:cs typeface="Times New Roman" panose="02020603050405020304" pitchFamily="18" charset="0"/>
+                </a:rPr>
+                <a:t>Ứng</a:t>
+              </a:r>
+              <a:r>
+                <a:rPr lang="en-US" sz="2800" b="1" dirty="0" smtClean="0">
+                  <a:ln w="0"/>
+                  <a:solidFill>
+                    <a:schemeClr val="accent2">
+                      <a:lumMod val="50000"/>
+                    </a:schemeClr>
+                  </a:solidFill>
+                  <a:effectLst>
+                    <a:outerShdw blurRad="38100" dist="25400" dir="5400000" algn="ctr" rotWithShape="0">
+                      <a:srgbClr val="6E747A">
+                        <a:alpha val="43000"/>
+                      </a:srgbClr>
+                    </a:outerShdw>
+                  </a:effectLst>
+                  <a:latin typeface="Times New Roman" panose="02020603050405020304" pitchFamily="18" charset="0"/>
+                  <a:cs typeface="Times New Roman" panose="02020603050405020304" pitchFamily="18" charset="0"/>
+                </a:rPr>
+                <a:t> </a:t>
+              </a:r>
+              <a:r>
+                <a:rPr lang="en-US" sz="2800" b="1" dirty="0" err="1" smtClean="0">
+                  <a:ln w="0"/>
+                  <a:solidFill>
+                    <a:schemeClr val="accent2">
+                      <a:lumMod val="50000"/>
+                    </a:schemeClr>
+                  </a:solidFill>
+                  <a:effectLst>
+                    <a:outerShdw blurRad="38100" dist="25400" dir="5400000" algn="ctr" rotWithShape="0">
+                      <a:srgbClr val="6E747A">
+                        <a:alpha val="43000"/>
+                      </a:srgbClr>
+                    </a:outerShdw>
+                  </a:effectLst>
+                  <a:latin typeface="Times New Roman" panose="02020603050405020304" pitchFamily="18" charset="0"/>
+                  <a:cs typeface="Times New Roman" panose="02020603050405020304" pitchFamily="18" charset="0"/>
+                </a:rPr>
+                <a:t>dụng</a:t>
+              </a:r>
+              <a:r>
+                <a:rPr lang="en-US" sz="2800" b="1" dirty="0" smtClean="0">
+                  <a:ln w="0"/>
+                  <a:solidFill>
+                    <a:schemeClr val="accent2">
+                      <a:lumMod val="50000"/>
+                    </a:schemeClr>
+                  </a:solidFill>
+                  <a:effectLst>
+                    <a:outerShdw blurRad="38100" dist="25400" dir="5400000" algn="ctr" rotWithShape="0">
+                      <a:srgbClr val="6E747A">
+                        <a:alpha val="43000"/>
+                      </a:srgbClr>
+                    </a:outerShdw>
+                  </a:effectLst>
+                  <a:latin typeface="Times New Roman" panose="02020603050405020304" pitchFamily="18" charset="0"/>
+                  <a:cs typeface="Times New Roman" panose="02020603050405020304" pitchFamily="18" charset="0"/>
+                </a:rPr>
+                <a:t> </a:t>
+              </a:r>
+              <a:r>
+                <a:rPr lang="en-US" sz="2800" b="1" dirty="0" err="1" smtClean="0">
+                  <a:ln w="0"/>
+                  <a:solidFill>
+                    <a:schemeClr val="accent2">
+                      <a:lumMod val="50000"/>
+                    </a:schemeClr>
+                  </a:solidFill>
+                  <a:effectLst>
+                    <a:outerShdw blurRad="38100" dist="25400" dir="5400000" algn="ctr" rotWithShape="0">
+                      <a:srgbClr val="6E747A">
+                        <a:alpha val="43000"/>
+                      </a:srgbClr>
+                    </a:outerShdw>
+                  </a:effectLst>
+                  <a:latin typeface="Times New Roman" panose="02020603050405020304" pitchFamily="18" charset="0"/>
+                  <a:cs typeface="Times New Roman" panose="02020603050405020304" pitchFamily="18" charset="0"/>
+                </a:rPr>
+                <a:t>báo</a:t>
+              </a:r>
+              <a:r>
+                <a:rPr lang="en-US" sz="2800" b="1" dirty="0" smtClean="0">
+                  <a:ln w="0"/>
+                  <a:solidFill>
+                    <a:schemeClr val="accent2">
+                      <a:lumMod val="50000"/>
+                    </a:schemeClr>
+                  </a:solidFill>
+                  <a:effectLst>
+                    <a:outerShdw blurRad="38100" dist="25400" dir="5400000" algn="ctr" rotWithShape="0">
+                      <a:srgbClr val="6E747A">
+                        <a:alpha val="43000"/>
+                      </a:srgbClr>
+                    </a:outerShdw>
+                  </a:effectLst>
+                  <a:latin typeface="Times New Roman" panose="02020603050405020304" pitchFamily="18" charset="0"/>
+                  <a:cs typeface="Times New Roman" panose="02020603050405020304" pitchFamily="18" charset="0"/>
+                </a:rPr>
+                <a:t> </a:t>
+              </a:r>
+              <a:r>
+                <a:rPr lang="en-US" sz="2800" b="1" dirty="0" err="1" smtClean="0">
+                  <a:ln w="0"/>
+                  <a:solidFill>
+                    <a:schemeClr val="accent2">
+                      <a:lumMod val="50000"/>
+                    </a:schemeClr>
+                  </a:solidFill>
+                  <a:effectLst>
+                    <a:outerShdw blurRad="38100" dist="25400" dir="5400000" algn="ctr" rotWithShape="0">
+                      <a:srgbClr val="6E747A">
+                        <a:alpha val="43000"/>
+                      </a:srgbClr>
+                    </a:outerShdw>
+                  </a:effectLst>
+                  <a:latin typeface="Times New Roman" panose="02020603050405020304" pitchFamily="18" charset="0"/>
+                  <a:cs typeface="Times New Roman" panose="02020603050405020304" pitchFamily="18" charset="0"/>
+                </a:rPr>
+                <a:t>thức</a:t>
+              </a:r>
+              <a:endParaRPr lang="vi-VN" sz="2800" b="1" dirty="0">
+                <a:ln w="0"/>
+                <a:solidFill>
+                  <a:schemeClr val="accent2">
+                    <a:lumMod val="50000"/>
+                  </a:schemeClr>
+                </a:solidFill>
+                <a:latin typeface="Times New Roman" panose="02020603050405020304" pitchFamily="18" charset="0"/>
+                <a:cs typeface="Times New Roman" panose="02020603050405020304" pitchFamily="18" charset="0"/>
+              </a:endParaRPr>
+            </a:p>
+          </p:txBody>
+        </p:sp>
+        <p:sp>
+          <p:nvSpPr>
+            <p:cNvPr id="8" name="TextBox 7"/>
+            <p:cNvSpPr txBox="1"/>
+            <p:nvPr/>
+          </p:nvSpPr>
+          <p:spPr>
+            <a:xfrm>
+              <a:off x="2067950" y="5006440"/>
+              <a:ext cx="5078437" cy="606628"/>
+            </a:xfrm>
+            <a:prstGeom prst="snip2DiagRect">
+              <a:avLst/>
+            </a:prstGeom>
+            <a:ln>
+              <a:solidFill>
+                <a:schemeClr val="accent6"/>
+              </a:solidFill>
+            </a:ln>
+          </p:spPr>
+          <p:style>
+            <a:lnRef idx="3">
+              <a:schemeClr val="lt1"/>
+            </a:lnRef>
+            <a:fillRef idx="1">
+              <a:schemeClr val="accent1"/>
+            </a:fillRef>
+            <a:effectRef idx="1">
+              <a:schemeClr val="accent1"/>
+            </a:effectRef>
+            <a:fontRef idx="minor">
+              <a:schemeClr val="lt1"/>
+            </a:fontRef>
+          </p:style>
+          <p:txBody>
+            <a:bodyPr wrap="square" rtlCol="0">
+              <a:spAutoFit/>
+            </a:bodyPr>
+            <a:lstStyle/>
+            <a:p>
+              <a:r>
+                <a:rPr lang="en-US" sz="2800" b="1" dirty="0" err="1" smtClean="0">
+                  <a:ln w="0"/>
+                  <a:solidFill>
+                    <a:schemeClr val="accent2">
+                      <a:lumMod val="50000"/>
+                    </a:schemeClr>
+                  </a:solidFill>
+                  <a:effectLst>
+                    <a:outerShdw blurRad="38100" dist="25400" dir="5400000" algn="ctr" rotWithShape="0">
+                      <a:srgbClr val="6E747A">
+                        <a:alpha val="43000"/>
+                      </a:srgbClr>
+                    </a:outerShdw>
+                  </a:effectLst>
+                  <a:latin typeface="Times New Roman" panose="02020603050405020304" pitchFamily="18" charset="0"/>
+                  <a:cs typeface="Times New Roman" panose="02020603050405020304" pitchFamily="18" charset="0"/>
+                </a:rPr>
+                <a:t>Công</a:t>
+              </a:r>
+              <a:r>
+                <a:rPr lang="en-US" sz="2800" b="1" dirty="0" smtClean="0">
+                  <a:ln w="0"/>
+                  <a:solidFill>
+                    <a:schemeClr val="accent2">
+                      <a:lumMod val="50000"/>
+                    </a:schemeClr>
+                  </a:solidFill>
+                  <a:effectLst>
+                    <a:outerShdw blurRad="38100" dist="25400" dir="5400000" algn="ctr" rotWithShape="0">
+                      <a:srgbClr val="6E747A">
+                        <a:alpha val="43000"/>
+                      </a:srgbClr>
+                    </a:outerShdw>
+                  </a:effectLst>
+                  <a:latin typeface="Times New Roman" panose="02020603050405020304" pitchFamily="18" charset="0"/>
+                  <a:cs typeface="Times New Roman" panose="02020603050405020304" pitchFamily="18" charset="0"/>
+                </a:rPr>
+                <a:t> </a:t>
+              </a:r>
+              <a:r>
+                <a:rPr lang="en-US" sz="2800" b="1" dirty="0" err="1" smtClean="0">
+                  <a:ln w="0"/>
+                  <a:solidFill>
+                    <a:schemeClr val="accent2">
+                      <a:lumMod val="50000"/>
+                    </a:schemeClr>
+                  </a:solidFill>
+                  <a:effectLst>
+                    <a:outerShdw blurRad="38100" dist="25400" dir="5400000" algn="ctr" rotWithShape="0">
+                      <a:srgbClr val="6E747A">
+                        <a:alpha val="43000"/>
+                      </a:srgbClr>
+                    </a:outerShdw>
+                  </a:effectLst>
+                  <a:latin typeface="Times New Roman" panose="02020603050405020304" pitchFamily="18" charset="0"/>
+                  <a:cs typeface="Times New Roman" panose="02020603050405020304" pitchFamily="18" charset="0"/>
+                </a:rPr>
+                <a:t>cụ</a:t>
+              </a:r>
+              <a:r>
+                <a:rPr lang="en-US" sz="2800" b="1" dirty="0" smtClean="0">
+                  <a:ln w="0"/>
+                  <a:solidFill>
+                    <a:schemeClr val="accent2">
+                      <a:lumMod val="50000"/>
+                    </a:schemeClr>
+                  </a:solidFill>
+                  <a:effectLst>
+                    <a:outerShdw blurRad="38100" dist="25400" dir="5400000" algn="ctr" rotWithShape="0">
+                      <a:srgbClr val="6E747A">
+                        <a:alpha val="43000"/>
+                      </a:srgbClr>
+                    </a:outerShdw>
+                  </a:effectLst>
+                  <a:latin typeface="Times New Roman" panose="02020603050405020304" pitchFamily="18" charset="0"/>
+                  <a:cs typeface="Times New Roman" panose="02020603050405020304" pitchFamily="18" charset="0"/>
+                </a:rPr>
+                <a:t> </a:t>
+              </a:r>
+              <a:r>
+                <a:rPr lang="en-US" sz="2800" b="1" dirty="0" err="1" smtClean="0">
+                  <a:ln w="0"/>
+                  <a:solidFill>
+                    <a:schemeClr val="accent2">
+                      <a:lumMod val="50000"/>
+                    </a:schemeClr>
+                  </a:solidFill>
+                  <a:effectLst>
+                    <a:outerShdw blurRad="38100" dist="25400" dir="5400000" algn="ctr" rotWithShape="0">
+                      <a:srgbClr val="6E747A">
+                        <a:alpha val="43000"/>
+                      </a:srgbClr>
+                    </a:outerShdw>
+                  </a:effectLst>
+                  <a:latin typeface="Times New Roman" panose="02020603050405020304" pitchFamily="18" charset="0"/>
+                  <a:cs typeface="Times New Roman" panose="02020603050405020304" pitchFamily="18" charset="0"/>
+                </a:rPr>
+                <a:t>phát</a:t>
+              </a:r>
+              <a:r>
+                <a:rPr lang="en-US" sz="2800" b="1" dirty="0" smtClean="0">
+                  <a:ln w="0"/>
+                  <a:solidFill>
+                    <a:schemeClr val="accent2">
+                      <a:lumMod val="50000"/>
+                    </a:schemeClr>
+                  </a:solidFill>
+                  <a:effectLst>
+                    <a:outerShdw blurRad="38100" dist="25400" dir="5400000" algn="ctr" rotWithShape="0">
+                      <a:srgbClr val="6E747A">
+                        <a:alpha val="43000"/>
+                      </a:srgbClr>
+                    </a:outerShdw>
+                  </a:effectLst>
+                  <a:latin typeface="Times New Roman" panose="02020603050405020304" pitchFamily="18" charset="0"/>
+                  <a:cs typeface="Times New Roman" panose="02020603050405020304" pitchFamily="18" charset="0"/>
+                </a:rPr>
+                <a:t> </a:t>
+              </a:r>
+              <a:r>
+                <a:rPr lang="en-US" sz="2800" b="1" dirty="0" err="1" smtClean="0">
+                  <a:ln w="0"/>
+                  <a:solidFill>
+                    <a:schemeClr val="accent2">
+                      <a:lumMod val="50000"/>
+                    </a:schemeClr>
+                  </a:solidFill>
+                  <a:effectLst>
+                    <a:outerShdw blurRad="38100" dist="25400" dir="5400000" algn="ctr" rotWithShape="0">
+                      <a:srgbClr val="6E747A">
+                        <a:alpha val="43000"/>
+                      </a:srgbClr>
+                    </a:outerShdw>
+                  </a:effectLst>
+                  <a:latin typeface="Times New Roman" panose="02020603050405020304" pitchFamily="18" charset="0"/>
+                  <a:cs typeface="Times New Roman" panose="02020603050405020304" pitchFamily="18" charset="0"/>
+                </a:rPr>
+                <a:t>triển</a:t>
+              </a:r>
+              <a:r>
+                <a:rPr lang="en-US" sz="2800" b="1" dirty="0" smtClean="0">
+                  <a:ln w="0"/>
+                  <a:solidFill>
+                    <a:schemeClr val="accent2">
+                      <a:lumMod val="50000"/>
+                    </a:schemeClr>
+                  </a:solidFill>
+                  <a:effectLst>
+                    <a:outerShdw blurRad="38100" dist="25400" dir="5400000" algn="ctr" rotWithShape="0">
+                      <a:srgbClr val="6E747A">
+                        <a:alpha val="43000"/>
+                      </a:srgbClr>
+                    </a:outerShdw>
+                  </a:effectLst>
+                  <a:latin typeface="Times New Roman" panose="02020603050405020304" pitchFamily="18" charset="0"/>
+                  <a:cs typeface="Times New Roman" panose="02020603050405020304" pitchFamily="18" charset="0"/>
+                </a:rPr>
+                <a:t>: Android Studio</a:t>
+              </a:r>
+              <a:endParaRPr lang="vi-VN" sz="2800" b="1" dirty="0">
+                <a:ln w="0"/>
+                <a:solidFill>
+                  <a:schemeClr val="accent2">
+                    <a:lumMod val="50000"/>
+                  </a:schemeClr>
+                </a:solidFill>
+                <a:latin typeface="Times New Roman" panose="02020603050405020304" pitchFamily="18" charset="0"/>
+                <a:cs typeface="Times New Roman" panose="02020603050405020304" pitchFamily="18" charset="0"/>
+              </a:endParaRPr>
+            </a:p>
+          </p:txBody>
+        </p:sp>
+      </p:grpSp>
     </p:spTree>
     <p:extLst>
       <p:ext uri="{BB962C8B-B14F-4D97-AF65-F5344CB8AC3E}">
@@ -7631,6 +9138,9 @@
   <p:clrMapOvr>
     <a:masterClrMapping/>
   </p:clrMapOvr>
+  <p:transition spd="slow">
+    <p:wipe/>
+  </p:transition>
   <p:timing>
     <p:tnLst>
       <p:par>
@@ -7671,7 +9181,7 @@
         <p:spPr>
           <a:xfrm>
             <a:off x="685799" y="245661"/>
-            <a:ext cx="8588203" cy="1146412"/>
+            <a:ext cx="8588203" cy="781281"/>
           </a:xfrm>
         </p:spPr>
         <p:txBody>
@@ -7685,7 +9195,7 @@
               <a:rPr lang="en-US" sz="3400" b="1" dirty="0" smtClean="0">
                 <a:solidFill>
                   <a:schemeClr val="accent2">
-                    <a:lumMod val="75000"/>
+                    <a:lumMod val="50000"/>
                   </a:schemeClr>
                 </a:solidFill>
                 <a:latin typeface="Times New Roman" panose="02020603050405020304" pitchFamily="18" charset="0"/>
@@ -7694,128 +9204,6 @@
               <a:t>		TRIỂN KHAI ĐỀ TÀI</a:t>
             </a:r>
             <a:endParaRPr lang="vi-VN" sz="3400" b="1" dirty="0">
-              <a:solidFill>
-                <a:schemeClr val="accent2">
-                  <a:lumMod val="75000"/>
-                </a:schemeClr>
-              </a:solidFill>
-              <a:latin typeface="Times New Roman" panose="02020603050405020304" pitchFamily="18" charset="0"/>
-              <a:cs typeface="Times New Roman" panose="02020603050405020304" pitchFamily="18" charset="0"/>
-            </a:endParaRPr>
-          </a:p>
-        </p:txBody>
-      </p:sp>
-      <p:sp>
-        <p:nvSpPr>
-          <p:cNvPr id="5" name="Text Placeholder 4"/>
-          <p:cNvSpPr>
-            <a:spLocks noGrp="1"/>
-          </p:cNvSpPr>
-          <p:nvPr>
-            <p:ph type="body" idx="1"/>
-          </p:nvPr>
-        </p:nvSpPr>
-        <p:spPr>
-          <a:xfrm>
-            <a:off x="677335" y="2156346"/>
-            <a:ext cx="8596668" cy="3411941"/>
-          </a:xfrm>
-        </p:spPr>
-        <p:txBody>
-          <a:bodyPr>
-            <a:normAutofit/>
-          </a:bodyPr>
-          <a:lstStyle/>
-          <a:p>
-            <a:pPr marL="285750" indent="-285750">
-              <a:buFont typeface="Wingdings" panose="05000000000000000000" pitchFamily="2" charset="2"/>
-              <a:buChar char="v"/>
-            </a:pPr>
-            <a:r>
-              <a:rPr lang="en-US" sz="2600" dirty="0" err="1" smtClean="0">
-                <a:solidFill>
-                  <a:schemeClr val="accent2">
-                    <a:lumMod val="50000"/>
-                  </a:schemeClr>
-                </a:solidFill>
-                <a:latin typeface="Times New Roman" panose="02020603050405020304" pitchFamily="18" charset="0"/>
-                <a:cs typeface="Times New Roman" panose="02020603050405020304" pitchFamily="18" charset="0"/>
-              </a:rPr>
-              <a:t>Cơ</a:t>
-            </a:r>
-            <a:r>
-              <a:rPr lang="en-US" sz="2600" dirty="0" smtClean="0">
-                <a:solidFill>
-                  <a:schemeClr val="accent2">
-                    <a:lumMod val="50000"/>
-                  </a:schemeClr>
-                </a:solidFill>
-                <a:latin typeface="Times New Roman" panose="02020603050405020304" pitchFamily="18" charset="0"/>
-                <a:cs typeface="Times New Roman" panose="02020603050405020304" pitchFamily="18" charset="0"/>
-              </a:rPr>
-              <a:t> </a:t>
-            </a:r>
-            <a:r>
-              <a:rPr lang="en-US" sz="2600" dirty="0" err="1" smtClean="0">
-                <a:solidFill>
-                  <a:schemeClr val="accent2">
-                    <a:lumMod val="50000"/>
-                  </a:schemeClr>
-                </a:solidFill>
-                <a:latin typeface="Times New Roman" panose="02020603050405020304" pitchFamily="18" charset="0"/>
-                <a:cs typeface="Times New Roman" panose="02020603050405020304" pitchFamily="18" charset="0"/>
-              </a:rPr>
-              <a:t>sở</a:t>
-            </a:r>
-            <a:r>
-              <a:rPr lang="en-US" sz="2600" dirty="0" smtClean="0">
-                <a:solidFill>
-                  <a:schemeClr val="accent2">
-                    <a:lumMod val="50000"/>
-                  </a:schemeClr>
-                </a:solidFill>
-                <a:latin typeface="Times New Roman" panose="02020603050405020304" pitchFamily="18" charset="0"/>
-                <a:cs typeface="Times New Roman" panose="02020603050405020304" pitchFamily="18" charset="0"/>
-              </a:rPr>
-              <a:t> </a:t>
-            </a:r>
-            <a:r>
-              <a:rPr lang="en-US" sz="2600" dirty="0" err="1" smtClean="0">
-                <a:solidFill>
-                  <a:schemeClr val="accent2">
-                    <a:lumMod val="50000"/>
-                  </a:schemeClr>
-                </a:solidFill>
-                <a:latin typeface="Times New Roman" panose="02020603050405020304" pitchFamily="18" charset="0"/>
-                <a:cs typeface="Times New Roman" panose="02020603050405020304" pitchFamily="18" charset="0"/>
-              </a:rPr>
-              <a:t>dữ</a:t>
-            </a:r>
-            <a:r>
-              <a:rPr lang="en-US" sz="2600" dirty="0" smtClean="0">
-                <a:solidFill>
-                  <a:schemeClr val="accent2">
-                    <a:lumMod val="50000"/>
-                  </a:schemeClr>
-                </a:solidFill>
-                <a:latin typeface="Times New Roman" panose="02020603050405020304" pitchFamily="18" charset="0"/>
-                <a:cs typeface="Times New Roman" panose="02020603050405020304" pitchFamily="18" charset="0"/>
-              </a:rPr>
-              <a:t> </a:t>
-            </a:r>
-            <a:r>
-              <a:rPr lang="en-US" sz="2600" dirty="0" err="1" smtClean="0">
-                <a:solidFill>
-                  <a:schemeClr val="accent2">
-                    <a:lumMod val="50000"/>
-                  </a:schemeClr>
-                </a:solidFill>
-                <a:latin typeface="Times New Roman" panose="02020603050405020304" pitchFamily="18" charset="0"/>
-                <a:cs typeface="Times New Roman" panose="02020603050405020304" pitchFamily="18" charset="0"/>
-              </a:rPr>
-              <a:t>liệu</a:t>
-            </a:r>
-            <a:endParaRPr lang="en-US" sz="2600" dirty="0" smtClean="0">
               <a:solidFill>
                 <a:schemeClr val="accent2">
                   <a:lumMod val="50000"/>
@@ -7825,389 +9213,682 @@
               <a:cs typeface="Times New Roman" panose="02020603050405020304" pitchFamily="18" charset="0"/>
             </a:endParaRPr>
           </a:p>
-          <a:p>
-            <a:pPr marL="285750" indent="-285750">
-              <a:buFont typeface="Wingdings" panose="05000000000000000000" pitchFamily="2" charset="2"/>
-              <a:buChar char="v"/>
-            </a:pPr>
-            <a:r>
-              <a:rPr lang="en-US" sz="2600" dirty="0" err="1">
-                <a:solidFill>
-                  <a:schemeClr val="accent2">
-                    <a:lumMod val="50000"/>
-                  </a:schemeClr>
-                </a:solidFill>
-                <a:latin typeface="Times New Roman" panose="02020603050405020304" pitchFamily="18" charset="0"/>
-                <a:cs typeface="Times New Roman" panose="02020603050405020304" pitchFamily="18" charset="0"/>
-              </a:rPr>
-              <a:t>Các</a:t>
-            </a:r>
-            <a:r>
-              <a:rPr lang="en-US" sz="2600" dirty="0">
-                <a:solidFill>
-                  <a:schemeClr val="accent2">
-                    <a:lumMod val="50000"/>
-                  </a:schemeClr>
-                </a:solidFill>
-                <a:latin typeface="Times New Roman" panose="02020603050405020304" pitchFamily="18" charset="0"/>
-                <a:cs typeface="Times New Roman" panose="02020603050405020304" pitchFamily="18" charset="0"/>
-              </a:rPr>
-              <a:t> </a:t>
-            </a:r>
-            <a:r>
-              <a:rPr lang="en-US" sz="2600" dirty="0" err="1">
-                <a:solidFill>
-                  <a:schemeClr val="accent2">
-                    <a:lumMod val="50000"/>
-                  </a:schemeClr>
-                </a:solidFill>
-                <a:latin typeface="Times New Roman" panose="02020603050405020304" pitchFamily="18" charset="0"/>
-                <a:cs typeface="Times New Roman" panose="02020603050405020304" pitchFamily="18" charset="0"/>
-              </a:rPr>
-              <a:t>chức</a:t>
-            </a:r>
-            <a:r>
-              <a:rPr lang="en-US" sz="2600" dirty="0">
-                <a:solidFill>
-                  <a:schemeClr val="accent2">
-                    <a:lumMod val="50000"/>
-                  </a:schemeClr>
-                </a:solidFill>
-                <a:latin typeface="Times New Roman" panose="02020603050405020304" pitchFamily="18" charset="0"/>
-                <a:cs typeface="Times New Roman" panose="02020603050405020304" pitchFamily="18" charset="0"/>
-              </a:rPr>
-              <a:t> </a:t>
-            </a:r>
-            <a:r>
-              <a:rPr lang="en-US" sz="2600" dirty="0" err="1">
-                <a:solidFill>
-                  <a:schemeClr val="accent2">
-                    <a:lumMod val="50000"/>
-                  </a:schemeClr>
-                </a:solidFill>
-                <a:latin typeface="Times New Roman" panose="02020603050405020304" pitchFamily="18" charset="0"/>
-                <a:cs typeface="Times New Roman" panose="02020603050405020304" pitchFamily="18" charset="0"/>
-              </a:rPr>
-              <a:t>năng</a:t>
-            </a:r>
-            <a:r>
-              <a:rPr lang="en-US" sz="2600" dirty="0">
-                <a:solidFill>
-                  <a:schemeClr val="accent2">
-                    <a:lumMod val="50000"/>
-                  </a:schemeClr>
-                </a:solidFill>
-                <a:latin typeface="Times New Roman" panose="02020603050405020304" pitchFamily="18" charset="0"/>
-                <a:cs typeface="Times New Roman" panose="02020603050405020304" pitchFamily="18" charset="0"/>
-              </a:rPr>
-              <a:t> </a:t>
-            </a:r>
-            <a:r>
-              <a:rPr lang="en-US" sz="2600" dirty="0" err="1">
-                <a:solidFill>
-                  <a:schemeClr val="accent2">
-                    <a:lumMod val="50000"/>
-                  </a:schemeClr>
-                </a:solidFill>
-                <a:latin typeface="Times New Roman" panose="02020603050405020304" pitchFamily="18" charset="0"/>
-                <a:cs typeface="Times New Roman" panose="02020603050405020304" pitchFamily="18" charset="0"/>
-              </a:rPr>
-              <a:t>cơ</a:t>
-            </a:r>
-            <a:r>
-              <a:rPr lang="en-US" sz="2600" dirty="0">
-                <a:solidFill>
-                  <a:schemeClr val="accent2">
-                    <a:lumMod val="50000"/>
-                  </a:schemeClr>
-                </a:solidFill>
-                <a:latin typeface="Times New Roman" panose="02020603050405020304" pitchFamily="18" charset="0"/>
-                <a:cs typeface="Times New Roman" panose="02020603050405020304" pitchFamily="18" charset="0"/>
-              </a:rPr>
-              <a:t> </a:t>
-            </a:r>
-            <a:r>
-              <a:rPr lang="en-US" sz="2600" dirty="0" err="1">
-                <a:solidFill>
-                  <a:schemeClr val="accent2">
-                    <a:lumMod val="50000"/>
-                  </a:schemeClr>
-                </a:solidFill>
-                <a:latin typeface="Times New Roman" panose="02020603050405020304" pitchFamily="18" charset="0"/>
-                <a:cs typeface="Times New Roman" panose="02020603050405020304" pitchFamily="18" charset="0"/>
-              </a:rPr>
-              <a:t>bản</a:t>
-            </a:r>
-            <a:endParaRPr lang="en-US" sz="2600" dirty="0">
-              <a:solidFill>
-                <a:schemeClr val="accent2">
-                  <a:lumMod val="50000"/>
-                </a:schemeClr>
-              </a:solidFill>
-              <a:latin typeface="Times New Roman" panose="02020603050405020304" pitchFamily="18" charset="0"/>
-              <a:cs typeface="Times New Roman" panose="02020603050405020304" pitchFamily="18" charset="0"/>
-            </a:endParaRPr>
-          </a:p>
-          <a:p>
-            <a:pPr marL="285750" indent="-285750">
-              <a:buFont typeface="Wingdings" panose="05000000000000000000" pitchFamily="2" charset="2"/>
-              <a:buChar char="v"/>
-            </a:pPr>
-            <a:r>
-              <a:rPr lang="en-US" sz="2600" dirty="0" smtClean="0">
-                <a:solidFill>
-                  <a:schemeClr val="accent2">
-                    <a:lumMod val="50000"/>
-                  </a:schemeClr>
-                </a:solidFill>
-                <a:latin typeface="Times New Roman" panose="02020603050405020304" pitchFamily="18" charset="0"/>
-                <a:cs typeface="Times New Roman" panose="02020603050405020304" pitchFamily="18" charset="0"/>
-              </a:rPr>
-              <a:t>Chi </a:t>
-            </a:r>
-            <a:r>
-              <a:rPr lang="en-US" sz="2600" dirty="0" err="1" smtClean="0">
-                <a:solidFill>
-                  <a:schemeClr val="accent2">
-                    <a:lumMod val="50000"/>
-                  </a:schemeClr>
-                </a:solidFill>
-                <a:latin typeface="Times New Roman" panose="02020603050405020304" pitchFamily="18" charset="0"/>
-                <a:cs typeface="Times New Roman" panose="02020603050405020304" pitchFamily="18" charset="0"/>
-              </a:rPr>
-              <a:t>tiết</a:t>
-            </a:r>
-            <a:r>
-              <a:rPr lang="en-US" sz="2600" dirty="0" smtClean="0">
-                <a:solidFill>
-                  <a:schemeClr val="accent2">
-                    <a:lumMod val="50000"/>
-                  </a:schemeClr>
-                </a:solidFill>
-                <a:latin typeface="Times New Roman" panose="02020603050405020304" pitchFamily="18" charset="0"/>
-                <a:cs typeface="Times New Roman" panose="02020603050405020304" pitchFamily="18" charset="0"/>
-              </a:rPr>
-              <a:t> </a:t>
-            </a:r>
-            <a:r>
-              <a:rPr lang="en-US" sz="2600" dirty="0" err="1" smtClean="0">
-                <a:solidFill>
-                  <a:schemeClr val="accent2">
-                    <a:lumMod val="50000"/>
-                  </a:schemeClr>
-                </a:solidFill>
-                <a:latin typeface="Times New Roman" panose="02020603050405020304" pitchFamily="18" charset="0"/>
-                <a:cs typeface="Times New Roman" panose="02020603050405020304" pitchFamily="18" charset="0"/>
-              </a:rPr>
-              <a:t>chức</a:t>
-            </a:r>
-            <a:r>
-              <a:rPr lang="en-US" sz="2600" dirty="0" smtClean="0">
-                <a:solidFill>
-                  <a:schemeClr val="accent2">
-                    <a:lumMod val="50000"/>
-                  </a:schemeClr>
-                </a:solidFill>
-                <a:latin typeface="Times New Roman" panose="02020603050405020304" pitchFamily="18" charset="0"/>
-                <a:cs typeface="Times New Roman" panose="02020603050405020304" pitchFamily="18" charset="0"/>
-              </a:rPr>
-              <a:t> </a:t>
-            </a:r>
-            <a:r>
-              <a:rPr lang="en-US" sz="2600" dirty="0" err="1" smtClean="0">
-                <a:solidFill>
-                  <a:schemeClr val="accent2">
-                    <a:lumMod val="50000"/>
-                  </a:schemeClr>
-                </a:solidFill>
-                <a:latin typeface="Times New Roman" panose="02020603050405020304" pitchFamily="18" charset="0"/>
-                <a:cs typeface="Times New Roman" panose="02020603050405020304" pitchFamily="18" charset="0"/>
-              </a:rPr>
-              <a:t>năng</a:t>
-            </a:r>
-            <a:endParaRPr lang="en-US" sz="2600" dirty="0" smtClean="0">
-              <a:solidFill>
-                <a:schemeClr val="accent2">
-                  <a:lumMod val="50000"/>
-                </a:schemeClr>
-              </a:solidFill>
-              <a:latin typeface="Times New Roman" panose="02020603050405020304" pitchFamily="18" charset="0"/>
-              <a:cs typeface="Times New Roman" panose="02020603050405020304" pitchFamily="18" charset="0"/>
-            </a:endParaRPr>
-          </a:p>
-          <a:p>
-            <a:pPr marL="285750" indent="-285750">
-              <a:buFont typeface="Wingdings" panose="05000000000000000000" pitchFamily="2" charset="2"/>
-              <a:buChar char="v"/>
-            </a:pPr>
-            <a:r>
-              <a:rPr lang="en-US" sz="2600" dirty="0" err="1" smtClean="0">
-                <a:solidFill>
-                  <a:schemeClr val="accent2">
-                    <a:lumMod val="50000"/>
-                  </a:schemeClr>
-                </a:solidFill>
-                <a:latin typeface="Times New Roman" panose="02020603050405020304" pitchFamily="18" charset="0"/>
-                <a:cs typeface="Times New Roman" panose="02020603050405020304" pitchFamily="18" charset="0"/>
-              </a:rPr>
-              <a:t>Mô</a:t>
-            </a:r>
-            <a:r>
-              <a:rPr lang="en-US" sz="2600" dirty="0" smtClean="0">
-                <a:solidFill>
-                  <a:schemeClr val="accent2">
-                    <a:lumMod val="50000"/>
-                  </a:schemeClr>
-                </a:solidFill>
-                <a:latin typeface="Times New Roman" panose="02020603050405020304" pitchFamily="18" charset="0"/>
-                <a:cs typeface="Times New Roman" panose="02020603050405020304" pitchFamily="18" charset="0"/>
-              </a:rPr>
-              <a:t> </a:t>
-            </a:r>
-            <a:r>
-              <a:rPr lang="en-US" sz="2600" dirty="0" err="1" smtClean="0">
-                <a:solidFill>
-                  <a:schemeClr val="accent2">
-                    <a:lumMod val="50000"/>
-                  </a:schemeClr>
-                </a:solidFill>
-                <a:latin typeface="Times New Roman" panose="02020603050405020304" pitchFamily="18" charset="0"/>
-                <a:cs typeface="Times New Roman" panose="02020603050405020304" pitchFamily="18" charset="0"/>
-              </a:rPr>
-              <a:t>tả</a:t>
-            </a:r>
-            <a:r>
-              <a:rPr lang="en-US" sz="2600" dirty="0" smtClean="0">
-                <a:solidFill>
-                  <a:schemeClr val="accent2">
-                    <a:lumMod val="50000"/>
-                  </a:schemeClr>
-                </a:solidFill>
-                <a:latin typeface="Times New Roman" panose="02020603050405020304" pitchFamily="18" charset="0"/>
-                <a:cs typeface="Times New Roman" panose="02020603050405020304" pitchFamily="18" charset="0"/>
-              </a:rPr>
-              <a:t> </a:t>
-            </a:r>
-            <a:r>
-              <a:rPr lang="en-US" sz="2600" dirty="0" err="1" smtClean="0">
-                <a:solidFill>
-                  <a:schemeClr val="accent2">
-                    <a:lumMod val="50000"/>
-                  </a:schemeClr>
-                </a:solidFill>
-                <a:latin typeface="Times New Roman" panose="02020603050405020304" pitchFamily="18" charset="0"/>
-                <a:cs typeface="Times New Roman" panose="02020603050405020304" pitchFamily="18" charset="0"/>
-              </a:rPr>
-              <a:t>hoạt</a:t>
-            </a:r>
-            <a:r>
-              <a:rPr lang="en-US" sz="2600" dirty="0" smtClean="0">
-                <a:solidFill>
-                  <a:schemeClr val="accent2">
-                    <a:lumMod val="50000"/>
-                  </a:schemeClr>
-                </a:solidFill>
-                <a:latin typeface="Times New Roman" panose="02020603050405020304" pitchFamily="18" charset="0"/>
-                <a:cs typeface="Times New Roman" panose="02020603050405020304" pitchFamily="18" charset="0"/>
-              </a:rPr>
-              <a:t> </a:t>
-            </a:r>
-            <a:r>
-              <a:rPr lang="en-US" sz="2600" dirty="0" err="1" smtClean="0">
-                <a:solidFill>
-                  <a:schemeClr val="accent2">
-                    <a:lumMod val="50000"/>
-                  </a:schemeClr>
-                </a:solidFill>
-                <a:latin typeface="Times New Roman" panose="02020603050405020304" pitchFamily="18" charset="0"/>
-                <a:cs typeface="Times New Roman" panose="02020603050405020304" pitchFamily="18" charset="0"/>
-              </a:rPr>
-              <a:t>động</a:t>
-            </a:r>
-            <a:r>
-              <a:rPr lang="en-US" sz="2600" dirty="0" smtClean="0">
-                <a:solidFill>
-                  <a:schemeClr val="accent2">
-                    <a:lumMod val="50000"/>
-                  </a:schemeClr>
-                </a:solidFill>
-                <a:latin typeface="Times New Roman" panose="02020603050405020304" pitchFamily="18" charset="0"/>
-                <a:cs typeface="Times New Roman" panose="02020603050405020304" pitchFamily="18" charset="0"/>
-              </a:rPr>
-              <a:t> </a:t>
-            </a:r>
-            <a:r>
-              <a:rPr lang="en-US" sz="2600" dirty="0" err="1" smtClean="0">
-                <a:solidFill>
-                  <a:schemeClr val="accent2">
-                    <a:lumMod val="50000"/>
-                  </a:schemeClr>
-                </a:solidFill>
-                <a:latin typeface="Times New Roman" panose="02020603050405020304" pitchFamily="18" charset="0"/>
-                <a:cs typeface="Times New Roman" panose="02020603050405020304" pitchFamily="18" charset="0"/>
-              </a:rPr>
-              <a:t>của</a:t>
-            </a:r>
-            <a:r>
-              <a:rPr lang="en-US" sz="2600" dirty="0" smtClean="0">
-                <a:solidFill>
-                  <a:schemeClr val="accent2">
-                    <a:lumMod val="50000"/>
-                  </a:schemeClr>
-                </a:solidFill>
-                <a:latin typeface="Times New Roman" panose="02020603050405020304" pitchFamily="18" charset="0"/>
-                <a:cs typeface="Times New Roman" panose="02020603050405020304" pitchFamily="18" charset="0"/>
-              </a:rPr>
-              <a:t> </a:t>
-            </a:r>
-            <a:r>
-              <a:rPr lang="en-US" sz="2600" dirty="0" err="1" smtClean="0">
-                <a:solidFill>
-                  <a:schemeClr val="accent2">
-                    <a:lumMod val="50000"/>
-                  </a:schemeClr>
-                </a:solidFill>
-                <a:latin typeface="Times New Roman" panose="02020603050405020304" pitchFamily="18" charset="0"/>
-                <a:cs typeface="Times New Roman" panose="02020603050405020304" pitchFamily="18" charset="0"/>
-              </a:rPr>
-              <a:t>hệ</a:t>
-            </a:r>
-            <a:r>
-              <a:rPr lang="en-US" sz="2600" dirty="0" smtClean="0">
-                <a:solidFill>
-                  <a:schemeClr val="accent2">
-                    <a:lumMod val="50000"/>
-                  </a:schemeClr>
-                </a:solidFill>
-                <a:latin typeface="Times New Roman" panose="02020603050405020304" pitchFamily="18" charset="0"/>
-                <a:cs typeface="Times New Roman" panose="02020603050405020304" pitchFamily="18" charset="0"/>
-              </a:rPr>
-              <a:t> </a:t>
-            </a:r>
-            <a:r>
-              <a:rPr lang="en-US" sz="2600" dirty="0" err="1" smtClean="0">
-                <a:solidFill>
-                  <a:schemeClr val="accent2">
-                    <a:lumMod val="50000"/>
-                  </a:schemeClr>
-                </a:solidFill>
-                <a:latin typeface="Times New Roman" panose="02020603050405020304" pitchFamily="18" charset="0"/>
-                <a:cs typeface="Times New Roman" panose="02020603050405020304" pitchFamily="18" charset="0"/>
-              </a:rPr>
-              <a:t>thống</a:t>
-            </a:r>
-            <a:endParaRPr lang="en-US" sz="2600" dirty="0" smtClean="0">
-              <a:solidFill>
-                <a:schemeClr val="accent2">
-                  <a:lumMod val="50000"/>
-                </a:schemeClr>
-              </a:solidFill>
-              <a:latin typeface="Times New Roman" panose="02020603050405020304" pitchFamily="18" charset="0"/>
-              <a:cs typeface="Times New Roman" panose="02020603050405020304" pitchFamily="18" charset="0"/>
-            </a:endParaRPr>
-          </a:p>
         </p:txBody>
       </p:sp>
+      <p:grpSp>
+        <p:nvGrpSpPr>
+          <p:cNvPr id="4" name="Group 3"/>
+          <p:cNvGrpSpPr/>
+          <p:nvPr/>
+        </p:nvGrpSpPr>
+        <p:grpSpPr>
+          <a:xfrm>
+            <a:off x="1072798" y="1823501"/>
+            <a:ext cx="6221026" cy="3200778"/>
+            <a:chOff x="2067950" y="2503506"/>
+            <a:chExt cx="5078437" cy="3109562"/>
+          </a:xfrm>
+        </p:grpSpPr>
+        <p:sp>
+          <p:nvSpPr>
+            <p:cNvPr id="6" name="TextBox 5"/>
+            <p:cNvSpPr txBox="1"/>
+            <p:nvPr/>
+          </p:nvSpPr>
+          <p:spPr>
+            <a:xfrm>
+              <a:off x="2067951" y="2503506"/>
+              <a:ext cx="2869809" cy="606628"/>
+            </a:xfrm>
+            <a:prstGeom prst="snip2DiagRect">
+              <a:avLst/>
+            </a:prstGeom>
+            <a:ln>
+              <a:solidFill>
+                <a:schemeClr val="accent6"/>
+              </a:solidFill>
+            </a:ln>
+          </p:spPr>
+          <p:style>
+            <a:lnRef idx="1">
+              <a:schemeClr val="accent1"/>
+            </a:lnRef>
+            <a:fillRef idx="3">
+              <a:schemeClr val="accent1"/>
+            </a:fillRef>
+            <a:effectRef idx="2">
+              <a:schemeClr val="accent1"/>
+            </a:effectRef>
+            <a:fontRef idx="minor">
+              <a:schemeClr val="lt1"/>
+            </a:fontRef>
+          </p:style>
+          <p:txBody>
+            <a:bodyPr wrap="square" rtlCol="0">
+              <a:spAutoFit/>
+            </a:bodyPr>
+            <a:lstStyle/>
+            <a:p>
+              <a:r>
+                <a:rPr lang="en-US" sz="2800" b="1" dirty="0" err="1" smtClean="0">
+                  <a:ln w="0"/>
+                  <a:solidFill>
+                    <a:schemeClr val="accent2">
+                      <a:lumMod val="50000"/>
+                    </a:schemeClr>
+                  </a:solidFill>
+                  <a:effectLst>
+                    <a:outerShdw blurRad="38100" dist="25400" dir="5400000" algn="ctr" rotWithShape="0">
+                      <a:srgbClr val="6E747A">
+                        <a:alpha val="43000"/>
+                      </a:srgbClr>
+                    </a:outerShdw>
+                  </a:effectLst>
+                  <a:latin typeface="Times New Roman" panose="02020603050405020304" pitchFamily="18" charset="0"/>
+                  <a:cs typeface="Times New Roman" panose="02020603050405020304" pitchFamily="18" charset="0"/>
+                </a:rPr>
+                <a:t>Cơ</a:t>
+              </a:r>
+              <a:r>
+                <a:rPr lang="en-US" sz="2800" b="1" dirty="0" smtClean="0">
+                  <a:ln w="0"/>
+                  <a:solidFill>
+                    <a:schemeClr val="accent2">
+                      <a:lumMod val="50000"/>
+                    </a:schemeClr>
+                  </a:solidFill>
+                  <a:effectLst>
+                    <a:outerShdw blurRad="38100" dist="25400" dir="5400000" algn="ctr" rotWithShape="0">
+                      <a:srgbClr val="6E747A">
+                        <a:alpha val="43000"/>
+                      </a:srgbClr>
+                    </a:outerShdw>
+                  </a:effectLst>
+                  <a:latin typeface="Times New Roman" panose="02020603050405020304" pitchFamily="18" charset="0"/>
+                  <a:cs typeface="Times New Roman" panose="02020603050405020304" pitchFamily="18" charset="0"/>
+                </a:rPr>
+                <a:t> </a:t>
+              </a:r>
+              <a:r>
+                <a:rPr lang="en-US" sz="2800" b="1" dirty="0" err="1" smtClean="0">
+                  <a:ln w="0"/>
+                  <a:solidFill>
+                    <a:schemeClr val="accent2">
+                      <a:lumMod val="50000"/>
+                    </a:schemeClr>
+                  </a:solidFill>
+                  <a:effectLst>
+                    <a:outerShdw blurRad="38100" dist="25400" dir="5400000" algn="ctr" rotWithShape="0">
+                      <a:srgbClr val="6E747A">
+                        <a:alpha val="43000"/>
+                      </a:srgbClr>
+                    </a:outerShdw>
+                  </a:effectLst>
+                  <a:latin typeface="Times New Roman" panose="02020603050405020304" pitchFamily="18" charset="0"/>
+                  <a:cs typeface="Times New Roman" panose="02020603050405020304" pitchFamily="18" charset="0"/>
+                </a:rPr>
+                <a:t>sở</a:t>
+              </a:r>
+              <a:r>
+                <a:rPr lang="en-US" sz="2800" b="1" dirty="0" smtClean="0">
+                  <a:ln w="0"/>
+                  <a:solidFill>
+                    <a:schemeClr val="accent2">
+                      <a:lumMod val="50000"/>
+                    </a:schemeClr>
+                  </a:solidFill>
+                  <a:effectLst>
+                    <a:outerShdw blurRad="38100" dist="25400" dir="5400000" algn="ctr" rotWithShape="0">
+                      <a:srgbClr val="6E747A">
+                        <a:alpha val="43000"/>
+                      </a:srgbClr>
+                    </a:outerShdw>
+                  </a:effectLst>
+                  <a:latin typeface="Times New Roman" panose="02020603050405020304" pitchFamily="18" charset="0"/>
+                  <a:cs typeface="Times New Roman" panose="02020603050405020304" pitchFamily="18" charset="0"/>
+                </a:rPr>
+                <a:t> </a:t>
+              </a:r>
+              <a:r>
+                <a:rPr lang="en-US" sz="2800" b="1" dirty="0" err="1" smtClean="0">
+                  <a:ln w="0"/>
+                  <a:solidFill>
+                    <a:schemeClr val="accent2">
+                      <a:lumMod val="50000"/>
+                    </a:schemeClr>
+                  </a:solidFill>
+                  <a:effectLst>
+                    <a:outerShdw blurRad="38100" dist="25400" dir="5400000" algn="ctr" rotWithShape="0">
+                      <a:srgbClr val="6E747A">
+                        <a:alpha val="43000"/>
+                      </a:srgbClr>
+                    </a:outerShdw>
+                  </a:effectLst>
+                  <a:latin typeface="Times New Roman" panose="02020603050405020304" pitchFamily="18" charset="0"/>
+                  <a:cs typeface="Times New Roman" panose="02020603050405020304" pitchFamily="18" charset="0"/>
+                </a:rPr>
+                <a:t>dữ</a:t>
+              </a:r>
+              <a:r>
+                <a:rPr lang="en-US" sz="2800" b="1" dirty="0" smtClean="0">
+                  <a:ln w="0"/>
+                  <a:solidFill>
+                    <a:schemeClr val="accent2">
+                      <a:lumMod val="50000"/>
+                    </a:schemeClr>
+                  </a:solidFill>
+                  <a:effectLst>
+                    <a:outerShdw blurRad="38100" dist="25400" dir="5400000" algn="ctr" rotWithShape="0">
+                      <a:srgbClr val="6E747A">
+                        <a:alpha val="43000"/>
+                      </a:srgbClr>
+                    </a:outerShdw>
+                  </a:effectLst>
+                  <a:latin typeface="Times New Roman" panose="02020603050405020304" pitchFamily="18" charset="0"/>
+                  <a:cs typeface="Times New Roman" panose="02020603050405020304" pitchFamily="18" charset="0"/>
+                </a:rPr>
+                <a:t> </a:t>
+              </a:r>
+              <a:r>
+                <a:rPr lang="en-US" sz="2800" b="1" dirty="0" err="1" smtClean="0">
+                  <a:ln w="0"/>
+                  <a:solidFill>
+                    <a:schemeClr val="accent2">
+                      <a:lumMod val="50000"/>
+                    </a:schemeClr>
+                  </a:solidFill>
+                  <a:effectLst>
+                    <a:outerShdw blurRad="38100" dist="25400" dir="5400000" algn="ctr" rotWithShape="0">
+                      <a:srgbClr val="6E747A">
+                        <a:alpha val="43000"/>
+                      </a:srgbClr>
+                    </a:outerShdw>
+                  </a:effectLst>
+                  <a:latin typeface="Times New Roman" panose="02020603050405020304" pitchFamily="18" charset="0"/>
+                  <a:cs typeface="Times New Roman" panose="02020603050405020304" pitchFamily="18" charset="0"/>
+                </a:rPr>
+                <a:t>liệu</a:t>
+              </a:r>
+              <a:endParaRPr lang="vi-VN" sz="2800" b="1" dirty="0">
+                <a:ln w="0"/>
+                <a:solidFill>
+                  <a:schemeClr val="accent2">
+                    <a:lumMod val="50000"/>
+                  </a:schemeClr>
+                </a:solidFill>
+                <a:latin typeface="Times New Roman" panose="02020603050405020304" pitchFamily="18" charset="0"/>
+                <a:cs typeface="Times New Roman" panose="02020603050405020304" pitchFamily="18" charset="0"/>
+              </a:endParaRPr>
+            </a:p>
+          </p:txBody>
+        </p:sp>
+        <p:sp>
+          <p:nvSpPr>
+            <p:cNvPr id="7" name="TextBox 6"/>
+            <p:cNvSpPr txBox="1"/>
+            <p:nvPr/>
+          </p:nvSpPr>
+          <p:spPr>
+            <a:xfrm>
+              <a:off x="2067951" y="3754973"/>
+              <a:ext cx="3573194" cy="606628"/>
+            </a:xfrm>
+            <a:prstGeom prst="snip2DiagRect">
+              <a:avLst/>
+            </a:prstGeom>
+            <a:ln>
+              <a:solidFill>
+                <a:schemeClr val="accent6"/>
+              </a:solidFill>
+            </a:ln>
+          </p:spPr>
+          <p:style>
+            <a:lnRef idx="1">
+              <a:schemeClr val="accent1"/>
+            </a:lnRef>
+            <a:fillRef idx="3">
+              <a:schemeClr val="accent1"/>
+            </a:fillRef>
+            <a:effectRef idx="2">
+              <a:schemeClr val="accent1"/>
+            </a:effectRef>
+            <a:fontRef idx="minor">
+              <a:schemeClr val="lt1"/>
+            </a:fontRef>
+          </p:style>
+          <p:txBody>
+            <a:bodyPr wrap="square" rtlCol="0">
+              <a:spAutoFit/>
+            </a:bodyPr>
+            <a:lstStyle/>
+            <a:p>
+              <a:r>
+                <a:rPr lang="en-US" sz="2800" b="1" dirty="0" err="1" smtClean="0">
+                  <a:ln w="0"/>
+                  <a:solidFill>
+                    <a:schemeClr val="accent2">
+                      <a:lumMod val="50000"/>
+                    </a:schemeClr>
+                  </a:solidFill>
+                  <a:effectLst>
+                    <a:outerShdw blurRad="38100" dist="25400" dir="5400000" algn="ctr" rotWithShape="0">
+                      <a:srgbClr val="6E747A">
+                        <a:alpha val="43000"/>
+                      </a:srgbClr>
+                    </a:outerShdw>
+                  </a:effectLst>
+                  <a:latin typeface="Times New Roman" panose="02020603050405020304" pitchFamily="18" charset="0"/>
+                  <a:cs typeface="Times New Roman" panose="02020603050405020304" pitchFamily="18" charset="0"/>
+                </a:rPr>
+                <a:t>Các</a:t>
+              </a:r>
+              <a:r>
+                <a:rPr lang="en-US" sz="2800" b="1" dirty="0" smtClean="0">
+                  <a:ln w="0"/>
+                  <a:solidFill>
+                    <a:schemeClr val="accent2">
+                      <a:lumMod val="50000"/>
+                    </a:schemeClr>
+                  </a:solidFill>
+                  <a:effectLst>
+                    <a:outerShdw blurRad="38100" dist="25400" dir="5400000" algn="ctr" rotWithShape="0">
+                      <a:srgbClr val="6E747A">
+                        <a:alpha val="43000"/>
+                      </a:srgbClr>
+                    </a:outerShdw>
+                  </a:effectLst>
+                  <a:latin typeface="Times New Roman" panose="02020603050405020304" pitchFamily="18" charset="0"/>
+                  <a:cs typeface="Times New Roman" panose="02020603050405020304" pitchFamily="18" charset="0"/>
+                </a:rPr>
+                <a:t> </a:t>
+              </a:r>
+              <a:r>
+                <a:rPr lang="en-US" sz="2800" b="1" dirty="0" err="1" smtClean="0">
+                  <a:ln w="0"/>
+                  <a:solidFill>
+                    <a:schemeClr val="accent2">
+                      <a:lumMod val="50000"/>
+                    </a:schemeClr>
+                  </a:solidFill>
+                  <a:effectLst>
+                    <a:outerShdw blurRad="38100" dist="25400" dir="5400000" algn="ctr" rotWithShape="0">
+                      <a:srgbClr val="6E747A">
+                        <a:alpha val="43000"/>
+                      </a:srgbClr>
+                    </a:outerShdw>
+                  </a:effectLst>
+                  <a:latin typeface="Times New Roman" panose="02020603050405020304" pitchFamily="18" charset="0"/>
+                  <a:cs typeface="Times New Roman" panose="02020603050405020304" pitchFamily="18" charset="0"/>
+                </a:rPr>
+                <a:t>chức</a:t>
+              </a:r>
+              <a:r>
+                <a:rPr lang="en-US" sz="2800" b="1" dirty="0" smtClean="0">
+                  <a:ln w="0"/>
+                  <a:solidFill>
+                    <a:schemeClr val="accent2">
+                      <a:lumMod val="50000"/>
+                    </a:schemeClr>
+                  </a:solidFill>
+                  <a:effectLst>
+                    <a:outerShdw blurRad="38100" dist="25400" dir="5400000" algn="ctr" rotWithShape="0">
+                      <a:srgbClr val="6E747A">
+                        <a:alpha val="43000"/>
+                      </a:srgbClr>
+                    </a:outerShdw>
+                  </a:effectLst>
+                  <a:latin typeface="Times New Roman" panose="02020603050405020304" pitchFamily="18" charset="0"/>
+                  <a:cs typeface="Times New Roman" panose="02020603050405020304" pitchFamily="18" charset="0"/>
+                </a:rPr>
+                <a:t> </a:t>
+              </a:r>
+              <a:r>
+                <a:rPr lang="en-US" sz="2800" b="1" dirty="0" err="1" smtClean="0">
+                  <a:ln w="0"/>
+                  <a:solidFill>
+                    <a:schemeClr val="accent2">
+                      <a:lumMod val="50000"/>
+                    </a:schemeClr>
+                  </a:solidFill>
+                  <a:effectLst>
+                    <a:outerShdw blurRad="38100" dist="25400" dir="5400000" algn="ctr" rotWithShape="0">
+                      <a:srgbClr val="6E747A">
+                        <a:alpha val="43000"/>
+                      </a:srgbClr>
+                    </a:outerShdw>
+                  </a:effectLst>
+                  <a:latin typeface="Times New Roman" panose="02020603050405020304" pitchFamily="18" charset="0"/>
+                  <a:cs typeface="Times New Roman" panose="02020603050405020304" pitchFamily="18" charset="0"/>
+                </a:rPr>
+                <a:t>năng</a:t>
+              </a:r>
+              <a:r>
+                <a:rPr lang="en-US" sz="2800" b="1" dirty="0" smtClean="0">
+                  <a:ln w="0"/>
+                  <a:solidFill>
+                    <a:schemeClr val="accent2">
+                      <a:lumMod val="50000"/>
+                    </a:schemeClr>
+                  </a:solidFill>
+                  <a:effectLst>
+                    <a:outerShdw blurRad="38100" dist="25400" dir="5400000" algn="ctr" rotWithShape="0">
+                      <a:srgbClr val="6E747A">
+                        <a:alpha val="43000"/>
+                      </a:srgbClr>
+                    </a:outerShdw>
+                  </a:effectLst>
+                  <a:latin typeface="Times New Roman" panose="02020603050405020304" pitchFamily="18" charset="0"/>
+                  <a:cs typeface="Times New Roman" panose="02020603050405020304" pitchFamily="18" charset="0"/>
+                </a:rPr>
+                <a:t> </a:t>
+              </a:r>
+              <a:r>
+                <a:rPr lang="en-US" sz="2800" b="1" dirty="0" err="1" smtClean="0">
+                  <a:ln w="0"/>
+                  <a:solidFill>
+                    <a:schemeClr val="accent2">
+                      <a:lumMod val="50000"/>
+                    </a:schemeClr>
+                  </a:solidFill>
+                  <a:effectLst>
+                    <a:outerShdw blurRad="38100" dist="25400" dir="5400000" algn="ctr" rotWithShape="0">
+                      <a:srgbClr val="6E747A">
+                        <a:alpha val="43000"/>
+                      </a:srgbClr>
+                    </a:outerShdw>
+                  </a:effectLst>
+                  <a:latin typeface="Times New Roman" panose="02020603050405020304" pitchFamily="18" charset="0"/>
+                  <a:cs typeface="Times New Roman" panose="02020603050405020304" pitchFamily="18" charset="0"/>
+                </a:rPr>
+                <a:t>chính</a:t>
+              </a:r>
+              <a:endParaRPr lang="vi-VN" sz="2800" b="1" dirty="0">
+                <a:ln w="0"/>
+                <a:solidFill>
+                  <a:schemeClr val="accent2">
+                    <a:lumMod val="50000"/>
+                  </a:schemeClr>
+                </a:solidFill>
+                <a:latin typeface="Times New Roman" panose="02020603050405020304" pitchFamily="18" charset="0"/>
+                <a:cs typeface="Times New Roman" panose="02020603050405020304" pitchFamily="18" charset="0"/>
+              </a:endParaRPr>
+            </a:p>
+          </p:txBody>
+        </p:sp>
+        <p:sp>
+          <p:nvSpPr>
+            <p:cNvPr id="8" name="TextBox 7"/>
+            <p:cNvSpPr txBox="1"/>
+            <p:nvPr/>
+          </p:nvSpPr>
+          <p:spPr>
+            <a:xfrm>
+              <a:off x="2067950" y="5006440"/>
+              <a:ext cx="5078437" cy="606628"/>
+            </a:xfrm>
+            <a:prstGeom prst="snip2DiagRect">
+              <a:avLst/>
+            </a:prstGeom>
+            <a:ln>
+              <a:solidFill>
+                <a:schemeClr val="accent6"/>
+              </a:solidFill>
+            </a:ln>
+          </p:spPr>
+          <p:style>
+            <a:lnRef idx="1">
+              <a:schemeClr val="accent1"/>
+            </a:lnRef>
+            <a:fillRef idx="3">
+              <a:schemeClr val="accent1"/>
+            </a:fillRef>
+            <a:effectRef idx="2">
+              <a:schemeClr val="accent1"/>
+            </a:effectRef>
+            <a:fontRef idx="minor">
+              <a:schemeClr val="lt1"/>
+            </a:fontRef>
+          </p:style>
+          <p:txBody>
+            <a:bodyPr wrap="square" rtlCol="0">
+              <a:spAutoFit/>
+            </a:bodyPr>
+            <a:lstStyle/>
+            <a:p>
+              <a:r>
+                <a:rPr lang="en-US" sz="2800" b="1" dirty="0" err="1" smtClean="0">
+                  <a:ln w="0"/>
+                  <a:solidFill>
+                    <a:schemeClr val="accent2">
+                      <a:lumMod val="50000"/>
+                    </a:schemeClr>
+                  </a:solidFill>
+                  <a:effectLst>
+                    <a:outerShdw blurRad="38100" dist="25400" dir="5400000" algn="ctr" rotWithShape="0">
+                      <a:srgbClr val="6E747A">
+                        <a:alpha val="43000"/>
+                      </a:srgbClr>
+                    </a:outerShdw>
+                  </a:effectLst>
+                  <a:latin typeface="Times New Roman" panose="02020603050405020304" pitchFamily="18" charset="0"/>
+                  <a:cs typeface="Times New Roman" panose="02020603050405020304" pitchFamily="18" charset="0"/>
+                </a:rPr>
+                <a:t>Mô</a:t>
+              </a:r>
+              <a:r>
+                <a:rPr lang="en-US" sz="2800" b="1" dirty="0" smtClean="0">
+                  <a:ln w="0"/>
+                  <a:solidFill>
+                    <a:schemeClr val="accent2">
+                      <a:lumMod val="50000"/>
+                    </a:schemeClr>
+                  </a:solidFill>
+                  <a:effectLst>
+                    <a:outerShdw blurRad="38100" dist="25400" dir="5400000" algn="ctr" rotWithShape="0">
+                      <a:srgbClr val="6E747A">
+                        <a:alpha val="43000"/>
+                      </a:srgbClr>
+                    </a:outerShdw>
+                  </a:effectLst>
+                  <a:latin typeface="Times New Roman" panose="02020603050405020304" pitchFamily="18" charset="0"/>
+                  <a:cs typeface="Times New Roman" panose="02020603050405020304" pitchFamily="18" charset="0"/>
+                </a:rPr>
+                <a:t> </a:t>
+              </a:r>
+              <a:r>
+                <a:rPr lang="en-US" sz="2800" b="1" dirty="0" err="1" smtClean="0">
+                  <a:ln w="0"/>
+                  <a:solidFill>
+                    <a:schemeClr val="accent2">
+                      <a:lumMod val="50000"/>
+                    </a:schemeClr>
+                  </a:solidFill>
+                  <a:effectLst>
+                    <a:outerShdw blurRad="38100" dist="25400" dir="5400000" algn="ctr" rotWithShape="0">
+                      <a:srgbClr val="6E747A">
+                        <a:alpha val="43000"/>
+                      </a:srgbClr>
+                    </a:outerShdw>
+                  </a:effectLst>
+                  <a:latin typeface="Times New Roman" panose="02020603050405020304" pitchFamily="18" charset="0"/>
+                  <a:cs typeface="Times New Roman" panose="02020603050405020304" pitchFamily="18" charset="0"/>
+                </a:rPr>
+                <a:t>tả</a:t>
+              </a:r>
+              <a:r>
+                <a:rPr lang="en-US" sz="2800" b="1" dirty="0" smtClean="0">
+                  <a:ln w="0"/>
+                  <a:solidFill>
+                    <a:schemeClr val="accent2">
+                      <a:lumMod val="50000"/>
+                    </a:schemeClr>
+                  </a:solidFill>
+                  <a:effectLst>
+                    <a:outerShdw blurRad="38100" dist="25400" dir="5400000" algn="ctr" rotWithShape="0">
+                      <a:srgbClr val="6E747A">
+                        <a:alpha val="43000"/>
+                      </a:srgbClr>
+                    </a:outerShdw>
+                  </a:effectLst>
+                  <a:latin typeface="Times New Roman" panose="02020603050405020304" pitchFamily="18" charset="0"/>
+                  <a:cs typeface="Times New Roman" panose="02020603050405020304" pitchFamily="18" charset="0"/>
+                </a:rPr>
+                <a:t> </a:t>
+              </a:r>
+              <a:r>
+                <a:rPr lang="en-US" sz="2800" b="1" dirty="0" err="1" smtClean="0">
+                  <a:ln w="0"/>
+                  <a:solidFill>
+                    <a:schemeClr val="accent2">
+                      <a:lumMod val="50000"/>
+                    </a:schemeClr>
+                  </a:solidFill>
+                  <a:effectLst>
+                    <a:outerShdw blurRad="38100" dist="25400" dir="5400000" algn="ctr" rotWithShape="0">
+                      <a:srgbClr val="6E747A">
+                        <a:alpha val="43000"/>
+                      </a:srgbClr>
+                    </a:outerShdw>
+                  </a:effectLst>
+                  <a:latin typeface="Times New Roman" panose="02020603050405020304" pitchFamily="18" charset="0"/>
+                  <a:cs typeface="Times New Roman" panose="02020603050405020304" pitchFamily="18" charset="0"/>
+                </a:rPr>
+                <a:t>hoạt</a:t>
+              </a:r>
+              <a:r>
+                <a:rPr lang="en-US" sz="2800" b="1" dirty="0" smtClean="0">
+                  <a:ln w="0"/>
+                  <a:solidFill>
+                    <a:schemeClr val="accent2">
+                      <a:lumMod val="50000"/>
+                    </a:schemeClr>
+                  </a:solidFill>
+                  <a:effectLst>
+                    <a:outerShdw blurRad="38100" dist="25400" dir="5400000" algn="ctr" rotWithShape="0">
+                      <a:srgbClr val="6E747A">
+                        <a:alpha val="43000"/>
+                      </a:srgbClr>
+                    </a:outerShdw>
+                  </a:effectLst>
+                  <a:latin typeface="Times New Roman" panose="02020603050405020304" pitchFamily="18" charset="0"/>
+                  <a:cs typeface="Times New Roman" panose="02020603050405020304" pitchFamily="18" charset="0"/>
+                </a:rPr>
+                <a:t> </a:t>
+              </a:r>
+              <a:r>
+                <a:rPr lang="en-US" sz="2800" b="1" dirty="0" err="1" smtClean="0">
+                  <a:ln w="0"/>
+                  <a:solidFill>
+                    <a:schemeClr val="accent2">
+                      <a:lumMod val="50000"/>
+                    </a:schemeClr>
+                  </a:solidFill>
+                  <a:effectLst>
+                    <a:outerShdw blurRad="38100" dist="25400" dir="5400000" algn="ctr" rotWithShape="0">
+                      <a:srgbClr val="6E747A">
+                        <a:alpha val="43000"/>
+                      </a:srgbClr>
+                    </a:outerShdw>
+                  </a:effectLst>
+                  <a:latin typeface="Times New Roman" panose="02020603050405020304" pitchFamily="18" charset="0"/>
+                  <a:cs typeface="Times New Roman" panose="02020603050405020304" pitchFamily="18" charset="0"/>
+                </a:rPr>
+                <a:t>động</a:t>
+              </a:r>
+              <a:r>
+                <a:rPr lang="en-US" sz="2800" b="1" dirty="0" smtClean="0">
+                  <a:ln w="0"/>
+                  <a:solidFill>
+                    <a:schemeClr val="accent2">
+                      <a:lumMod val="50000"/>
+                    </a:schemeClr>
+                  </a:solidFill>
+                  <a:effectLst>
+                    <a:outerShdw blurRad="38100" dist="25400" dir="5400000" algn="ctr" rotWithShape="0">
+                      <a:srgbClr val="6E747A">
+                        <a:alpha val="43000"/>
+                      </a:srgbClr>
+                    </a:outerShdw>
+                  </a:effectLst>
+                  <a:latin typeface="Times New Roman" panose="02020603050405020304" pitchFamily="18" charset="0"/>
+                  <a:cs typeface="Times New Roman" panose="02020603050405020304" pitchFamily="18" charset="0"/>
+                </a:rPr>
+                <a:t> </a:t>
+              </a:r>
+              <a:r>
+                <a:rPr lang="en-US" sz="2800" b="1" dirty="0" err="1" smtClean="0">
+                  <a:ln w="0"/>
+                  <a:solidFill>
+                    <a:schemeClr val="accent2">
+                      <a:lumMod val="50000"/>
+                    </a:schemeClr>
+                  </a:solidFill>
+                  <a:effectLst>
+                    <a:outerShdw blurRad="38100" dist="25400" dir="5400000" algn="ctr" rotWithShape="0">
+                      <a:srgbClr val="6E747A">
+                        <a:alpha val="43000"/>
+                      </a:srgbClr>
+                    </a:outerShdw>
+                  </a:effectLst>
+                  <a:latin typeface="Times New Roman" panose="02020603050405020304" pitchFamily="18" charset="0"/>
+                  <a:cs typeface="Times New Roman" panose="02020603050405020304" pitchFamily="18" charset="0"/>
+                </a:rPr>
+                <a:t>hệ</a:t>
+              </a:r>
+              <a:r>
+                <a:rPr lang="en-US" sz="2800" b="1" dirty="0" smtClean="0">
+                  <a:ln w="0"/>
+                  <a:solidFill>
+                    <a:schemeClr val="accent2">
+                      <a:lumMod val="50000"/>
+                    </a:schemeClr>
+                  </a:solidFill>
+                  <a:effectLst>
+                    <a:outerShdw blurRad="38100" dist="25400" dir="5400000" algn="ctr" rotWithShape="0">
+                      <a:srgbClr val="6E747A">
+                        <a:alpha val="43000"/>
+                      </a:srgbClr>
+                    </a:outerShdw>
+                  </a:effectLst>
+                  <a:latin typeface="Times New Roman" panose="02020603050405020304" pitchFamily="18" charset="0"/>
+                  <a:cs typeface="Times New Roman" panose="02020603050405020304" pitchFamily="18" charset="0"/>
+                </a:rPr>
+                <a:t> </a:t>
+              </a:r>
+              <a:r>
+                <a:rPr lang="en-US" sz="2800" b="1" dirty="0" err="1" smtClean="0">
+                  <a:ln w="0"/>
+                  <a:solidFill>
+                    <a:schemeClr val="accent2">
+                      <a:lumMod val="50000"/>
+                    </a:schemeClr>
+                  </a:solidFill>
+                  <a:effectLst>
+                    <a:outerShdw blurRad="38100" dist="25400" dir="5400000" algn="ctr" rotWithShape="0">
+                      <a:srgbClr val="6E747A">
+                        <a:alpha val="43000"/>
+                      </a:srgbClr>
+                    </a:outerShdw>
+                  </a:effectLst>
+                  <a:latin typeface="Times New Roman" panose="02020603050405020304" pitchFamily="18" charset="0"/>
+                  <a:cs typeface="Times New Roman" panose="02020603050405020304" pitchFamily="18" charset="0"/>
+                </a:rPr>
+                <a:t>thống</a:t>
+              </a:r>
+              <a:endParaRPr lang="vi-VN" sz="2800" b="1" dirty="0">
+                <a:ln w="0"/>
+                <a:solidFill>
+                  <a:schemeClr val="accent2">
+                    <a:lumMod val="50000"/>
+                  </a:schemeClr>
+                </a:solidFill>
+                <a:latin typeface="Times New Roman" panose="02020603050405020304" pitchFamily="18" charset="0"/>
+                <a:cs typeface="Times New Roman" panose="02020603050405020304" pitchFamily="18" charset="0"/>
+              </a:endParaRPr>
+            </a:p>
+          </p:txBody>
+        </p:sp>
+      </p:grpSp>
     </p:spTree>
     <p:extLst>
       <p:ext uri="{BB962C8B-B14F-4D97-AF65-F5344CB8AC3E}">
@@ -8372,46 +10053,6 @@
               </a:solidFill>
               <a:latin typeface="Times New Roman" panose="02020603050405020304" pitchFamily="18" charset="0"/>
               <a:cs typeface="Times New Roman" panose="02020603050405020304" pitchFamily="18" charset="0"/>
-            </a:endParaRPr>
-          </a:p>
-        </p:txBody>
-      </p:sp>
-      <p:sp>
-        <p:nvSpPr>
-          <p:cNvPr id="3" name="Text Placeholder 2"/>
-          <p:cNvSpPr>
-            <a:spLocks noGrp="1"/>
-          </p:cNvSpPr>
-          <p:nvPr>
-            <p:ph type="body" idx="1"/>
-          </p:nvPr>
-        </p:nvSpPr>
-        <p:spPr>
-          <a:xfrm>
-            <a:off x="677335" y="2210937"/>
-            <a:ext cx="8596668" cy="518615"/>
-          </a:xfrm>
-        </p:spPr>
-        <p:txBody>
-          <a:bodyPr/>
-          <a:lstStyle/>
-          <a:p>
-            <a:r>
-              <a:rPr lang="en-US" dirty="0" smtClean="0">
-                <a:solidFill>
-                  <a:schemeClr val="accent2">
-                    <a:lumMod val="50000"/>
-                  </a:schemeClr>
-                </a:solidFill>
-              </a:rPr>
-              <a:t>SQLite</a:t>
-            </a:r>
-            <a:endParaRPr lang="vi-VN" dirty="0">
-              <a:solidFill>
-                <a:schemeClr val="accent2">
-                  <a:lumMod val="50000"/>
-                </a:schemeClr>
-              </a:solidFill>
             </a:endParaRPr>
           </a:p>
         </p:txBody>
@@ -8480,7 +10121,7 @@
               <a:rPr lang="en-US" sz="3400" b="1" dirty="0" err="1" smtClean="0">
                 <a:solidFill>
                   <a:schemeClr val="accent2">
-                    <a:lumMod val="75000"/>
+                    <a:lumMod val="50000"/>
                   </a:schemeClr>
                 </a:solidFill>
                 <a:latin typeface="Times New Roman" panose="02020603050405020304" pitchFamily="18" charset="0"/>
@@ -8492,7 +10133,7 @@
               <a:rPr lang="en-US" sz="3400" b="1" dirty="0" smtClean="0">
                 <a:solidFill>
                   <a:schemeClr val="accent2">
-                    <a:lumMod val="75000"/>
+                    <a:lumMod val="50000"/>
                   </a:schemeClr>
                 </a:solidFill>
                 <a:latin typeface="Times New Roman" panose="02020603050405020304" pitchFamily="18" charset="0"/>
@@ -8504,7 +10145,7 @@
               <a:rPr lang="en-US" sz="3400" b="1" dirty="0" err="1" smtClean="0">
                 <a:solidFill>
                   <a:schemeClr val="accent2">
-                    <a:lumMod val="75000"/>
+                    <a:lumMod val="50000"/>
                   </a:schemeClr>
                 </a:solidFill>
                 <a:latin typeface="Times New Roman" panose="02020603050405020304" pitchFamily="18" charset="0"/>
@@ -8516,7 +10157,7 @@
               <a:rPr lang="en-US" sz="3400" b="1" dirty="0" smtClean="0">
                 <a:solidFill>
                   <a:schemeClr val="accent2">
-                    <a:lumMod val="75000"/>
+                    <a:lumMod val="50000"/>
                   </a:schemeClr>
                 </a:solidFill>
                 <a:latin typeface="Times New Roman" panose="02020603050405020304" pitchFamily="18" charset="0"/>
@@ -8528,7 +10169,7 @@
               <a:rPr lang="en-US" sz="3400" b="1" dirty="0" err="1" smtClean="0">
                 <a:solidFill>
                   <a:schemeClr val="accent2">
-                    <a:lumMod val="75000"/>
+                    <a:lumMod val="50000"/>
                   </a:schemeClr>
                 </a:solidFill>
                 <a:latin typeface="Times New Roman" panose="02020603050405020304" pitchFamily="18" charset="0"/>
@@ -8540,7 +10181,7 @@
               <a:rPr lang="en-US" sz="3400" b="1" dirty="0" smtClean="0">
                 <a:solidFill>
                   <a:schemeClr val="accent2">
-                    <a:lumMod val="75000"/>
+                    <a:lumMod val="50000"/>
                   </a:schemeClr>
                 </a:solidFill>
                 <a:latin typeface="Times New Roman" panose="02020603050405020304" pitchFamily="18" charset="0"/>
@@ -8552,7 +10193,7 @@
               <a:rPr lang="en-US" sz="3400" b="1" dirty="0" err="1" smtClean="0">
                 <a:solidFill>
                   <a:schemeClr val="accent2">
-                    <a:lumMod val="75000"/>
+                    <a:lumMod val="50000"/>
                   </a:schemeClr>
                 </a:solidFill>
                 <a:latin typeface="Times New Roman" panose="02020603050405020304" pitchFamily="18" charset="0"/>
@@ -8561,128 +10202,6 @@
               <a:t>chính</a:t>
             </a:r>
             <a:endParaRPr lang="vi-VN" sz="3400" b="1" dirty="0">
-              <a:solidFill>
-                <a:schemeClr val="accent2">
-                  <a:lumMod val="75000"/>
-                </a:schemeClr>
-              </a:solidFill>
-              <a:latin typeface="Times New Roman" panose="02020603050405020304" pitchFamily="18" charset="0"/>
-              <a:cs typeface="Times New Roman" panose="02020603050405020304" pitchFamily="18" charset="0"/>
-            </a:endParaRPr>
-          </a:p>
-        </p:txBody>
-      </p:sp>
-      <p:sp>
-        <p:nvSpPr>
-          <p:cNvPr id="5" name="Text Placeholder 4"/>
-          <p:cNvSpPr>
-            <a:spLocks noGrp="1"/>
-          </p:cNvSpPr>
-          <p:nvPr>
-            <p:ph type="body" idx="1"/>
-          </p:nvPr>
-        </p:nvSpPr>
-        <p:spPr>
-          <a:xfrm>
-            <a:off x="677335" y="2156346"/>
-            <a:ext cx="8596668" cy="3411941"/>
-          </a:xfrm>
-        </p:spPr>
-        <p:txBody>
-          <a:bodyPr>
-            <a:normAutofit/>
-          </a:bodyPr>
-          <a:lstStyle/>
-          <a:p>
-            <a:pPr marL="285750" indent="-285750">
-              <a:buFont typeface="Wingdings" panose="05000000000000000000" pitchFamily="2" charset="2"/>
-              <a:buChar char="v"/>
-            </a:pPr>
-            <a:r>
-              <a:rPr lang="en-US" sz="2600" dirty="0" err="1" smtClean="0">
-                <a:solidFill>
-                  <a:schemeClr val="accent2">
-                    <a:lumMod val="50000"/>
-                  </a:schemeClr>
-                </a:solidFill>
-                <a:latin typeface="Times New Roman" panose="02020603050405020304" pitchFamily="18" charset="0"/>
-                <a:cs typeface="Times New Roman" panose="02020603050405020304" pitchFamily="18" charset="0"/>
-              </a:rPr>
-              <a:t>Thêm</a:t>
-            </a:r>
-            <a:r>
-              <a:rPr lang="en-US" sz="2600" dirty="0" smtClean="0">
-                <a:solidFill>
-                  <a:schemeClr val="accent2">
-                    <a:lumMod val="50000"/>
-                  </a:schemeClr>
-                </a:solidFill>
-                <a:latin typeface="Times New Roman" panose="02020603050405020304" pitchFamily="18" charset="0"/>
-                <a:cs typeface="Times New Roman" panose="02020603050405020304" pitchFamily="18" charset="0"/>
-              </a:rPr>
-              <a:t> </a:t>
-            </a:r>
-            <a:r>
-              <a:rPr lang="en-US" sz="2600" dirty="0" err="1" smtClean="0">
-                <a:solidFill>
-                  <a:schemeClr val="accent2">
-                    <a:lumMod val="50000"/>
-                  </a:schemeClr>
-                </a:solidFill>
-                <a:latin typeface="Times New Roman" panose="02020603050405020304" pitchFamily="18" charset="0"/>
-                <a:cs typeface="Times New Roman" panose="02020603050405020304" pitchFamily="18" charset="0"/>
-              </a:rPr>
-              <a:t>mới</a:t>
-            </a:r>
-            <a:r>
-              <a:rPr lang="en-US" sz="2600" dirty="0" smtClean="0">
-                <a:solidFill>
-                  <a:schemeClr val="accent2">
-                    <a:lumMod val="50000"/>
-                  </a:schemeClr>
-                </a:solidFill>
-                <a:latin typeface="Times New Roman" panose="02020603050405020304" pitchFamily="18" charset="0"/>
-                <a:cs typeface="Times New Roman" panose="02020603050405020304" pitchFamily="18" charset="0"/>
-              </a:rPr>
-              <a:t> </a:t>
-            </a:r>
-            <a:r>
-              <a:rPr lang="en-US" sz="2600" dirty="0" err="1" smtClean="0">
-                <a:solidFill>
-                  <a:schemeClr val="accent2">
-                    <a:lumMod val="50000"/>
-                  </a:schemeClr>
-                </a:solidFill>
-                <a:latin typeface="Times New Roman" panose="02020603050405020304" pitchFamily="18" charset="0"/>
-                <a:cs typeface="Times New Roman" panose="02020603050405020304" pitchFamily="18" charset="0"/>
-              </a:rPr>
-              <a:t>báo</a:t>
-            </a:r>
-            <a:r>
-              <a:rPr lang="en-US" sz="2600" dirty="0" smtClean="0">
-                <a:solidFill>
-                  <a:schemeClr val="accent2">
-                    <a:lumMod val="50000"/>
-                  </a:schemeClr>
-                </a:solidFill>
-                <a:latin typeface="Times New Roman" panose="02020603050405020304" pitchFamily="18" charset="0"/>
-                <a:cs typeface="Times New Roman" panose="02020603050405020304" pitchFamily="18" charset="0"/>
-              </a:rPr>
-              <a:t> </a:t>
-            </a:r>
-            <a:r>
-              <a:rPr lang="en-US" sz="2600" dirty="0" err="1" smtClean="0">
-                <a:solidFill>
-                  <a:schemeClr val="accent2">
-                    <a:lumMod val="50000"/>
-                  </a:schemeClr>
-                </a:solidFill>
-                <a:latin typeface="Times New Roman" panose="02020603050405020304" pitchFamily="18" charset="0"/>
-                <a:cs typeface="Times New Roman" panose="02020603050405020304" pitchFamily="18" charset="0"/>
-              </a:rPr>
-              <a:t>thức</a:t>
-            </a:r>
-            <a:endParaRPr lang="en-US" sz="2600" dirty="0" smtClean="0">
               <a:solidFill>
                 <a:schemeClr val="accent2">
                   <a:lumMod val="50000"/>
@@ -8692,206 +10211,602 @@
               <a:cs typeface="Times New Roman" panose="02020603050405020304" pitchFamily="18" charset="0"/>
             </a:endParaRPr>
           </a:p>
-          <a:p>
-            <a:pPr marL="285750" indent="-285750">
-              <a:buFont typeface="Wingdings" panose="05000000000000000000" pitchFamily="2" charset="2"/>
-              <a:buChar char="v"/>
-            </a:pPr>
-            <a:r>
-              <a:rPr lang="en-US" sz="2600" dirty="0" err="1" smtClean="0">
-                <a:solidFill>
-                  <a:schemeClr val="accent2">
-                    <a:lumMod val="50000"/>
-                  </a:schemeClr>
-                </a:solidFill>
-                <a:latin typeface="Times New Roman" panose="02020603050405020304" pitchFamily="18" charset="0"/>
-                <a:cs typeface="Times New Roman" panose="02020603050405020304" pitchFamily="18" charset="0"/>
-              </a:rPr>
-              <a:t>Chỉnh</a:t>
-            </a:r>
-            <a:r>
-              <a:rPr lang="en-US" sz="2600" dirty="0" smtClean="0">
-                <a:solidFill>
-                  <a:schemeClr val="accent2">
-                    <a:lumMod val="50000"/>
-                  </a:schemeClr>
-                </a:solidFill>
-                <a:latin typeface="Times New Roman" panose="02020603050405020304" pitchFamily="18" charset="0"/>
-                <a:cs typeface="Times New Roman" panose="02020603050405020304" pitchFamily="18" charset="0"/>
-              </a:rPr>
-              <a:t> </a:t>
-            </a:r>
-            <a:r>
-              <a:rPr lang="en-US" sz="2600" dirty="0" err="1" smtClean="0">
-                <a:solidFill>
-                  <a:schemeClr val="accent2">
-                    <a:lumMod val="50000"/>
-                  </a:schemeClr>
-                </a:solidFill>
-                <a:latin typeface="Times New Roman" panose="02020603050405020304" pitchFamily="18" charset="0"/>
-                <a:cs typeface="Times New Roman" panose="02020603050405020304" pitchFamily="18" charset="0"/>
-              </a:rPr>
-              <a:t>sửa</a:t>
-            </a:r>
-            <a:r>
-              <a:rPr lang="en-US" sz="2600" dirty="0" smtClean="0">
-                <a:solidFill>
-                  <a:schemeClr val="accent2">
-                    <a:lumMod val="50000"/>
-                  </a:schemeClr>
-                </a:solidFill>
-                <a:latin typeface="Times New Roman" panose="02020603050405020304" pitchFamily="18" charset="0"/>
-                <a:cs typeface="Times New Roman" panose="02020603050405020304" pitchFamily="18" charset="0"/>
-              </a:rPr>
-              <a:t>, </a:t>
-            </a:r>
-            <a:r>
-              <a:rPr lang="en-US" sz="2600" dirty="0" err="1" smtClean="0">
-                <a:solidFill>
-                  <a:schemeClr val="accent2">
-                    <a:lumMod val="50000"/>
-                  </a:schemeClr>
-                </a:solidFill>
-                <a:latin typeface="Times New Roman" panose="02020603050405020304" pitchFamily="18" charset="0"/>
-                <a:cs typeface="Times New Roman" panose="02020603050405020304" pitchFamily="18" charset="0"/>
-              </a:rPr>
-              <a:t>xóa</a:t>
-            </a:r>
-            <a:r>
-              <a:rPr lang="en-US" sz="2600" dirty="0" smtClean="0">
-                <a:solidFill>
-                  <a:schemeClr val="accent2">
-                    <a:lumMod val="50000"/>
-                  </a:schemeClr>
-                </a:solidFill>
-                <a:latin typeface="Times New Roman" panose="02020603050405020304" pitchFamily="18" charset="0"/>
-                <a:cs typeface="Times New Roman" panose="02020603050405020304" pitchFamily="18" charset="0"/>
-              </a:rPr>
-              <a:t> </a:t>
-            </a:r>
-            <a:r>
-              <a:rPr lang="en-US" sz="2600" dirty="0" err="1" smtClean="0">
-                <a:solidFill>
-                  <a:schemeClr val="accent2">
-                    <a:lumMod val="50000"/>
-                  </a:schemeClr>
-                </a:solidFill>
-                <a:latin typeface="Times New Roman" panose="02020603050405020304" pitchFamily="18" charset="0"/>
-                <a:cs typeface="Times New Roman" panose="02020603050405020304" pitchFamily="18" charset="0"/>
-              </a:rPr>
-              <a:t>báo</a:t>
-            </a:r>
-            <a:r>
-              <a:rPr lang="en-US" sz="2600" dirty="0" smtClean="0">
-                <a:solidFill>
-                  <a:schemeClr val="accent2">
-                    <a:lumMod val="50000"/>
-                  </a:schemeClr>
-                </a:solidFill>
-                <a:latin typeface="Times New Roman" panose="02020603050405020304" pitchFamily="18" charset="0"/>
-                <a:cs typeface="Times New Roman" panose="02020603050405020304" pitchFamily="18" charset="0"/>
-              </a:rPr>
-              <a:t> </a:t>
-            </a:r>
-            <a:r>
-              <a:rPr lang="en-US" sz="2600" dirty="0" err="1" smtClean="0">
-                <a:solidFill>
-                  <a:schemeClr val="accent2">
-                    <a:lumMod val="50000"/>
-                  </a:schemeClr>
-                </a:solidFill>
-                <a:latin typeface="Times New Roman" panose="02020603050405020304" pitchFamily="18" charset="0"/>
-                <a:cs typeface="Times New Roman" panose="02020603050405020304" pitchFamily="18" charset="0"/>
-              </a:rPr>
-              <a:t>thức</a:t>
-            </a:r>
-            <a:endParaRPr lang="en-US" sz="2600" dirty="0" smtClean="0">
-              <a:solidFill>
-                <a:schemeClr val="accent2">
-                  <a:lumMod val="50000"/>
-                </a:schemeClr>
-              </a:solidFill>
-              <a:latin typeface="Times New Roman" panose="02020603050405020304" pitchFamily="18" charset="0"/>
-              <a:cs typeface="Times New Roman" panose="02020603050405020304" pitchFamily="18" charset="0"/>
-            </a:endParaRPr>
-          </a:p>
-          <a:p>
-            <a:pPr marL="285750" indent="-285750">
-              <a:buFont typeface="Wingdings" panose="05000000000000000000" pitchFamily="2" charset="2"/>
-              <a:buChar char="v"/>
-            </a:pPr>
-            <a:r>
-              <a:rPr lang="en-US" sz="2600" dirty="0" err="1" smtClean="0">
-                <a:solidFill>
-                  <a:schemeClr val="accent2">
-                    <a:lumMod val="50000"/>
-                  </a:schemeClr>
-                </a:solidFill>
-                <a:latin typeface="Times New Roman" panose="02020603050405020304" pitchFamily="18" charset="0"/>
-                <a:cs typeface="Times New Roman" panose="02020603050405020304" pitchFamily="18" charset="0"/>
-              </a:rPr>
-              <a:t>Tắt</a:t>
-            </a:r>
-            <a:r>
-              <a:rPr lang="en-US" sz="2600" dirty="0" smtClean="0">
-                <a:solidFill>
-                  <a:schemeClr val="accent2">
-                    <a:lumMod val="50000"/>
-                  </a:schemeClr>
-                </a:solidFill>
-                <a:latin typeface="Times New Roman" panose="02020603050405020304" pitchFamily="18" charset="0"/>
-                <a:cs typeface="Times New Roman" panose="02020603050405020304" pitchFamily="18" charset="0"/>
-              </a:rPr>
-              <a:t> </a:t>
-            </a:r>
-            <a:r>
-              <a:rPr lang="en-US" sz="2600" dirty="0" err="1" smtClean="0">
-                <a:solidFill>
-                  <a:schemeClr val="accent2">
-                    <a:lumMod val="50000"/>
-                  </a:schemeClr>
-                </a:solidFill>
-                <a:latin typeface="Times New Roman" panose="02020603050405020304" pitchFamily="18" charset="0"/>
-                <a:cs typeface="Times New Roman" panose="02020603050405020304" pitchFamily="18" charset="0"/>
-              </a:rPr>
-              <a:t>báo</a:t>
-            </a:r>
-            <a:r>
-              <a:rPr lang="en-US" sz="2600" dirty="0" smtClean="0">
-                <a:solidFill>
-                  <a:schemeClr val="accent2">
-                    <a:lumMod val="50000"/>
-                  </a:schemeClr>
-                </a:solidFill>
-                <a:latin typeface="Times New Roman" panose="02020603050405020304" pitchFamily="18" charset="0"/>
-                <a:cs typeface="Times New Roman" panose="02020603050405020304" pitchFamily="18" charset="0"/>
-              </a:rPr>
-              <a:t> </a:t>
-            </a:r>
-            <a:r>
-              <a:rPr lang="en-US" sz="2600" dirty="0" err="1" smtClean="0">
-                <a:solidFill>
-                  <a:schemeClr val="accent2">
-                    <a:lumMod val="50000"/>
-                  </a:schemeClr>
-                </a:solidFill>
-                <a:latin typeface="Times New Roman" panose="02020603050405020304" pitchFamily="18" charset="0"/>
-                <a:cs typeface="Times New Roman" panose="02020603050405020304" pitchFamily="18" charset="0"/>
-              </a:rPr>
-              <a:t>thức</a:t>
-            </a:r>
-            <a:endParaRPr lang="vi-VN" sz="2600" dirty="0">
-              <a:solidFill>
-                <a:schemeClr val="accent2">
-                  <a:lumMod val="50000"/>
-                </a:schemeClr>
-              </a:solidFill>
-              <a:latin typeface="Times New Roman" panose="02020603050405020304" pitchFamily="18" charset="0"/>
-              <a:cs typeface="Times New Roman" panose="02020603050405020304" pitchFamily="18" charset="0"/>
-            </a:endParaRPr>
-          </a:p>
         </p:txBody>
       </p:sp>
+      <p:grpSp>
+        <p:nvGrpSpPr>
+          <p:cNvPr id="4" name="Group 3"/>
+          <p:cNvGrpSpPr/>
+          <p:nvPr/>
+        </p:nvGrpSpPr>
+        <p:grpSpPr>
+          <a:xfrm>
+            <a:off x="1072798" y="1823501"/>
+            <a:ext cx="4817363" cy="3256903"/>
+            <a:chOff x="2067950" y="2503506"/>
+            <a:chExt cx="3932579" cy="3164088"/>
+          </a:xfrm>
+        </p:grpSpPr>
+        <p:sp>
+          <p:nvSpPr>
+            <p:cNvPr id="6" name="TextBox 5"/>
+            <p:cNvSpPr txBox="1"/>
+            <p:nvPr/>
+          </p:nvSpPr>
+          <p:spPr>
+            <a:xfrm>
+              <a:off x="2067951" y="2503506"/>
+              <a:ext cx="2982543" cy="642312"/>
+            </a:xfrm>
+            <a:prstGeom prst="snip2DiagRect">
+              <a:avLst/>
+            </a:prstGeom>
+            <a:ln>
+              <a:solidFill>
+                <a:schemeClr val="accent6"/>
+              </a:solidFill>
+            </a:ln>
+          </p:spPr>
+          <p:style>
+            <a:lnRef idx="1">
+              <a:schemeClr val="accent1"/>
+            </a:lnRef>
+            <a:fillRef idx="3">
+              <a:schemeClr val="accent1"/>
+            </a:fillRef>
+            <a:effectRef idx="2">
+              <a:schemeClr val="accent1"/>
+            </a:effectRef>
+            <a:fontRef idx="minor">
+              <a:schemeClr val="lt1"/>
+            </a:fontRef>
+          </p:style>
+          <p:txBody>
+            <a:bodyPr wrap="square" rtlCol="0">
+              <a:spAutoFit/>
+            </a:bodyPr>
+            <a:lstStyle/>
+            <a:p>
+              <a:r>
+                <a:rPr lang="en-US" sz="3000" b="1" dirty="0" err="1" smtClean="0">
+                  <a:ln w="0"/>
+                  <a:solidFill>
+                    <a:schemeClr val="accent2">
+                      <a:lumMod val="50000"/>
+                    </a:schemeClr>
+                  </a:solidFill>
+                  <a:effectLst>
+                    <a:outerShdw blurRad="38100" dist="25400" dir="5400000" algn="ctr" rotWithShape="0">
+                      <a:srgbClr val="6E747A">
+                        <a:alpha val="43000"/>
+                      </a:srgbClr>
+                    </a:outerShdw>
+                  </a:effectLst>
+                  <a:latin typeface="Times New Roman" panose="02020603050405020304" pitchFamily="18" charset="0"/>
+                  <a:cs typeface="Times New Roman" panose="02020603050405020304" pitchFamily="18" charset="0"/>
+                </a:rPr>
+                <a:t>Thêm</a:t>
+              </a:r>
+              <a:r>
+                <a:rPr lang="en-US" sz="3000" b="1" dirty="0" smtClean="0">
+                  <a:ln w="0"/>
+                  <a:solidFill>
+                    <a:schemeClr val="accent2">
+                      <a:lumMod val="50000"/>
+                    </a:schemeClr>
+                  </a:solidFill>
+                  <a:effectLst>
+                    <a:outerShdw blurRad="38100" dist="25400" dir="5400000" algn="ctr" rotWithShape="0">
+                      <a:srgbClr val="6E747A">
+                        <a:alpha val="43000"/>
+                      </a:srgbClr>
+                    </a:outerShdw>
+                  </a:effectLst>
+                  <a:latin typeface="Times New Roman" panose="02020603050405020304" pitchFamily="18" charset="0"/>
+                  <a:cs typeface="Times New Roman" panose="02020603050405020304" pitchFamily="18" charset="0"/>
+                </a:rPr>
+                <a:t> </a:t>
+              </a:r>
+              <a:r>
+                <a:rPr lang="en-US" sz="3000" b="1" dirty="0" err="1" smtClean="0">
+                  <a:ln w="0"/>
+                  <a:solidFill>
+                    <a:schemeClr val="accent2">
+                      <a:lumMod val="50000"/>
+                    </a:schemeClr>
+                  </a:solidFill>
+                  <a:effectLst>
+                    <a:outerShdw blurRad="38100" dist="25400" dir="5400000" algn="ctr" rotWithShape="0">
+                      <a:srgbClr val="6E747A">
+                        <a:alpha val="43000"/>
+                      </a:srgbClr>
+                    </a:outerShdw>
+                  </a:effectLst>
+                  <a:latin typeface="Times New Roman" panose="02020603050405020304" pitchFamily="18" charset="0"/>
+                  <a:cs typeface="Times New Roman" panose="02020603050405020304" pitchFamily="18" charset="0"/>
+                </a:rPr>
+                <a:t>mới</a:t>
+              </a:r>
+              <a:r>
+                <a:rPr lang="en-US" sz="3000" b="1" dirty="0" smtClean="0">
+                  <a:ln w="0"/>
+                  <a:solidFill>
+                    <a:schemeClr val="accent2">
+                      <a:lumMod val="50000"/>
+                    </a:schemeClr>
+                  </a:solidFill>
+                  <a:effectLst>
+                    <a:outerShdw blurRad="38100" dist="25400" dir="5400000" algn="ctr" rotWithShape="0">
+                      <a:srgbClr val="6E747A">
+                        <a:alpha val="43000"/>
+                      </a:srgbClr>
+                    </a:outerShdw>
+                  </a:effectLst>
+                  <a:latin typeface="Times New Roman" panose="02020603050405020304" pitchFamily="18" charset="0"/>
+                  <a:cs typeface="Times New Roman" panose="02020603050405020304" pitchFamily="18" charset="0"/>
+                </a:rPr>
+                <a:t> </a:t>
+              </a:r>
+              <a:r>
+                <a:rPr lang="en-US" sz="3000" b="1" dirty="0" err="1" smtClean="0">
+                  <a:ln w="0"/>
+                  <a:solidFill>
+                    <a:schemeClr val="accent2">
+                      <a:lumMod val="50000"/>
+                    </a:schemeClr>
+                  </a:solidFill>
+                  <a:effectLst>
+                    <a:outerShdw blurRad="38100" dist="25400" dir="5400000" algn="ctr" rotWithShape="0">
+                      <a:srgbClr val="6E747A">
+                        <a:alpha val="43000"/>
+                      </a:srgbClr>
+                    </a:outerShdw>
+                  </a:effectLst>
+                  <a:latin typeface="Times New Roman" panose="02020603050405020304" pitchFamily="18" charset="0"/>
+                  <a:cs typeface="Times New Roman" panose="02020603050405020304" pitchFamily="18" charset="0"/>
+                </a:rPr>
+                <a:t>báo</a:t>
+              </a:r>
+              <a:r>
+                <a:rPr lang="en-US" sz="3000" b="1" dirty="0" smtClean="0">
+                  <a:ln w="0"/>
+                  <a:solidFill>
+                    <a:schemeClr val="accent2">
+                      <a:lumMod val="50000"/>
+                    </a:schemeClr>
+                  </a:solidFill>
+                  <a:effectLst>
+                    <a:outerShdw blurRad="38100" dist="25400" dir="5400000" algn="ctr" rotWithShape="0">
+                      <a:srgbClr val="6E747A">
+                        <a:alpha val="43000"/>
+                      </a:srgbClr>
+                    </a:outerShdw>
+                  </a:effectLst>
+                  <a:latin typeface="Times New Roman" panose="02020603050405020304" pitchFamily="18" charset="0"/>
+                  <a:cs typeface="Times New Roman" panose="02020603050405020304" pitchFamily="18" charset="0"/>
+                </a:rPr>
+                <a:t> </a:t>
+              </a:r>
+              <a:r>
+                <a:rPr lang="en-US" sz="3000" b="1" dirty="0" err="1" smtClean="0">
+                  <a:ln w="0"/>
+                  <a:solidFill>
+                    <a:schemeClr val="accent2">
+                      <a:lumMod val="50000"/>
+                    </a:schemeClr>
+                  </a:solidFill>
+                  <a:effectLst>
+                    <a:outerShdw blurRad="38100" dist="25400" dir="5400000" algn="ctr" rotWithShape="0">
+                      <a:srgbClr val="6E747A">
+                        <a:alpha val="43000"/>
+                      </a:srgbClr>
+                    </a:outerShdw>
+                  </a:effectLst>
+                  <a:latin typeface="Times New Roman" panose="02020603050405020304" pitchFamily="18" charset="0"/>
+                  <a:cs typeface="Times New Roman" panose="02020603050405020304" pitchFamily="18" charset="0"/>
+                </a:rPr>
+                <a:t>thức</a:t>
+              </a:r>
+              <a:endParaRPr lang="vi-VN" sz="3000" b="1" dirty="0">
+                <a:ln w="0"/>
+                <a:solidFill>
+                  <a:schemeClr val="accent2">
+                    <a:lumMod val="50000"/>
+                  </a:schemeClr>
+                </a:solidFill>
+                <a:latin typeface="Times New Roman" panose="02020603050405020304" pitchFamily="18" charset="0"/>
+                <a:cs typeface="Times New Roman" panose="02020603050405020304" pitchFamily="18" charset="0"/>
+              </a:endParaRPr>
+            </a:p>
+          </p:txBody>
+        </p:sp>
+        <p:sp>
+          <p:nvSpPr>
+            <p:cNvPr id="7" name="TextBox 6"/>
+            <p:cNvSpPr txBox="1"/>
+            <p:nvPr/>
+          </p:nvSpPr>
+          <p:spPr>
+            <a:xfrm>
+              <a:off x="2067951" y="3754973"/>
+              <a:ext cx="3932578" cy="642312"/>
+            </a:xfrm>
+            <a:prstGeom prst="snip2DiagRect">
+              <a:avLst/>
+            </a:prstGeom>
+            <a:ln>
+              <a:solidFill>
+                <a:schemeClr val="accent6"/>
+              </a:solidFill>
+            </a:ln>
+          </p:spPr>
+          <p:style>
+            <a:lnRef idx="1">
+              <a:schemeClr val="accent1"/>
+            </a:lnRef>
+            <a:fillRef idx="3">
+              <a:schemeClr val="accent1"/>
+            </a:fillRef>
+            <a:effectRef idx="2">
+              <a:schemeClr val="accent1"/>
+            </a:effectRef>
+            <a:fontRef idx="minor">
+              <a:schemeClr val="lt1"/>
+            </a:fontRef>
+          </p:style>
+          <p:txBody>
+            <a:bodyPr wrap="square" rtlCol="0">
+              <a:spAutoFit/>
+            </a:bodyPr>
+            <a:lstStyle/>
+            <a:p>
+              <a:r>
+                <a:rPr lang="en-US" sz="3000" b="1" dirty="0" err="1" smtClean="0">
+                  <a:ln w="0"/>
+                  <a:solidFill>
+                    <a:schemeClr val="accent2">
+                      <a:lumMod val="50000"/>
+                    </a:schemeClr>
+                  </a:solidFill>
+                  <a:effectLst>
+                    <a:outerShdw blurRad="38100" dist="25400" dir="5400000" algn="ctr" rotWithShape="0">
+                      <a:srgbClr val="6E747A">
+                        <a:alpha val="43000"/>
+                      </a:srgbClr>
+                    </a:outerShdw>
+                  </a:effectLst>
+                  <a:latin typeface="Times New Roman" panose="02020603050405020304" pitchFamily="18" charset="0"/>
+                  <a:cs typeface="Times New Roman" panose="02020603050405020304" pitchFamily="18" charset="0"/>
+                </a:rPr>
+                <a:t>Chỉnh</a:t>
+              </a:r>
+              <a:r>
+                <a:rPr lang="en-US" sz="3000" b="1" dirty="0" smtClean="0">
+                  <a:ln w="0"/>
+                  <a:solidFill>
+                    <a:schemeClr val="accent2">
+                      <a:lumMod val="50000"/>
+                    </a:schemeClr>
+                  </a:solidFill>
+                  <a:effectLst>
+                    <a:outerShdw blurRad="38100" dist="25400" dir="5400000" algn="ctr" rotWithShape="0">
+                      <a:srgbClr val="6E747A">
+                        <a:alpha val="43000"/>
+                      </a:srgbClr>
+                    </a:outerShdw>
+                  </a:effectLst>
+                  <a:latin typeface="Times New Roman" panose="02020603050405020304" pitchFamily="18" charset="0"/>
+                  <a:cs typeface="Times New Roman" panose="02020603050405020304" pitchFamily="18" charset="0"/>
+                </a:rPr>
+                <a:t> </a:t>
+              </a:r>
+              <a:r>
+                <a:rPr lang="en-US" sz="3000" b="1" dirty="0" err="1" smtClean="0">
+                  <a:ln w="0"/>
+                  <a:solidFill>
+                    <a:schemeClr val="accent2">
+                      <a:lumMod val="50000"/>
+                    </a:schemeClr>
+                  </a:solidFill>
+                  <a:effectLst>
+                    <a:outerShdw blurRad="38100" dist="25400" dir="5400000" algn="ctr" rotWithShape="0">
+                      <a:srgbClr val="6E747A">
+                        <a:alpha val="43000"/>
+                      </a:srgbClr>
+                    </a:outerShdw>
+                  </a:effectLst>
+                  <a:latin typeface="Times New Roman" panose="02020603050405020304" pitchFamily="18" charset="0"/>
+                  <a:cs typeface="Times New Roman" panose="02020603050405020304" pitchFamily="18" charset="0"/>
+                </a:rPr>
+                <a:t>sửa</a:t>
+              </a:r>
+              <a:r>
+                <a:rPr lang="en-US" sz="3000" b="1" dirty="0" smtClean="0">
+                  <a:ln w="0"/>
+                  <a:solidFill>
+                    <a:schemeClr val="accent2">
+                      <a:lumMod val="50000"/>
+                    </a:schemeClr>
+                  </a:solidFill>
+                  <a:effectLst>
+                    <a:outerShdw blurRad="38100" dist="25400" dir="5400000" algn="ctr" rotWithShape="0">
+                      <a:srgbClr val="6E747A">
+                        <a:alpha val="43000"/>
+                      </a:srgbClr>
+                    </a:outerShdw>
+                  </a:effectLst>
+                  <a:latin typeface="Times New Roman" panose="02020603050405020304" pitchFamily="18" charset="0"/>
+                  <a:cs typeface="Times New Roman" panose="02020603050405020304" pitchFamily="18" charset="0"/>
+                </a:rPr>
+                <a:t>, </a:t>
+              </a:r>
+              <a:r>
+                <a:rPr lang="en-US" sz="3000" b="1" dirty="0" err="1" smtClean="0">
+                  <a:ln w="0"/>
+                  <a:solidFill>
+                    <a:schemeClr val="accent2">
+                      <a:lumMod val="50000"/>
+                    </a:schemeClr>
+                  </a:solidFill>
+                  <a:effectLst>
+                    <a:outerShdw blurRad="38100" dist="25400" dir="5400000" algn="ctr" rotWithShape="0">
+                      <a:srgbClr val="6E747A">
+                        <a:alpha val="43000"/>
+                      </a:srgbClr>
+                    </a:outerShdw>
+                  </a:effectLst>
+                  <a:latin typeface="Times New Roman" panose="02020603050405020304" pitchFamily="18" charset="0"/>
+                  <a:cs typeface="Times New Roman" panose="02020603050405020304" pitchFamily="18" charset="0"/>
+                </a:rPr>
+                <a:t>xóa</a:t>
+              </a:r>
+              <a:r>
+                <a:rPr lang="en-US" sz="3000" b="1" dirty="0" smtClean="0">
+                  <a:ln w="0"/>
+                  <a:solidFill>
+                    <a:schemeClr val="accent2">
+                      <a:lumMod val="50000"/>
+                    </a:schemeClr>
+                  </a:solidFill>
+                  <a:effectLst>
+                    <a:outerShdw blurRad="38100" dist="25400" dir="5400000" algn="ctr" rotWithShape="0">
+                      <a:srgbClr val="6E747A">
+                        <a:alpha val="43000"/>
+                      </a:srgbClr>
+                    </a:outerShdw>
+                  </a:effectLst>
+                  <a:latin typeface="Times New Roman" panose="02020603050405020304" pitchFamily="18" charset="0"/>
+                  <a:cs typeface="Times New Roman" panose="02020603050405020304" pitchFamily="18" charset="0"/>
+                </a:rPr>
+                <a:t> </a:t>
+              </a:r>
+              <a:r>
+                <a:rPr lang="en-US" sz="3000" b="1" dirty="0" err="1" smtClean="0">
+                  <a:ln w="0"/>
+                  <a:solidFill>
+                    <a:schemeClr val="accent2">
+                      <a:lumMod val="50000"/>
+                    </a:schemeClr>
+                  </a:solidFill>
+                  <a:effectLst>
+                    <a:outerShdw blurRad="38100" dist="25400" dir="5400000" algn="ctr" rotWithShape="0">
+                      <a:srgbClr val="6E747A">
+                        <a:alpha val="43000"/>
+                      </a:srgbClr>
+                    </a:outerShdw>
+                  </a:effectLst>
+                  <a:latin typeface="Times New Roman" panose="02020603050405020304" pitchFamily="18" charset="0"/>
+                  <a:cs typeface="Times New Roman" panose="02020603050405020304" pitchFamily="18" charset="0"/>
+                </a:rPr>
+                <a:t>báo</a:t>
+              </a:r>
+              <a:r>
+                <a:rPr lang="en-US" sz="3000" b="1" dirty="0" smtClean="0">
+                  <a:ln w="0"/>
+                  <a:solidFill>
+                    <a:schemeClr val="accent2">
+                      <a:lumMod val="50000"/>
+                    </a:schemeClr>
+                  </a:solidFill>
+                  <a:effectLst>
+                    <a:outerShdw blurRad="38100" dist="25400" dir="5400000" algn="ctr" rotWithShape="0">
+                      <a:srgbClr val="6E747A">
+                        <a:alpha val="43000"/>
+                      </a:srgbClr>
+                    </a:outerShdw>
+                  </a:effectLst>
+                  <a:latin typeface="Times New Roman" panose="02020603050405020304" pitchFamily="18" charset="0"/>
+                  <a:cs typeface="Times New Roman" panose="02020603050405020304" pitchFamily="18" charset="0"/>
+                </a:rPr>
+                <a:t> </a:t>
+              </a:r>
+              <a:r>
+                <a:rPr lang="en-US" sz="3000" b="1" dirty="0" err="1" smtClean="0">
+                  <a:ln w="0"/>
+                  <a:solidFill>
+                    <a:schemeClr val="accent2">
+                      <a:lumMod val="50000"/>
+                    </a:schemeClr>
+                  </a:solidFill>
+                  <a:effectLst>
+                    <a:outerShdw blurRad="38100" dist="25400" dir="5400000" algn="ctr" rotWithShape="0">
+                      <a:srgbClr val="6E747A">
+                        <a:alpha val="43000"/>
+                      </a:srgbClr>
+                    </a:outerShdw>
+                  </a:effectLst>
+                  <a:latin typeface="Times New Roman" panose="02020603050405020304" pitchFamily="18" charset="0"/>
+                  <a:cs typeface="Times New Roman" panose="02020603050405020304" pitchFamily="18" charset="0"/>
+                </a:rPr>
+                <a:t>thức</a:t>
+              </a:r>
+              <a:endParaRPr lang="vi-VN" sz="3000" b="1" dirty="0">
+                <a:ln w="0"/>
+                <a:solidFill>
+                  <a:schemeClr val="accent2">
+                    <a:lumMod val="50000"/>
+                  </a:schemeClr>
+                </a:solidFill>
+                <a:latin typeface="Times New Roman" panose="02020603050405020304" pitchFamily="18" charset="0"/>
+                <a:cs typeface="Times New Roman" panose="02020603050405020304" pitchFamily="18" charset="0"/>
+              </a:endParaRPr>
+            </a:p>
+          </p:txBody>
+        </p:sp>
+        <p:sp>
+          <p:nvSpPr>
+            <p:cNvPr id="8" name="TextBox 7"/>
+            <p:cNvSpPr txBox="1"/>
+            <p:nvPr/>
+          </p:nvSpPr>
+          <p:spPr>
+            <a:xfrm>
+              <a:off x="2067950" y="5006440"/>
+              <a:ext cx="2585080" cy="661154"/>
+            </a:xfrm>
+            <a:prstGeom prst="snip2DiagRect">
+              <a:avLst/>
+            </a:prstGeom>
+            <a:ln>
+              <a:solidFill>
+                <a:schemeClr val="accent6"/>
+              </a:solidFill>
+            </a:ln>
+          </p:spPr>
+          <p:style>
+            <a:lnRef idx="1">
+              <a:schemeClr val="accent1"/>
+            </a:lnRef>
+            <a:fillRef idx="3">
+              <a:schemeClr val="accent1"/>
+            </a:fillRef>
+            <a:effectRef idx="2">
+              <a:schemeClr val="accent1"/>
+            </a:effectRef>
+            <a:fontRef idx="minor">
+              <a:schemeClr val="lt1"/>
+            </a:fontRef>
+          </p:style>
+          <p:txBody>
+            <a:bodyPr wrap="square" rtlCol="0">
+              <a:spAutoFit/>
+            </a:bodyPr>
+            <a:lstStyle/>
+            <a:p>
+              <a:r>
+                <a:rPr lang="en-US" sz="3000" b="1" dirty="0" err="1" smtClean="0">
+                  <a:ln w="0"/>
+                  <a:solidFill>
+                    <a:schemeClr val="accent2">
+                      <a:lumMod val="50000"/>
+                    </a:schemeClr>
+                  </a:solidFill>
+                  <a:effectLst>
+                    <a:outerShdw blurRad="38100" dist="25400" dir="5400000" algn="ctr" rotWithShape="0">
+                      <a:srgbClr val="6E747A">
+                        <a:alpha val="43000"/>
+                      </a:srgbClr>
+                    </a:outerShdw>
+                  </a:effectLst>
+                  <a:latin typeface="Times New Roman" panose="02020603050405020304" pitchFamily="18" charset="0"/>
+                  <a:cs typeface="Times New Roman" panose="02020603050405020304" pitchFamily="18" charset="0"/>
+                </a:rPr>
+                <a:t>Tắt</a:t>
+              </a:r>
+              <a:r>
+                <a:rPr lang="en-US" sz="3000" b="1" dirty="0">
+                  <a:ln w="0"/>
+                  <a:solidFill>
+                    <a:schemeClr val="accent2">
+                      <a:lumMod val="50000"/>
+                    </a:schemeClr>
+                  </a:solidFill>
+                  <a:effectLst>
+                    <a:outerShdw blurRad="38100" dist="25400" dir="5400000" algn="ctr" rotWithShape="0">
+                      <a:srgbClr val="6E747A">
+                        <a:alpha val="43000"/>
+                      </a:srgbClr>
+                    </a:outerShdw>
+                  </a:effectLst>
+                  <a:latin typeface="Times New Roman" panose="02020603050405020304" pitchFamily="18" charset="0"/>
+                  <a:cs typeface="Times New Roman" panose="02020603050405020304" pitchFamily="18" charset="0"/>
+                </a:rPr>
+                <a:t> </a:t>
+              </a:r>
+              <a:r>
+                <a:rPr lang="en-US" sz="3000" b="1" dirty="0" err="1" smtClean="0">
+                  <a:ln w="0"/>
+                  <a:solidFill>
+                    <a:schemeClr val="accent2">
+                      <a:lumMod val="50000"/>
+                    </a:schemeClr>
+                  </a:solidFill>
+                  <a:effectLst>
+                    <a:outerShdw blurRad="38100" dist="25400" dir="5400000" algn="ctr" rotWithShape="0">
+                      <a:srgbClr val="6E747A">
+                        <a:alpha val="43000"/>
+                      </a:srgbClr>
+                    </a:outerShdw>
+                  </a:effectLst>
+                  <a:latin typeface="Times New Roman" panose="02020603050405020304" pitchFamily="18" charset="0"/>
+                  <a:cs typeface="Times New Roman" panose="02020603050405020304" pitchFamily="18" charset="0"/>
+                </a:rPr>
+                <a:t>báo</a:t>
+              </a:r>
+              <a:r>
+                <a:rPr lang="en-US" sz="3000" b="1" dirty="0" smtClean="0">
+                  <a:ln w="0"/>
+                  <a:solidFill>
+                    <a:schemeClr val="accent2">
+                      <a:lumMod val="50000"/>
+                    </a:schemeClr>
+                  </a:solidFill>
+                  <a:effectLst>
+                    <a:outerShdw blurRad="38100" dist="25400" dir="5400000" algn="ctr" rotWithShape="0">
+                      <a:srgbClr val="6E747A">
+                        <a:alpha val="43000"/>
+                      </a:srgbClr>
+                    </a:outerShdw>
+                  </a:effectLst>
+                  <a:latin typeface="Times New Roman" panose="02020603050405020304" pitchFamily="18" charset="0"/>
+                  <a:cs typeface="Times New Roman" panose="02020603050405020304" pitchFamily="18" charset="0"/>
+                </a:rPr>
+                <a:t> </a:t>
+              </a:r>
+              <a:r>
+                <a:rPr lang="en-US" sz="3000" b="1" dirty="0" err="1" smtClean="0">
+                  <a:ln w="0"/>
+                  <a:solidFill>
+                    <a:schemeClr val="accent2">
+                      <a:lumMod val="50000"/>
+                    </a:schemeClr>
+                  </a:solidFill>
+                  <a:effectLst>
+                    <a:outerShdw blurRad="38100" dist="25400" dir="5400000" algn="ctr" rotWithShape="0">
+                      <a:srgbClr val="6E747A">
+                        <a:alpha val="43000"/>
+                      </a:srgbClr>
+                    </a:outerShdw>
+                  </a:effectLst>
+                  <a:latin typeface="Times New Roman" panose="02020603050405020304" pitchFamily="18" charset="0"/>
+                  <a:cs typeface="Times New Roman" panose="02020603050405020304" pitchFamily="18" charset="0"/>
+                </a:rPr>
+                <a:t>thức</a:t>
+              </a:r>
+              <a:endParaRPr lang="vi-VN" sz="3000" b="1" dirty="0">
+                <a:ln w="0"/>
+                <a:solidFill>
+                  <a:schemeClr val="accent2">
+                    <a:lumMod val="50000"/>
+                  </a:schemeClr>
+                </a:solidFill>
+                <a:latin typeface="Times New Roman" panose="02020603050405020304" pitchFamily="18" charset="0"/>
+                <a:cs typeface="Times New Roman" panose="02020603050405020304" pitchFamily="18" charset="0"/>
+              </a:endParaRPr>
+            </a:p>
+          </p:txBody>
+        </p:sp>
+      </p:grpSp>
     </p:spTree>
     <p:extLst>
       <p:ext uri="{BB962C8B-B14F-4D97-AF65-F5344CB8AC3E}">
@@ -8942,7 +10857,7 @@
         <p:spPr>
           <a:xfrm>
             <a:off x="685799" y="245661"/>
-            <a:ext cx="8588203" cy="1105468"/>
+            <a:ext cx="8588203" cy="644988"/>
           </a:xfrm>
         </p:spPr>
         <p:txBody>
@@ -9046,19 +10961,7 @@
                 <a:latin typeface="Times New Roman" panose="02020603050405020304" pitchFamily="18" charset="0"/>
                 <a:cs typeface="Times New Roman" panose="02020603050405020304" pitchFamily="18" charset="0"/>
               </a:rPr>
-              <a:t> </a:t>
-            </a:r>
-            <a:r>
-              <a:rPr lang="en-US" sz="3400" b="1" dirty="0" smtClean="0">
-                <a:solidFill>
-                  <a:schemeClr val="accent2">
-                    <a:lumMod val="75000"/>
-                  </a:schemeClr>
-                </a:solidFill>
-                <a:latin typeface="Times New Roman" panose="02020603050405020304" pitchFamily="18" charset="0"/>
-                <a:cs typeface="Times New Roman" panose="02020603050405020304" pitchFamily="18" charset="0"/>
-              </a:rPr>
-              <a:t>Main</a:t>
+              <a:t> Main</a:t>
             </a:r>
             <a:endParaRPr lang="vi-VN" sz="3400" b="1" dirty="0">
               <a:solidFill>
@@ -9094,12 +10997,22 @@
         </p:blipFill>
         <p:spPr>
           <a:xfrm>
-            <a:off x="2836775" y="1514902"/>
-            <a:ext cx="4286250" cy="5199796"/>
+            <a:off x="1938197" y="1045028"/>
+            <a:ext cx="6083405" cy="5517772"/>
           </a:xfrm>
           <a:prstGeom prst="rect">
             <a:avLst/>
           </a:prstGeom>
+          <a:ln>
+            <a:noFill/>
+          </a:ln>
+          <a:effectLst>
+            <a:outerShdw blurRad="190500" algn="tl" rotWithShape="0">
+              <a:srgbClr val="000000">
+                <a:alpha val="70000"/>
+              </a:srgbClr>
+            </a:outerShdw>
+          </a:effectLst>
         </p:spPr>
       </p:pic>
     </p:spTree>
@@ -9381,4 +11294,265 @@
     </a:ext>
   </a:extLst>
 </a:theme>
+</file>
+
+<file path=ppt/theme/theme2.xml><?xml version="1.0" encoding="utf-8"?>
+<a:theme xmlns:a="http://schemas.openxmlformats.org/drawingml/2006/main" name="Office Theme">
+  <a:themeElements>
+    <a:clrScheme name="Office">
+      <a:dk1>
+        <a:sysClr val="windowText" lastClr="000000"/>
+      </a:dk1>
+      <a:lt1>
+        <a:sysClr val="window" lastClr="FFFFFF"/>
+      </a:lt1>
+      <a:dk2>
+        <a:srgbClr val="44546A"/>
+      </a:dk2>
+      <a:lt2>
+        <a:srgbClr val="E7E6E6"/>
+      </a:lt2>
+      <a:accent1>
+        <a:srgbClr val="5B9BD5"/>
+      </a:accent1>
+      <a:accent2>
+        <a:srgbClr val="ED7D31"/>
+      </a:accent2>
+      <a:accent3>
+        <a:srgbClr val="A5A5A5"/>
+      </a:accent3>
+      <a:accent4>
+        <a:srgbClr val="FFC000"/>
+      </a:accent4>
+      <a:accent5>
+        <a:srgbClr val="4472C4"/>
+      </a:accent5>
+      <a:accent6>
+        <a:srgbClr val="70AD47"/>
+      </a:accent6>
+      <a:hlink>
+        <a:srgbClr val="0563C1"/>
+      </a:hlink>
+      <a:folHlink>
+        <a:srgbClr val="954F72"/>
+      </a:folHlink>
+    </a:clrScheme>
+    <a:fontScheme name="Office">
+      <a:majorFont>
+        <a:latin typeface="Calibri Light" panose="020F0302020204030204"/>
+        <a:ea typeface=""/>
+        <a:cs typeface=""/>
+        <a:font script="Jpan" typeface="ＭＳ Ｐゴシック"/>
+        <a:font script="Hang" typeface="맑은 고딕"/>
+        <a:font script="Hans" typeface="宋体"/>
+        <a:font script="Hant" typeface="新細明體"/>
+        <a:font script="Arab" typeface="Times New Roman"/>
+        <a:font script="Hebr" typeface="Times New Roman"/>
+        <a:font script="Thai" typeface="Angsana New"/>
+        <a:font script="Ethi" typeface="Nyala"/>
+        <a:font script="Beng" typeface="Vrinda"/>
+        <a:font script="Gujr" typeface="Shruti"/>
+        <a:font script="Khmr" typeface="MoolBoran"/>
+        <a:font script="Knda" typeface="Tunga"/>
+        <a:font script="Guru" typeface="Raavi"/>
+        <a:font script="Cans" typeface="Euphemia"/>
+        <a:font script="Cher" typeface="Plantagenet Cherokee"/>
+        <a:font script="Yiii" typeface="Microsoft Yi Baiti"/>
+        <a:font script="Tibt" typeface="Microsoft Himalaya"/>
+        <a:font script="Thaa" typeface="MV Boli"/>
+        <a:font script="Deva" typeface="Mangal"/>
+        <a:font script="Telu" typeface="Gautami"/>
+        <a:font script="Taml" typeface="Latha"/>
+        <a:font script="Syrc" typeface="Estrangelo Edessa"/>
+        <a:font script="Orya" typeface="Kalinga"/>
+        <a:font script="Mlym" typeface="Kartika"/>
+        <a:font script="Laoo" typeface="DokChampa"/>
+        <a:font script="Sinh" typeface="Iskoola Pota"/>
+        <a:font script="Mong" typeface="Mongolian Baiti"/>
+        <a:font script="Viet" typeface="Times New Roman"/>
+        <a:font script="Uigh" typeface="Microsoft Uighur"/>
+        <a:font script="Geor" typeface="Sylfaen"/>
+      </a:majorFont>
+      <a:minorFont>
+        <a:latin typeface="Calibri" panose="020F0502020204030204"/>
+        <a:ea typeface=""/>
+        <a:cs typeface=""/>
+        <a:font script="Jpan" typeface="ＭＳ Ｐゴシック"/>
+        <a:font script="Hang" typeface="맑은 고딕"/>
+        <a:font script="Hans" typeface="宋体"/>
+        <a:font script="Hant" typeface="新細明體"/>
+        <a:font script="Arab" typeface="Arial"/>
+        <a:font script="Hebr" typeface="Arial"/>
+        <a:font script="Thai" typeface="Cordia New"/>
+        <a:font script="Ethi" typeface="Nyala"/>
+        <a:font script="Beng" typeface="Vrinda"/>
+        <a:font script="Gujr" typeface="Shruti"/>
+        <a:font script="Khmr" typeface="DaunPenh"/>
+        <a:font script="Knda" typeface="Tunga"/>
+        <a:font script="Guru" typeface="Raavi"/>
+        <a:font script="Cans" typeface="Euphemia"/>
+        <a:font script="Cher" typeface="Plantagenet Cherokee"/>
+        <a:font script="Yiii" typeface="Microsoft Yi Baiti"/>
+        <a:font script="Tibt" typeface="Microsoft Himalaya"/>
+        <a:font script="Thaa" typeface="MV Boli"/>
+        <a:font script="Deva" typeface="Mangal"/>
+        <a:font script="Telu" typeface="Gautami"/>
+        <a:font script="Taml" typeface="Latha"/>
+        <a:font script="Syrc" typeface="Estrangelo Edessa"/>
+        <a:font script="Orya" typeface="Kalinga"/>
+        <a:font script="Mlym" typeface="Kartika"/>
+        <a:font script="Laoo" typeface="DokChampa"/>
+        <a:font script="Sinh" typeface="Iskoola Pota"/>
+        <a:font script="Mong" typeface="Mongolian Baiti"/>
+        <a:font script="Viet" typeface="Arial"/>
+        <a:font script="Uigh" typeface="Microsoft Uighur"/>
+        <a:font script="Geor" typeface="Sylfaen"/>
+      </a:minorFont>
+    </a:fontScheme>
+    <a:fmtScheme name="Office">
+      <a:fillStyleLst>
+        <a:solidFill>
+          <a:schemeClr val="phClr"/>
+        </a:solidFill>
+        <a:gradFill rotWithShape="1">
+          <a:gsLst>
+            <a:gs pos="0">
+              <a:schemeClr val="phClr">
+                <a:lumMod val="110000"/>
+                <a:satMod val="105000"/>
+                <a:tint val="67000"/>
+              </a:schemeClr>
+            </a:gs>
+            <a:gs pos="50000">
+              <a:schemeClr val="phClr">
+                <a:lumMod val="105000"/>
+                <a:satMod val="103000"/>
+                <a:tint val="73000"/>
+              </a:schemeClr>
+            </a:gs>
+            <a:gs pos="100000">
+              <a:schemeClr val="phClr">
+                <a:lumMod val="105000"/>
+                <a:satMod val="109000"/>
+                <a:tint val="81000"/>
+              </a:schemeClr>
+            </a:gs>
+          </a:gsLst>
+          <a:lin ang="5400000" scaled="0"/>
+        </a:gradFill>
+        <a:gradFill rotWithShape="1">
+          <a:gsLst>
+            <a:gs pos="0">
+              <a:schemeClr val="phClr">
+                <a:satMod val="103000"/>
+                <a:lumMod val="102000"/>
+                <a:tint val="94000"/>
+              </a:schemeClr>
+            </a:gs>
+            <a:gs pos="50000">
+              <a:schemeClr val="phClr">
+                <a:satMod val="110000"/>
+                <a:lumMod val="100000"/>
+                <a:shade val="100000"/>
+              </a:schemeClr>
+            </a:gs>
+            <a:gs pos="100000">
+              <a:schemeClr val="phClr">
+                <a:lumMod val="99000"/>
+                <a:satMod val="120000"/>
+                <a:shade val="78000"/>
+              </a:schemeClr>
+            </a:gs>
+          </a:gsLst>
+          <a:lin ang="5400000" scaled="0"/>
+        </a:gradFill>
+      </a:fillStyleLst>
+      <a:lnStyleLst>
+        <a:ln w="6350" cap="flat" cmpd="sng" algn="ctr">
+          <a:solidFill>
+            <a:schemeClr val="phClr"/>
+          </a:solidFill>
+          <a:prstDash val="solid"/>
+          <a:miter lim="800000"/>
+        </a:ln>
+        <a:ln w="12700" cap="flat" cmpd="sng" algn="ctr">
+          <a:solidFill>
+            <a:schemeClr val="phClr"/>
+          </a:solidFill>
+          <a:prstDash val="solid"/>
+          <a:miter lim="800000"/>
+        </a:ln>
+        <a:ln w="19050" cap="flat" cmpd="sng" algn="ctr">
+          <a:solidFill>
+            <a:schemeClr val="phClr"/>
+          </a:solidFill>
+          <a:prstDash val="solid"/>
+          <a:miter lim="800000"/>
+        </a:ln>
+      </a:lnStyleLst>
+      <a:effectStyleLst>
+        <a:effectStyle>
+          <a:effectLst/>
+        </a:effectStyle>
+        <a:effectStyle>
+          <a:effectLst/>
+        </a:effectStyle>
+        <a:effectStyle>
+          <a:effectLst>
+            <a:outerShdw blurRad="57150" dist="19050" dir="5400000" algn="ctr" rotWithShape="0">
+              <a:srgbClr val="000000">
+                <a:alpha val="63000"/>
+              </a:srgbClr>
+            </a:outerShdw>
+          </a:effectLst>
+        </a:effectStyle>
+      </a:effectStyleLst>
+      <a:bgFillStyleLst>
+        <a:solidFill>
+          <a:schemeClr val="phClr"/>
+        </a:solidFill>
+        <a:solidFill>
+          <a:schemeClr val="phClr">
+            <a:tint val="95000"/>
+            <a:satMod val="170000"/>
+          </a:schemeClr>
+        </a:solidFill>
+        <a:gradFill rotWithShape="1">
+          <a:gsLst>
+            <a:gs pos="0">
+              <a:schemeClr val="phClr">
+                <a:tint val="93000"/>
+                <a:satMod val="150000"/>
+                <a:shade val="98000"/>
+                <a:lumMod val="102000"/>
+              </a:schemeClr>
+            </a:gs>
+            <a:gs pos="50000">
+              <a:schemeClr val="phClr">
+                <a:tint val="98000"/>
+                <a:satMod val="130000"/>
+                <a:shade val="90000"/>
+                <a:lumMod val="103000"/>
+              </a:schemeClr>
+            </a:gs>
+            <a:gs pos="100000">
+              <a:schemeClr val="phClr">
+                <a:shade val="63000"/>
+                <a:satMod val="120000"/>
+              </a:schemeClr>
+            </a:gs>
+          </a:gsLst>
+          <a:lin ang="5400000" scaled="0"/>
+        </a:gradFill>
+      </a:bgFillStyleLst>
+    </a:fmtScheme>
+  </a:themeElements>
+  <a:objectDefaults/>
+  <a:extraClrSchemeLst/>
+  <a:extLst>
+    <a:ext uri="{05A4C25C-085E-4340-85A3-A5531E510DB2}">
+      <thm15:themeFamily xmlns:thm15="http://schemas.microsoft.com/office/thememl/2012/main" name="Office Theme" id="{62F939B6-93AF-4DB8-9C6B-D6C7DFDC589F}" vid="{4A3C46E8-61CC-4603-A589-7422A47A8E4A}"/>
+    </a:ext>
+  </a:extLst>
+</a:theme>
 </file>